--- a/1. Введение/1. Введение.pptx
+++ b/1. Введение/1. Введение.pptx
@@ -4,10 +4,17 @@
   <p:sldMasterIdLst>
     <p:sldMasterId id="2147483648" r:id="rId1"/>
   </p:sldMasterIdLst>
+  <p:notesMasterIdLst>
+    <p:notesMasterId r:id="rId9"/>
+  </p:notesMasterIdLst>
   <p:sldIdLst>
-    <p:sldId id="256" r:id="rId2"/>
-    <p:sldId id="257" r:id="rId3"/>
-    <p:sldId id="258" r:id="rId4"/>
+    <p:sldId id="257" r:id="rId2"/>
+    <p:sldId id="258" r:id="rId3"/>
+    <p:sldId id="259" r:id="rId4"/>
+    <p:sldId id="260" r:id="rId5"/>
+    <p:sldId id="263" r:id="rId6"/>
+    <p:sldId id="261" r:id="rId7"/>
+    <p:sldId id="262" r:id="rId8"/>
   </p:sldIdLst>
   <p:sldSz cx="9144000" cy="6858000" type="screen4x3"/>
   <p:notesSz cx="6858000" cy="9144000"/>
@@ -106,7 +113,388 @@
       </a:defRPr>
     </a:lvl9pPr>
   </p:defaultTextStyle>
+  <p:extLst>
+    <p:ext uri="{EFAFB233-063F-42B5-8137-9DF3F51BA10A}">
+      <p15:sldGuideLst xmlns:p15="http://schemas.microsoft.com/office/powerpoint/2012/main"/>
+    </p:ext>
+  </p:extLst>
 </p:presentation>
+</file>
+
+<file path=ppt/ink/ink1.xml><?xml version="1.0" encoding="utf-8"?>
+<inkml:ink xmlns:inkml="http://www.w3.org/2003/InkML">
+  <inkml:definitions>
+    <inkml:context xml:id="ctx0">
+      <inkml:inkSource xml:id="inkSrc0">
+        <inkml:traceFormat>
+          <inkml:channel name="X" type="integer" min="-2.14748E9" max="2.14748E9" units="cm"/>
+          <inkml:channel name="Y" type="integer" min="-2.14748E9" max="2.14748E9" units="cm"/>
+          <inkml:channel name="F" type="integer" max="32767" units="dev"/>
+        </inkml:traceFormat>
+        <inkml:channelProperties>
+          <inkml:channelProperty channel="X" name="resolution" value="1000" units="1/cm"/>
+          <inkml:channelProperty channel="Y" name="resolution" value="1000" units="1/cm"/>
+          <inkml:channelProperty channel="F" name="resolution" value="0" units="1/dev"/>
+        </inkml:channelProperties>
+      </inkml:inkSource>
+      <inkml:timestamp xml:id="ts0" timeString="2023-01-31T10:01:03.096"/>
+    </inkml:context>
+    <inkml:brush xml:id="br0">
+      <inkml:brushProperty name="width" value="0.05" units="cm"/>
+      <inkml:brushProperty name="height" value="0.05" units="cm"/>
+    </inkml:brush>
+  </inkml:definitions>
+  <inkml:trace contextRef="#ctx0" brushRef="#br0">3589 25 24575,'-1427'0'0,"1401"-2"0,-48-8 0,47 6 0,-46-3 0,42 7 0,-25-2 0,-1 4 0,-89 12 0,105-9 0,0-1 0,-1-2 0,-49-5 0,37 1 0,-55 5 0,97 0 0,1-1 0,-1 2 0,1-1 0,0 1 0,0 1 0,-17 10 0,-31 12 0,36-18 0,0 1 0,1 2 0,0 0 0,1 2 0,-26 20 0,7-5 0,-124 97 0,98-87 0,53-32 0,0 0 0,0 0 0,1 1 0,0 1 0,1 0 0,0 1 0,-12 12 0,3 2 0,-45 38 0,7-12 0,-45 43 0,90-80 0,1 1 0,0 0 0,1 1 0,1 0 0,-12 23 0,-35 84 0,48-103 0,0 0 0,2 0 0,0 1 0,-4 23 0,6-23 0,0 0 0,-2 0 0,0-1 0,-15 27 0,18-37 0,1-1 0,0 0 0,0 1 0,1-1 0,0 1 0,0 0 0,0 15 0,1-14 0,0 0 0,-1 0 0,0 0 0,-1 0 0,-6 18 0,1-12 0,0 1 0,2 0 0,0 1 0,1-1 0,1 1 0,1 0 0,0 0 0,1 0 0,1 24 0,0-18 0,-2-1 0,-6 30 0,0 3 0,0 2 0,4-28 0,1 0 0,0 30 0,3 51 0,3 113 0,1-197 0,1-1 0,2 0 0,0 0 0,1-1 0,2 0 0,21 43 0,17 47 0,-18-38 0,-18-50 0,-8-18 0,0 0 0,1-1 0,0 1 0,0-1 0,1 0 0,0 0 0,9 10 0,16 27 0,-7-9 0,10 25 0,-1-2 0,-16-38 0,1-2 0,1 0 0,1-1 0,41 29 0,3 4 0,-46-34 0,-1 1 0,-1 0 0,26 40 0,-26-36 0,0 0 0,32 33 0,-34-41 0,1-1 0,1-1 0,0 0 0,0-1 0,22 12 0,-16-10 0,1 1 0,-1 2 0,-1 0 0,-1 1 0,0 1 0,29 37 0,-24-28 0,-6-7 0,0-1 0,1 0 0,1-1 0,1-2 0,0 0 0,1-1 0,1-1 0,29 13 0,-44-22 0,0-1 0,-1 1 0,0 1 0,0-1 0,0 1 0,-1 1 0,0-1 0,10 14 0,-10-12 0,0-1 0,1 1 0,0-1 0,0-1 0,0 1 0,1-1 0,13 8 0,24 11 0,0 2 0,54 45 0,-53-40 0,54 28 0,-58-36 0,4 5 0,42 37 0,0-1 0,-18-11 0,-115-152 0,41 88 0,0 0 0,1-1 0,-3-20 0,5 24 0,0 0 0,0 1 0,-1-1 0,0 0 0,0 1 0,0-1 0,-1 1 0,0 0 0,-1-1 0,1 2 0,-9-12 0,8 11 0,0 0 0,0 0 0,1 0 0,0 0 0,0-1 0,1 0 0,-1 1 0,2-1 0,-1 0 0,1 0 0,0 0 0,0 0 0,1 0 0,0 0 0,0 0 0,0 0 0,3-9 0,-2 5 0,-1 0 0,0-1 0,0 1 0,-1 0 0,-3-15 0,4 26 0,0 0 0,0 0 0,0-1 0,0 1 0,0 0 0,0 0 0,0 0 0,0-1 0,0 1 0,0 0 0,0 0 0,0 0 0,0-1 0,0 1 0,0 0 0,0 0 0,0 0 0,0-1 0,0 1 0,0 0 0,0 0 0,0 0 0,0-1 0,0 1 0,0 0 0,0 0 0,0 0 0,-1-1 0,1 1 0,0 0 0,0 0 0,0 0 0,0 0 0,0 0 0,-1-1 0,1 1 0,0 0 0,0 0 0,0 0 0,0 0 0,-1 0 0,1 0 0,0 0 0,0 0 0,0 0 0,-1 0 0,1 0 0,0 0 0,0 0 0,-1 0 0,1 0 0,0 0 0,0 0 0,0 0 0,-1 0 0,1 0 0,0 0 0,0 0 0,0 0 0,-1 0 0,1 0 0,-6 19 0,1 25 0,5 343 0,0-384 0,0 0 0,0 1 0,1-1 0,-1 0 0,1 0 0,0 0 0,0 1 0,0-1 0,0 0 0,1 0 0,-1 0 0,1-1 0,-1 1 0,1 0 0,0-1 0,0 1 0,1-1 0,-1 1 0,3 1 0,-3-3 0,-1 0 0,1 0 0,0 0 0,0 0 0,0 0 0,0-1 0,0 1 0,0-1 0,0 1 0,0-1 0,0 0 0,0 0 0,0 0 0,0 0 0,0 0 0,0 0 0,0-1 0,0 1 0,0 0 0,0-1 0,0 0 0,0 1 0,-1-1 0,1 0 0,0 0 0,0 0 0,-1 0 0,1-1 0,0 1 0,-1 0 0,3-3 0,-3 3 0,-1 1 0,1-1 0,0 0 0,-1 1 0,1-1 0,0 0 0,-1 1 0,1-1 0,-1 0 0,1 0 0,-1 1 0,1-1 0,-1 0 0,0 0 0,1 0 0,-1 0 0,0 0 0,0 0 0,0 0 0,0 1 0,0-1 0,0 0 0,0 0 0,0 0 0,0 0 0,0 0 0,0 0 0,-1-1 0,0 0 0,0 0 0,0 0 0,-1 0 0,1 1 0,-1-1 0,1 1 0,-1-1 0,0 1 0,1-1 0,-1 1 0,-3-2 0,-5-2 0,0 0 0,0 1 0,-20-5 0,-17-1 0,29 6 0,-1 0 0,-31-12 0,34 9 0,-1 0 0,1 1 0,-1 1 0,0 0 0,0 1 0,0 1 0,-1 1 0,-20 0 0,-4-1 0,1-1 0,-81-19 0,68 11 0,113 14 0,-43-3 0,0 0 0,0 2 0,0 0 0,22 4 0,-5 4 0,-14-5 0,1 1 0,-1 1 0,0 1 0,0 1 0,19 11 0,-21-11 0,1-1 0,0 0 0,0-1 0,1-1 0,-1-1 0,28 3 0,12 3 0,-56-10 0,-1 1 0,0-1 0,1 0 0,-1 0 0,0-1 0,0 1 0,1 0 0,-1 0 0,0-1 0,1 1 0,-1 0 0,0-1 0,0 0 0,0 1 0,0-1 0,1 1 0,-1-1 0,0 0 0,0 0 0,0 0 0,-1 0 0,1 0 0,0 0 0,0 0 0,0 0 0,-1 0 0,1 0 0,0 0 0,-1 0 0,1 0 0,-1-1 0,1 1 0,-1 0 0,0 0 0,0-1 0,1 1 0,-1 0 0,0-1 0,0 1 0,0-2 0,-1-67 0,0 55 0,1-106 0,-3-51 0,-7 106 0,6 46 0,0-1 0,0-27 0,-3-13 0,6 57 0,0 0 0,0 0 0,0 1 0,-1-1 0,1 0 0,-1 0 0,0 1 0,0-1 0,0 1 0,0 0 0,-1 0 0,-4-6 0,6 9 0,1 1 0,-1-1 0,1 0 0,-1 0 0,1 0 0,-1 1 0,1-1 0,-1 0 0,1 1 0,0-1 0,-1 0 0,1 1 0,-1-1 0,1 0 0,0 1 0,-1-1 0,1 1 0,0-1 0,0 1 0,-1-1 0,1 0 0,0 1 0,0-1 0,0 1 0,0-1 0,0 1 0,-1-1 0,1 1 0,0 0 0,0-1 0,0 1 0,0-1 0,0 1 0,1-1 0,-1 1 0,0 0 0,-2 24 0,2-13 0,-1 2 0,0-1 0,1 1 0,1 0 0,0-1 0,0 1 0,2-1 0,0 1 0,0-1 0,11 25 0,-9-25 0,0 0 0,-1 0 0,0 1 0,-1-1 0,-1 1 0,0 0 0,0 17 0,7 44 0,4 22-1365,-8-83-5461</inkml:trace>
+</inkml:ink>
+</file>
+
+<file path=ppt/notesMasters/notesMaster1.xml><?xml version="1.0" encoding="utf-8"?>
+<p:notesMaster xmlns:a="http://schemas.openxmlformats.org/drawingml/2006/main" xmlns:r="http://schemas.openxmlformats.org/officeDocument/2006/relationships" xmlns:p="http://schemas.openxmlformats.org/presentationml/2006/main">
+  <p:cSld>
+    <p:bg>
+      <p:bgRef idx="1001">
+        <a:schemeClr val="bg1"/>
+      </p:bgRef>
+    </p:bg>
+    <p:spTree>
+      <p:nvGrpSpPr>
+        <p:cNvPr id="1" name=""/>
+        <p:cNvGrpSpPr/>
+        <p:nvPr/>
+      </p:nvGrpSpPr>
+      <p:grpSpPr>
+        <a:xfrm>
+          <a:off x="0" y="0"/>
+          <a:ext cx="0" cy="0"/>
+          <a:chOff x="0" y="0"/>
+          <a:chExt cx="0" cy="0"/>
+        </a:xfrm>
+      </p:grpSpPr>
+      <p:sp>
+        <p:nvSpPr>
+          <p:cNvPr id="2" name="Верхний колонтитул 1"/>
+          <p:cNvSpPr>
+            <a:spLocks noGrp="1"/>
+          </p:cNvSpPr>
+          <p:nvPr>
+            <p:ph type="hdr" sz="quarter"/>
+          </p:nvPr>
+        </p:nvSpPr>
+        <p:spPr>
+          <a:xfrm>
+            <a:off x="0" y="0"/>
+            <a:ext cx="2971800" cy="458788"/>
+          </a:xfrm>
+          <a:prstGeom prst="rect">
+            <a:avLst/>
+          </a:prstGeom>
+        </p:spPr>
+        <p:txBody>
+          <a:bodyPr vert="horz" lIns="91440" tIns="45720" rIns="91440" bIns="45720" rtlCol="0"/>
+          <a:lstStyle>
+            <a:lvl1pPr algn="l">
+              <a:defRPr sz="1200"/>
+            </a:lvl1pPr>
+          </a:lstStyle>
+          <a:p>
+            <a:endParaRPr lang="ru-RU"/>
+          </a:p>
+        </p:txBody>
+      </p:sp>
+      <p:sp>
+        <p:nvSpPr>
+          <p:cNvPr id="3" name="Дата 2"/>
+          <p:cNvSpPr>
+            <a:spLocks noGrp="1"/>
+          </p:cNvSpPr>
+          <p:nvPr>
+            <p:ph type="dt" idx="1"/>
+          </p:nvPr>
+        </p:nvSpPr>
+        <p:spPr>
+          <a:xfrm>
+            <a:off x="3884613" y="0"/>
+            <a:ext cx="2971800" cy="458788"/>
+          </a:xfrm>
+          <a:prstGeom prst="rect">
+            <a:avLst/>
+          </a:prstGeom>
+        </p:spPr>
+        <p:txBody>
+          <a:bodyPr vert="horz" lIns="91440" tIns="45720" rIns="91440" bIns="45720" rtlCol="0"/>
+          <a:lstStyle>
+            <a:lvl1pPr algn="r">
+              <a:defRPr sz="1200"/>
+            </a:lvl1pPr>
+          </a:lstStyle>
+          <a:p>
+            <a:fld id="{7631E45C-F116-462B-8760-2078BF082F1A}" type="datetimeFigureOut">
+              <a:rPr lang="ru-RU" smtClean="0"/>
+              <a:t>31.01.2023</a:t>
+            </a:fld>
+            <a:endParaRPr lang="ru-RU"/>
+          </a:p>
+        </p:txBody>
+      </p:sp>
+      <p:sp>
+        <p:nvSpPr>
+          <p:cNvPr id="4" name="Образ слайда 3"/>
+          <p:cNvSpPr>
+            <a:spLocks noGrp="1" noRot="1" noChangeAspect="1"/>
+          </p:cNvSpPr>
+          <p:nvPr>
+            <p:ph type="sldImg" idx="2"/>
+          </p:nvPr>
+        </p:nvSpPr>
+        <p:spPr>
+          <a:xfrm>
+            <a:off x="1371600" y="1143000"/>
+            <a:ext cx="4114800" cy="3086100"/>
+          </a:xfrm>
+          <a:prstGeom prst="rect">
+            <a:avLst/>
+          </a:prstGeom>
+          <a:noFill/>
+          <a:ln w="12700">
+            <a:solidFill>
+              <a:prstClr val="black"/>
+            </a:solidFill>
+          </a:ln>
+        </p:spPr>
+        <p:txBody>
+          <a:bodyPr vert="horz" lIns="91440" tIns="45720" rIns="91440" bIns="45720" rtlCol="0" anchor="ctr"/>
+          <a:lstStyle/>
+          <a:p>
+            <a:endParaRPr lang="ru-RU"/>
+          </a:p>
+        </p:txBody>
+      </p:sp>
+      <p:sp>
+        <p:nvSpPr>
+          <p:cNvPr id="5" name="Заметки 4"/>
+          <p:cNvSpPr>
+            <a:spLocks noGrp="1"/>
+          </p:cNvSpPr>
+          <p:nvPr>
+            <p:ph type="body" sz="quarter" idx="3"/>
+          </p:nvPr>
+        </p:nvSpPr>
+        <p:spPr>
+          <a:xfrm>
+            <a:off x="685800" y="4400550"/>
+            <a:ext cx="5486400" cy="3600450"/>
+          </a:xfrm>
+          <a:prstGeom prst="rect">
+            <a:avLst/>
+          </a:prstGeom>
+        </p:spPr>
+        <p:txBody>
+          <a:bodyPr vert="horz" lIns="91440" tIns="45720" rIns="91440" bIns="45720" rtlCol="0"/>
+          <a:lstStyle/>
+          <a:p>
+            <a:pPr lvl="0"/>
+            <a:r>
+              <a:rPr lang="ru-RU"/>
+              <a:t>Образец текста</a:t>
+            </a:r>
+          </a:p>
+          <a:p>
+            <a:pPr lvl="1"/>
+            <a:r>
+              <a:rPr lang="ru-RU"/>
+              <a:t>Второй уровень</a:t>
+            </a:r>
+          </a:p>
+          <a:p>
+            <a:pPr lvl="2"/>
+            <a:r>
+              <a:rPr lang="ru-RU"/>
+              <a:t>Третий уровень</a:t>
+            </a:r>
+          </a:p>
+          <a:p>
+            <a:pPr lvl="3"/>
+            <a:r>
+              <a:rPr lang="ru-RU"/>
+              <a:t>Четвертый уровень</a:t>
+            </a:r>
+          </a:p>
+          <a:p>
+            <a:pPr lvl="4"/>
+            <a:r>
+              <a:rPr lang="ru-RU"/>
+              <a:t>Пятый уровень</a:t>
+            </a:r>
+          </a:p>
+        </p:txBody>
+      </p:sp>
+      <p:sp>
+        <p:nvSpPr>
+          <p:cNvPr id="6" name="Нижний колонтитул 5"/>
+          <p:cNvSpPr>
+            <a:spLocks noGrp="1"/>
+          </p:cNvSpPr>
+          <p:nvPr>
+            <p:ph type="ftr" sz="quarter" idx="4"/>
+          </p:nvPr>
+        </p:nvSpPr>
+        <p:spPr>
+          <a:xfrm>
+            <a:off x="0" y="8685213"/>
+            <a:ext cx="2971800" cy="458787"/>
+          </a:xfrm>
+          <a:prstGeom prst="rect">
+            <a:avLst/>
+          </a:prstGeom>
+        </p:spPr>
+        <p:txBody>
+          <a:bodyPr vert="horz" lIns="91440" tIns="45720" rIns="91440" bIns="45720" rtlCol="0" anchor="b"/>
+          <a:lstStyle>
+            <a:lvl1pPr algn="l">
+              <a:defRPr sz="1200"/>
+            </a:lvl1pPr>
+          </a:lstStyle>
+          <a:p>
+            <a:endParaRPr lang="ru-RU"/>
+          </a:p>
+        </p:txBody>
+      </p:sp>
+      <p:sp>
+        <p:nvSpPr>
+          <p:cNvPr id="7" name="Номер слайда 6"/>
+          <p:cNvSpPr>
+            <a:spLocks noGrp="1"/>
+          </p:cNvSpPr>
+          <p:nvPr>
+            <p:ph type="sldNum" sz="quarter" idx="5"/>
+          </p:nvPr>
+        </p:nvSpPr>
+        <p:spPr>
+          <a:xfrm>
+            <a:off x="3884613" y="8685213"/>
+            <a:ext cx="2971800" cy="458787"/>
+          </a:xfrm>
+          <a:prstGeom prst="rect">
+            <a:avLst/>
+          </a:prstGeom>
+        </p:spPr>
+        <p:txBody>
+          <a:bodyPr vert="horz" lIns="91440" tIns="45720" rIns="91440" bIns="45720" rtlCol="0" anchor="b"/>
+          <a:lstStyle>
+            <a:lvl1pPr algn="r">
+              <a:defRPr sz="1200"/>
+            </a:lvl1pPr>
+          </a:lstStyle>
+          <a:p>
+            <a:fld id="{46D2654B-16AF-4FC8-85F1-09ECDEE7574F}" type="slidenum">
+              <a:rPr lang="ru-RU" smtClean="0"/>
+              <a:t>‹#›</a:t>
+            </a:fld>
+            <a:endParaRPr lang="ru-RU"/>
+          </a:p>
+        </p:txBody>
+      </p:sp>
+    </p:spTree>
+    <p:extLst>
+      <p:ext uri="{BB962C8B-B14F-4D97-AF65-F5344CB8AC3E}">
+        <p14:creationId xmlns:p14="http://schemas.microsoft.com/office/powerpoint/2010/main" val="1138511676"/>
+      </p:ext>
+    </p:extLst>
+  </p:cSld>
+  <p:clrMap bg1="lt1" tx1="dk1" bg2="lt2" tx2="dk2" accent1="accent1" accent2="accent2" accent3="accent3" accent4="accent4" accent5="accent5" accent6="accent6" hlink="hlink" folHlink="folHlink"/>
+  <p:notesStyle>
+    <a:lvl1pPr marL="0" algn="l" defTabSz="914400" rtl="0" eaLnBrk="1" latinLnBrk="0" hangingPunct="1">
+      <a:defRPr sz="1200" kern="1200">
+        <a:solidFill>
+          <a:schemeClr val="tx1"/>
+        </a:solidFill>
+        <a:latin typeface="+mn-lt"/>
+        <a:ea typeface="+mn-ea"/>
+        <a:cs typeface="+mn-cs"/>
+      </a:defRPr>
+    </a:lvl1pPr>
+    <a:lvl2pPr marL="457200" algn="l" defTabSz="914400" rtl="0" eaLnBrk="1" latinLnBrk="0" hangingPunct="1">
+      <a:defRPr sz="1200" kern="1200">
+        <a:solidFill>
+          <a:schemeClr val="tx1"/>
+        </a:solidFill>
+        <a:latin typeface="+mn-lt"/>
+        <a:ea typeface="+mn-ea"/>
+        <a:cs typeface="+mn-cs"/>
+      </a:defRPr>
+    </a:lvl2pPr>
+    <a:lvl3pPr marL="914400" algn="l" defTabSz="914400" rtl="0" eaLnBrk="1" latinLnBrk="0" hangingPunct="1">
+      <a:defRPr sz="1200" kern="1200">
+        <a:solidFill>
+          <a:schemeClr val="tx1"/>
+        </a:solidFill>
+        <a:latin typeface="+mn-lt"/>
+        <a:ea typeface="+mn-ea"/>
+        <a:cs typeface="+mn-cs"/>
+      </a:defRPr>
+    </a:lvl3pPr>
+    <a:lvl4pPr marL="1371600" algn="l" defTabSz="914400" rtl="0" eaLnBrk="1" latinLnBrk="0" hangingPunct="1">
+      <a:defRPr sz="1200" kern="1200">
+        <a:solidFill>
+          <a:schemeClr val="tx1"/>
+        </a:solidFill>
+        <a:latin typeface="+mn-lt"/>
+        <a:ea typeface="+mn-ea"/>
+        <a:cs typeface="+mn-cs"/>
+      </a:defRPr>
+    </a:lvl4pPr>
+    <a:lvl5pPr marL="1828800" algn="l" defTabSz="914400" rtl="0" eaLnBrk="1" latinLnBrk="0" hangingPunct="1">
+      <a:defRPr sz="1200" kern="1200">
+        <a:solidFill>
+          <a:schemeClr val="tx1"/>
+        </a:solidFill>
+        <a:latin typeface="+mn-lt"/>
+        <a:ea typeface="+mn-ea"/>
+        <a:cs typeface="+mn-cs"/>
+      </a:defRPr>
+    </a:lvl5pPr>
+    <a:lvl6pPr marL="2286000" algn="l" defTabSz="914400" rtl="0" eaLnBrk="1" latinLnBrk="0" hangingPunct="1">
+      <a:defRPr sz="1200" kern="1200">
+        <a:solidFill>
+          <a:schemeClr val="tx1"/>
+        </a:solidFill>
+        <a:latin typeface="+mn-lt"/>
+        <a:ea typeface="+mn-ea"/>
+        <a:cs typeface="+mn-cs"/>
+      </a:defRPr>
+    </a:lvl6pPr>
+    <a:lvl7pPr marL="2743200" algn="l" defTabSz="914400" rtl="0" eaLnBrk="1" latinLnBrk="0" hangingPunct="1">
+      <a:defRPr sz="1200" kern="1200">
+        <a:solidFill>
+          <a:schemeClr val="tx1"/>
+        </a:solidFill>
+        <a:latin typeface="+mn-lt"/>
+        <a:ea typeface="+mn-ea"/>
+        <a:cs typeface="+mn-cs"/>
+      </a:defRPr>
+    </a:lvl7pPr>
+    <a:lvl8pPr marL="3200400" algn="l" defTabSz="914400" rtl="0" eaLnBrk="1" latinLnBrk="0" hangingPunct="1">
+      <a:defRPr sz="1200" kern="1200">
+        <a:solidFill>
+          <a:schemeClr val="tx1"/>
+        </a:solidFill>
+        <a:latin typeface="+mn-lt"/>
+        <a:ea typeface="+mn-ea"/>
+        <a:cs typeface="+mn-cs"/>
+      </a:defRPr>
+    </a:lvl8pPr>
+    <a:lvl9pPr marL="3657600" algn="l" defTabSz="914400" rtl="0" eaLnBrk="1" latinLnBrk="0" hangingPunct="1">
+      <a:defRPr sz="1200" kern="1200">
+        <a:solidFill>
+          <a:schemeClr val="tx1"/>
+        </a:solidFill>
+        <a:latin typeface="+mn-lt"/>
+        <a:ea typeface="+mn-ea"/>
+        <a:cs typeface="+mn-cs"/>
+      </a:defRPr>
+    </a:lvl9pPr>
+  </p:notesStyle>
+</p:notesMaster>
 </file>
 
 <file path=ppt/slideLayouts/slideLayout1.xml><?xml version="1.0" encoding="utf-8"?>
@@ -254,7 +642,7 @@
           <a:bodyPr/>
           <a:lstStyle/>
           <a:p>
-            <a:fld id="{AF14569B-5A08-4494-8205-E84801796BB2}" type="datetimeFigureOut">
+            <a:fld id="{A9AD3FF1-1C77-4208-A728-6715B8BCAEC8}" type="datetime1">
               <a:rPr lang="ru-RU" smtClean="0"/>
               <a:t>31.01.2023</a:t>
             </a:fld>
@@ -452,7 +840,7 @@
           <a:bodyPr/>
           <a:lstStyle/>
           <a:p>
-            <a:fld id="{AF14569B-5A08-4494-8205-E84801796BB2}" type="datetimeFigureOut">
+            <a:fld id="{1C142B9A-2E56-4B99-A87C-1793C4E37C39}" type="datetime1">
               <a:rPr lang="ru-RU" smtClean="0"/>
               <a:t>31.01.2023</a:t>
             </a:fld>
@@ -660,7 +1048,7 @@
           <a:bodyPr/>
           <a:lstStyle/>
           <a:p>
-            <a:fld id="{AF14569B-5A08-4494-8205-E84801796BB2}" type="datetimeFigureOut">
+            <a:fld id="{9E0ED007-B469-42B5-84D0-B2D8518EE6AF}" type="datetime1">
               <a:rPr lang="ru-RU" smtClean="0"/>
               <a:t>31.01.2023</a:t>
             </a:fld>
@@ -858,7 +1246,7 @@
           <a:bodyPr/>
           <a:lstStyle/>
           <a:p>
-            <a:fld id="{AF14569B-5A08-4494-8205-E84801796BB2}" type="datetimeFigureOut">
+            <a:fld id="{C24A6B21-3CC2-4411-9ED7-28D4F07E6447}" type="datetime1">
               <a:rPr lang="ru-RU" smtClean="0"/>
               <a:t>31.01.2023</a:t>
             </a:fld>
@@ -1133,7 +1521,7 @@
           <a:bodyPr/>
           <a:lstStyle/>
           <a:p>
-            <a:fld id="{AF14569B-5A08-4494-8205-E84801796BB2}" type="datetimeFigureOut">
+            <a:fld id="{B56534DB-51AD-42E8-BAE2-9D524DF6969E}" type="datetime1">
               <a:rPr lang="ru-RU" smtClean="0"/>
               <a:t>31.01.2023</a:t>
             </a:fld>
@@ -1398,7 +1786,7 @@
           <a:bodyPr/>
           <a:lstStyle/>
           <a:p>
-            <a:fld id="{AF14569B-5A08-4494-8205-E84801796BB2}" type="datetimeFigureOut">
+            <a:fld id="{586E71E7-4231-4511-A286-4D8BAA3C5460}" type="datetime1">
               <a:rPr lang="ru-RU" smtClean="0"/>
               <a:t>31.01.2023</a:t>
             </a:fld>
@@ -1810,7 +2198,7 @@
           <a:bodyPr/>
           <a:lstStyle/>
           <a:p>
-            <a:fld id="{AF14569B-5A08-4494-8205-E84801796BB2}" type="datetimeFigureOut">
+            <a:fld id="{38907D2B-A495-4440-AD73-F377A1E57184}" type="datetime1">
               <a:rPr lang="ru-RU" smtClean="0"/>
               <a:t>31.01.2023</a:t>
             </a:fld>
@@ -1951,7 +2339,7 @@
           <a:bodyPr/>
           <a:lstStyle/>
           <a:p>
-            <a:fld id="{AF14569B-5A08-4494-8205-E84801796BB2}" type="datetimeFigureOut">
+            <a:fld id="{161FC52B-1D54-47AE-B2C9-575E5C19FE39}" type="datetime1">
               <a:rPr lang="ru-RU" smtClean="0"/>
               <a:t>31.01.2023</a:t>
             </a:fld>
@@ -2064,7 +2452,7 @@
           <a:bodyPr/>
           <a:lstStyle/>
           <a:p>
-            <a:fld id="{AF14569B-5A08-4494-8205-E84801796BB2}" type="datetimeFigureOut">
+            <a:fld id="{8832FC10-F7B7-4864-9033-3EC7976FDCB5}" type="datetime1">
               <a:rPr lang="ru-RU" smtClean="0"/>
               <a:t>31.01.2023</a:t>
             </a:fld>
@@ -2375,7 +2763,7 @@
           <a:bodyPr/>
           <a:lstStyle/>
           <a:p>
-            <a:fld id="{AF14569B-5A08-4494-8205-E84801796BB2}" type="datetimeFigureOut">
+            <a:fld id="{4C6FDB09-C334-42D1-A8CC-92BA43584AF5}" type="datetime1">
               <a:rPr lang="ru-RU" smtClean="0"/>
               <a:t>31.01.2023</a:t>
             </a:fld>
@@ -2663,7 +3051,7 @@
           <a:bodyPr/>
           <a:lstStyle/>
           <a:p>
-            <a:fld id="{AF14569B-5A08-4494-8205-E84801796BB2}" type="datetimeFigureOut">
+            <a:fld id="{5DA449B0-4AC4-4D56-AD1E-2E60E920D68F}" type="datetime1">
               <a:rPr lang="ru-RU" smtClean="0"/>
               <a:t>31.01.2023</a:t>
             </a:fld>
@@ -2904,7 +3292,7 @@
             </a:lvl1pPr>
           </a:lstStyle>
           <a:p>
-            <a:fld id="{AF14569B-5A08-4494-8205-E84801796BB2}" type="datetimeFigureOut">
+            <a:fld id="{6E39FA31-E67D-4DB0-8FD3-FD47DE2B0D1A}" type="datetime1">
               <a:rPr lang="ru-RU" smtClean="0"/>
               <a:t>31.01.2023</a:t>
             </a:fld>
@@ -3023,6 +3411,7 @@
     <p:sldLayoutId id="2147483658" r:id="rId10"/>
     <p:sldLayoutId id="2147483659" r:id="rId11"/>
   </p:sldLayoutIdLst>
+  <p:hf sldNum="0" hdr="0" ftr="0" dt="0"/>
   <p:txStyles>
     <p:titleStyle>
       <a:lvl1pPr algn="l" defTabSz="685800" rtl="0" eaLnBrk="1" latinLnBrk="0" hangingPunct="1">
@@ -3325,58 +3714,245 @@
       </p:grpSpPr>
       <p:sp>
         <p:nvSpPr>
-          <p:cNvPr id="2" name="Заголовок 1">
-            <a:extLst>
-              <a:ext uri="{FF2B5EF4-FFF2-40B4-BE49-F238E27FC236}">
-                <a16:creationId xmlns:a16="http://schemas.microsoft.com/office/drawing/2014/main" id="{9B2F88AE-4C95-48E9-2468-0372DB67B0EC}"/>
-              </a:ext>
-            </a:extLst>
-          </p:cNvPr>
-          <p:cNvSpPr>
-            <a:spLocks noGrp="1"/>
-          </p:cNvSpPr>
-          <p:nvPr>
-            <p:ph type="ctrTitle"/>
-          </p:nvPr>
-        </p:nvSpPr>
-        <p:spPr/>
+          <p:cNvPr id="3" name="Объект 2">
+            <a:extLst>
+              <a:ext uri="{FF2B5EF4-FFF2-40B4-BE49-F238E27FC236}">
+                <a16:creationId xmlns:a16="http://schemas.microsoft.com/office/drawing/2014/main" id="{1EAB0B09-365B-86F0-5300-30450F75EFE7}"/>
+              </a:ext>
+            </a:extLst>
+          </p:cNvPr>
+          <p:cNvSpPr>
+            <a:spLocks noGrp="1"/>
+          </p:cNvSpPr>
+          <p:nvPr>
+            <p:ph idx="1"/>
+          </p:nvPr>
+        </p:nvSpPr>
+        <p:spPr>
+          <a:xfrm>
+            <a:off x="628650" y="312821"/>
+            <a:ext cx="7886700" cy="6232358"/>
+          </a:xfrm>
+        </p:spPr>
+        <p:txBody>
+          <a:bodyPr>
+            <a:normAutofit/>
+          </a:bodyPr>
+          <a:lstStyle/>
+          <a:p>
+            <a:pPr marL="0" indent="0">
+              <a:buNone/>
+            </a:pPr>
+            <a:r>
+              <a:rPr lang="ru-RU" sz="2400" dirty="0"/>
+              <a:t>Преподаватель: Вакуленко Александр Феликсович</a:t>
+            </a:r>
+          </a:p>
+          <a:p>
+            <a:pPr marL="0" indent="0">
+              <a:buNone/>
+            </a:pPr>
+            <a:endParaRPr lang="ru-RU" sz="2400" dirty="0"/>
+          </a:p>
+          <a:p>
+            <a:pPr marL="0" indent="0">
+              <a:buNone/>
+            </a:pPr>
+            <a:r>
+              <a:rPr lang="ru-RU" sz="2400" dirty="0"/>
+              <a:t>Группа: 4931601/20001</a:t>
+            </a:r>
+          </a:p>
+          <a:p>
+            <a:pPr marL="0" indent="0">
+              <a:buNone/>
+            </a:pPr>
+            <a:r>
+              <a:rPr lang="ru-RU" sz="2400" dirty="0"/>
+              <a:t>Время занятий для двух подгрупп: </a:t>
+            </a:r>
+          </a:p>
+          <a:p>
+            <a:pPr marL="0" indent="0">
+              <a:buNone/>
+            </a:pPr>
+            <a:r>
+              <a:rPr lang="ru-RU" sz="2400" dirty="0"/>
+              <a:t>	- </a:t>
+            </a:r>
+            <a:r>
+              <a:rPr lang="ru-RU" sz="2400" dirty="0" err="1"/>
+              <a:t>чт</a:t>
+            </a:r>
+            <a:r>
+              <a:rPr lang="ru-RU" sz="2400" dirty="0"/>
+              <a:t> 10:00</a:t>
+            </a:r>
+          </a:p>
+          <a:p>
+            <a:pPr marL="0" indent="0">
+              <a:buNone/>
+            </a:pPr>
+            <a:r>
+              <a:rPr lang="ru-RU" sz="2400" dirty="0"/>
+              <a:t>	- </a:t>
+            </a:r>
+            <a:r>
+              <a:rPr lang="ru-RU" sz="2400" dirty="0" err="1"/>
+              <a:t>чт</a:t>
+            </a:r>
+            <a:r>
+              <a:rPr lang="ru-RU" sz="2400" dirty="0"/>
+              <a:t> 14:00</a:t>
+            </a:r>
+          </a:p>
+          <a:p>
+            <a:pPr marL="0" indent="0">
+              <a:buNone/>
+            </a:pPr>
+            <a:endParaRPr lang="ru-RU" sz="2400" dirty="0"/>
+          </a:p>
+          <a:p>
+            <a:pPr marL="0" indent="0">
+              <a:buNone/>
+            </a:pPr>
+            <a:r>
+              <a:rPr lang="ru-RU" sz="2400" dirty="0"/>
+              <a:t>Язык программирования: </a:t>
+            </a:r>
+            <a:r>
+              <a:rPr lang="en-US" sz="2400" dirty="0"/>
+              <a:t>Delphi pascal.</a:t>
+            </a:r>
+          </a:p>
+          <a:p>
+            <a:pPr marL="0" indent="0">
+              <a:buNone/>
+            </a:pPr>
+            <a:endParaRPr lang="ru-RU" sz="2400" dirty="0"/>
+          </a:p>
+          <a:p>
+            <a:pPr marL="0" indent="0">
+              <a:buNone/>
+            </a:pPr>
+            <a:r>
+              <a:rPr lang="ru-RU" sz="2400" dirty="0"/>
+              <a:t>Материалы по занятиям:</a:t>
+            </a:r>
+          </a:p>
+          <a:p>
+            <a:pPr marL="0" indent="0">
+              <a:buNone/>
+            </a:pPr>
+            <a:endParaRPr lang="ru-RU" sz="2400" dirty="0"/>
+          </a:p>
+          <a:p>
+            <a:pPr marL="0" indent="0">
+              <a:buNone/>
+            </a:pPr>
+            <a:endParaRPr lang="ru-RU" sz="2400" dirty="0"/>
+          </a:p>
+          <a:p>
+            <a:pPr marL="0" indent="0">
+              <a:buNone/>
+            </a:pPr>
+            <a:endParaRPr lang="ru-RU" sz="2400" dirty="0"/>
+          </a:p>
+        </p:txBody>
+      </p:sp>
+      <p:pic>
+        <p:nvPicPr>
+          <p:cNvPr id="1026" name="Picture 2">
+            <a:extLst>
+              <a:ext uri="{FF2B5EF4-FFF2-40B4-BE49-F238E27FC236}">
+                <a16:creationId xmlns:a16="http://schemas.microsoft.com/office/drawing/2014/main" id="{A22F52DA-3FA2-1E6A-7540-385E5C5DD906}"/>
+              </a:ext>
+            </a:extLst>
+          </p:cNvPr>
+          <p:cNvPicPr>
+            <a:picLocks noChangeAspect="1" noChangeArrowheads="1"/>
+          </p:cNvPicPr>
+          <p:nvPr/>
+        </p:nvPicPr>
+        <p:blipFill>
+          <a:blip r:embed="rId2">
+            <a:extLst>
+              <a:ext uri="{28A0092B-C50C-407E-A947-70E740481C1C}">
+                <a14:useLocalDpi xmlns:a14="http://schemas.microsoft.com/office/drawing/2010/main" val="0"/>
+              </a:ext>
+            </a:extLst>
+          </a:blip>
+          <a:srcRect/>
+          <a:stretch>
+            <a:fillRect/>
+          </a:stretch>
+        </p:blipFill>
+        <p:spPr bwMode="auto">
+          <a:xfrm>
+            <a:off x="4050631" y="4156952"/>
+            <a:ext cx="2479508" cy="2479508"/>
+          </a:xfrm>
+          <a:prstGeom prst="rect">
+            <a:avLst/>
+          </a:prstGeom>
+          <a:noFill/>
+          <a:extLst>
+            <a:ext uri="{909E8E84-426E-40DD-AFC4-6F175D3DCCD1}">
+              <a14:hiddenFill xmlns:a14="http://schemas.microsoft.com/office/drawing/2010/main">
+                <a:solidFill>
+                  <a:srgbClr val="FFFFFF"/>
+                </a:solidFill>
+              </a14:hiddenFill>
+            </a:ext>
+          </a:extLst>
+        </p:spPr>
+      </p:pic>
+      <p:sp>
+        <p:nvSpPr>
+          <p:cNvPr id="4" name="Номер слайда 1">
+            <a:extLst>
+              <a:ext uri="{FF2B5EF4-FFF2-40B4-BE49-F238E27FC236}">
+                <a16:creationId xmlns:a16="http://schemas.microsoft.com/office/drawing/2014/main" id="{8B2169BE-4FB0-4C96-9243-87507F69F5EA}"/>
+              </a:ext>
+            </a:extLst>
+          </p:cNvPr>
+          <p:cNvSpPr>
+            <a:spLocks noGrp="1"/>
+          </p:cNvSpPr>
+          <p:nvPr>
+            <p:ph type="sldNum" sz="quarter" idx="12"/>
+          </p:nvPr>
+        </p:nvSpPr>
+        <p:spPr>
+          <a:xfrm>
+            <a:off x="6457950" y="6362616"/>
+            <a:ext cx="2057400" cy="365125"/>
+          </a:xfrm>
+        </p:spPr>
         <p:txBody>
           <a:bodyPr/>
           <a:lstStyle/>
           <a:p>
-            <a:endParaRPr lang="ru-RU"/>
-          </a:p>
-        </p:txBody>
-      </p:sp>
-      <p:sp>
-        <p:nvSpPr>
-          <p:cNvPr id="3" name="Подзаголовок 2">
-            <a:extLst>
-              <a:ext uri="{FF2B5EF4-FFF2-40B4-BE49-F238E27FC236}">
-                <a16:creationId xmlns:a16="http://schemas.microsoft.com/office/drawing/2014/main" id="{6F7BA1DE-5DF5-3787-0034-6AFB15AC26FF}"/>
-              </a:ext>
-            </a:extLst>
-          </p:cNvPr>
-          <p:cNvSpPr>
-            <a:spLocks noGrp="1"/>
-          </p:cNvSpPr>
-          <p:nvPr>
-            <p:ph type="subTitle" idx="1"/>
-          </p:nvPr>
-        </p:nvSpPr>
-        <p:spPr/>
-        <p:txBody>
-          <a:bodyPr/>
-          <a:lstStyle/>
-          <a:p>
-            <a:endParaRPr lang="ru-RU"/>
+            <a:fld id="{370A62FE-C268-428B-9FB6-A45FCBA79971}" type="slidenum">
+              <a:rPr lang="ru-RU" sz="1400" smtClean="0">
+                <a:solidFill>
+                  <a:schemeClr val="tx1"/>
+                </a:solidFill>
+              </a:rPr>
+              <a:t>1</a:t>
+            </a:fld>
+            <a:endParaRPr lang="ru-RU" dirty="0">
+              <a:solidFill>
+                <a:schemeClr val="tx1"/>
+              </a:solidFill>
+            </a:endParaRPr>
           </a:p>
         </p:txBody>
       </p:sp>
     </p:spTree>
     <p:extLst>
       <p:ext uri="{BB962C8B-B14F-4D97-AF65-F5344CB8AC3E}">
-        <p14:creationId xmlns:p14="http://schemas.microsoft.com/office/powerpoint/2010/main" val="486206537"/>
+        <p14:creationId xmlns:p14="http://schemas.microsoft.com/office/powerpoint/2010/main" val="3752769175"/>
       </p:ext>
     </p:extLst>
   </p:cSld>
@@ -3403,209 +3979,198 @@
           <a:chExt cx="0" cy="0"/>
         </a:xfrm>
       </p:grpSpPr>
-      <p:sp>
-        <p:nvSpPr>
-          <p:cNvPr id="3" name="Объект 2">
-            <a:extLst>
-              <a:ext uri="{FF2B5EF4-FFF2-40B4-BE49-F238E27FC236}">
-                <a16:creationId xmlns:a16="http://schemas.microsoft.com/office/drawing/2014/main" id="{1EAB0B09-365B-86F0-5300-30450F75EFE7}"/>
-              </a:ext>
-            </a:extLst>
-          </p:cNvPr>
-          <p:cNvSpPr>
-            <a:spLocks noGrp="1"/>
-          </p:cNvSpPr>
-          <p:nvPr>
-            <p:ph idx="1"/>
-          </p:nvPr>
-        </p:nvSpPr>
-        <p:spPr>
-          <a:xfrm>
-            <a:off x="628650" y="312821"/>
-            <a:ext cx="7886700" cy="6232358"/>
-          </a:xfrm>
-        </p:spPr>
-        <p:txBody>
-          <a:bodyPr/>
-          <a:lstStyle/>
-          <a:p>
-            <a:pPr marL="0" indent="0">
-              <a:buNone/>
-            </a:pPr>
-            <a:r>
-              <a:rPr lang="ru-RU" dirty="0"/>
-              <a:t>Преподаватель: Вакуленко Александр Феликсович</a:t>
-            </a:r>
-          </a:p>
-          <a:p>
-            <a:pPr marL="0" indent="0">
-              <a:buNone/>
-            </a:pPr>
-            <a:endParaRPr lang="ru-RU" dirty="0"/>
-          </a:p>
-          <a:p>
-            <a:pPr marL="0" indent="0">
-              <a:buNone/>
-            </a:pPr>
-            <a:r>
-              <a:rPr lang="ru-RU" dirty="0"/>
-              <a:t>Группа: 4931601/20001</a:t>
-            </a:r>
-          </a:p>
-          <a:p>
-            <a:pPr marL="0" indent="0">
-              <a:buNone/>
-            </a:pPr>
-            <a:endParaRPr lang="ru-RU" dirty="0"/>
-          </a:p>
-          <a:p>
-            <a:pPr marL="0" indent="0">
-              <a:buNone/>
-            </a:pPr>
-            <a:r>
-              <a:rPr lang="ru-RU" dirty="0"/>
-              <a:t>Время занятий для двух подгрупп: </a:t>
-            </a:r>
-          </a:p>
-          <a:p>
-            <a:pPr marL="0" indent="0">
-              <a:buNone/>
-            </a:pPr>
-            <a:r>
-              <a:rPr lang="ru-RU" dirty="0"/>
-              <a:t>	- </a:t>
-            </a:r>
-            <a:r>
-              <a:rPr lang="ru-RU" dirty="0" err="1"/>
-              <a:t>чт</a:t>
-            </a:r>
-            <a:r>
-              <a:rPr lang="ru-RU" dirty="0"/>
-              <a:t> 10:00</a:t>
-            </a:r>
-          </a:p>
-          <a:p>
-            <a:pPr marL="0" indent="0">
-              <a:buNone/>
-            </a:pPr>
-            <a:r>
-              <a:rPr lang="ru-RU" dirty="0"/>
-              <a:t>	- </a:t>
-            </a:r>
-            <a:r>
-              <a:rPr lang="ru-RU" dirty="0" err="1"/>
-              <a:t>чт</a:t>
-            </a:r>
-            <a:r>
-              <a:rPr lang="ru-RU" dirty="0"/>
-              <a:t> 14:00</a:t>
-            </a:r>
-          </a:p>
-          <a:p>
-            <a:pPr marL="0" indent="0">
-              <a:buNone/>
-            </a:pPr>
-            <a:endParaRPr lang="ru-RU" dirty="0"/>
-          </a:p>
-          <a:p>
-            <a:pPr marL="0" indent="0">
-              <a:buNone/>
-            </a:pPr>
-            <a:r>
-              <a:rPr lang="ru-RU" dirty="0"/>
-              <a:t>Язык программирования: </a:t>
-            </a:r>
-            <a:r>
-              <a:rPr lang="en-US" dirty="0"/>
-              <a:t>Delphi pascal.</a:t>
-            </a:r>
-          </a:p>
-          <a:p>
-            <a:pPr marL="0" indent="0">
-              <a:buNone/>
-            </a:pPr>
-            <a:endParaRPr lang="ru-RU" dirty="0"/>
-          </a:p>
-          <a:p>
-            <a:pPr marL="0" indent="0">
-              <a:buNone/>
-            </a:pPr>
-            <a:r>
-              <a:rPr lang="ru-RU" dirty="0"/>
-              <a:t>Материалы по занятиям:</a:t>
-            </a:r>
-          </a:p>
-          <a:p>
-            <a:pPr marL="0" indent="0">
-              <a:buNone/>
-            </a:pPr>
-            <a:endParaRPr lang="ru-RU" dirty="0"/>
-          </a:p>
-          <a:p>
-            <a:pPr marL="0" indent="0">
-              <a:buNone/>
-            </a:pPr>
-            <a:endParaRPr lang="ru-RU" dirty="0"/>
-          </a:p>
-          <a:p>
-            <a:pPr marL="0" indent="0">
-              <a:buNone/>
-            </a:pPr>
-            <a:endParaRPr lang="ru-RU" dirty="0"/>
-          </a:p>
-        </p:txBody>
-      </p:sp>
       <p:pic>
         <p:nvPicPr>
-          <p:cNvPr id="1026" name="Picture 2">
-            <a:extLst>
-              <a:ext uri="{FF2B5EF4-FFF2-40B4-BE49-F238E27FC236}">
-                <a16:creationId xmlns:a16="http://schemas.microsoft.com/office/drawing/2014/main" id="{A22F52DA-3FA2-1E6A-7540-385E5C5DD906}"/>
+          <p:cNvPr id="6" name="Рисунок 5">
+            <a:extLst>
+              <a:ext uri="{FF2B5EF4-FFF2-40B4-BE49-F238E27FC236}">
+                <a16:creationId xmlns:a16="http://schemas.microsoft.com/office/drawing/2014/main" id="{2D23C235-3E56-25C2-0E75-BDB56B27FD12}"/>
               </a:ext>
             </a:extLst>
           </p:cNvPr>
           <p:cNvPicPr>
-            <a:picLocks noChangeAspect="1" noChangeArrowheads="1"/>
+            <a:picLocks noChangeAspect="1"/>
           </p:cNvPicPr>
           <p:nvPr/>
         </p:nvPicPr>
         <p:blipFill>
-          <a:blip r:embed="rId2">
-            <a:extLst>
-              <a:ext uri="{28A0092B-C50C-407E-A947-70E740481C1C}">
-                <a14:useLocalDpi xmlns:a14="http://schemas.microsoft.com/office/drawing/2010/main" val="0"/>
-              </a:ext>
-            </a:extLst>
-          </a:blip>
-          <a:srcRect/>
+          <a:blip r:embed="rId2"/>
           <a:stretch>
             <a:fillRect/>
           </a:stretch>
         </p:blipFill>
-        <p:spPr bwMode="auto">
+        <p:spPr>
           <a:xfrm>
-            <a:off x="3633537" y="4065671"/>
-            <a:ext cx="2479508" cy="2479508"/>
+            <a:off x="1289384" y="1109609"/>
+            <a:ext cx="6565232" cy="4638782"/>
+          </a:xfrm>
+          <a:prstGeom prst="rect">
+            <a:avLst/>
+          </a:prstGeom>
+        </p:spPr>
+      </p:pic>
+      <p:sp>
+        <p:nvSpPr>
+          <p:cNvPr id="7" name="TextBox 6">
+            <a:extLst>
+              <a:ext uri="{FF2B5EF4-FFF2-40B4-BE49-F238E27FC236}">
+                <a16:creationId xmlns:a16="http://schemas.microsoft.com/office/drawing/2014/main" id="{67F8F521-39B0-6642-2522-531901F589F7}"/>
+              </a:ext>
+            </a:extLst>
+          </p:cNvPr>
+          <p:cNvSpPr txBox="1"/>
+          <p:nvPr/>
+        </p:nvSpPr>
+        <p:spPr>
+          <a:xfrm>
+            <a:off x="256674" y="160421"/>
+            <a:ext cx="3390287" cy="461665"/>
           </a:xfrm>
           <a:prstGeom prst="rect">
             <a:avLst/>
           </a:prstGeom>
           <a:noFill/>
-          <a:extLst>
-            <a:ext uri="{909E8E84-426E-40DD-AFC4-6F175D3DCCD1}">
-              <a14:hiddenFill xmlns:a14="http://schemas.microsoft.com/office/drawing/2010/main">
-                <a:solidFill>
-                  <a:srgbClr val="FFFFFF"/>
-                </a:solidFill>
-              </a14:hiddenFill>
-            </a:ext>
-          </a:extLst>
+        </p:spPr>
+        <p:txBody>
+          <a:bodyPr wrap="none" rtlCol="0">
+            <a:spAutoFit/>
+          </a:bodyPr>
+          <a:lstStyle/>
+          <a:p>
+            <a:r>
+              <a:rPr lang="ru-RU" sz="2400" dirty="0"/>
+              <a:t>Материалы по занятиям</a:t>
+            </a:r>
+          </a:p>
+        </p:txBody>
+      </p:sp>
+      <p:pic>
+        <p:nvPicPr>
+          <p:cNvPr id="11" name="Рисунок 10">
+            <a:extLst>
+              <a:ext uri="{FF2B5EF4-FFF2-40B4-BE49-F238E27FC236}">
+                <a16:creationId xmlns:a16="http://schemas.microsoft.com/office/drawing/2014/main" id="{802C802A-CB58-EB3D-22B4-BB11C0440F9D}"/>
+              </a:ext>
+            </a:extLst>
+          </p:cNvPr>
+          <p:cNvPicPr>
+            <a:picLocks noChangeAspect="1"/>
+          </p:cNvPicPr>
+          <p:nvPr/>
+        </p:nvPicPr>
+        <p:blipFill>
+          <a:blip r:embed="rId3"/>
+          <a:stretch>
+            <a:fillRect/>
+          </a:stretch>
+        </p:blipFill>
+        <p:spPr>
+          <a:xfrm>
+            <a:off x="1060785" y="4097518"/>
+            <a:ext cx="3250532" cy="2265098"/>
+          </a:xfrm>
+          <a:prstGeom prst="rect">
+            <a:avLst/>
+          </a:prstGeom>
         </p:spPr>
       </p:pic>
+      <mc:AlternateContent xmlns:mc="http://schemas.openxmlformats.org/markup-compatibility/2006">
+        <mc:Choice xmlns:p14="http://schemas.microsoft.com/office/powerpoint/2010/main" Requires="p14">
+          <p:contentPart p14:bwMode="auto" r:id="rId4">
+            <p14:nvContentPartPr>
+              <p14:cNvPr id="12" name="Рукописный ввод 11">
+                <a:extLst>
+                  <a:ext uri="{FF2B5EF4-FFF2-40B4-BE49-F238E27FC236}">
+                    <a16:creationId xmlns:a16="http://schemas.microsoft.com/office/drawing/2014/main" id="{6D15DB97-C19C-9D78-D70B-CB0F9E6A3FD0}"/>
+                  </a:ext>
+                </a:extLst>
+              </p14:cNvPr>
+              <p14:cNvContentPartPr/>
+              <p14:nvPr/>
+            </p14:nvContentPartPr>
+            <p14:xfrm>
+              <a:off x="207493" y="2645880"/>
+              <a:ext cx="1292400" cy="1566360"/>
+            </p14:xfrm>
+          </p:contentPart>
+        </mc:Choice>
+        <mc:Fallback>
+          <p:pic>
+            <p:nvPicPr>
+              <p:cNvPr id="12" name="Рукописный ввод 11">
+                <a:extLst>
+                  <a:ext uri="{FF2B5EF4-FFF2-40B4-BE49-F238E27FC236}">
+                    <a16:creationId xmlns:a16="http://schemas.microsoft.com/office/drawing/2014/main" id="{6D15DB97-C19C-9D78-D70B-CB0F9E6A3FD0}"/>
+                  </a:ext>
+                </a:extLst>
+              </p:cNvPr>
+              <p:cNvPicPr/>
+              <p:nvPr/>
+            </p:nvPicPr>
+            <p:blipFill>
+              <a:blip r:embed="rId5"/>
+              <a:stretch>
+                <a:fillRect/>
+              </a:stretch>
+            </p:blipFill>
+            <p:spPr>
+              <a:xfrm>
+                <a:off x="198853" y="2636880"/>
+                <a:ext cx="1310040" cy="1584000"/>
+              </a:xfrm>
+              <a:prstGeom prst="rect">
+                <a:avLst/>
+              </a:prstGeom>
+            </p:spPr>
+          </p:pic>
+        </mc:Fallback>
+      </mc:AlternateContent>
+      <p:sp>
+        <p:nvSpPr>
+          <p:cNvPr id="15" name="Номер слайда 1">
+            <a:extLst>
+              <a:ext uri="{FF2B5EF4-FFF2-40B4-BE49-F238E27FC236}">
+                <a16:creationId xmlns:a16="http://schemas.microsoft.com/office/drawing/2014/main" id="{105DC415-0549-AED8-74B5-0232333A6614}"/>
+              </a:ext>
+            </a:extLst>
+          </p:cNvPr>
+          <p:cNvSpPr>
+            <a:spLocks noGrp="1"/>
+          </p:cNvSpPr>
+          <p:nvPr>
+            <p:ph type="sldNum" sz="quarter" idx="12"/>
+          </p:nvPr>
+        </p:nvSpPr>
+        <p:spPr>
+          <a:xfrm>
+            <a:off x="6457950" y="6362616"/>
+            <a:ext cx="2057400" cy="365125"/>
+          </a:xfrm>
+        </p:spPr>
+        <p:txBody>
+          <a:bodyPr/>
+          <a:lstStyle/>
+          <a:p>
+            <a:fld id="{370A62FE-C268-428B-9FB6-A45FCBA79971}" type="slidenum">
+              <a:rPr lang="ru-RU" sz="1400" smtClean="0">
+                <a:solidFill>
+                  <a:schemeClr val="tx1"/>
+                </a:solidFill>
+              </a:rPr>
+              <a:t>2</a:t>
+            </a:fld>
+            <a:endParaRPr lang="ru-RU" dirty="0">
+              <a:solidFill>
+                <a:schemeClr val="tx1"/>
+              </a:solidFill>
+            </a:endParaRPr>
+          </a:p>
+        </p:txBody>
+      </p:sp>
     </p:spTree>
     <p:extLst>
       <p:ext uri="{BB962C8B-B14F-4D97-AF65-F5344CB8AC3E}">
-        <p14:creationId xmlns:p14="http://schemas.microsoft.com/office/powerpoint/2010/main" val="3752769175"/>
+        <p14:creationId xmlns:p14="http://schemas.microsoft.com/office/powerpoint/2010/main" val="3662422697"/>
       </p:ext>
     </p:extLst>
   </p:cSld>
@@ -3634,33 +4199,1342 @@
       </p:grpSpPr>
       <p:sp>
         <p:nvSpPr>
-          <p:cNvPr id="3" name="Объект 2">
-            <a:extLst>
-              <a:ext uri="{FF2B5EF4-FFF2-40B4-BE49-F238E27FC236}">
-                <a16:creationId xmlns:a16="http://schemas.microsoft.com/office/drawing/2014/main" id="{5F232DBE-7342-1A51-22C4-FE9651A083DD}"/>
-              </a:ext>
-            </a:extLst>
-          </p:cNvPr>
-          <p:cNvSpPr>
-            <a:spLocks noGrp="1"/>
-          </p:cNvSpPr>
-          <p:nvPr>
-            <p:ph idx="1"/>
-          </p:nvPr>
-        </p:nvSpPr>
-        <p:spPr/>
+          <p:cNvPr id="7" name="Номер слайда 1">
+            <a:extLst>
+              <a:ext uri="{FF2B5EF4-FFF2-40B4-BE49-F238E27FC236}">
+                <a16:creationId xmlns:a16="http://schemas.microsoft.com/office/drawing/2014/main" id="{3E97B008-075A-1D38-5C50-E307907C9E56}"/>
+              </a:ext>
+            </a:extLst>
+          </p:cNvPr>
+          <p:cNvSpPr>
+            <a:spLocks noGrp="1"/>
+          </p:cNvSpPr>
+          <p:nvPr>
+            <p:ph type="sldNum" sz="quarter" idx="12"/>
+          </p:nvPr>
+        </p:nvSpPr>
+        <p:spPr>
+          <a:xfrm>
+            <a:off x="6457950" y="6362616"/>
+            <a:ext cx="2057400" cy="365125"/>
+          </a:xfrm>
+        </p:spPr>
         <p:txBody>
           <a:bodyPr/>
           <a:lstStyle/>
           <a:p>
-            <a:endParaRPr lang="ru-RU"/>
+            <a:fld id="{370A62FE-C268-428B-9FB6-A45FCBA79971}" type="slidenum">
+              <a:rPr lang="ru-RU" sz="1400" smtClean="0">
+                <a:solidFill>
+                  <a:schemeClr val="tx1"/>
+                </a:solidFill>
+              </a:rPr>
+              <a:t>3</a:t>
+            </a:fld>
+            <a:endParaRPr lang="ru-RU" dirty="0">
+              <a:solidFill>
+                <a:schemeClr val="tx1"/>
+              </a:solidFill>
+            </a:endParaRPr>
+          </a:p>
+        </p:txBody>
+      </p:sp>
+      <p:sp>
+        <p:nvSpPr>
+          <p:cNvPr id="9" name="TextBox 8">
+            <a:extLst>
+              <a:ext uri="{FF2B5EF4-FFF2-40B4-BE49-F238E27FC236}">
+                <a16:creationId xmlns:a16="http://schemas.microsoft.com/office/drawing/2014/main" id="{A86689A3-FBA4-4356-23A6-B542CB3F118B}"/>
+              </a:ext>
+            </a:extLst>
+          </p:cNvPr>
+          <p:cNvSpPr txBox="1"/>
+          <p:nvPr/>
+        </p:nvSpPr>
+        <p:spPr>
+          <a:xfrm>
+            <a:off x="452187" y="794082"/>
+            <a:ext cx="8411076" cy="5324535"/>
+          </a:xfrm>
+          <a:prstGeom prst="rect">
+            <a:avLst/>
+          </a:prstGeom>
+          <a:noFill/>
+        </p:spPr>
+        <p:txBody>
+          <a:bodyPr wrap="square" rtlCol="0">
+            <a:spAutoFit/>
+          </a:bodyPr>
+          <a:lstStyle/>
+          <a:p>
+            <a:r>
+              <a:rPr lang="en-US" sz="2000" dirty="0">
+                <a:effectLst/>
+                <a:latin typeface="Calibri" panose="020F0502020204030204" pitchFamily="34" charset="0"/>
+                <a:ea typeface="Calibri" panose="020F0502020204030204" pitchFamily="34" charset="0"/>
+                <a:cs typeface="Times New Roman" panose="02020603050405020304" pitchFamily="18" charset="0"/>
+              </a:rPr>
+              <a:t> </a:t>
+            </a:r>
+            <a:endParaRPr lang="ru-RU" sz="2000" dirty="0">
+              <a:effectLst/>
+              <a:latin typeface="Calibri" panose="020F0502020204030204" pitchFamily="34" charset="0"/>
+              <a:ea typeface="Calibri" panose="020F0502020204030204" pitchFamily="34" charset="0"/>
+              <a:cs typeface="Times New Roman" panose="02020603050405020304" pitchFamily="18" charset="0"/>
+            </a:endParaRPr>
+          </a:p>
+          <a:p>
+            <a:pPr>
+              <a:spcAft>
+                <a:spcPts val="600"/>
+              </a:spcAft>
+            </a:pPr>
+            <a:r>
+              <a:rPr lang="ru-RU" sz="2000" dirty="0">
+                <a:effectLst/>
+                <a:latin typeface="Calibri" panose="020F0502020204030204" pitchFamily="34" charset="0"/>
+                <a:ea typeface="Calibri" panose="020F0502020204030204" pitchFamily="34" charset="0"/>
+                <a:cs typeface="Times New Roman" panose="02020603050405020304" pitchFamily="18" charset="0"/>
+              </a:rPr>
+              <a:t>1. Введение. </a:t>
+            </a:r>
+            <a:r>
+              <a:rPr lang="en-US" sz="2000" dirty="0">
+                <a:effectLst/>
+                <a:latin typeface="Calibri" panose="020F0502020204030204" pitchFamily="34" charset="0"/>
+                <a:ea typeface="Calibri" panose="020F0502020204030204" pitchFamily="34" charset="0"/>
+                <a:cs typeface="Times New Roman" panose="02020603050405020304" pitchFamily="18" charset="0"/>
+              </a:rPr>
+              <a:t>Hello world</a:t>
+            </a:r>
+            <a:r>
+              <a:rPr lang="ru-RU" sz="2000" dirty="0">
+                <a:effectLst/>
+                <a:latin typeface="Calibri" panose="020F0502020204030204" pitchFamily="34" charset="0"/>
+                <a:ea typeface="Calibri" panose="020F0502020204030204" pitchFamily="34" charset="0"/>
+                <a:cs typeface="Times New Roman" panose="02020603050405020304" pitchFamily="18" charset="0"/>
+              </a:rPr>
+              <a:t>. Типы данных, массивы. Ввод/вывод в консоль.</a:t>
+            </a:r>
+          </a:p>
+          <a:p>
+            <a:pPr>
+              <a:spcAft>
+                <a:spcPts val="600"/>
+              </a:spcAft>
+            </a:pPr>
+            <a:r>
+              <a:rPr lang="ru-RU" sz="2000" dirty="0">
+                <a:effectLst/>
+                <a:latin typeface="Calibri" panose="020F0502020204030204" pitchFamily="34" charset="0"/>
+                <a:ea typeface="Calibri" panose="020F0502020204030204" pitchFamily="34" charset="0"/>
+                <a:cs typeface="Times New Roman" panose="02020603050405020304" pitchFamily="18" charset="0"/>
+              </a:rPr>
+              <a:t>2. Циклы, условия.</a:t>
+            </a:r>
+          </a:p>
+          <a:p>
+            <a:pPr>
+              <a:spcAft>
+                <a:spcPts val="600"/>
+              </a:spcAft>
+            </a:pPr>
+            <a:r>
+              <a:rPr lang="ru-RU" sz="2000" dirty="0">
+                <a:effectLst/>
+                <a:latin typeface="Calibri" panose="020F0502020204030204" pitchFamily="34" charset="0"/>
+                <a:ea typeface="Calibri" panose="020F0502020204030204" pitchFamily="34" charset="0"/>
+                <a:cs typeface="Times New Roman" panose="02020603050405020304" pitchFamily="18" charset="0"/>
+              </a:rPr>
+              <a:t>3. Функции, процедуры.</a:t>
+            </a:r>
+          </a:p>
+          <a:p>
+            <a:pPr>
+              <a:spcAft>
+                <a:spcPts val="600"/>
+              </a:spcAft>
+            </a:pPr>
+            <a:r>
+              <a:rPr lang="ru-RU" sz="2000" dirty="0">
+                <a:effectLst/>
+                <a:latin typeface="Calibri" panose="020F0502020204030204" pitchFamily="34" charset="0"/>
+                <a:ea typeface="Calibri" panose="020F0502020204030204" pitchFamily="34" charset="0"/>
+                <a:cs typeface="Times New Roman" panose="02020603050405020304" pitchFamily="18" charset="0"/>
+              </a:rPr>
+              <a:t>4. Структуры.</a:t>
+            </a:r>
+          </a:p>
+          <a:p>
+            <a:pPr>
+              <a:spcAft>
+                <a:spcPts val="600"/>
+              </a:spcAft>
+            </a:pPr>
+            <a:r>
+              <a:rPr lang="ru-RU" sz="2000" dirty="0">
+                <a:effectLst/>
+                <a:latin typeface="Calibri" panose="020F0502020204030204" pitchFamily="34" charset="0"/>
+                <a:ea typeface="Calibri" panose="020F0502020204030204" pitchFamily="34" charset="0"/>
+                <a:cs typeface="Times New Roman" panose="02020603050405020304" pitchFamily="18" charset="0"/>
+              </a:rPr>
+              <a:t>5. Указатели. Передача/возврат значений в функции.</a:t>
+            </a:r>
+          </a:p>
+          <a:p>
+            <a:pPr>
+              <a:spcAft>
+                <a:spcPts val="600"/>
+              </a:spcAft>
+            </a:pPr>
+            <a:r>
+              <a:rPr lang="ru-RU" sz="2000" dirty="0">
+                <a:effectLst/>
+                <a:latin typeface="Calibri" panose="020F0502020204030204" pitchFamily="34" charset="0"/>
+                <a:ea typeface="Calibri" panose="020F0502020204030204" pitchFamily="34" charset="0"/>
+                <a:cs typeface="Times New Roman" panose="02020603050405020304" pitchFamily="18" charset="0"/>
+              </a:rPr>
+              <a:t>6. </a:t>
+            </a:r>
+            <a:r>
+              <a:rPr lang="ru-RU" sz="2000" dirty="0">
+                <a:effectLst/>
+                <a:highlight>
+                  <a:srgbClr val="A9A9A9"/>
+                </a:highlight>
+                <a:latin typeface="Calibri" panose="020F0502020204030204" pitchFamily="34" charset="0"/>
+                <a:ea typeface="Calibri" panose="020F0502020204030204" pitchFamily="34" charset="0"/>
+                <a:cs typeface="Times New Roman" panose="02020603050405020304" pitchFamily="18" charset="0"/>
+              </a:rPr>
+              <a:t>Контрольная</a:t>
+            </a:r>
+            <a:endParaRPr lang="ru-RU" sz="2000" dirty="0">
+              <a:effectLst/>
+              <a:latin typeface="Calibri" panose="020F0502020204030204" pitchFamily="34" charset="0"/>
+              <a:ea typeface="Calibri" panose="020F0502020204030204" pitchFamily="34" charset="0"/>
+              <a:cs typeface="Times New Roman" panose="02020603050405020304" pitchFamily="18" charset="0"/>
+            </a:endParaRPr>
+          </a:p>
+          <a:p>
+            <a:pPr>
+              <a:spcAft>
+                <a:spcPts val="600"/>
+              </a:spcAft>
+            </a:pPr>
+            <a:r>
+              <a:rPr lang="ru-RU" sz="2000" dirty="0">
+                <a:effectLst/>
+                <a:latin typeface="Calibri" panose="020F0502020204030204" pitchFamily="34" charset="0"/>
+                <a:ea typeface="Calibri" panose="020F0502020204030204" pitchFamily="34" charset="0"/>
+                <a:cs typeface="Times New Roman" panose="02020603050405020304" pitchFamily="18" charset="0"/>
+              </a:rPr>
+              <a:t>7. Динамическая память. Списки.</a:t>
+            </a:r>
+          </a:p>
+          <a:p>
+            <a:pPr>
+              <a:spcAft>
+                <a:spcPts val="600"/>
+              </a:spcAft>
+            </a:pPr>
+            <a:r>
+              <a:rPr lang="ru-RU" sz="2000" dirty="0">
+                <a:effectLst/>
+                <a:latin typeface="Calibri" panose="020F0502020204030204" pitchFamily="34" charset="0"/>
+                <a:ea typeface="Calibri" panose="020F0502020204030204" pitchFamily="34" charset="0"/>
+                <a:cs typeface="Times New Roman" panose="02020603050405020304" pitchFamily="18" charset="0"/>
+              </a:rPr>
+              <a:t>8. Строки</a:t>
+            </a:r>
+          </a:p>
+          <a:p>
+            <a:pPr>
+              <a:spcAft>
+                <a:spcPts val="600"/>
+              </a:spcAft>
+            </a:pPr>
+            <a:r>
+              <a:rPr lang="ru-RU" sz="2000" dirty="0">
+                <a:effectLst/>
+                <a:latin typeface="Calibri" panose="020F0502020204030204" pitchFamily="34" charset="0"/>
+                <a:ea typeface="Calibri" panose="020F0502020204030204" pitchFamily="34" charset="0"/>
+                <a:cs typeface="Times New Roman" panose="02020603050405020304" pitchFamily="18" charset="0"/>
+              </a:rPr>
+              <a:t>9. Чтение/запись файлов.</a:t>
+            </a:r>
+          </a:p>
+          <a:p>
+            <a:pPr>
+              <a:spcAft>
+                <a:spcPts val="600"/>
+              </a:spcAft>
+            </a:pPr>
+            <a:r>
+              <a:rPr lang="ru-RU" sz="2000" dirty="0">
+                <a:effectLst/>
+                <a:latin typeface="Calibri" panose="020F0502020204030204" pitchFamily="34" charset="0"/>
+                <a:ea typeface="Calibri" panose="020F0502020204030204" pitchFamily="34" charset="0"/>
+                <a:cs typeface="Times New Roman" panose="02020603050405020304" pitchFamily="18" charset="0"/>
+              </a:rPr>
+              <a:t>10. Классы. Конструктор, деструктор.</a:t>
+            </a:r>
+          </a:p>
+          <a:p>
+            <a:pPr>
+              <a:spcAft>
+                <a:spcPts val="600"/>
+              </a:spcAft>
+            </a:pPr>
+            <a:r>
+              <a:rPr lang="ru-RU" sz="2000" dirty="0">
+                <a:effectLst/>
+                <a:latin typeface="Calibri" panose="020F0502020204030204" pitchFamily="34" charset="0"/>
+                <a:ea typeface="Calibri" panose="020F0502020204030204" pitchFamily="34" charset="0"/>
+                <a:cs typeface="Times New Roman" panose="02020603050405020304" pitchFamily="18" charset="0"/>
+              </a:rPr>
+              <a:t>11. Перегрузка функций и операторов.</a:t>
+            </a:r>
+          </a:p>
+          <a:p>
+            <a:pPr>
+              <a:spcAft>
+                <a:spcPts val="600"/>
+              </a:spcAft>
+            </a:pPr>
+            <a:r>
+              <a:rPr lang="ru-RU" sz="2000" dirty="0">
+                <a:effectLst/>
+                <a:latin typeface="Calibri" panose="020F0502020204030204" pitchFamily="34" charset="0"/>
+                <a:ea typeface="Calibri" panose="020F0502020204030204" pitchFamily="34" charset="0"/>
+                <a:cs typeface="Times New Roman" panose="02020603050405020304" pitchFamily="18" charset="0"/>
+              </a:rPr>
+              <a:t>12. </a:t>
+            </a:r>
+            <a:r>
+              <a:rPr lang="ru-RU" sz="2000" dirty="0">
+                <a:effectLst/>
+                <a:highlight>
+                  <a:srgbClr val="A9A9A9"/>
+                </a:highlight>
+                <a:latin typeface="Calibri" panose="020F0502020204030204" pitchFamily="34" charset="0"/>
+                <a:ea typeface="Calibri" panose="020F0502020204030204" pitchFamily="34" charset="0"/>
+                <a:cs typeface="Times New Roman" panose="02020603050405020304" pitchFamily="18" charset="0"/>
+              </a:rPr>
+              <a:t>Контрольная</a:t>
+            </a:r>
+            <a:endParaRPr lang="ru-RU" sz="2000" dirty="0">
+              <a:effectLst/>
+              <a:latin typeface="Calibri" panose="020F0502020204030204" pitchFamily="34" charset="0"/>
+              <a:ea typeface="Calibri" panose="020F0502020204030204" pitchFamily="34" charset="0"/>
+              <a:cs typeface="Times New Roman" panose="02020603050405020304" pitchFamily="18" charset="0"/>
+            </a:endParaRPr>
+          </a:p>
+          <a:p>
+            <a:endParaRPr lang="ru-RU" sz="2000" dirty="0"/>
+          </a:p>
+        </p:txBody>
+      </p:sp>
+      <p:sp>
+        <p:nvSpPr>
+          <p:cNvPr id="10" name="TextBox 9">
+            <a:extLst>
+              <a:ext uri="{FF2B5EF4-FFF2-40B4-BE49-F238E27FC236}">
+                <a16:creationId xmlns:a16="http://schemas.microsoft.com/office/drawing/2014/main" id="{B8362ABB-6B18-ADAD-74EB-2B5169997768}"/>
+              </a:ext>
+            </a:extLst>
+          </p:cNvPr>
+          <p:cNvSpPr txBox="1"/>
+          <p:nvPr/>
+        </p:nvSpPr>
+        <p:spPr>
+          <a:xfrm>
+            <a:off x="256674" y="160421"/>
+            <a:ext cx="2614818" cy="461665"/>
+          </a:xfrm>
+          <a:prstGeom prst="rect">
+            <a:avLst/>
+          </a:prstGeom>
+          <a:noFill/>
+        </p:spPr>
+        <p:txBody>
+          <a:bodyPr wrap="none" rtlCol="0">
+            <a:spAutoFit/>
+          </a:bodyPr>
+          <a:lstStyle/>
+          <a:p>
+            <a:r>
+              <a:rPr lang="ru-RU" sz="2400" dirty="0"/>
+              <a:t>Содержание курса</a:t>
+            </a:r>
           </a:p>
         </p:txBody>
       </p:sp>
     </p:spTree>
     <p:extLst>
       <p:ext uri="{BB962C8B-B14F-4D97-AF65-F5344CB8AC3E}">
-        <p14:creationId xmlns:p14="http://schemas.microsoft.com/office/powerpoint/2010/main" val="3662422697"/>
+        <p14:creationId xmlns:p14="http://schemas.microsoft.com/office/powerpoint/2010/main" val="2101840697"/>
+      </p:ext>
+    </p:extLst>
+  </p:cSld>
+  <p:clrMapOvr>
+    <a:masterClrMapping/>
+  </p:clrMapOvr>
+</p:sld>
+</file>
+
+<file path=ppt/slides/slide4.xml><?xml version="1.0" encoding="utf-8"?>
+<p:sld xmlns:a="http://schemas.openxmlformats.org/drawingml/2006/main" xmlns:r="http://schemas.openxmlformats.org/officeDocument/2006/relationships" xmlns:p="http://schemas.openxmlformats.org/presentationml/2006/main">
+  <p:cSld>
+    <p:spTree>
+      <p:nvGrpSpPr>
+        <p:cNvPr id="1" name=""/>
+        <p:cNvGrpSpPr/>
+        <p:nvPr/>
+      </p:nvGrpSpPr>
+      <p:grpSpPr>
+        <a:xfrm>
+          <a:off x="0" y="0"/>
+          <a:ext cx="0" cy="0"/>
+          <a:chOff x="0" y="0"/>
+          <a:chExt cx="0" cy="0"/>
+        </a:xfrm>
+      </p:grpSpPr>
+      <p:sp>
+        <p:nvSpPr>
+          <p:cNvPr id="3" name="Объект 2">
+            <a:extLst>
+              <a:ext uri="{FF2B5EF4-FFF2-40B4-BE49-F238E27FC236}">
+                <a16:creationId xmlns:a16="http://schemas.microsoft.com/office/drawing/2014/main" id="{2D35D336-F9BC-0074-A7D0-1B2A19E97C48}"/>
+              </a:ext>
+            </a:extLst>
+          </p:cNvPr>
+          <p:cNvSpPr>
+            <a:spLocks noGrp="1"/>
+          </p:cNvSpPr>
+          <p:nvPr>
+            <p:ph idx="1"/>
+          </p:nvPr>
+        </p:nvSpPr>
+        <p:spPr>
+          <a:xfrm>
+            <a:off x="500313" y="903204"/>
+            <a:ext cx="8298782" cy="781217"/>
+          </a:xfrm>
+        </p:spPr>
+        <p:txBody>
+          <a:bodyPr/>
+          <a:lstStyle/>
+          <a:p>
+            <a:pPr marL="0" indent="0">
+              <a:buNone/>
+            </a:pPr>
+            <a:r>
+              <a:rPr lang="ru-RU" dirty="0"/>
+              <a:t>Ссылка на установщик </a:t>
+            </a:r>
+            <a:r>
+              <a:rPr lang="en-US" dirty="0"/>
+              <a:t>IDE </a:t>
+            </a:r>
+            <a:r>
+              <a:rPr lang="ru-RU" dirty="0"/>
+              <a:t>для </a:t>
+            </a:r>
+            <a:r>
+              <a:rPr lang="en-US" sz="2000" dirty="0"/>
+              <a:t>Delphi pascal.</a:t>
+            </a:r>
+            <a:endParaRPr lang="ru-RU" dirty="0"/>
+          </a:p>
+          <a:p>
+            <a:pPr marL="0" indent="0">
+              <a:buNone/>
+            </a:pPr>
+            <a:r>
+              <a:rPr lang="en-US" dirty="0">
+                <a:hlinkClick r:id="rId2"/>
+              </a:rPr>
+              <a:t>https://disk.yandex.ru/d/b8GElTwEN-pImg</a:t>
+            </a:r>
+            <a:endParaRPr lang="ru-RU" dirty="0"/>
+          </a:p>
+          <a:p>
+            <a:pPr marL="0" indent="0">
+              <a:buNone/>
+            </a:pPr>
+            <a:endParaRPr lang="en-US" dirty="0"/>
+          </a:p>
+          <a:p>
+            <a:pPr marL="0" indent="0">
+              <a:buNone/>
+            </a:pPr>
+            <a:endParaRPr lang="en-US" dirty="0"/>
+          </a:p>
+          <a:p>
+            <a:pPr marL="0" indent="0">
+              <a:buNone/>
+            </a:pPr>
+            <a:endParaRPr lang="en-US" dirty="0"/>
+          </a:p>
+          <a:p>
+            <a:pPr marL="0" indent="0">
+              <a:buNone/>
+            </a:pPr>
+            <a:endParaRPr lang="en-US" dirty="0"/>
+          </a:p>
+          <a:p>
+            <a:pPr marL="0" indent="0">
+              <a:buNone/>
+            </a:pPr>
+            <a:endParaRPr lang="en-US" dirty="0"/>
+          </a:p>
+          <a:p>
+            <a:pPr marL="0" indent="0">
+              <a:buNone/>
+            </a:pPr>
+            <a:endParaRPr lang="en-US" dirty="0"/>
+          </a:p>
+          <a:p>
+            <a:pPr marL="0" indent="0">
+              <a:buNone/>
+            </a:pPr>
+            <a:endParaRPr lang="en-US" dirty="0"/>
+          </a:p>
+          <a:p>
+            <a:pPr marL="0" indent="0">
+              <a:buNone/>
+            </a:pPr>
+            <a:endParaRPr lang="ru-RU" dirty="0"/>
+          </a:p>
+        </p:txBody>
+      </p:sp>
+      <p:sp>
+        <p:nvSpPr>
+          <p:cNvPr id="4" name="TextBox 3">
+            <a:extLst>
+              <a:ext uri="{FF2B5EF4-FFF2-40B4-BE49-F238E27FC236}">
+                <a16:creationId xmlns:a16="http://schemas.microsoft.com/office/drawing/2014/main" id="{89F6FD25-0EC2-68A5-1BB7-57F47706987A}"/>
+              </a:ext>
+            </a:extLst>
+          </p:cNvPr>
+          <p:cNvSpPr txBox="1"/>
+          <p:nvPr/>
+        </p:nvSpPr>
+        <p:spPr>
+          <a:xfrm>
+            <a:off x="256674" y="160421"/>
+            <a:ext cx="601447" cy="461665"/>
+          </a:xfrm>
+          <a:prstGeom prst="rect">
+            <a:avLst/>
+          </a:prstGeom>
+          <a:noFill/>
+        </p:spPr>
+        <p:txBody>
+          <a:bodyPr wrap="none" rtlCol="0">
+            <a:spAutoFit/>
+          </a:bodyPr>
+          <a:lstStyle/>
+          <a:p>
+            <a:r>
+              <a:rPr lang="en-US" sz="2400" dirty="0"/>
+              <a:t>IDE</a:t>
+            </a:r>
+            <a:endParaRPr lang="ru-RU" sz="2400" dirty="0"/>
+          </a:p>
+        </p:txBody>
+      </p:sp>
+      <p:pic>
+        <p:nvPicPr>
+          <p:cNvPr id="6" name="Рисунок 5">
+            <a:extLst>
+              <a:ext uri="{FF2B5EF4-FFF2-40B4-BE49-F238E27FC236}">
+                <a16:creationId xmlns:a16="http://schemas.microsoft.com/office/drawing/2014/main" id="{59E9FCC5-E27D-937A-3CC9-5D87EDA138D1}"/>
+              </a:ext>
+            </a:extLst>
+          </p:cNvPr>
+          <p:cNvPicPr>
+            <a:picLocks noChangeAspect="1"/>
+          </p:cNvPicPr>
+          <p:nvPr/>
+        </p:nvPicPr>
+        <p:blipFill>
+          <a:blip r:embed="rId3"/>
+          <a:stretch>
+            <a:fillRect/>
+          </a:stretch>
+        </p:blipFill>
+        <p:spPr>
+          <a:xfrm>
+            <a:off x="994611" y="1829604"/>
+            <a:ext cx="6978316" cy="4632619"/>
+          </a:xfrm>
+          <a:prstGeom prst="rect">
+            <a:avLst/>
+          </a:prstGeom>
+        </p:spPr>
+      </p:pic>
+      <p:sp>
+        <p:nvSpPr>
+          <p:cNvPr id="7" name="Номер слайда 1">
+            <a:extLst>
+              <a:ext uri="{FF2B5EF4-FFF2-40B4-BE49-F238E27FC236}">
+                <a16:creationId xmlns:a16="http://schemas.microsoft.com/office/drawing/2014/main" id="{9B4D6587-24CA-C223-D084-01DC445278E9}"/>
+              </a:ext>
+            </a:extLst>
+          </p:cNvPr>
+          <p:cNvSpPr>
+            <a:spLocks noGrp="1"/>
+          </p:cNvSpPr>
+          <p:nvPr>
+            <p:ph type="sldNum" sz="quarter" idx="12"/>
+          </p:nvPr>
+        </p:nvSpPr>
+        <p:spPr>
+          <a:xfrm>
+            <a:off x="6457950" y="6362616"/>
+            <a:ext cx="2057400" cy="365125"/>
+          </a:xfrm>
+        </p:spPr>
+        <p:txBody>
+          <a:bodyPr/>
+          <a:lstStyle/>
+          <a:p>
+            <a:fld id="{370A62FE-C268-428B-9FB6-A45FCBA79971}" type="slidenum">
+              <a:rPr lang="ru-RU" sz="1400" smtClean="0">
+                <a:solidFill>
+                  <a:schemeClr val="tx1"/>
+                </a:solidFill>
+              </a:rPr>
+              <a:t>4</a:t>
+            </a:fld>
+            <a:endParaRPr lang="ru-RU" dirty="0">
+              <a:solidFill>
+                <a:schemeClr val="tx1"/>
+              </a:solidFill>
+            </a:endParaRPr>
+          </a:p>
+        </p:txBody>
+      </p:sp>
+    </p:spTree>
+    <p:extLst>
+      <p:ext uri="{BB962C8B-B14F-4D97-AF65-F5344CB8AC3E}">
+        <p14:creationId xmlns:p14="http://schemas.microsoft.com/office/powerpoint/2010/main" val="3530886252"/>
+      </p:ext>
+    </p:extLst>
+  </p:cSld>
+  <p:clrMapOvr>
+    <a:masterClrMapping/>
+  </p:clrMapOvr>
+</p:sld>
+</file>
+
+<file path=ppt/slides/slide5.xml><?xml version="1.0" encoding="utf-8"?>
+<p:sld xmlns:a="http://schemas.openxmlformats.org/drawingml/2006/main" xmlns:r="http://schemas.openxmlformats.org/officeDocument/2006/relationships" xmlns:p="http://schemas.openxmlformats.org/presentationml/2006/main">
+  <p:cSld>
+    <p:spTree>
+      <p:nvGrpSpPr>
+        <p:cNvPr id="1" name=""/>
+        <p:cNvGrpSpPr/>
+        <p:nvPr/>
+      </p:nvGrpSpPr>
+      <p:grpSpPr>
+        <a:xfrm>
+          <a:off x="0" y="0"/>
+          <a:ext cx="0" cy="0"/>
+          <a:chOff x="0" y="0"/>
+          <a:chExt cx="0" cy="0"/>
+        </a:xfrm>
+      </p:grpSpPr>
+      <p:pic>
+        <p:nvPicPr>
+          <p:cNvPr id="5" name="Рисунок 4">
+            <a:extLst>
+              <a:ext uri="{FF2B5EF4-FFF2-40B4-BE49-F238E27FC236}">
+                <a16:creationId xmlns:a16="http://schemas.microsoft.com/office/drawing/2014/main" id="{27AE968C-2FDA-8ED9-8045-779771C5D76C}"/>
+              </a:ext>
+            </a:extLst>
+          </p:cNvPr>
+          <p:cNvPicPr>
+            <a:picLocks noChangeAspect="1"/>
+          </p:cNvPicPr>
+          <p:nvPr/>
+        </p:nvPicPr>
+        <p:blipFill>
+          <a:blip r:embed="rId2"/>
+          <a:stretch>
+            <a:fillRect/>
+          </a:stretch>
+        </p:blipFill>
+        <p:spPr>
+          <a:xfrm>
+            <a:off x="212858" y="786062"/>
+            <a:ext cx="8718283" cy="5398169"/>
+          </a:xfrm>
+          <a:prstGeom prst="rect">
+            <a:avLst/>
+          </a:prstGeom>
+        </p:spPr>
+      </p:pic>
+      <p:sp>
+        <p:nvSpPr>
+          <p:cNvPr id="6" name="TextBox 5">
+            <a:extLst>
+              <a:ext uri="{FF2B5EF4-FFF2-40B4-BE49-F238E27FC236}">
+                <a16:creationId xmlns:a16="http://schemas.microsoft.com/office/drawing/2014/main" id="{137D2FDE-D29C-9818-2361-E5A6429E1597}"/>
+              </a:ext>
+            </a:extLst>
+          </p:cNvPr>
+          <p:cNvSpPr txBox="1"/>
+          <p:nvPr/>
+        </p:nvSpPr>
+        <p:spPr>
+          <a:xfrm>
+            <a:off x="256674" y="160421"/>
+            <a:ext cx="2868478" cy="461665"/>
+          </a:xfrm>
+          <a:prstGeom prst="rect">
+            <a:avLst/>
+          </a:prstGeom>
+          <a:noFill/>
+        </p:spPr>
+        <p:txBody>
+          <a:bodyPr wrap="none" rtlCol="0">
+            <a:spAutoFit/>
+          </a:bodyPr>
+          <a:lstStyle/>
+          <a:p>
+            <a:r>
+              <a:rPr lang="en-US" sz="2400" dirty="0"/>
+              <a:t>IDE</a:t>
+            </a:r>
+            <a:r>
+              <a:rPr lang="ru-RU" sz="2400" dirty="0"/>
+              <a:t>. Второй вариант.</a:t>
+            </a:r>
+          </a:p>
+        </p:txBody>
+      </p:sp>
+      <p:sp>
+        <p:nvSpPr>
+          <p:cNvPr id="7" name="Номер слайда 1">
+            <a:extLst>
+              <a:ext uri="{FF2B5EF4-FFF2-40B4-BE49-F238E27FC236}">
+                <a16:creationId xmlns:a16="http://schemas.microsoft.com/office/drawing/2014/main" id="{4EAA1C92-69CA-AC98-828C-36C5A12ECE23}"/>
+              </a:ext>
+            </a:extLst>
+          </p:cNvPr>
+          <p:cNvSpPr>
+            <a:spLocks noGrp="1"/>
+          </p:cNvSpPr>
+          <p:nvPr>
+            <p:ph type="sldNum" sz="quarter" idx="12"/>
+          </p:nvPr>
+        </p:nvSpPr>
+        <p:spPr>
+          <a:xfrm>
+            <a:off x="6457950" y="6362616"/>
+            <a:ext cx="2057400" cy="365125"/>
+          </a:xfrm>
+        </p:spPr>
+        <p:txBody>
+          <a:bodyPr/>
+          <a:lstStyle/>
+          <a:p>
+            <a:fld id="{370A62FE-C268-428B-9FB6-A45FCBA79971}" type="slidenum">
+              <a:rPr lang="ru-RU" sz="1400" smtClean="0">
+                <a:solidFill>
+                  <a:schemeClr val="tx1"/>
+                </a:solidFill>
+              </a:rPr>
+              <a:t>5</a:t>
+            </a:fld>
+            <a:endParaRPr lang="ru-RU" dirty="0">
+              <a:solidFill>
+                <a:schemeClr val="tx1"/>
+              </a:solidFill>
+            </a:endParaRPr>
+          </a:p>
+        </p:txBody>
+      </p:sp>
+    </p:spTree>
+    <p:extLst>
+      <p:ext uri="{BB962C8B-B14F-4D97-AF65-F5344CB8AC3E}">
+        <p14:creationId xmlns:p14="http://schemas.microsoft.com/office/powerpoint/2010/main" val="1872984789"/>
+      </p:ext>
+    </p:extLst>
+  </p:cSld>
+  <p:clrMapOvr>
+    <a:masterClrMapping/>
+  </p:clrMapOvr>
+</p:sld>
+</file>
+
+<file path=ppt/slides/slide6.xml><?xml version="1.0" encoding="utf-8"?>
+<p:sld xmlns:a="http://schemas.openxmlformats.org/drawingml/2006/main" xmlns:r="http://schemas.openxmlformats.org/officeDocument/2006/relationships" xmlns:p="http://schemas.openxmlformats.org/presentationml/2006/main">
+  <p:cSld>
+    <p:spTree>
+      <p:nvGrpSpPr>
+        <p:cNvPr id="1" name=""/>
+        <p:cNvGrpSpPr/>
+        <p:nvPr/>
+      </p:nvGrpSpPr>
+      <p:grpSpPr>
+        <a:xfrm>
+          <a:off x="0" y="0"/>
+          <a:ext cx="0" cy="0"/>
+          <a:chOff x="0" y="0"/>
+          <a:chExt cx="0" cy="0"/>
+        </a:xfrm>
+      </p:grpSpPr>
+      <p:sp>
+        <p:nvSpPr>
+          <p:cNvPr id="3" name="Объект 2">
+            <a:extLst>
+              <a:ext uri="{FF2B5EF4-FFF2-40B4-BE49-F238E27FC236}">
+                <a16:creationId xmlns:a16="http://schemas.microsoft.com/office/drawing/2014/main" id="{E9C4299B-64F1-CAB8-08A0-4F46371C2658}"/>
+              </a:ext>
+            </a:extLst>
+          </p:cNvPr>
+          <p:cNvSpPr>
+            <a:spLocks noGrp="1"/>
+          </p:cNvSpPr>
+          <p:nvPr>
+            <p:ph idx="1"/>
+          </p:nvPr>
+        </p:nvSpPr>
+        <p:spPr>
+          <a:xfrm>
+            <a:off x="256674" y="855077"/>
+            <a:ext cx="7886700" cy="461665"/>
+          </a:xfrm>
+        </p:spPr>
+        <p:txBody>
+          <a:bodyPr>
+            <a:normAutofit fontScale="55000" lnSpcReduction="20000"/>
+          </a:bodyPr>
+          <a:lstStyle/>
+          <a:p>
+            <a:pPr marL="0" indent="0">
+              <a:buNone/>
+            </a:pPr>
+            <a:r>
+              <a:rPr lang="en-US" dirty="0">
+                <a:hlinkClick r:id="rId2"/>
+              </a:rPr>
+              <a:t>https://wiki.freepascal.org/Basic_Pascal_Tutorial/Chapter_1/Variables_and_Data_Types</a:t>
+            </a:r>
+            <a:endParaRPr lang="ru-RU" dirty="0">
+              <a:hlinkClick r:id="rId2"/>
+            </a:endParaRPr>
+          </a:p>
+          <a:p>
+            <a:pPr marL="0" indent="0">
+              <a:buNone/>
+            </a:pPr>
+            <a:r>
+              <a:rPr lang="en-US" dirty="0">
+                <a:hlinkClick r:id="rId2"/>
+              </a:rPr>
+              <a:t>https://www.tutorialspoint.com/pascal/pascal_variable_types.htm</a:t>
+            </a:r>
+            <a:endParaRPr lang="en-US" dirty="0"/>
+          </a:p>
+          <a:p>
+            <a:pPr marL="0" indent="0">
+              <a:buNone/>
+            </a:pPr>
+            <a:endParaRPr lang="ru-RU" dirty="0"/>
+          </a:p>
+        </p:txBody>
+      </p:sp>
+      <p:sp>
+        <p:nvSpPr>
+          <p:cNvPr id="4" name="TextBox 3">
+            <a:extLst>
+              <a:ext uri="{FF2B5EF4-FFF2-40B4-BE49-F238E27FC236}">
+                <a16:creationId xmlns:a16="http://schemas.microsoft.com/office/drawing/2014/main" id="{701CF149-D8F4-A759-2FF1-482A3E3B75A7}"/>
+              </a:ext>
+            </a:extLst>
+          </p:cNvPr>
+          <p:cNvSpPr txBox="1"/>
+          <p:nvPr/>
+        </p:nvSpPr>
+        <p:spPr>
+          <a:xfrm>
+            <a:off x="256674" y="160421"/>
+            <a:ext cx="8198655" cy="461665"/>
+          </a:xfrm>
+          <a:prstGeom prst="rect">
+            <a:avLst/>
+          </a:prstGeom>
+          <a:noFill/>
+        </p:spPr>
+        <p:txBody>
+          <a:bodyPr wrap="none" rtlCol="0">
+            <a:spAutoFit/>
+          </a:bodyPr>
+          <a:lstStyle/>
+          <a:p>
+            <a:pPr marL="342900" indent="-342900">
+              <a:buFont typeface="Arial" panose="020B0604020202020204" pitchFamily="34" charset="0"/>
+              <a:buChar char="•"/>
+            </a:pPr>
+            <a:r>
+              <a:rPr lang="en-US" sz="2400" dirty="0">
+                <a:effectLst/>
+                <a:latin typeface="Calibri" panose="020F0502020204030204" pitchFamily="34" charset="0"/>
+                <a:ea typeface="Calibri" panose="020F0502020204030204" pitchFamily="34" charset="0"/>
+                <a:cs typeface="Times New Roman" panose="02020603050405020304" pitchFamily="18" charset="0"/>
+              </a:rPr>
+              <a:t>Hello world</a:t>
+            </a:r>
+            <a:r>
+              <a:rPr lang="ru-RU" sz="2400" dirty="0">
+                <a:effectLst/>
+                <a:latin typeface="Calibri" panose="020F0502020204030204" pitchFamily="34" charset="0"/>
+                <a:ea typeface="Calibri" panose="020F0502020204030204" pitchFamily="34" charset="0"/>
+                <a:cs typeface="Times New Roman" panose="02020603050405020304" pitchFamily="18" charset="0"/>
+              </a:rPr>
+              <a:t>. Типы данных, массивы. Ввод/вывод в консол</a:t>
+            </a:r>
+            <a:r>
+              <a:rPr lang="ru-RU" sz="2400" dirty="0">
+                <a:latin typeface="Calibri" panose="020F0502020204030204" pitchFamily="34" charset="0"/>
+                <a:ea typeface="Calibri" panose="020F0502020204030204" pitchFamily="34" charset="0"/>
+                <a:cs typeface="Times New Roman" panose="02020603050405020304" pitchFamily="18" charset="0"/>
+              </a:rPr>
+              <a:t>ь.</a:t>
+            </a:r>
+            <a:endParaRPr lang="ru-RU" sz="2400" dirty="0"/>
+          </a:p>
+        </p:txBody>
+      </p:sp>
+      <p:pic>
+        <p:nvPicPr>
+          <p:cNvPr id="8" name="Рисунок 7">
+            <a:extLst>
+              <a:ext uri="{FF2B5EF4-FFF2-40B4-BE49-F238E27FC236}">
+                <a16:creationId xmlns:a16="http://schemas.microsoft.com/office/drawing/2014/main" id="{F49BBE62-C005-7792-83F2-621D84F04EA6}"/>
+              </a:ext>
+            </a:extLst>
+          </p:cNvPr>
+          <p:cNvPicPr>
+            <a:picLocks noChangeAspect="1"/>
+          </p:cNvPicPr>
+          <p:nvPr/>
+        </p:nvPicPr>
+        <p:blipFill>
+          <a:blip r:embed="rId3"/>
+          <a:stretch>
+            <a:fillRect/>
+          </a:stretch>
+        </p:blipFill>
+        <p:spPr>
+          <a:xfrm>
+            <a:off x="327109" y="1471863"/>
+            <a:ext cx="3933825" cy="3048000"/>
+          </a:xfrm>
+          <a:prstGeom prst="rect">
+            <a:avLst/>
+          </a:prstGeom>
+        </p:spPr>
+      </p:pic>
+      <p:pic>
+        <p:nvPicPr>
+          <p:cNvPr id="12" name="Рисунок 11">
+            <a:extLst>
+              <a:ext uri="{FF2B5EF4-FFF2-40B4-BE49-F238E27FC236}">
+                <a16:creationId xmlns:a16="http://schemas.microsoft.com/office/drawing/2014/main" id="{120DCBDA-B439-D9A7-DD35-AFE8B7A4B013}"/>
+              </a:ext>
+            </a:extLst>
+          </p:cNvPr>
+          <p:cNvPicPr>
+            <a:picLocks noChangeAspect="1"/>
+          </p:cNvPicPr>
+          <p:nvPr/>
+        </p:nvPicPr>
+        <p:blipFill>
+          <a:blip r:embed="rId4"/>
+          <a:stretch>
+            <a:fillRect/>
+          </a:stretch>
+        </p:blipFill>
+        <p:spPr>
+          <a:xfrm>
+            <a:off x="327109" y="4674984"/>
+            <a:ext cx="2200275" cy="1647825"/>
+          </a:xfrm>
+          <a:prstGeom prst="rect">
+            <a:avLst/>
+          </a:prstGeom>
+        </p:spPr>
+      </p:pic>
+      <p:pic>
+        <p:nvPicPr>
+          <p:cNvPr id="14" name="Рисунок 13">
+            <a:extLst>
+              <a:ext uri="{FF2B5EF4-FFF2-40B4-BE49-F238E27FC236}">
+                <a16:creationId xmlns:a16="http://schemas.microsoft.com/office/drawing/2014/main" id="{C85E162D-A508-FE81-F6AE-38B61DF3F0D5}"/>
+              </a:ext>
+            </a:extLst>
+          </p:cNvPr>
+          <p:cNvPicPr>
+            <a:picLocks noChangeAspect="1"/>
+          </p:cNvPicPr>
+          <p:nvPr/>
+        </p:nvPicPr>
+        <p:blipFill>
+          <a:blip r:embed="rId5"/>
+          <a:stretch>
+            <a:fillRect/>
+          </a:stretch>
+        </p:blipFill>
+        <p:spPr>
+          <a:xfrm>
+            <a:off x="4338637" y="1471863"/>
+            <a:ext cx="4733925" cy="2266950"/>
+          </a:xfrm>
+          <a:prstGeom prst="rect">
+            <a:avLst/>
+          </a:prstGeom>
+        </p:spPr>
+      </p:pic>
+      <p:sp>
+        <p:nvSpPr>
+          <p:cNvPr id="15" name="Номер слайда 1">
+            <a:extLst>
+              <a:ext uri="{FF2B5EF4-FFF2-40B4-BE49-F238E27FC236}">
+                <a16:creationId xmlns:a16="http://schemas.microsoft.com/office/drawing/2014/main" id="{A04C37F0-B3B5-3C98-F85A-7D61B64676FA}"/>
+              </a:ext>
+            </a:extLst>
+          </p:cNvPr>
+          <p:cNvSpPr>
+            <a:spLocks noGrp="1"/>
+          </p:cNvSpPr>
+          <p:nvPr>
+            <p:ph type="sldNum" sz="quarter" idx="12"/>
+          </p:nvPr>
+        </p:nvSpPr>
+        <p:spPr>
+          <a:xfrm>
+            <a:off x="6457950" y="6362616"/>
+            <a:ext cx="2057400" cy="365125"/>
+          </a:xfrm>
+        </p:spPr>
+        <p:txBody>
+          <a:bodyPr/>
+          <a:lstStyle/>
+          <a:p>
+            <a:fld id="{370A62FE-C268-428B-9FB6-A45FCBA79971}" type="slidenum">
+              <a:rPr lang="ru-RU" sz="1400" smtClean="0">
+                <a:solidFill>
+                  <a:schemeClr val="tx1"/>
+                </a:solidFill>
+              </a:rPr>
+              <a:t>6</a:t>
+            </a:fld>
+            <a:endParaRPr lang="ru-RU" dirty="0">
+              <a:solidFill>
+                <a:schemeClr val="tx1"/>
+              </a:solidFill>
+            </a:endParaRPr>
+          </a:p>
+        </p:txBody>
+      </p:sp>
+    </p:spTree>
+    <p:extLst>
+      <p:ext uri="{BB962C8B-B14F-4D97-AF65-F5344CB8AC3E}">
+        <p14:creationId xmlns:p14="http://schemas.microsoft.com/office/powerpoint/2010/main" val="3005760833"/>
+      </p:ext>
+    </p:extLst>
+  </p:cSld>
+  <p:clrMapOvr>
+    <a:masterClrMapping/>
+  </p:clrMapOvr>
+</p:sld>
+</file>
+
+<file path=ppt/slides/slide7.xml><?xml version="1.0" encoding="utf-8"?>
+<p:sld xmlns:a="http://schemas.openxmlformats.org/drawingml/2006/main" xmlns:r="http://schemas.openxmlformats.org/officeDocument/2006/relationships" xmlns:p="http://schemas.openxmlformats.org/presentationml/2006/main">
+  <p:cSld>
+    <p:spTree>
+      <p:nvGrpSpPr>
+        <p:cNvPr id="1" name=""/>
+        <p:cNvGrpSpPr/>
+        <p:nvPr/>
+      </p:nvGrpSpPr>
+      <p:grpSpPr>
+        <a:xfrm>
+          <a:off x="0" y="0"/>
+          <a:ext cx="0" cy="0"/>
+          <a:chOff x="0" y="0"/>
+          <a:chExt cx="0" cy="0"/>
+        </a:xfrm>
+      </p:grpSpPr>
+      <p:sp>
+        <p:nvSpPr>
+          <p:cNvPr id="3" name="Объект 2">
+            <a:extLst>
+              <a:ext uri="{FF2B5EF4-FFF2-40B4-BE49-F238E27FC236}">
+                <a16:creationId xmlns:a16="http://schemas.microsoft.com/office/drawing/2014/main" id="{C70784E7-DB38-3C3D-73E7-B8C9B595E517}"/>
+              </a:ext>
+            </a:extLst>
+          </p:cNvPr>
+          <p:cNvSpPr>
+            <a:spLocks noGrp="1"/>
+          </p:cNvSpPr>
+          <p:nvPr>
+            <p:ph idx="1"/>
+          </p:nvPr>
+        </p:nvSpPr>
+        <p:spPr>
+          <a:xfrm>
+            <a:off x="344905" y="1026695"/>
+            <a:ext cx="8170445" cy="5150268"/>
+          </a:xfrm>
+        </p:spPr>
+        <p:txBody>
+          <a:bodyPr>
+            <a:normAutofit/>
+          </a:bodyPr>
+          <a:lstStyle/>
+          <a:p>
+            <a:pPr marL="0" indent="0">
+              <a:spcBef>
+                <a:spcPts val="600"/>
+              </a:spcBef>
+              <a:spcAft>
+                <a:spcPts val="600"/>
+              </a:spcAft>
+              <a:buNone/>
+            </a:pPr>
+            <a:r>
+              <a:rPr lang="en-US" sz="1800" dirty="0"/>
+              <a:t>1) </a:t>
+            </a:r>
+            <a:r>
+              <a:rPr lang="ru-RU" sz="1800" dirty="0"/>
+              <a:t>Создать и настроить </a:t>
+            </a:r>
+            <a:r>
+              <a:rPr lang="en-US" sz="1800" dirty="0"/>
+              <a:t>Git.</a:t>
+            </a:r>
+            <a:endParaRPr lang="ru-RU" sz="1800" dirty="0"/>
+          </a:p>
+          <a:p>
+            <a:pPr marL="0" indent="0">
+              <a:spcBef>
+                <a:spcPts val="600"/>
+              </a:spcBef>
+              <a:spcAft>
+                <a:spcPts val="600"/>
+              </a:spcAft>
+              <a:buNone/>
+            </a:pPr>
+            <a:r>
+              <a:rPr lang="en-US" sz="1800" dirty="0"/>
+              <a:t>2)</a:t>
+            </a:r>
+            <a:r>
+              <a:rPr lang="ru-RU" sz="1800" dirty="0"/>
+              <a:t> Изучить основные типы данных.</a:t>
+            </a:r>
+          </a:p>
+          <a:p>
+            <a:pPr marL="0" indent="0">
+              <a:spcBef>
+                <a:spcPts val="600"/>
+              </a:spcBef>
+              <a:spcAft>
+                <a:spcPts val="600"/>
+              </a:spcAft>
+              <a:buNone/>
+            </a:pPr>
+            <a:r>
+              <a:rPr lang="ru-RU" sz="1800" dirty="0"/>
+              <a:t>3) В процессе изучения написать несколько программ</a:t>
+            </a:r>
+          </a:p>
+          <a:p>
+            <a:pPr marL="0" indent="0">
+              <a:spcBef>
+                <a:spcPts val="600"/>
+              </a:spcBef>
+              <a:spcAft>
+                <a:spcPts val="600"/>
+              </a:spcAft>
+              <a:buNone/>
+            </a:pPr>
+            <a:r>
+              <a:rPr lang="ru-RU" sz="1800" dirty="0"/>
+              <a:t>     использующих числовые типы данных.</a:t>
+            </a:r>
+          </a:p>
+          <a:p>
+            <a:pPr marL="0" indent="0">
+              <a:spcBef>
+                <a:spcPts val="600"/>
+              </a:spcBef>
+              <a:spcAft>
+                <a:spcPts val="600"/>
+              </a:spcAft>
+              <a:buNone/>
+            </a:pPr>
+            <a:r>
+              <a:rPr lang="ru-RU" sz="1800" dirty="0"/>
+              <a:t>4) Узнать сколько байт занимает тип данных, если допускаются варианты.</a:t>
+            </a:r>
+          </a:p>
+          <a:p>
+            <a:pPr marL="0" indent="0">
+              <a:spcBef>
+                <a:spcPts val="600"/>
+              </a:spcBef>
+              <a:spcAft>
+                <a:spcPts val="600"/>
+              </a:spcAft>
+              <a:buNone/>
+            </a:pPr>
+            <a:r>
+              <a:rPr lang="ru-RU" sz="1800" dirty="0"/>
+              <a:t>5) Результаты работы поместить в </a:t>
+            </a:r>
+            <a:r>
+              <a:rPr lang="en-US" sz="1800" dirty="0" err="1"/>
+              <a:t>github</a:t>
+            </a:r>
+            <a:r>
+              <a:rPr lang="ru-RU" sz="1800" dirty="0"/>
+              <a:t>.</a:t>
+            </a:r>
+          </a:p>
+          <a:p>
+            <a:pPr marL="0" indent="0">
+              <a:buNone/>
+            </a:pPr>
+            <a:endParaRPr lang="ru-RU" sz="1800" dirty="0"/>
+          </a:p>
+          <a:p>
+            <a:pPr marL="0" indent="0">
+              <a:buNone/>
+            </a:pPr>
+            <a:r>
+              <a:rPr lang="ru-RU" sz="1800" dirty="0"/>
+              <a:t>Задачи:</a:t>
+            </a:r>
+          </a:p>
+          <a:p>
+            <a:pPr marL="0" indent="0">
+              <a:buNone/>
+            </a:pPr>
+            <a:r>
+              <a:rPr lang="ru-RU" sz="1800" dirty="0"/>
+              <a:t>1) Вычислить точное значение факториала от </a:t>
+            </a:r>
+            <a:r>
+              <a:rPr lang="en-US" sz="1800" dirty="0"/>
+              <a:t>10, 15, 25.</a:t>
+            </a:r>
+            <a:endParaRPr lang="ru-RU" sz="1800" dirty="0"/>
+          </a:p>
+          <a:p>
+            <a:pPr marL="0" indent="0">
+              <a:buNone/>
+            </a:pPr>
+            <a:r>
+              <a:rPr lang="en-US" sz="1800" dirty="0"/>
+              <a:t>2)</a:t>
+            </a:r>
+            <a:r>
+              <a:rPr lang="ru-RU" sz="1800" dirty="0"/>
+              <a:t> Получить точное значение суммы чисел 0.60 и 0.03.</a:t>
+            </a:r>
+          </a:p>
+        </p:txBody>
+      </p:sp>
+      <p:sp>
+        <p:nvSpPr>
+          <p:cNvPr id="4" name="TextBox 3">
+            <a:extLst>
+              <a:ext uri="{FF2B5EF4-FFF2-40B4-BE49-F238E27FC236}">
+                <a16:creationId xmlns:a16="http://schemas.microsoft.com/office/drawing/2014/main" id="{67E8F81A-027E-20F6-AD41-2B4BE27FEA9E}"/>
+              </a:ext>
+            </a:extLst>
+          </p:cNvPr>
+          <p:cNvSpPr txBox="1"/>
+          <p:nvPr/>
+        </p:nvSpPr>
+        <p:spPr>
+          <a:xfrm>
+            <a:off x="256674" y="160421"/>
+            <a:ext cx="2747034" cy="461665"/>
+          </a:xfrm>
+          <a:prstGeom prst="rect">
+            <a:avLst/>
+          </a:prstGeom>
+          <a:noFill/>
+        </p:spPr>
+        <p:txBody>
+          <a:bodyPr wrap="none" rtlCol="0">
+            <a:spAutoFit/>
+          </a:bodyPr>
+          <a:lstStyle/>
+          <a:p>
+            <a:r>
+              <a:rPr lang="ru-RU" sz="2400" dirty="0"/>
+              <a:t>Домашнее задание</a:t>
+            </a:r>
+          </a:p>
+        </p:txBody>
+      </p:sp>
+      <p:sp>
+        <p:nvSpPr>
+          <p:cNvPr id="5" name="Номер слайда 1">
+            <a:extLst>
+              <a:ext uri="{FF2B5EF4-FFF2-40B4-BE49-F238E27FC236}">
+                <a16:creationId xmlns:a16="http://schemas.microsoft.com/office/drawing/2014/main" id="{A6E1E402-DE73-E82A-4F4F-9192900BA975}"/>
+              </a:ext>
+            </a:extLst>
+          </p:cNvPr>
+          <p:cNvSpPr>
+            <a:spLocks noGrp="1"/>
+          </p:cNvSpPr>
+          <p:nvPr>
+            <p:ph type="sldNum" sz="quarter" idx="12"/>
+          </p:nvPr>
+        </p:nvSpPr>
+        <p:spPr>
+          <a:xfrm>
+            <a:off x="6457950" y="6362616"/>
+            <a:ext cx="2057400" cy="365125"/>
+          </a:xfrm>
+        </p:spPr>
+        <p:txBody>
+          <a:bodyPr/>
+          <a:lstStyle/>
+          <a:p>
+            <a:fld id="{370A62FE-C268-428B-9FB6-A45FCBA79971}" type="slidenum">
+              <a:rPr lang="ru-RU" sz="1400" smtClean="0">
+                <a:solidFill>
+                  <a:schemeClr val="tx1"/>
+                </a:solidFill>
+              </a:rPr>
+              <a:t>7</a:t>
+            </a:fld>
+            <a:endParaRPr lang="ru-RU" dirty="0">
+              <a:solidFill>
+                <a:schemeClr val="tx1"/>
+              </a:solidFill>
+            </a:endParaRPr>
+          </a:p>
+        </p:txBody>
+      </p:sp>
+    </p:spTree>
+    <p:extLst>
+      <p:ext uri="{BB962C8B-B14F-4D97-AF65-F5344CB8AC3E}">
+        <p14:creationId xmlns:p14="http://schemas.microsoft.com/office/powerpoint/2010/main" val="1402550994"/>
       </p:ext>
     </p:extLst>
   </p:cSld>
@@ -3963,4 +5837,299 @@
     </a:ext>
   </a:extLst>
 </a:theme>
+</file>
+
+<file path=ppt/theme/theme2.xml><?xml version="1.0" encoding="utf-8"?>
+<a:theme xmlns:a="http://schemas.openxmlformats.org/drawingml/2006/main" name="Тема Office">
+  <a:themeElements>
+    <a:clrScheme name="Стандартная">
+      <a:dk1>
+        <a:sysClr val="windowText" lastClr="000000"/>
+      </a:dk1>
+      <a:lt1>
+        <a:sysClr val="window" lastClr="FFFFFF"/>
+      </a:lt1>
+      <a:dk2>
+        <a:srgbClr val="44546A"/>
+      </a:dk2>
+      <a:lt2>
+        <a:srgbClr val="E7E6E6"/>
+      </a:lt2>
+      <a:accent1>
+        <a:srgbClr val="4472C4"/>
+      </a:accent1>
+      <a:accent2>
+        <a:srgbClr val="ED7D31"/>
+      </a:accent2>
+      <a:accent3>
+        <a:srgbClr val="A5A5A5"/>
+      </a:accent3>
+      <a:accent4>
+        <a:srgbClr val="FFC000"/>
+      </a:accent4>
+      <a:accent5>
+        <a:srgbClr val="5B9BD5"/>
+      </a:accent5>
+      <a:accent6>
+        <a:srgbClr val="70AD47"/>
+      </a:accent6>
+      <a:hlink>
+        <a:srgbClr val="0563C1"/>
+      </a:hlink>
+      <a:folHlink>
+        <a:srgbClr val="954F72"/>
+      </a:folHlink>
+    </a:clrScheme>
+    <a:fontScheme name="Стандартная">
+      <a:majorFont>
+        <a:latin typeface="Calibri Light" panose="020F0302020204030204"/>
+        <a:ea typeface=""/>
+        <a:cs typeface=""/>
+        <a:font script="Jpan" typeface="游ゴシック Light"/>
+        <a:font script="Hang" typeface="맑은 고딕"/>
+        <a:font script="Hans" typeface="等线 Light"/>
+        <a:font script="Hant" typeface="新細明體"/>
+        <a:font script="Arab" typeface="Times New Roman"/>
+        <a:font script="Hebr" typeface="Times New Roman"/>
+        <a:font script="Thai" typeface="Angsana New"/>
+        <a:font script="Ethi" typeface="Nyala"/>
+        <a:font script="Beng" typeface="Vrinda"/>
+        <a:font script="Gujr" typeface="Shruti"/>
+        <a:font script="Khmr" typeface="MoolBoran"/>
+        <a:font script="Knda" typeface="Tunga"/>
+        <a:font script="Guru" typeface="Raavi"/>
+        <a:font script="Cans" typeface="Euphemia"/>
+        <a:font script="Cher" typeface="Plantagenet Cherokee"/>
+        <a:font script="Yiii" typeface="Microsoft Yi Baiti"/>
+        <a:font script="Tibt" typeface="Microsoft Himalaya"/>
+        <a:font script="Thaa" typeface="MV Boli"/>
+        <a:font script="Deva" typeface="Mangal"/>
+        <a:font script="Telu" typeface="Gautami"/>
+        <a:font script="Taml" typeface="Latha"/>
+        <a:font script="Syrc" typeface="Estrangelo Edessa"/>
+        <a:font script="Orya" typeface="Kalinga"/>
+        <a:font script="Mlym" typeface="Kartika"/>
+        <a:font script="Laoo" typeface="DokChampa"/>
+        <a:font script="Sinh" typeface="Iskoola Pota"/>
+        <a:font script="Mong" typeface="Mongolian Baiti"/>
+        <a:font script="Viet" typeface="Times New Roman"/>
+        <a:font script="Uigh" typeface="Microsoft Uighur"/>
+        <a:font script="Geor" typeface="Sylfaen"/>
+        <a:font script="Armn" typeface="Arial"/>
+        <a:font script="Bugi" typeface="Leelawadee UI"/>
+        <a:font script="Bopo" typeface="Microsoft JhengHei"/>
+        <a:font script="Java" typeface="Javanese Text"/>
+        <a:font script="Lisu" typeface="Segoe UI"/>
+        <a:font script="Mymr" typeface="Myanmar Text"/>
+        <a:font script="Nkoo" typeface="Ebrima"/>
+        <a:font script="Olck" typeface="Nirmala UI"/>
+        <a:font script="Osma" typeface="Ebrima"/>
+        <a:font script="Phag" typeface="Phagspa"/>
+        <a:font script="Syrn" typeface="Estrangelo Edessa"/>
+        <a:font script="Syrj" typeface="Estrangelo Edessa"/>
+        <a:font script="Syre" typeface="Estrangelo Edessa"/>
+        <a:font script="Sora" typeface="Nirmala UI"/>
+        <a:font script="Tale" typeface="Microsoft Tai Le"/>
+        <a:font script="Talu" typeface="Microsoft New Tai Lue"/>
+        <a:font script="Tfng" typeface="Ebrima"/>
+      </a:majorFont>
+      <a:minorFont>
+        <a:latin typeface="Calibri" panose="020F0502020204030204"/>
+        <a:ea typeface=""/>
+        <a:cs typeface=""/>
+        <a:font script="Jpan" typeface="游ゴシック"/>
+        <a:font script="Hang" typeface="맑은 고딕"/>
+        <a:font script="Hans" typeface="等线"/>
+        <a:font script="Hant" typeface="新細明體"/>
+        <a:font script="Arab" typeface="Arial"/>
+        <a:font script="Hebr" typeface="Arial"/>
+        <a:font script="Thai" typeface="Cordia New"/>
+        <a:font script="Ethi" typeface="Nyala"/>
+        <a:font script="Beng" typeface="Vrinda"/>
+        <a:font script="Gujr" typeface="Shruti"/>
+        <a:font script="Khmr" typeface="DaunPenh"/>
+        <a:font script="Knda" typeface="Tunga"/>
+        <a:font script="Guru" typeface="Raavi"/>
+        <a:font script="Cans" typeface="Euphemia"/>
+        <a:font script="Cher" typeface="Plantagenet Cherokee"/>
+        <a:font script="Yiii" typeface="Microsoft Yi Baiti"/>
+        <a:font script="Tibt" typeface="Microsoft Himalaya"/>
+        <a:font script="Thaa" typeface="MV Boli"/>
+        <a:font script="Deva" typeface="Mangal"/>
+        <a:font script="Telu" typeface="Gautami"/>
+        <a:font script="Taml" typeface="Latha"/>
+        <a:font script="Syrc" typeface="Estrangelo Edessa"/>
+        <a:font script="Orya" typeface="Kalinga"/>
+        <a:font script="Mlym" typeface="Kartika"/>
+        <a:font script="Laoo" typeface="DokChampa"/>
+        <a:font script="Sinh" typeface="Iskoola Pota"/>
+        <a:font script="Mong" typeface="Mongolian Baiti"/>
+        <a:font script="Viet" typeface="Arial"/>
+        <a:font script="Uigh" typeface="Microsoft Uighur"/>
+        <a:font script="Geor" typeface="Sylfaen"/>
+        <a:font script="Armn" typeface="Arial"/>
+        <a:font script="Bugi" typeface="Leelawadee UI"/>
+        <a:font script="Bopo" typeface="Microsoft JhengHei"/>
+        <a:font script="Java" typeface="Javanese Text"/>
+        <a:font script="Lisu" typeface="Segoe UI"/>
+        <a:font script="Mymr" typeface="Myanmar Text"/>
+        <a:font script="Nkoo" typeface="Ebrima"/>
+        <a:font script="Olck" typeface="Nirmala UI"/>
+        <a:font script="Osma" typeface="Ebrima"/>
+        <a:font script="Phag" typeface="Phagspa"/>
+        <a:font script="Syrn" typeface="Estrangelo Edessa"/>
+        <a:font script="Syrj" typeface="Estrangelo Edessa"/>
+        <a:font script="Syre" typeface="Estrangelo Edessa"/>
+        <a:font script="Sora" typeface="Nirmala UI"/>
+        <a:font script="Tale" typeface="Microsoft Tai Le"/>
+        <a:font script="Talu" typeface="Microsoft New Tai Lue"/>
+        <a:font script="Tfng" typeface="Ebrima"/>
+      </a:minorFont>
+    </a:fontScheme>
+    <a:fmtScheme name="Стандартная">
+      <a:fillStyleLst>
+        <a:solidFill>
+          <a:schemeClr val="phClr"/>
+        </a:solidFill>
+        <a:gradFill rotWithShape="1">
+          <a:gsLst>
+            <a:gs pos="0">
+              <a:schemeClr val="phClr">
+                <a:lumMod val="110000"/>
+                <a:satMod val="105000"/>
+                <a:tint val="67000"/>
+              </a:schemeClr>
+            </a:gs>
+            <a:gs pos="50000">
+              <a:schemeClr val="phClr">
+                <a:lumMod val="105000"/>
+                <a:satMod val="103000"/>
+                <a:tint val="73000"/>
+              </a:schemeClr>
+            </a:gs>
+            <a:gs pos="100000">
+              <a:schemeClr val="phClr">
+                <a:lumMod val="105000"/>
+                <a:satMod val="109000"/>
+                <a:tint val="81000"/>
+              </a:schemeClr>
+            </a:gs>
+          </a:gsLst>
+          <a:lin ang="5400000" scaled="0"/>
+        </a:gradFill>
+        <a:gradFill rotWithShape="1">
+          <a:gsLst>
+            <a:gs pos="0">
+              <a:schemeClr val="phClr">
+                <a:satMod val="103000"/>
+                <a:lumMod val="102000"/>
+                <a:tint val="94000"/>
+              </a:schemeClr>
+            </a:gs>
+            <a:gs pos="50000">
+              <a:schemeClr val="phClr">
+                <a:satMod val="110000"/>
+                <a:lumMod val="100000"/>
+                <a:shade val="100000"/>
+              </a:schemeClr>
+            </a:gs>
+            <a:gs pos="100000">
+              <a:schemeClr val="phClr">
+                <a:lumMod val="99000"/>
+                <a:satMod val="120000"/>
+                <a:shade val="78000"/>
+              </a:schemeClr>
+            </a:gs>
+          </a:gsLst>
+          <a:lin ang="5400000" scaled="0"/>
+        </a:gradFill>
+      </a:fillStyleLst>
+      <a:lnStyleLst>
+        <a:ln w="6350" cap="flat" cmpd="sng" algn="ctr">
+          <a:solidFill>
+            <a:schemeClr val="phClr"/>
+          </a:solidFill>
+          <a:prstDash val="solid"/>
+          <a:miter lim="800000"/>
+        </a:ln>
+        <a:ln w="12700" cap="flat" cmpd="sng" algn="ctr">
+          <a:solidFill>
+            <a:schemeClr val="phClr"/>
+          </a:solidFill>
+          <a:prstDash val="solid"/>
+          <a:miter lim="800000"/>
+        </a:ln>
+        <a:ln w="19050" cap="flat" cmpd="sng" algn="ctr">
+          <a:solidFill>
+            <a:schemeClr val="phClr"/>
+          </a:solidFill>
+          <a:prstDash val="solid"/>
+          <a:miter lim="800000"/>
+        </a:ln>
+      </a:lnStyleLst>
+      <a:effectStyleLst>
+        <a:effectStyle>
+          <a:effectLst/>
+        </a:effectStyle>
+        <a:effectStyle>
+          <a:effectLst/>
+        </a:effectStyle>
+        <a:effectStyle>
+          <a:effectLst>
+            <a:outerShdw blurRad="57150" dist="19050" dir="5400000" algn="ctr" rotWithShape="0">
+              <a:srgbClr val="000000">
+                <a:alpha val="63000"/>
+              </a:srgbClr>
+            </a:outerShdw>
+          </a:effectLst>
+        </a:effectStyle>
+      </a:effectStyleLst>
+      <a:bgFillStyleLst>
+        <a:solidFill>
+          <a:schemeClr val="phClr"/>
+        </a:solidFill>
+        <a:solidFill>
+          <a:schemeClr val="phClr">
+            <a:tint val="95000"/>
+            <a:satMod val="170000"/>
+          </a:schemeClr>
+        </a:solidFill>
+        <a:gradFill rotWithShape="1">
+          <a:gsLst>
+            <a:gs pos="0">
+              <a:schemeClr val="phClr">
+                <a:tint val="93000"/>
+                <a:satMod val="150000"/>
+                <a:shade val="98000"/>
+                <a:lumMod val="102000"/>
+              </a:schemeClr>
+            </a:gs>
+            <a:gs pos="50000">
+              <a:schemeClr val="phClr">
+                <a:tint val="98000"/>
+                <a:satMod val="130000"/>
+                <a:shade val="90000"/>
+                <a:lumMod val="103000"/>
+              </a:schemeClr>
+            </a:gs>
+            <a:gs pos="100000">
+              <a:schemeClr val="phClr">
+                <a:shade val="63000"/>
+                <a:satMod val="120000"/>
+              </a:schemeClr>
+            </a:gs>
+          </a:gsLst>
+          <a:lin ang="5400000" scaled="0"/>
+        </a:gradFill>
+      </a:bgFillStyleLst>
+    </a:fmtScheme>
+  </a:themeElements>
+  <a:objectDefaults/>
+  <a:extraClrSchemeLst/>
+  <a:extLst>
+    <a:ext uri="{05A4C25C-085E-4340-85A3-A5531E510DB2}">
+      <thm15:themeFamily xmlns:thm15="http://schemas.microsoft.com/office/thememl/2012/main" name="Office Theme 2013 - 2022" id="{62F939B6-93AF-4DB8-9C6B-D6C7DFDC589F}" vid="{4A3C46E8-61CC-4603-A589-7422A47A8E4A}"/>
+    </a:ext>
+  </a:extLst>
+</a:theme>
 </file>
--- a/1. Введение/1. Введение.pptx
+++ b/1. Введение/1. Введение.pptx
@@ -5,7 +5,7 @@
     <p:sldMasterId id="2147483648" r:id="rId1"/>
   </p:sldMasterIdLst>
   <p:notesMasterIdLst>
-    <p:notesMasterId r:id="rId9"/>
+    <p:notesMasterId r:id="rId13"/>
   </p:notesMasterIdLst>
   <p:sldIdLst>
     <p:sldId id="257" r:id="rId2"/>
@@ -13,8 +13,12 @@
     <p:sldId id="259" r:id="rId4"/>
     <p:sldId id="260" r:id="rId5"/>
     <p:sldId id="263" r:id="rId6"/>
-    <p:sldId id="261" r:id="rId7"/>
-    <p:sldId id="262" r:id="rId8"/>
+    <p:sldId id="266" r:id="rId7"/>
+    <p:sldId id="265" r:id="rId8"/>
+    <p:sldId id="267" r:id="rId9"/>
+    <p:sldId id="261" r:id="rId10"/>
+    <p:sldId id="268" r:id="rId11"/>
+    <p:sldId id="262" r:id="rId12"/>
   </p:sldIdLst>
   <p:sldSz cx="9144000" cy="6858000" type="screen4x3"/>
   <p:notesSz cx="6858000" cy="9144000"/>
@@ -230,7 +234,7 @@
           <a:p>
             <a:fld id="{7631E45C-F116-462B-8760-2078BF082F1A}" type="datetimeFigureOut">
               <a:rPr lang="ru-RU" smtClean="0"/>
-              <a:t>31.01.2023</a:t>
+              <a:t>01.02.2023</a:t>
             </a:fld>
             <a:endParaRPr lang="ru-RU"/>
           </a:p>
@@ -497,6 +501,90 @@
 </p:notesMaster>
 </file>
 
+<file path=ppt/notesSlides/notesSlide1.xml><?xml version="1.0" encoding="utf-8"?>
+<p:notes xmlns:a="http://schemas.openxmlformats.org/drawingml/2006/main" xmlns:r="http://schemas.openxmlformats.org/officeDocument/2006/relationships" xmlns:p="http://schemas.openxmlformats.org/presentationml/2006/main">
+  <p:cSld>
+    <p:spTree>
+      <p:nvGrpSpPr>
+        <p:cNvPr id="1" name=""/>
+        <p:cNvGrpSpPr/>
+        <p:nvPr/>
+      </p:nvGrpSpPr>
+      <p:grpSpPr>
+        <a:xfrm>
+          <a:off x="0" y="0"/>
+          <a:ext cx="0" cy="0"/>
+          <a:chOff x="0" y="0"/>
+          <a:chExt cx="0" cy="0"/>
+        </a:xfrm>
+      </p:grpSpPr>
+      <p:sp>
+        <p:nvSpPr>
+          <p:cNvPr id="2" name="Образ слайда 1"/>
+          <p:cNvSpPr>
+            <a:spLocks noGrp="1" noRot="1" noChangeAspect="1"/>
+          </p:cNvSpPr>
+          <p:nvPr>
+            <p:ph type="sldImg"/>
+          </p:nvPr>
+        </p:nvSpPr>
+        <p:spPr/>
+      </p:sp>
+      <p:sp>
+        <p:nvSpPr>
+          <p:cNvPr id="3" name="Заметки 2"/>
+          <p:cNvSpPr>
+            <a:spLocks noGrp="1"/>
+          </p:cNvSpPr>
+          <p:nvPr>
+            <p:ph type="body" idx="1"/>
+          </p:nvPr>
+        </p:nvSpPr>
+        <p:spPr/>
+        <p:txBody>
+          <a:bodyPr/>
+          <a:lstStyle/>
+          <a:p>
+            <a:endParaRPr lang="ru-RU" dirty="0"/>
+          </a:p>
+        </p:txBody>
+      </p:sp>
+      <p:sp>
+        <p:nvSpPr>
+          <p:cNvPr id="4" name="Номер слайда 3"/>
+          <p:cNvSpPr>
+            <a:spLocks noGrp="1"/>
+          </p:cNvSpPr>
+          <p:nvPr>
+            <p:ph type="sldNum" sz="quarter" idx="5"/>
+          </p:nvPr>
+        </p:nvSpPr>
+        <p:spPr/>
+        <p:txBody>
+          <a:bodyPr/>
+          <a:lstStyle/>
+          <a:p>
+            <a:fld id="{46D2654B-16AF-4FC8-85F1-09ECDEE7574F}" type="slidenum">
+              <a:rPr lang="ru-RU" smtClean="0"/>
+              <a:t>8</a:t>
+            </a:fld>
+            <a:endParaRPr lang="ru-RU"/>
+          </a:p>
+        </p:txBody>
+      </p:sp>
+    </p:spTree>
+    <p:extLst>
+      <p:ext uri="{BB962C8B-B14F-4D97-AF65-F5344CB8AC3E}">
+        <p14:creationId xmlns:p14="http://schemas.microsoft.com/office/powerpoint/2010/main" val="3546687467"/>
+      </p:ext>
+    </p:extLst>
+  </p:cSld>
+  <p:clrMapOvr>
+    <a:masterClrMapping/>
+  </p:clrMapOvr>
+</p:notes>
+</file>
+
 <file path=ppt/slideLayouts/slideLayout1.xml><?xml version="1.0" encoding="utf-8"?>
 <p:sldLayout xmlns:a="http://schemas.openxmlformats.org/drawingml/2006/main" xmlns:r="http://schemas.openxmlformats.org/officeDocument/2006/relationships" xmlns:p="http://schemas.openxmlformats.org/presentationml/2006/main" type="title" preserve="1">
   <p:cSld name="Титульный слайд">
@@ -644,7 +732,7 @@
           <a:p>
             <a:fld id="{A9AD3FF1-1C77-4208-A728-6715B8BCAEC8}" type="datetime1">
               <a:rPr lang="ru-RU" smtClean="0"/>
-              <a:t>31.01.2023</a:t>
+              <a:t>01.02.2023</a:t>
             </a:fld>
             <a:endParaRPr lang="ru-RU"/>
           </a:p>
@@ -842,7 +930,7 @@
           <a:p>
             <a:fld id="{1C142B9A-2E56-4B99-A87C-1793C4E37C39}" type="datetime1">
               <a:rPr lang="ru-RU" smtClean="0"/>
-              <a:t>31.01.2023</a:t>
+              <a:t>01.02.2023</a:t>
             </a:fld>
             <a:endParaRPr lang="ru-RU"/>
           </a:p>
@@ -1050,7 +1138,7 @@
           <a:p>
             <a:fld id="{9E0ED007-B469-42B5-84D0-B2D8518EE6AF}" type="datetime1">
               <a:rPr lang="ru-RU" smtClean="0"/>
-              <a:t>31.01.2023</a:t>
+              <a:t>01.02.2023</a:t>
             </a:fld>
             <a:endParaRPr lang="ru-RU"/>
           </a:p>
@@ -1248,7 +1336,7 @@
           <a:p>
             <a:fld id="{C24A6B21-3CC2-4411-9ED7-28D4F07E6447}" type="datetime1">
               <a:rPr lang="ru-RU" smtClean="0"/>
-              <a:t>31.01.2023</a:t>
+              <a:t>01.02.2023</a:t>
             </a:fld>
             <a:endParaRPr lang="ru-RU"/>
           </a:p>
@@ -1523,7 +1611,7 @@
           <a:p>
             <a:fld id="{B56534DB-51AD-42E8-BAE2-9D524DF6969E}" type="datetime1">
               <a:rPr lang="ru-RU" smtClean="0"/>
-              <a:t>31.01.2023</a:t>
+              <a:t>01.02.2023</a:t>
             </a:fld>
             <a:endParaRPr lang="ru-RU"/>
           </a:p>
@@ -1788,7 +1876,7 @@
           <a:p>
             <a:fld id="{586E71E7-4231-4511-A286-4D8BAA3C5460}" type="datetime1">
               <a:rPr lang="ru-RU" smtClean="0"/>
-              <a:t>31.01.2023</a:t>
+              <a:t>01.02.2023</a:t>
             </a:fld>
             <a:endParaRPr lang="ru-RU"/>
           </a:p>
@@ -2200,7 +2288,7 @@
           <a:p>
             <a:fld id="{38907D2B-A495-4440-AD73-F377A1E57184}" type="datetime1">
               <a:rPr lang="ru-RU" smtClean="0"/>
-              <a:t>31.01.2023</a:t>
+              <a:t>01.02.2023</a:t>
             </a:fld>
             <a:endParaRPr lang="ru-RU"/>
           </a:p>
@@ -2341,7 +2429,7 @@
           <a:p>
             <a:fld id="{161FC52B-1D54-47AE-B2C9-575E5C19FE39}" type="datetime1">
               <a:rPr lang="ru-RU" smtClean="0"/>
-              <a:t>31.01.2023</a:t>
+              <a:t>01.02.2023</a:t>
             </a:fld>
             <a:endParaRPr lang="ru-RU"/>
           </a:p>
@@ -2454,7 +2542,7 @@
           <a:p>
             <a:fld id="{8832FC10-F7B7-4864-9033-3EC7976FDCB5}" type="datetime1">
               <a:rPr lang="ru-RU" smtClean="0"/>
-              <a:t>31.01.2023</a:t>
+              <a:t>01.02.2023</a:t>
             </a:fld>
             <a:endParaRPr lang="ru-RU"/>
           </a:p>
@@ -2765,7 +2853,7 @@
           <a:p>
             <a:fld id="{4C6FDB09-C334-42D1-A8CC-92BA43584AF5}" type="datetime1">
               <a:rPr lang="ru-RU" smtClean="0"/>
-              <a:t>31.01.2023</a:t>
+              <a:t>01.02.2023</a:t>
             </a:fld>
             <a:endParaRPr lang="ru-RU"/>
           </a:p>
@@ -3053,7 +3141,7 @@
           <a:p>
             <a:fld id="{5DA449B0-4AC4-4D56-AD1E-2E60E920D68F}" type="datetime1">
               <a:rPr lang="ru-RU" smtClean="0"/>
-              <a:t>31.01.2023</a:t>
+              <a:t>01.02.2023</a:t>
             </a:fld>
             <a:endParaRPr lang="ru-RU"/>
           </a:p>
@@ -3294,7 +3382,7 @@
           <a:p>
             <a:fld id="{6E39FA31-E67D-4DB0-8FD3-FD47DE2B0D1A}" type="datetime1">
               <a:rPr lang="ru-RU" smtClean="0"/>
-              <a:t>31.01.2023</a:t>
+              <a:t>01.02.2023</a:t>
             </a:fld>
             <a:endParaRPr lang="ru-RU"/>
           </a:p>
@@ -3752,7 +3840,19 @@
             <a:pPr marL="0" indent="0">
               <a:buNone/>
             </a:pPr>
-            <a:endParaRPr lang="ru-RU" sz="2400" dirty="0"/>
+            <a:r>
+              <a:rPr lang="en-US" sz="2400" dirty="0">
+                <a:hlinkClick r:id="rId2"/>
+              </a:rPr>
+              <a:t>vakulenko705@gmail.com</a:t>
+            </a:r>
+            <a:endParaRPr lang="en-US" sz="2400" dirty="0"/>
+          </a:p>
+          <a:p>
+            <a:pPr marL="0" indent="0">
+              <a:buNone/>
+            </a:pPr>
+            <a:endParaRPr lang="en-US" sz="2400" dirty="0"/>
           </a:p>
           <a:p>
             <a:pPr marL="0" indent="0">
@@ -3827,12 +3927,18 @@
           </a:p>
           <a:p>
             <a:pPr marL="0" indent="0">
+              <a:spcBef>
+                <a:spcPts val="0"/>
+              </a:spcBef>
               <a:buNone/>
             </a:pPr>
             <a:endParaRPr lang="ru-RU" sz="2400" dirty="0"/>
           </a:p>
           <a:p>
             <a:pPr marL="0" indent="0">
+              <a:spcBef>
+                <a:spcPts val="0"/>
+              </a:spcBef>
               <a:buNone/>
             </a:pPr>
             <a:r>
@@ -3875,7 +3981,7 @@
           <p:nvPr/>
         </p:nvPicPr>
         <p:blipFill>
-          <a:blip r:embed="rId2">
+          <a:blip r:embed="rId3">
             <a:extLst>
               <a:ext uri="{28A0092B-C50C-407E-A947-70E740481C1C}">
                 <a14:useLocalDpi xmlns:a14="http://schemas.microsoft.com/office/drawing/2010/main" val="0"/>
@@ -3962,6 +4068,3609 @@
 </p:sld>
 </file>
 
+<file path=ppt/slides/slide10.xml><?xml version="1.0" encoding="utf-8"?>
+<p:sld xmlns:a="http://schemas.openxmlformats.org/drawingml/2006/main" xmlns:r="http://schemas.openxmlformats.org/officeDocument/2006/relationships" xmlns:p="http://schemas.openxmlformats.org/presentationml/2006/main">
+  <p:cSld>
+    <p:spTree>
+      <p:nvGrpSpPr>
+        <p:cNvPr id="1" name=""/>
+        <p:cNvGrpSpPr/>
+        <p:nvPr/>
+      </p:nvGrpSpPr>
+      <p:grpSpPr>
+        <a:xfrm>
+          <a:off x="0" y="0"/>
+          <a:ext cx="0" cy="0"/>
+          <a:chOff x="0" y="0"/>
+          <a:chExt cx="0" cy="0"/>
+        </a:xfrm>
+      </p:grpSpPr>
+      <p:grpSp>
+        <p:nvGrpSpPr>
+          <p:cNvPr id="6" name="Группа 5">
+            <a:extLst>
+              <a:ext uri="{FF2B5EF4-FFF2-40B4-BE49-F238E27FC236}">
+                <a16:creationId xmlns:a16="http://schemas.microsoft.com/office/drawing/2014/main" id="{DE4B4A5B-5ABA-6273-94E1-A5388153F2BA}"/>
+              </a:ext>
+            </a:extLst>
+          </p:cNvPr>
+          <p:cNvGrpSpPr/>
+          <p:nvPr/>
+        </p:nvGrpSpPr>
+        <p:grpSpPr>
+          <a:xfrm>
+            <a:off x="1446830" y="1437150"/>
+            <a:ext cx="1226820" cy="300082"/>
+            <a:chOff x="373380" y="2302484"/>
+            <a:chExt cx="1226820" cy="300082"/>
+          </a:xfrm>
+        </p:grpSpPr>
+        <p:sp>
+          <p:nvSpPr>
+            <p:cNvPr id="3" name="Прямоугольник 2"/>
+            <p:cNvSpPr/>
+            <p:nvPr/>
+          </p:nvSpPr>
+          <p:spPr>
+            <a:xfrm>
+              <a:off x="373380" y="2302484"/>
+              <a:ext cx="1226820" cy="300082"/>
+            </a:xfrm>
+            <a:prstGeom prst="rect">
+              <a:avLst/>
+            </a:prstGeom>
+          </p:spPr>
+          <p:txBody>
+            <a:bodyPr wrap="square">
+              <a:spAutoFit/>
+            </a:bodyPr>
+            <a:lstStyle/>
+            <a:p>
+              <a:pPr algn="just"/>
+              <a:r>
+                <a:rPr lang="en-US" sz="1350" b="1" dirty="0">
+                  <a:ea typeface="Times New Roman" panose="02020603050405020304" pitchFamily="18" charset="0"/>
+                </a:rPr>
+                <a:t>Uses  Math;</a:t>
+              </a:r>
+              <a:endParaRPr lang="ru-RU" sz="1350" b="1" dirty="0"/>
+            </a:p>
+          </p:txBody>
+        </p:sp>
+        <p:sp>
+          <p:nvSpPr>
+            <p:cNvPr id="5" name="Прямоугольник 4"/>
+            <p:cNvSpPr/>
+            <p:nvPr/>
+          </p:nvSpPr>
+          <p:spPr>
+            <a:xfrm>
+              <a:off x="373380" y="2325567"/>
+              <a:ext cx="960120" cy="276999"/>
+            </a:xfrm>
+            <a:prstGeom prst="rect">
+              <a:avLst/>
+            </a:prstGeom>
+            <a:noFill/>
+            <a:ln w="25400">
+              <a:solidFill>
+                <a:srgbClr val="FF0000"/>
+              </a:solidFill>
+            </a:ln>
+          </p:spPr>
+          <p:style>
+            <a:lnRef idx="2">
+              <a:schemeClr val="accent1">
+                <a:shade val="50000"/>
+              </a:schemeClr>
+            </a:lnRef>
+            <a:fillRef idx="1">
+              <a:schemeClr val="accent1"/>
+            </a:fillRef>
+            <a:effectRef idx="0">
+              <a:schemeClr val="accent1"/>
+            </a:effectRef>
+            <a:fontRef idx="minor">
+              <a:schemeClr val="lt1"/>
+            </a:fontRef>
+          </p:style>
+          <p:txBody>
+            <a:bodyPr rtlCol="0" anchor="ctr"/>
+            <a:lstStyle/>
+            <a:p>
+              <a:pPr algn="ctr"/>
+              <a:endParaRPr lang="ru-RU" sz="1350"/>
+            </a:p>
+          </p:txBody>
+        </p:sp>
+      </p:grpSp>
+      <p:graphicFrame>
+        <p:nvGraphicFramePr>
+          <p:cNvPr id="8" name="Таблица 7"/>
+          <p:cNvGraphicFramePr>
+            <a:graphicFrameLocks noGrp="1"/>
+          </p:cNvGraphicFramePr>
+          <p:nvPr>
+            <p:extLst>
+              <p:ext uri="{D42A27DB-BD31-4B8C-83A1-F6EECF244321}">
+                <p14:modId xmlns:p14="http://schemas.microsoft.com/office/powerpoint/2010/main" val="1270554585"/>
+              </p:ext>
+            </p:extLst>
+          </p:nvPr>
+        </p:nvGraphicFramePr>
+        <p:xfrm>
+          <a:off x="1446830" y="2254195"/>
+          <a:ext cx="3280172" cy="3204029"/>
+        </p:xfrm>
+        <a:graphic>
+          <a:graphicData uri="http://schemas.openxmlformats.org/drawingml/2006/table">
+            <a:tbl>
+              <a:tblPr firstRow="1" firstCol="1" lastRow="1" lastCol="1" bandRow="1" bandCol="1"/>
+              <a:tblGrid>
+                <a:gridCol w="1262252">
+                  <a:extLst>
+                    <a:ext uri="{9D8B030D-6E8A-4147-A177-3AD203B41FA5}">
+                      <a16:colId xmlns:a16="http://schemas.microsoft.com/office/drawing/2014/main" val="20000"/>
+                    </a:ext>
+                  </a:extLst>
+                </a:gridCol>
+                <a:gridCol w="2017920">
+                  <a:extLst>
+                    <a:ext uri="{9D8B030D-6E8A-4147-A177-3AD203B41FA5}">
+                      <a16:colId xmlns:a16="http://schemas.microsoft.com/office/drawing/2014/main" val="20001"/>
+                    </a:ext>
+                  </a:extLst>
+                </a:gridCol>
+              </a:tblGrid>
+              <a:tr h="211503">
+                <a:tc>
+                  <a:txBody>
+                    <a:bodyPr/>
+                    <a:lstStyle/>
+                    <a:p>
+                      <a:pPr algn="just">
+                        <a:spcAft>
+                          <a:spcPts val="0"/>
+                        </a:spcAft>
+                      </a:pPr>
+                      <a:r>
+                        <a:rPr lang="de-DE" sz="1400" i="1" dirty="0" err="1">
+                          <a:effectLst/>
+                          <a:latin typeface="+mn-lt"/>
+                          <a:ea typeface="Times New Roman" panose="02020603050405020304" pitchFamily="18" charset="0"/>
+                        </a:rPr>
+                        <a:t>Операции</a:t>
+                      </a:r>
+                      <a:endParaRPr lang="ru-RU" sz="1400" dirty="0">
+                        <a:effectLst/>
+                        <a:latin typeface="+mn-lt"/>
+                        <a:ea typeface="Times New Roman" panose="02020603050405020304" pitchFamily="18" charset="0"/>
+                      </a:endParaRPr>
+                    </a:p>
+                  </a:txBody>
+                  <a:tcPr marL="51435" marR="51435" marT="0" marB="0">
+                    <a:lnL w="12700" cap="flat" cmpd="sng" algn="ctr">
+                      <a:solidFill>
+                        <a:srgbClr val="000000"/>
+                      </a:solidFill>
+                      <a:prstDash val="solid"/>
+                      <a:round/>
+                      <a:headEnd type="none" w="med" len="med"/>
+                      <a:tailEnd type="none" w="med" len="med"/>
+                    </a:lnL>
+                    <a:lnR w="12700" cap="flat" cmpd="sng" algn="ctr">
+                      <a:solidFill>
+                        <a:srgbClr val="000000"/>
+                      </a:solidFill>
+                      <a:prstDash val="solid"/>
+                      <a:round/>
+                      <a:headEnd type="none" w="med" len="med"/>
+                      <a:tailEnd type="none" w="med" len="med"/>
+                    </a:lnR>
+                    <a:lnT w="12700" cap="flat" cmpd="sng" algn="ctr">
+                      <a:solidFill>
+                        <a:srgbClr val="000000"/>
+                      </a:solidFill>
+                      <a:prstDash val="solid"/>
+                      <a:round/>
+                      <a:headEnd type="none" w="med" len="med"/>
+                      <a:tailEnd type="none" w="med" len="med"/>
+                    </a:lnT>
+                    <a:lnB w="12700" cap="flat" cmpd="sng" algn="ctr">
+                      <a:solidFill>
+                        <a:srgbClr val="000000"/>
+                      </a:solidFill>
+                      <a:prstDash val="solid"/>
+                      <a:round/>
+                      <a:headEnd type="none" w="med" len="med"/>
+                      <a:tailEnd type="none" w="med" len="med"/>
+                    </a:lnB>
+                  </a:tcPr>
+                </a:tc>
+                <a:tc>
+                  <a:txBody>
+                    <a:bodyPr/>
+                    <a:lstStyle/>
+                    <a:p>
+                      <a:pPr algn="just">
+                        <a:spcAft>
+                          <a:spcPts val="0"/>
+                        </a:spcAft>
+                      </a:pPr>
+                      <a:r>
+                        <a:rPr lang="de-DE" sz="1400" i="1">
+                          <a:effectLst/>
+                          <a:latin typeface="+mn-lt"/>
+                          <a:ea typeface="Times New Roman" panose="02020603050405020304" pitchFamily="18" charset="0"/>
+                        </a:rPr>
+                        <a:t>Реализация</a:t>
+                      </a:r>
+                      <a:endParaRPr lang="ru-RU" sz="1400">
+                        <a:effectLst/>
+                        <a:latin typeface="+mn-lt"/>
+                        <a:ea typeface="Times New Roman" panose="02020603050405020304" pitchFamily="18" charset="0"/>
+                      </a:endParaRPr>
+                    </a:p>
+                  </a:txBody>
+                  <a:tcPr marL="51435" marR="51435" marT="0" marB="0">
+                    <a:lnL w="12700" cap="flat" cmpd="sng" algn="ctr">
+                      <a:solidFill>
+                        <a:srgbClr val="000000"/>
+                      </a:solidFill>
+                      <a:prstDash val="solid"/>
+                      <a:round/>
+                      <a:headEnd type="none" w="med" len="med"/>
+                      <a:tailEnd type="none" w="med" len="med"/>
+                    </a:lnL>
+                    <a:lnR w="12700" cap="flat" cmpd="sng" algn="ctr">
+                      <a:solidFill>
+                        <a:srgbClr val="000000"/>
+                      </a:solidFill>
+                      <a:prstDash val="solid"/>
+                      <a:round/>
+                      <a:headEnd type="none" w="med" len="med"/>
+                      <a:tailEnd type="none" w="med" len="med"/>
+                    </a:lnR>
+                    <a:lnT w="12700" cap="flat" cmpd="sng" algn="ctr">
+                      <a:solidFill>
+                        <a:srgbClr val="000000"/>
+                      </a:solidFill>
+                      <a:prstDash val="solid"/>
+                      <a:round/>
+                      <a:headEnd type="none" w="med" len="med"/>
+                      <a:tailEnd type="none" w="med" len="med"/>
+                    </a:lnT>
+                    <a:lnB w="12700" cap="flat" cmpd="sng" algn="ctr">
+                      <a:solidFill>
+                        <a:srgbClr val="000000"/>
+                      </a:solidFill>
+                      <a:prstDash val="solid"/>
+                      <a:round/>
+                      <a:headEnd type="none" w="med" len="med"/>
+                      <a:tailEnd type="none" w="med" len="med"/>
+                    </a:lnB>
+                  </a:tcPr>
+                </a:tc>
+                <a:extLst>
+                  <a:ext uri="{0D108BD9-81ED-4DB2-BD59-A6C34878D82A}">
+                    <a16:rowId xmlns:a16="http://schemas.microsoft.com/office/drawing/2014/main" val="10000"/>
+                  </a:ext>
+                </a:extLst>
+              </a:tr>
+              <a:tr h="211503">
+                <a:tc>
+                  <a:txBody>
+                    <a:bodyPr/>
+                    <a:lstStyle/>
+                    <a:p>
+                      <a:pPr algn="just">
+                        <a:spcAft>
+                          <a:spcPts val="0"/>
+                        </a:spcAft>
+                      </a:pPr>
+                      <a:r>
+                        <a:rPr lang="de-DE" sz="1400" dirty="0">
+                          <a:effectLst/>
+                          <a:latin typeface="+mn-lt"/>
+                          <a:ea typeface="Times New Roman" panose="02020603050405020304" pitchFamily="18" charset="0"/>
+                        </a:rPr>
+                        <a:t>+,  -,  *,  /               </a:t>
+                      </a:r>
+                      <a:endParaRPr lang="ru-RU" sz="1400" dirty="0">
+                        <a:effectLst/>
+                        <a:latin typeface="+mn-lt"/>
+                        <a:ea typeface="Times New Roman" panose="02020603050405020304" pitchFamily="18" charset="0"/>
+                      </a:endParaRPr>
+                    </a:p>
+                  </a:txBody>
+                  <a:tcPr marL="51435" marR="51435" marT="0" marB="0">
+                    <a:lnL w="12700" cap="flat" cmpd="sng" algn="ctr">
+                      <a:solidFill>
+                        <a:srgbClr val="000000"/>
+                      </a:solidFill>
+                      <a:prstDash val="solid"/>
+                      <a:round/>
+                      <a:headEnd type="none" w="med" len="med"/>
+                      <a:tailEnd type="none" w="med" len="med"/>
+                    </a:lnL>
+                    <a:lnR w="12700" cap="flat" cmpd="sng" algn="ctr">
+                      <a:solidFill>
+                        <a:srgbClr val="000000"/>
+                      </a:solidFill>
+                      <a:prstDash val="solid"/>
+                      <a:round/>
+                      <a:headEnd type="none" w="med" len="med"/>
+                      <a:tailEnd type="none" w="med" len="med"/>
+                    </a:lnR>
+                    <a:lnT w="12700" cap="flat" cmpd="sng" algn="ctr">
+                      <a:solidFill>
+                        <a:srgbClr val="000000"/>
+                      </a:solidFill>
+                      <a:prstDash val="solid"/>
+                      <a:round/>
+                      <a:headEnd type="none" w="med" len="med"/>
+                      <a:tailEnd type="none" w="med" len="med"/>
+                    </a:lnT>
+                    <a:lnB w="12700" cap="flat" cmpd="sng" algn="ctr">
+                      <a:solidFill>
+                        <a:srgbClr val="000000"/>
+                      </a:solidFill>
+                      <a:prstDash val="solid"/>
+                      <a:round/>
+                      <a:headEnd type="none" w="med" len="med"/>
+                      <a:tailEnd type="none" w="med" len="med"/>
+                    </a:lnB>
+                  </a:tcPr>
+                </a:tc>
+                <a:tc>
+                  <a:txBody>
+                    <a:bodyPr/>
+                    <a:lstStyle/>
+                    <a:p>
+                      <a:pPr algn="just">
+                        <a:spcAft>
+                          <a:spcPts val="0"/>
+                        </a:spcAft>
+                      </a:pPr>
+                      <a:r>
+                        <a:rPr lang="en-US" sz="1400" i="1" dirty="0">
+                          <a:solidFill>
+                            <a:srgbClr val="0000FF"/>
+                          </a:solidFill>
+                          <a:effectLst/>
+                          <a:latin typeface="+mn-lt"/>
+                          <a:ea typeface="Times New Roman" panose="02020603050405020304" pitchFamily="18" charset="0"/>
+                        </a:rPr>
+                        <a:t>X * Y + (X – 1.398) / Y / 4</a:t>
+                      </a:r>
+                      <a:endParaRPr lang="ru-RU" sz="1400" dirty="0">
+                        <a:effectLst/>
+                        <a:latin typeface="+mn-lt"/>
+                        <a:ea typeface="Times New Roman" panose="02020603050405020304" pitchFamily="18" charset="0"/>
+                      </a:endParaRPr>
+                    </a:p>
+                  </a:txBody>
+                  <a:tcPr marL="51435" marR="51435" marT="0" marB="0">
+                    <a:lnL w="12700" cap="flat" cmpd="sng" algn="ctr">
+                      <a:solidFill>
+                        <a:srgbClr val="000000"/>
+                      </a:solidFill>
+                      <a:prstDash val="solid"/>
+                      <a:round/>
+                      <a:headEnd type="none" w="med" len="med"/>
+                      <a:tailEnd type="none" w="med" len="med"/>
+                    </a:lnL>
+                    <a:lnR w="12700" cap="flat" cmpd="sng" algn="ctr">
+                      <a:solidFill>
+                        <a:srgbClr val="000000"/>
+                      </a:solidFill>
+                      <a:prstDash val="solid"/>
+                      <a:round/>
+                      <a:headEnd type="none" w="med" len="med"/>
+                      <a:tailEnd type="none" w="med" len="med"/>
+                    </a:lnR>
+                    <a:lnT w="12700" cap="flat" cmpd="sng" algn="ctr">
+                      <a:solidFill>
+                        <a:srgbClr val="000000"/>
+                      </a:solidFill>
+                      <a:prstDash val="solid"/>
+                      <a:round/>
+                      <a:headEnd type="none" w="med" len="med"/>
+                      <a:tailEnd type="none" w="med" len="med"/>
+                    </a:lnT>
+                    <a:lnB w="12700" cap="flat" cmpd="sng" algn="ctr">
+                      <a:solidFill>
+                        <a:srgbClr val="000000"/>
+                      </a:solidFill>
+                      <a:prstDash val="solid"/>
+                      <a:round/>
+                      <a:headEnd type="none" w="med" len="med"/>
+                      <a:tailEnd type="none" w="med" len="med"/>
+                    </a:lnB>
+                  </a:tcPr>
+                </a:tc>
+                <a:extLst>
+                  <a:ext uri="{0D108BD9-81ED-4DB2-BD59-A6C34878D82A}">
+                    <a16:rowId xmlns:a16="http://schemas.microsoft.com/office/drawing/2014/main" val="10001"/>
+                  </a:ext>
+                </a:extLst>
+              </a:tr>
+              <a:tr h="634508">
+                <a:tc>
+                  <a:txBody>
+                    <a:bodyPr/>
+                    <a:lstStyle/>
+                    <a:p>
+                      <a:pPr algn="just">
+                        <a:spcAft>
+                          <a:spcPts val="0"/>
+                        </a:spcAft>
+                      </a:pPr>
+                      <a:r>
+                        <a:rPr lang="en-US" sz="1400" dirty="0">
+                          <a:effectLst/>
+                          <a:latin typeface="+mn-lt"/>
+                          <a:ea typeface="Times New Roman" panose="02020603050405020304" pitchFamily="18" charset="0"/>
+                        </a:rPr>
+                        <a:t>DIV</a:t>
+                      </a:r>
+                      <a:r>
+                        <a:rPr lang="ru-RU" sz="1400" dirty="0">
+                          <a:effectLst/>
+                          <a:latin typeface="+mn-lt"/>
+                          <a:ea typeface="Times New Roman" panose="02020603050405020304" pitchFamily="18" charset="0"/>
+                        </a:rPr>
+                        <a:t> целочисленное деление</a:t>
+                      </a:r>
+                    </a:p>
+                  </a:txBody>
+                  <a:tcPr marL="51435" marR="51435" marT="0" marB="0">
+                    <a:lnL w="12700" cap="flat" cmpd="sng" algn="ctr">
+                      <a:solidFill>
+                        <a:srgbClr val="000000"/>
+                      </a:solidFill>
+                      <a:prstDash val="solid"/>
+                      <a:round/>
+                      <a:headEnd type="none" w="med" len="med"/>
+                      <a:tailEnd type="none" w="med" len="med"/>
+                    </a:lnL>
+                    <a:lnR w="12700" cap="flat" cmpd="sng" algn="ctr">
+                      <a:solidFill>
+                        <a:srgbClr val="000000"/>
+                      </a:solidFill>
+                      <a:prstDash val="solid"/>
+                      <a:round/>
+                      <a:headEnd type="none" w="med" len="med"/>
+                      <a:tailEnd type="none" w="med" len="med"/>
+                    </a:lnR>
+                    <a:lnT w="12700" cap="flat" cmpd="sng" algn="ctr">
+                      <a:solidFill>
+                        <a:srgbClr val="000000"/>
+                      </a:solidFill>
+                      <a:prstDash val="solid"/>
+                      <a:round/>
+                      <a:headEnd type="none" w="med" len="med"/>
+                      <a:tailEnd type="none" w="med" len="med"/>
+                    </a:lnT>
+                    <a:lnB w="12700" cap="flat" cmpd="sng" algn="ctr">
+                      <a:solidFill>
+                        <a:srgbClr val="000000"/>
+                      </a:solidFill>
+                      <a:prstDash val="solid"/>
+                      <a:round/>
+                      <a:headEnd type="none" w="med" len="med"/>
+                      <a:tailEnd type="none" w="med" len="med"/>
+                    </a:lnB>
+                  </a:tcPr>
+                </a:tc>
+                <a:tc>
+                  <a:txBody>
+                    <a:bodyPr/>
+                    <a:lstStyle/>
+                    <a:p>
+                      <a:pPr algn="just">
+                        <a:spcAft>
+                          <a:spcPts val="0"/>
+                        </a:spcAft>
+                      </a:pPr>
+                      <a:r>
+                        <a:rPr lang="en-US" sz="1400" i="1" dirty="0">
+                          <a:solidFill>
+                            <a:srgbClr val="0000FF"/>
+                          </a:solidFill>
+                          <a:effectLst/>
+                          <a:latin typeface="+mn-lt"/>
+                          <a:ea typeface="Times New Roman" panose="02020603050405020304" pitchFamily="18" charset="0"/>
+                        </a:rPr>
+                        <a:t>d:= x div y;</a:t>
+                      </a:r>
+                      <a:endParaRPr lang="ru-RU" sz="1400" dirty="0">
+                        <a:effectLst/>
+                        <a:latin typeface="+mn-lt"/>
+                        <a:ea typeface="Times New Roman" panose="02020603050405020304" pitchFamily="18" charset="0"/>
+                      </a:endParaRPr>
+                    </a:p>
+                  </a:txBody>
+                  <a:tcPr marL="51435" marR="51435" marT="0" marB="0">
+                    <a:lnL w="12700" cap="flat" cmpd="sng" algn="ctr">
+                      <a:solidFill>
+                        <a:srgbClr val="000000"/>
+                      </a:solidFill>
+                      <a:prstDash val="solid"/>
+                      <a:round/>
+                      <a:headEnd type="none" w="med" len="med"/>
+                      <a:tailEnd type="none" w="med" len="med"/>
+                    </a:lnL>
+                    <a:lnR w="12700" cap="flat" cmpd="sng" algn="ctr">
+                      <a:solidFill>
+                        <a:srgbClr val="000000"/>
+                      </a:solidFill>
+                      <a:prstDash val="solid"/>
+                      <a:round/>
+                      <a:headEnd type="none" w="med" len="med"/>
+                      <a:tailEnd type="none" w="med" len="med"/>
+                    </a:lnR>
+                    <a:lnT w="12700" cap="flat" cmpd="sng" algn="ctr">
+                      <a:solidFill>
+                        <a:srgbClr val="000000"/>
+                      </a:solidFill>
+                      <a:prstDash val="solid"/>
+                      <a:round/>
+                      <a:headEnd type="none" w="med" len="med"/>
+                      <a:tailEnd type="none" w="med" len="med"/>
+                    </a:lnT>
+                    <a:lnB w="12700" cap="flat" cmpd="sng" algn="ctr">
+                      <a:solidFill>
+                        <a:srgbClr val="000000"/>
+                      </a:solidFill>
+                      <a:prstDash val="solid"/>
+                      <a:round/>
+                      <a:headEnd type="none" w="med" len="med"/>
+                      <a:tailEnd type="none" w="med" len="med"/>
+                    </a:lnB>
+                  </a:tcPr>
+                </a:tc>
+                <a:extLst>
+                  <a:ext uri="{0D108BD9-81ED-4DB2-BD59-A6C34878D82A}">
+                    <a16:rowId xmlns:a16="http://schemas.microsoft.com/office/drawing/2014/main" val="10002"/>
+                  </a:ext>
+                </a:extLst>
+              </a:tr>
+              <a:tr h="634508">
+                <a:tc>
+                  <a:txBody>
+                    <a:bodyPr/>
+                    <a:lstStyle/>
+                    <a:p>
+                      <a:pPr algn="just">
+                        <a:spcAft>
+                          <a:spcPts val="0"/>
+                        </a:spcAft>
+                      </a:pPr>
+                      <a:r>
+                        <a:rPr lang="en-US" sz="1400">
+                          <a:effectLst/>
+                          <a:latin typeface="+mn-lt"/>
+                          <a:ea typeface="Times New Roman" panose="02020603050405020304" pitchFamily="18" charset="0"/>
+                        </a:rPr>
+                        <a:t>MOD</a:t>
+                      </a:r>
+                      <a:endParaRPr lang="ru-RU" sz="1400">
+                        <a:effectLst/>
+                        <a:latin typeface="+mn-lt"/>
+                        <a:ea typeface="Times New Roman" panose="02020603050405020304" pitchFamily="18" charset="0"/>
+                      </a:endParaRPr>
+                    </a:p>
+                    <a:p>
+                      <a:pPr algn="just">
+                        <a:spcAft>
+                          <a:spcPts val="0"/>
+                        </a:spcAft>
+                      </a:pPr>
+                      <a:r>
+                        <a:rPr lang="ru-RU" sz="1400">
+                          <a:effectLst/>
+                          <a:latin typeface="+mn-lt"/>
+                          <a:ea typeface="Times New Roman" panose="02020603050405020304" pitchFamily="18" charset="0"/>
+                        </a:rPr>
+                        <a:t>остаток от деления</a:t>
+                      </a:r>
+                    </a:p>
+                  </a:txBody>
+                  <a:tcPr marL="51435" marR="51435" marT="0" marB="0">
+                    <a:lnL w="12700" cap="flat" cmpd="sng" algn="ctr">
+                      <a:solidFill>
+                        <a:srgbClr val="000000"/>
+                      </a:solidFill>
+                      <a:prstDash val="solid"/>
+                      <a:round/>
+                      <a:headEnd type="none" w="med" len="med"/>
+                      <a:tailEnd type="none" w="med" len="med"/>
+                    </a:lnL>
+                    <a:lnR w="12700" cap="flat" cmpd="sng" algn="ctr">
+                      <a:solidFill>
+                        <a:srgbClr val="000000"/>
+                      </a:solidFill>
+                      <a:prstDash val="solid"/>
+                      <a:round/>
+                      <a:headEnd type="none" w="med" len="med"/>
+                      <a:tailEnd type="none" w="med" len="med"/>
+                    </a:lnR>
+                    <a:lnT w="12700" cap="flat" cmpd="sng" algn="ctr">
+                      <a:solidFill>
+                        <a:srgbClr val="000000"/>
+                      </a:solidFill>
+                      <a:prstDash val="solid"/>
+                      <a:round/>
+                      <a:headEnd type="none" w="med" len="med"/>
+                      <a:tailEnd type="none" w="med" len="med"/>
+                    </a:lnT>
+                    <a:lnB w="12700" cap="flat" cmpd="sng" algn="ctr">
+                      <a:solidFill>
+                        <a:srgbClr val="000000"/>
+                      </a:solidFill>
+                      <a:prstDash val="solid"/>
+                      <a:round/>
+                      <a:headEnd type="none" w="med" len="med"/>
+                      <a:tailEnd type="none" w="med" len="med"/>
+                    </a:lnB>
+                  </a:tcPr>
+                </a:tc>
+                <a:tc>
+                  <a:txBody>
+                    <a:bodyPr/>
+                    <a:lstStyle/>
+                    <a:p>
+                      <a:pPr algn="just">
+                        <a:spcAft>
+                          <a:spcPts val="0"/>
+                        </a:spcAft>
+                      </a:pPr>
+                      <a:r>
+                        <a:rPr lang="en-US" sz="1400" i="1" dirty="0">
+                          <a:solidFill>
+                            <a:srgbClr val="0000FF"/>
+                          </a:solidFill>
+                          <a:effectLst/>
+                          <a:latin typeface="+mn-lt"/>
+                          <a:ea typeface="Times New Roman" panose="02020603050405020304" pitchFamily="18" charset="0"/>
+                        </a:rPr>
+                        <a:t>s:= x mod y;</a:t>
+                      </a:r>
+                      <a:endParaRPr lang="ru-RU" sz="1400" dirty="0">
+                        <a:effectLst/>
+                        <a:latin typeface="+mn-lt"/>
+                        <a:ea typeface="Times New Roman" panose="02020603050405020304" pitchFamily="18" charset="0"/>
+                      </a:endParaRPr>
+                    </a:p>
+                  </a:txBody>
+                  <a:tcPr marL="51435" marR="51435" marT="0" marB="0">
+                    <a:lnL w="12700" cap="flat" cmpd="sng" algn="ctr">
+                      <a:solidFill>
+                        <a:srgbClr val="000000"/>
+                      </a:solidFill>
+                      <a:prstDash val="solid"/>
+                      <a:round/>
+                      <a:headEnd type="none" w="med" len="med"/>
+                      <a:tailEnd type="none" w="med" len="med"/>
+                    </a:lnL>
+                    <a:lnR w="12700" cap="flat" cmpd="sng" algn="ctr">
+                      <a:solidFill>
+                        <a:srgbClr val="000000"/>
+                      </a:solidFill>
+                      <a:prstDash val="solid"/>
+                      <a:round/>
+                      <a:headEnd type="none" w="med" len="med"/>
+                      <a:tailEnd type="none" w="med" len="med"/>
+                    </a:lnR>
+                    <a:lnT w="12700" cap="flat" cmpd="sng" algn="ctr">
+                      <a:solidFill>
+                        <a:srgbClr val="000000"/>
+                      </a:solidFill>
+                      <a:prstDash val="solid"/>
+                      <a:round/>
+                      <a:headEnd type="none" w="med" len="med"/>
+                      <a:tailEnd type="none" w="med" len="med"/>
+                    </a:lnT>
+                    <a:lnB w="12700" cap="flat" cmpd="sng" algn="ctr">
+                      <a:solidFill>
+                        <a:srgbClr val="000000"/>
+                      </a:solidFill>
+                      <a:prstDash val="solid"/>
+                      <a:round/>
+                      <a:headEnd type="none" w="med" len="med"/>
+                      <a:tailEnd type="none" w="med" len="med"/>
+                    </a:lnB>
+                  </a:tcPr>
+                </a:tc>
+                <a:extLst>
+                  <a:ext uri="{0D108BD9-81ED-4DB2-BD59-A6C34878D82A}">
+                    <a16:rowId xmlns:a16="http://schemas.microsoft.com/office/drawing/2014/main" val="10003"/>
+                  </a:ext>
+                </a:extLst>
+              </a:tr>
+              <a:tr h="430349">
+                <a:tc>
+                  <a:txBody>
+                    <a:bodyPr/>
+                    <a:lstStyle/>
+                    <a:p>
+                      <a:pPr algn="just">
+                        <a:spcAft>
+                          <a:spcPts val="0"/>
+                        </a:spcAft>
+                      </a:pPr>
+                      <a:r>
+                        <a:rPr lang="de-DE" sz="1400" i="1" dirty="0" err="1">
+                          <a:effectLst/>
+                          <a:latin typeface="+mn-lt"/>
+                          <a:ea typeface="Times New Roman" panose="02020603050405020304" pitchFamily="18" charset="0"/>
+                        </a:rPr>
+                        <a:t>Функции</a:t>
+                      </a:r>
+                      <a:endParaRPr lang="ru-RU" sz="1400" dirty="0">
+                        <a:effectLst/>
+                        <a:latin typeface="+mn-lt"/>
+                        <a:ea typeface="Times New Roman" panose="02020603050405020304" pitchFamily="18" charset="0"/>
+                      </a:endParaRPr>
+                    </a:p>
+                  </a:txBody>
+                  <a:tcPr marL="51435" marR="51435" marT="0" marB="0">
+                    <a:lnL w="12700" cap="flat" cmpd="sng" algn="ctr">
+                      <a:solidFill>
+                        <a:srgbClr val="000000"/>
+                      </a:solidFill>
+                      <a:prstDash val="solid"/>
+                      <a:round/>
+                      <a:headEnd type="none" w="med" len="med"/>
+                      <a:tailEnd type="none" w="med" len="med"/>
+                    </a:lnL>
+                    <a:lnR w="12700" cap="flat" cmpd="sng" algn="ctr">
+                      <a:solidFill>
+                        <a:srgbClr val="000000"/>
+                      </a:solidFill>
+                      <a:prstDash val="solid"/>
+                      <a:round/>
+                      <a:headEnd type="none" w="med" len="med"/>
+                      <a:tailEnd type="none" w="med" len="med"/>
+                    </a:lnR>
+                    <a:lnT w="12700" cap="flat" cmpd="sng" algn="ctr">
+                      <a:solidFill>
+                        <a:srgbClr val="000000"/>
+                      </a:solidFill>
+                      <a:prstDash val="solid"/>
+                      <a:round/>
+                      <a:headEnd type="none" w="med" len="med"/>
+                      <a:tailEnd type="none" w="med" len="med"/>
+                    </a:lnT>
+                    <a:lnB w="12700" cap="flat" cmpd="sng" algn="ctr">
+                      <a:solidFill>
+                        <a:srgbClr val="000000"/>
+                      </a:solidFill>
+                      <a:prstDash val="solid"/>
+                      <a:round/>
+                      <a:headEnd type="none" w="med" len="med"/>
+                      <a:tailEnd type="none" w="med" len="med"/>
+                    </a:lnB>
+                  </a:tcPr>
+                </a:tc>
+                <a:tc>
+                  <a:txBody>
+                    <a:bodyPr/>
+                    <a:lstStyle/>
+                    <a:p>
+                      <a:pPr algn="just">
+                        <a:spcAft>
+                          <a:spcPts val="0"/>
+                        </a:spcAft>
+                      </a:pPr>
+                      <a:r>
+                        <a:rPr lang="de-DE" sz="1400" i="1" dirty="0">
+                          <a:solidFill>
+                            <a:srgbClr val="0000FF"/>
+                          </a:solidFill>
+                          <a:effectLst/>
+                          <a:latin typeface="+mn-lt"/>
+                          <a:ea typeface="Times New Roman" panose="02020603050405020304" pitchFamily="18" charset="0"/>
+                        </a:rPr>
+                        <a:t> </a:t>
+                      </a:r>
+                      <a:endParaRPr lang="ru-RU" sz="1400" dirty="0">
+                        <a:effectLst/>
+                        <a:latin typeface="+mn-lt"/>
+                        <a:ea typeface="Times New Roman" panose="02020603050405020304" pitchFamily="18" charset="0"/>
+                      </a:endParaRPr>
+                    </a:p>
+                  </a:txBody>
+                  <a:tcPr marL="51435" marR="51435" marT="0" marB="0">
+                    <a:lnL w="12700" cap="flat" cmpd="sng" algn="ctr">
+                      <a:solidFill>
+                        <a:srgbClr val="000000"/>
+                      </a:solidFill>
+                      <a:prstDash val="solid"/>
+                      <a:round/>
+                      <a:headEnd type="none" w="med" len="med"/>
+                      <a:tailEnd type="none" w="med" len="med"/>
+                    </a:lnL>
+                    <a:lnR w="12700" cap="flat" cmpd="sng" algn="ctr">
+                      <a:solidFill>
+                        <a:srgbClr val="000000"/>
+                      </a:solidFill>
+                      <a:prstDash val="solid"/>
+                      <a:round/>
+                      <a:headEnd type="none" w="med" len="med"/>
+                      <a:tailEnd type="none" w="med" len="med"/>
+                    </a:lnR>
+                    <a:lnT w="12700" cap="flat" cmpd="sng" algn="ctr">
+                      <a:solidFill>
+                        <a:srgbClr val="000000"/>
+                      </a:solidFill>
+                      <a:prstDash val="solid"/>
+                      <a:round/>
+                      <a:headEnd type="none" w="med" len="med"/>
+                      <a:tailEnd type="none" w="med" len="med"/>
+                    </a:lnT>
+                    <a:lnB w="12700" cap="flat" cmpd="sng" algn="ctr">
+                      <a:solidFill>
+                        <a:srgbClr val="000000"/>
+                      </a:solidFill>
+                      <a:prstDash val="solid"/>
+                      <a:round/>
+                      <a:headEnd type="none" w="med" len="med"/>
+                      <a:tailEnd type="none" w="med" len="med"/>
+                    </a:lnB>
+                  </a:tcPr>
+                </a:tc>
+                <a:extLst>
+                  <a:ext uri="{0D108BD9-81ED-4DB2-BD59-A6C34878D82A}">
+                    <a16:rowId xmlns:a16="http://schemas.microsoft.com/office/drawing/2014/main" val="10004"/>
+                  </a:ext>
+                </a:extLst>
+              </a:tr>
+              <a:tr h="211503">
+                <a:tc>
+                  <a:txBody>
+                    <a:bodyPr/>
+                    <a:lstStyle/>
+                    <a:p>
+                      <a:pPr algn="just">
+                        <a:spcAft>
+                          <a:spcPts val="0"/>
+                        </a:spcAft>
+                      </a:pPr>
+                      <a:r>
+                        <a:rPr lang="de-DE" sz="1400">
+                          <a:effectLst/>
+                          <a:latin typeface="+mn-lt"/>
+                          <a:ea typeface="Times New Roman" panose="02020603050405020304" pitchFamily="18" charset="0"/>
+                        </a:rPr>
+                        <a:t>| х |</a:t>
+                      </a:r>
+                      <a:endParaRPr lang="ru-RU" sz="1400">
+                        <a:effectLst/>
+                        <a:latin typeface="+mn-lt"/>
+                        <a:ea typeface="Times New Roman" panose="02020603050405020304" pitchFamily="18" charset="0"/>
+                      </a:endParaRPr>
+                    </a:p>
+                  </a:txBody>
+                  <a:tcPr marL="51435" marR="51435" marT="0" marB="0">
+                    <a:lnL w="12700" cap="flat" cmpd="sng" algn="ctr">
+                      <a:solidFill>
+                        <a:srgbClr val="000000"/>
+                      </a:solidFill>
+                      <a:prstDash val="solid"/>
+                      <a:round/>
+                      <a:headEnd type="none" w="med" len="med"/>
+                      <a:tailEnd type="none" w="med" len="med"/>
+                    </a:lnL>
+                    <a:lnR w="12700" cap="flat" cmpd="sng" algn="ctr">
+                      <a:solidFill>
+                        <a:srgbClr val="000000"/>
+                      </a:solidFill>
+                      <a:prstDash val="solid"/>
+                      <a:round/>
+                      <a:headEnd type="none" w="med" len="med"/>
+                      <a:tailEnd type="none" w="med" len="med"/>
+                    </a:lnR>
+                    <a:lnT w="12700" cap="flat" cmpd="sng" algn="ctr">
+                      <a:solidFill>
+                        <a:srgbClr val="000000"/>
+                      </a:solidFill>
+                      <a:prstDash val="solid"/>
+                      <a:round/>
+                      <a:headEnd type="none" w="med" len="med"/>
+                      <a:tailEnd type="none" w="med" len="med"/>
+                    </a:lnT>
+                    <a:lnB w="12700" cap="flat" cmpd="sng" algn="ctr">
+                      <a:solidFill>
+                        <a:srgbClr val="000000"/>
+                      </a:solidFill>
+                      <a:prstDash val="solid"/>
+                      <a:round/>
+                      <a:headEnd type="none" w="med" len="med"/>
+                      <a:tailEnd type="none" w="med" len="med"/>
+                    </a:lnB>
+                  </a:tcPr>
+                </a:tc>
+                <a:tc>
+                  <a:txBody>
+                    <a:bodyPr/>
+                    <a:lstStyle/>
+                    <a:p>
+                      <a:pPr algn="just">
+                        <a:spcAft>
+                          <a:spcPts val="0"/>
+                        </a:spcAft>
+                      </a:pPr>
+                      <a:r>
+                        <a:rPr lang="en-US" sz="1400" i="1" dirty="0">
+                          <a:solidFill>
+                            <a:srgbClr val="0000FF"/>
+                          </a:solidFill>
+                          <a:effectLst/>
+                          <a:latin typeface="+mn-lt"/>
+                          <a:ea typeface="Times New Roman" panose="02020603050405020304" pitchFamily="18" charset="0"/>
+                        </a:rPr>
+                        <a:t>Abs(x)</a:t>
+                      </a:r>
+                      <a:endParaRPr lang="ru-RU" sz="1400" dirty="0">
+                        <a:effectLst/>
+                        <a:latin typeface="+mn-lt"/>
+                        <a:ea typeface="Times New Roman" panose="02020603050405020304" pitchFamily="18" charset="0"/>
+                      </a:endParaRPr>
+                    </a:p>
+                  </a:txBody>
+                  <a:tcPr marL="51435" marR="51435" marT="0" marB="0">
+                    <a:lnL w="12700" cap="flat" cmpd="sng" algn="ctr">
+                      <a:solidFill>
+                        <a:srgbClr val="000000"/>
+                      </a:solidFill>
+                      <a:prstDash val="solid"/>
+                      <a:round/>
+                      <a:headEnd type="none" w="med" len="med"/>
+                      <a:tailEnd type="none" w="med" len="med"/>
+                    </a:lnL>
+                    <a:lnR w="12700" cap="flat" cmpd="sng" algn="ctr">
+                      <a:solidFill>
+                        <a:srgbClr val="000000"/>
+                      </a:solidFill>
+                      <a:prstDash val="solid"/>
+                      <a:round/>
+                      <a:headEnd type="none" w="med" len="med"/>
+                      <a:tailEnd type="none" w="med" len="med"/>
+                    </a:lnR>
+                    <a:lnT w="12700" cap="flat" cmpd="sng" algn="ctr">
+                      <a:solidFill>
+                        <a:srgbClr val="000000"/>
+                      </a:solidFill>
+                      <a:prstDash val="solid"/>
+                      <a:round/>
+                      <a:headEnd type="none" w="med" len="med"/>
+                      <a:tailEnd type="none" w="med" len="med"/>
+                    </a:lnT>
+                    <a:lnB w="12700" cap="flat" cmpd="sng" algn="ctr">
+                      <a:solidFill>
+                        <a:srgbClr val="000000"/>
+                      </a:solidFill>
+                      <a:prstDash val="solid"/>
+                      <a:round/>
+                      <a:headEnd type="none" w="med" len="med"/>
+                      <a:tailEnd type="none" w="med" len="med"/>
+                    </a:lnB>
+                  </a:tcPr>
+                </a:tc>
+                <a:extLst>
+                  <a:ext uri="{0D108BD9-81ED-4DB2-BD59-A6C34878D82A}">
+                    <a16:rowId xmlns:a16="http://schemas.microsoft.com/office/drawing/2014/main" val="10005"/>
+                  </a:ext>
+                </a:extLst>
+              </a:tr>
+              <a:tr h="211503">
+                <a:tc>
+                  <a:txBody>
+                    <a:bodyPr/>
+                    <a:lstStyle/>
+                    <a:p>
+                      <a:pPr algn="just">
+                        <a:spcAft>
+                          <a:spcPts val="0"/>
+                        </a:spcAft>
+                      </a:pPr>
+                      <a:r>
+                        <a:rPr lang="en-US" sz="1400">
+                          <a:effectLst/>
+                          <a:latin typeface="+mn-lt"/>
+                          <a:ea typeface="Times New Roman" panose="02020603050405020304" pitchFamily="18" charset="0"/>
+                        </a:rPr>
+                        <a:t>Arctg x</a:t>
+                      </a:r>
+                      <a:endParaRPr lang="ru-RU" sz="1400">
+                        <a:effectLst/>
+                        <a:latin typeface="+mn-lt"/>
+                        <a:ea typeface="Times New Roman" panose="02020603050405020304" pitchFamily="18" charset="0"/>
+                      </a:endParaRPr>
+                    </a:p>
+                  </a:txBody>
+                  <a:tcPr marL="51435" marR="51435" marT="0" marB="0">
+                    <a:lnL w="12700" cap="flat" cmpd="sng" algn="ctr">
+                      <a:solidFill>
+                        <a:srgbClr val="000000"/>
+                      </a:solidFill>
+                      <a:prstDash val="solid"/>
+                      <a:round/>
+                      <a:headEnd type="none" w="med" len="med"/>
+                      <a:tailEnd type="none" w="med" len="med"/>
+                    </a:lnL>
+                    <a:lnR w="12700" cap="flat" cmpd="sng" algn="ctr">
+                      <a:solidFill>
+                        <a:srgbClr val="000000"/>
+                      </a:solidFill>
+                      <a:prstDash val="solid"/>
+                      <a:round/>
+                      <a:headEnd type="none" w="med" len="med"/>
+                      <a:tailEnd type="none" w="med" len="med"/>
+                    </a:lnR>
+                    <a:lnT w="12700" cap="flat" cmpd="sng" algn="ctr">
+                      <a:solidFill>
+                        <a:srgbClr val="000000"/>
+                      </a:solidFill>
+                      <a:prstDash val="solid"/>
+                      <a:round/>
+                      <a:headEnd type="none" w="med" len="med"/>
+                      <a:tailEnd type="none" w="med" len="med"/>
+                    </a:lnT>
+                    <a:lnB w="12700" cap="flat" cmpd="sng" algn="ctr">
+                      <a:solidFill>
+                        <a:srgbClr val="000000"/>
+                      </a:solidFill>
+                      <a:prstDash val="solid"/>
+                      <a:round/>
+                      <a:headEnd type="none" w="med" len="med"/>
+                      <a:tailEnd type="none" w="med" len="med"/>
+                    </a:lnB>
+                  </a:tcPr>
+                </a:tc>
+                <a:tc>
+                  <a:txBody>
+                    <a:bodyPr/>
+                    <a:lstStyle/>
+                    <a:p>
+                      <a:pPr algn="just">
+                        <a:spcAft>
+                          <a:spcPts val="0"/>
+                        </a:spcAft>
+                      </a:pPr>
+                      <a:r>
+                        <a:rPr lang="en-US" sz="1400" i="1" dirty="0" err="1">
+                          <a:solidFill>
+                            <a:srgbClr val="0000FF"/>
+                          </a:solidFill>
+                          <a:effectLst/>
+                          <a:latin typeface="+mn-lt"/>
+                          <a:ea typeface="Times New Roman" panose="02020603050405020304" pitchFamily="18" charset="0"/>
+                        </a:rPr>
+                        <a:t>Arctan</a:t>
+                      </a:r>
+                      <a:r>
+                        <a:rPr lang="en-US" sz="1400" i="1" dirty="0">
+                          <a:solidFill>
+                            <a:srgbClr val="0000FF"/>
+                          </a:solidFill>
+                          <a:effectLst/>
+                          <a:latin typeface="+mn-lt"/>
+                          <a:ea typeface="Times New Roman" panose="02020603050405020304" pitchFamily="18" charset="0"/>
+                        </a:rPr>
+                        <a:t>(x)</a:t>
+                      </a:r>
+                      <a:endParaRPr lang="ru-RU" sz="1400" dirty="0">
+                        <a:effectLst/>
+                        <a:latin typeface="+mn-lt"/>
+                        <a:ea typeface="Times New Roman" panose="02020603050405020304" pitchFamily="18" charset="0"/>
+                      </a:endParaRPr>
+                    </a:p>
+                  </a:txBody>
+                  <a:tcPr marL="51435" marR="51435" marT="0" marB="0">
+                    <a:lnL w="12700" cap="flat" cmpd="sng" algn="ctr">
+                      <a:solidFill>
+                        <a:srgbClr val="000000"/>
+                      </a:solidFill>
+                      <a:prstDash val="solid"/>
+                      <a:round/>
+                      <a:headEnd type="none" w="med" len="med"/>
+                      <a:tailEnd type="none" w="med" len="med"/>
+                    </a:lnL>
+                    <a:lnR w="12700" cap="flat" cmpd="sng" algn="ctr">
+                      <a:solidFill>
+                        <a:srgbClr val="000000"/>
+                      </a:solidFill>
+                      <a:prstDash val="solid"/>
+                      <a:round/>
+                      <a:headEnd type="none" w="med" len="med"/>
+                      <a:tailEnd type="none" w="med" len="med"/>
+                    </a:lnR>
+                    <a:lnT w="12700" cap="flat" cmpd="sng" algn="ctr">
+                      <a:solidFill>
+                        <a:srgbClr val="000000"/>
+                      </a:solidFill>
+                      <a:prstDash val="solid"/>
+                      <a:round/>
+                      <a:headEnd type="none" w="med" len="med"/>
+                      <a:tailEnd type="none" w="med" len="med"/>
+                    </a:lnT>
+                    <a:lnB w="12700" cap="flat" cmpd="sng" algn="ctr">
+                      <a:solidFill>
+                        <a:srgbClr val="000000"/>
+                      </a:solidFill>
+                      <a:prstDash val="solid"/>
+                      <a:round/>
+                      <a:headEnd type="none" w="med" len="med"/>
+                      <a:tailEnd type="none" w="med" len="med"/>
+                    </a:lnB>
+                  </a:tcPr>
+                </a:tc>
+                <a:extLst>
+                  <a:ext uri="{0D108BD9-81ED-4DB2-BD59-A6C34878D82A}">
+                    <a16:rowId xmlns:a16="http://schemas.microsoft.com/office/drawing/2014/main" val="10006"/>
+                  </a:ext>
+                </a:extLst>
+              </a:tr>
+              <a:tr h="211503">
+                <a:tc>
+                  <a:txBody>
+                    <a:bodyPr/>
+                    <a:lstStyle/>
+                    <a:p>
+                      <a:pPr algn="just">
+                        <a:spcAft>
+                          <a:spcPts val="0"/>
+                        </a:spcAft>
+                      </a:pPr>
+                      <a:r>
+                        <a:rPr lang="en-US" sz="1400">
+                          <a:effectLst/>
+                          <a:latin typeface="+mn-lt"/>
+                          <a:ea typeface="Times New Roman" panose="02020603050405020304" pitchFamily="18" charset="0"/>
+                        </a:rPr>
+                        <a:t>Arccos x</a:t>
+                      </a:r>
+                      <a:endParaRPr lang="ru-RU" sz="1400">
+                        <a:effectLst/>
+                        <a:latin typeface="+mn-lt"/>
+                        <a:ea typeface="Times New Roman" panose="02020603050405020304" pitchFamily="18" charset="0"/>
+                      </a:endParaRPr>
+                    </a:p>
+                  </a:txBody>
+                  <a:tcPr marL="51435" marR="51435" marT="0" marB="0">
+                    <a:lnL w="12700" cap="flat" cmpd="sng" algn="ctr">
+                      <a:solidFill>
+                        <a:srgbClr val="000000"/>
+                      </a:solidFill>
+                      <a:prstDash val="solid"/>
+                      <a:round/>
+                      <a:headEnd type="none" w="med" len="med"/>
+                      <a:tailEnd type="none" w="med" len="med"/>
+                    </a:lnL>
+                    <a:lnR w="12700" cap="flat" cmpd="sng" algn="ctr">
+                      <a:solidFill>
+                        <a:srgbClr val="000000"/>
+                      </a:solidFill>
+                      <a:prstDash val="solid"/>
+                      <a:round/>
+                      <a:headEnd type="none" w="med" len="med"/>
+                      <a:tailEnd type="none" w="med" len="med"/>
+                    </a:lnR>
+                    <a:lnT w="12700" cap="flat" cmpd="sng" algn="ctr">
+                      <a:solidFill>
+                        <a:srgbClr val="000000"/>
+                      </a:solidFill>
+                      <a:prstDash val="solid"/>
+                      <a:round/>
+                      <a:headEnd type="none" w="med" len="med"/>
+                      <a:tailEnd type="none" w="med" len="med"/>
+                    </a:lnT>
+                    <a:lnB w="12700" cap="flat" cmpd="sng" algn="ctr">
+                      <a:solidFill>
+                        <a:srgbClr val="000000"/>
+                      </a:solidFill>
+                      <a:prstDash val="solid"/>
+                      <a:round/>
+                      <a:headEnd type="none" w="med" len="med"/>
+                      <a:tailEnd type="none" w="med" len="med"/>
+                    </a:lnB>
+                  </a:tcPr>
+                </a:tc>
+                <a:tc>
+                  <a:txBody>
+                    <a:bodyPr/>
+                    <a:lstStyle/>
+                    <a:p>
+                      <a:pPr algn="just">
+                        <a:spcAft>
+                          <a:spcPts val="0"/>
+                        </a:spcAft>
+                      </a:pPr>
+                      <a:r>
+                        <a:rPr lang="en-US" sz="1400" i="1" dirty="0" err="1">
+                          <a:solidFill>
+                            <a:srgbClr val="0000FF"/>
+                          </a:solidFill>
+                          <a:effectLst/>
+                          <a:latin typeface="+mn-lt"/>
+                          <a:ea typeface="Times New Roman" panose="02020603050405020304" pitchFamily="18" charset="0"/>
+                        </a:rPr>
+                        <a:t>Arccos</a:t>
+                      </a:r>
+                      <a:r>
+                        <a:rPr lang="en-US" sz="1400" i="1" dirty="0">
+                          <a:solidFill>
+                            <a:srgbClr val="0000FF"/>
+                          </a:solidFill>
+                          <a:effectLst/>
+                          <a:latin typeface="+mn-lt"/>
+                          <a:ea typeface="Times New Roman" panose="02020603050405020304" pitchFamily="18" charset="0"/>
+                        </a:rPr>
+                        <a:t>(x)</a:t>
+                      </a:r>
+                      <a:endParaRPr lang="ru-RU" sz="1400" dirty="0">
+                        <a:effectLst/>
+                        <a:latin typeface="+mn-lt"/>
+                        <a:ea typeface="Times New Roman" panose="02020603050405020304" pitchFamily="18" charset="0"/>
+                      </a:endParaRPr>
+                    </a:p>
+                  </a:txBody>
+                  <a:tcPr marL="51435" marR="51435" marT="0" marB="0">
+                    <a:lnL w="12700" cap="flat" cmpd="sng" algn="ctr">
+                      <a:solidFill>
+                        <a:srgbClr val="000000"/>
+                      </a:solidFill>
+                      <a:prstDash val="solid"/>
+                      <a:round/>
+                      <a:headEnd type="none" w="med" len="med"/>
+                      <a:tailEnd type="none" w="med" len="med"/>
+                    </a:lnL>
+                    <a:lnR w="12700" cap="flat" cmpd="sng" algn="ctr">
+                      <a:solidFill>
+                        <a:srgbClr val="000000"/>
+                      </a:solidFill>
+                      <a:prstDash val="solid"/>
+                      <a:round/>
+                      <a:headEnd type="none" w="med" len="med"/>
+                      <a:tailEnd type="none" w="med" len="med"/>
+                    </a:lnR>
+                    <a:lnT w="12700" cap="flat" cmpd="sng" algn="ctr">
+                      <a:solidFill>
+                        <a:srgbClr val="000000"/>
+                      </a:solidFill>
+                      <a:prstDash val="solid"/>
+                      <a:round/>
+                      <a:headEnd type="none" w="med" len="med"/>
+                      <a:tailEnd type="none" w="med" len="med"/>
+                    </a:lnT>
+                    <a:lnB w="12700" cap="flat" cmpd="sng" algn="ctr">
+                      <a:solidFill>
+                        <a:srgbClr val="000000"/>
+                      </a:solidFill>
+                      <a:prstDash val="solid"/>
+                      <a:round/>
+                      <a:headEnd type="none" w="med" len="med"/>
+                      <a:tailEnd type="none" w="med" len="med"/>
+                    </a:lnB>
+                  </a:tcPr>
+                </a:tc>
+                <a:extLst>
+                  <a:ext uri="{0D108BD9-81ED-4DB2-BD59-A6C34878D82A}">
+                    <a16:rowId xmlns:a16="http://schemas.microsoft.com/office/drawing/2014/main" val="10007"/>
+                  </a:ext>
+                </a:extLst>
+              </a:tr>
+              <a:tr h="211503">
+                <a:tc>
+                  <a:txBody>
+                    <a:bodyPr/>
+                    <a:lstStyle/>
+                    <a:p>
+                      <a:pPr algn="just">
+                        <a:spcAft>
+                          <a:spcPts val="0"/>
+                        </a:spcAft>
+                      </a:pPr>
+                      <a:r>
+                        <a:rPr lang="en-US" sz="1400">
+                          <a:effectLst/>
+                          <a:latin typeface="+mn-lt"/>
+                          <a:ea typeface="Times New Roman" panose="02020603050405020304" pitchFamily="18" charset="0"/>
+                        </a:rPr>
+                        <a:t>Sin x</a:t>
+                      </a:r>
+                      <a:endParaRPr lang="ru-RU" sz="1400">
+                        <a:effectLst/>
+                        <a:latin typeface="+mn-lt"/>
+                        <a:ea typeface="Times New Roman" panose="02020603050405020304" pitchFamily="18" charset="0"/>
+                      </a:endParaRPr>
+                    </a:p>
+                  </a:txBody>
+                  <a:tcPr marL="51435" marR="51435" marT="0" marB="0">
+                    <a:lnL w="12700" cap="flat" cmpd="sng" algn="ctr">
+                      <a:solidFill>
+                        <a:srgbClr val="000000"/>
+                      </a:solidFill>
+                      <a:prstDash val="solid"/>
+                      <a:round/>
+                      <a:headEnd type="none" w="med" len="med"/>
+                      <a:tailEnd type="none" w="med" len="med"/>
+                    </a:lnL>
+                    <a:lnR w="12700" cap="flat" cmpd="sng" algn="ctr">
+                      <a:solidFill>
+                        <a:srgbClr val="000000"/>
+                      </a:solidFill>
+                      <a:prstDash val="solid"/>
+                      <a:round/>
+                      <a:headEnd type="none" w="med" len="med"/>
+                      <a:tailEnd type="none" w="med" len="med"/>
+                    </a:lnR>
+                    <a:lnT w="12700" cap="flat" cmpd="sng" algn="ctr">
+                      <a:solidFill>
+                        <a:srgbClr val="000000"/>
+                      </a:solidFill>
+                      <a:prstDash val="solid"/>
+                      <a:round/>
+                      <a:headEnd type="none" w="med" len="med"/>
+                      <a:tailEnd type="none" w="med" len="med"/>
+                    </a:lnT>
+                    <a:lnB w="12700" cap="flat" cmpd="sng" algn="ctr">
+                      <a:solidFill>
+                        <a:srgbClr val="000000"/>
+                      </a:solidFill>
+                      <a:prstDash val="solid"/>
+                      <a:round/>
+                      <a:headEnd type="none" w="med" len="med"/>
+                      <a:tailEnd type="none" w="med" len="med"/>
+                    </a:lnB>
+                  </a:tcPr>
+                </a:tc>
+                <a:tc>
+                  <a:txBody>
+                    <a:bodyPr/>
+                    <a:lstStyle/>
+                    <a:p>
+                      <a:pPr algn="just">
+                        <a:spcAft>
+                          <a:spcPts val="0"/>
+                        </a:spcAft>
+                      </a:pPr>
+                      <a:r>
+                        <a:rPr lang="en-US" sz="1400" i="1" dirty="0">
+                          <a:solidFill>
+                            <a:srgbClr val="0000FF"/>
+                          </a:solidFill>
+                          <a:effectLst/>
+                          <a:latin typeface="+mn-lt"/>
+                          <a:ea typeface="Times New Roman" panose="02020603050405020304" pitchFamily="18" charset="0"/>
+                        </a:rPr>
+                        <a:t>Sin(x)</a:t>
+                      </a:r>
+                      <a:endParaRPr lang="ru-RU" sz="1400" dirty="0">
+                        <a:effectLst/>
+                        <a:latin typeface="+mn-lt"/>
+                        <a:ea typeface="Times New Roman" panose="02020603050405020304" pitchFamily="18" charset="0"/>
+                      </a:endParaRPr>
+                    </a:p>
+                  </a:txBody>
+                  <a:tcPr marL="51435" marR="51435" marT="0" marB="0">
+                    <a:lnL w="12700" cap="flat" cmpd="sng" algn="ctr">
+                      <a:solidFill>
+                        <a:srgbClr val="000000"/>
+                      </a:solidFill>
+                      <a:prstDash val="solid"/>
+                      <a:round/>
+                      <a:headEnd type="none" w="med" len="med"/>
+                      <a:tailEnd type="none" w="med" len="med"/>
+                    </a:lnL>
+                    <a:lnR w="12700" cap="flat" cmpd="sng" algn="ctr">
+                      <a:solidFill>
+                        <a:srgbClr val="000000"/>
+                      </a:solidFill>
+                      <a:prstDash val="solid"/>
+                      <a:round/>
+                      <a:headEnd type="none" w="med" len="med"/>
+                      <a:tailEnd type="none" w="med" len="med"/>
+                    </a:lnR>
+                    <a:lnT w="12700" cap="flat" cmpd="sng" algn="ctr">
+                      <a:solidFill>
+                        <a:srgbClr val="000000"/>
+                      </a:solidFill>
+                      <a:prstDash val="solid"/>
+                      <a:round/>
+                      <a:headEnd type="none" w="med" len="med"/>
+                      <a:tailEnd type="none" w="med" len="med"/>
+                    </a:lnT>
+                    <a:lnB w="12700" cap="flat" cmpd="sng" algn="ctr">
+                      <a:solidFill>
+                        <a:srgbClr val="000000"/>
+                      </a:solidFill>
+                      <a:prstDash val="solid"/>
+                      <a:round/>
+                      <a:headEnd type="none" w="med" len="med"/>
+                      <a:tailEnd type="none" w="med" len="med"/>
+                    </a:lnB>
+                  </a:tcPr>
+                </a:tc>
+                <a:extLst>
+                  <a:ext uri="{0D108BD9-81ED-4DB2-BD59-A6C34878D82A}">
+                    <a16:rowId xmlns:a16="http://schemas.microsoft.com/office/drawing/2014/main" val="10008"/>
+                  </a:ext>
+                </a:extLst>
+              </a:tr>
+              <a:tr h="211503">
+                <a:tc>
+                  <a:txBody>
+                    <a:bodyPr/>
+                    <a:lstStyle/>
+                    <a:p>
+                      <a:pPr algn="just">
+                        <a:spcAft>
+                          <a:spcPts val="0"/>
+                        </a:spcAft>
+                      </a:pPr>
+                      <a:r>
+                        <a:rPr lang="en-US" sz="1400">
+                          <a:effectLst/>
+                          <a:latin typeface="+mn-lt"/>
+                          <a:ea typeface="Times New Roman" panose="02020603050405020304" pitchFamily="18" charset="0"/>
+                        </a:rPr>
+                        <a:t>Cos x</a:t>
+                      </a:r>
+                      <a:endParaRPr lang="ru-RU" sz="1400">
+                        <a:effectLst/>
+                        <a:latin typeface="+mn-lt"/>
+                        <a:ea typeface="Times New Roman" panose="02020603050405020304" pitchFamily="18" charset="0"/>
+                      </a:endParaRPr>
+                    </a:p>
+                  </a:txBody>
+                  <a:tcPr marL="51435" marR="51435" marT="0" marB="0">
+                    <a:lnL w="12700" cap="flat" cmpd="sng" algn="ctr">
+                      <a:solidFill>
+                        <a:srgbClr val="000000"/>
+                      </a:solidFill>
+                      <a:prstDash val="solid"/>
+                      <a:round/>
+                      <a:headEnd type="none" w="med" len="med"/>
+                      <a:tailEnd type="none" w="med" len="med"/>
+                    </a:lnL>
+                    <a:lnR w="12700" cap="flat" cmpd="sng" algn="ctr">
+                      <a:solidFill>
+                        <a:srgbClr val="000000"/>
+                      </a:solidFill>
+                      <a:prstDash val="solid"/>
+                      <a:round/>
+                      <a:headEnd type="none" w="med" len="med"/>
+                      <a:tailEnd type="none" w="med" len="med"/>
+                    </a:lnR>
+                    <a:lnT w="12700" cap="flat" cmpd="sng" algn="ctr">
+                      <a:solidFill>
+                        <a:srgbClr val="000000"/>
+                      </a:solidFill>
+                      <a:prstDash val="solid"/>
+                      <a:round/>
+                      <a:headEnd type="none" w="med" len="med"/>
+                      <a:tailEnd type="none" w="med" len="med"/>
+                    </a:lnT>
+                    <a:lnB w="12700" cap="flat" cmpd="sng" algn="ctr">
+                      <a:solidFill>
+                        <a:srgbClr val="000000"/>
+                      </a:solidFill>
+                      <a:prstDash val="solid"/>
+                      <a:round/>
+                      <a:headEnd type="none" w="med" len="med"/>
+                      <a:tailEnd type="none" w="med" len="med"/>
+                    </a:lnB>
+                  </a:tcPr>
+                </a:tc>
+                <a:tc>
+                  <a:txBody>
+                    <a:bodyPr/>
+                    <a:lstStyle/>
+                    <a:p>
+                      <a:pPr algn="just">
+                        <a:spcAft>
+                          <a:spcPts val="0"/>
+                        </a:spcAft>
+                      </a:pPr>
+                      <a:r>
+                        <a:rPr lang="en-US" sz="1400" i="1" dirty="0">
+                          <a:solidFill>
+                            <a:srgbClr val="0000FF"/>
+                          </a:solidFill>
+                          <a:effectLst/>
+                          <a:latin typeface="+mn-lt"/>
+                          <a:ea typeface="Times New Roman" panose="02020603050405020304" pitchFamily="18" charset="0"/>
+                        </a:rPr>
+                        <a:t>Cos(x)</a:t>
+                      </a:r>
+                      <a:endParaRPr lang="ru-RU" sz="1400" dirty="0">
+                        <a:effectLst/>
+                        <a:latin typeface="+mn-lt"/>
+                        <a:ea typeface="Times New Roman" panose="02020603050405020304" pitchFamily="18" charset="0"/>
+                      </a:endParaRPr>
+                    </a:p>
+                  </a:txBody>
+                  <a:tcPr marL="51435" marR="51435" marT="0" marB="0">
+                    <a:lnL w="12700" cap="flat" cmpd="sng" algn="ctr">
+                      <a:solidFill>
+                        <a:srgbClr val="000000"/>
+                      </a:solidFill>
+                      <a:prstDash val="solid"/>
+                      <a:round/>
+                      <a:headEnd type="none" w="med" len="med"/>
+                      <a:tailEnd type="none" w="med" len="med"/>
+                    </a:lnL>
+                    <a:lnR w="12700" cap="flat" cmpd="sng" algn="ctr">
+                      <a:solidFill>
+                        <a:srgbClr val="000000"/>
+                      </a:solidFill>
+                      <a:prstDash val="solid"/>
+                      <a:round/>
+                      <a:headEnd type="none" w="med" len="med"/>
+                      <a:tailEnd type="none" w="med" len="med"/>
+                    </a:lnR>
+                    <a:lnT w="12700" cap="flat" cmpd="sng" algn="ctr">
+                      <a:solidFill>
+                        <a:srgbClr val="000000"/>
+                      </a:solidFill>
+                      <a:prstDash val="solid"/>
+                      <a:round/>
+                      <a:headEnd type="none" w="med" len="med"/>
+                      <a:tailEnd type="none" w="med" len="med"/>
+                    </a:lnT>
+                    <a:lnB w="12700" cap="flat" cmpd="sng" algn="ctr">
+                      <a:solidFill>
+                        <a:srgbClr val="000000"/>
+                      </a:solidFill>
+                      <a:prstDash val="solid"/>
+                      <a:round/>
+                      <a:headEnd type="none" w="med" len="med"/>
+                      <a:tailEnd type="none" w="med" len="med"/>
+                    </a:lnB>
+                  </a:tcPr>
+                </a:tc>
+                <a:extLst>
+                  <a:ext uri="{0D108BD9-81ED-4DB2-BD59-A6C34878D82A}">
+                    <a16:rowId xmlns:a16="http://schemas.microsoft.com/office/drawing/2014/main" val="10009"/>
+                  </a:ext>
+                </a:extLst>
+              </a:tr>
+            </a:tbl>
+          </a:graphicData>
+        </a:graphic>
+      </p:graphicFrame>
+      <p:graphicFrame>
+        <p:nvGraphicFramePr>
+          <p:cNvPr id="10" name="Таблица 9"/>
+          <p:cNvGraphicFramePr>
+            <a:graphicFrameLocks noGrp="1"/>
+          </p:cNvGraphicFramePr>
+          <p:nvPr>
+            <p:extLst>
+              <p:ext uri="{D42A27DB-BD31-4B8C-83A1-F6EECF244321}">
+                <p14:modId xmlns:p14="http://schemas.microsoft.com/office/powerpoint/2010/main" val="2448650055"/>
+              </p:ext>
+            </p:extLst>
+          </p:nvPr>
+        </p:nvGraphicFramePr>
+        <p:xfrm>
+          <a:off x="4830110" y="2254195"/>
+          <a:ext cx="3272552" cy="3179891"/>
+        </p:xfrm>
+        <a:graphic>
+          <a:graphicData uri="http://schemas.openxmlformats.org/drawingml/2006/table">
+            <a:tbl>
+              <a:tblPr firstRow="1" firstCol="1" lastRow="1" lastCol="1" bandRow="1" bandCol="1"/>
+              <a:tblGrid>
+                <a:gridCol w="1259319">
+                  <a:extLst>
+                    <a:ext uri="{9D8B030D-6E8A-4147-A177-3AD203B41FA5}">
+                      <a16:colId xmlns:a16="http://schemas.microsoft.com/office/drawing/2014/main" val="20000"/>
+                    </a:ext>
+                  </a:extLst>
+                </a:gridCol>
+                <a:gridCol w="2013233">
+                  <a:extLst>
+                    <a:ext uri="{9D8B030D-6E8A-4147-A177-3AD203B41FA5}">
+                      <a16:colId xmlns:a16="http://schemas.microsoft.com/office/drawing/2014/main" val="20001"/>
+                    </a:ext>
+                  </a:extLst>
+                </a:gridCol>
+              </a:tblGrid>
+              <a:tr h="244607">
+                <a:tc>
+                  <a:txBody>
+                    <a:bodyPr/>
+                    <a:lstStyle/>
+                    <a:p>
+                      <a:pPr algn="just">
+                        <a:spcAft>
+                          <a:spcPts val="0"/>
+                        </a:spcAft>
+                      </a:pPr>
+                      <a:r>
+                        <a:rPr lang="en-US" sz="1400" dirty="0" err="1">
+                          <a:effectLst/>
+                          <a:latin typeface="+mn-lt"/>
+                          <a:ea typeface="Times New Roman" panose="02020603050405020304" pitchFamily="18" charset="0"/>
+                        </a:rPr>
+                        <a:t>Tg</a:t>
+                      </a:r>
+                      <a:r>
+                        <a:rPr lang="en-US" sz="1400" dirty="0">
+                          <a:effectLst/>
+                          <a:latin typeface="+mn-lt"/>
+                          <a:ea typeface="Times New Roman" panose="02020603050405020304" pitchFamily="18" charset="0"/>
+                        </a:rPr>
+                        <a:t> x</a:t>
+                      </a:r>
+                      <a:endParaRPr lang="ru-RU" sz="1400" dirty="0">
+                        <a:effectLst/>
+                        <a:latin typeface="+mn-lt"/>
+                        <a:ea typeface="Times New Roman" panose="02020603050405020304" pitchFamily="18" charset="0"/>
+                      </a:endParaRPr>
+                    </a:p>
+                  </a:txBody>
+                  <a:tcPr marL="51435" marR="51435" marT="0" marB="0">
+                    <a:lnL w="12700" cap="flat" cmpd="sng" algn="ctr">
+                      <a:solidFill>
+                        <a:srgbClr val="000000"/>
+                      </a:solidFill>
+                      <a:prstDash val="solid"/>
+                      <a:round/>
+                      <a:headEnd type="none" w="med" len="med"/>
+                      <a:tailEnd type="none" w="med" len="med"/>
+                    </a:lnL>
+                    <a:lnR w="12700" cap="flat" cmpd="sng" algn="ctr">
+                      <a:solidFill>
+                        <a:srgbClr val="000000"/>
+                      </a:solidFill>
+                      <a:prstDash val="solid"/>
+                      <a:round/>
+                      <a:headEnd type="none" w="med" len="med"/>
+                      <a:tailEnd type="none" w="med" len="med"/>
+                    </a:lnR>
+                    <a:lnT w="12700" cap="flat" cmpd="sng" algn="ctr">
+                      <a:solidFill>
+                        <a:srgbClr val="000000"/>
+                      </a:solidFill>
+                      <a:prstDash val="solid"/>
+                      <a:round/>
+                      <a:headEnd type="none" w="med" len="med"/>
+                      <a:tailEnd type="none" w="med" len="med"/>
+                    </a:lnT>
+                    <a:lnB w="12700" cap="flat" cmpd="sng" algn="ctr">
+                      <a:solidFill>
+                        <a:srgbClr val="000000"/>
+                      </a:solidFill>
+                      <a:prstDash val="solid"/>
+                      <a:round/>
+                      <a:headEnd type="none" w="med" len="med"/>
+                      <a:tailEnd type="none" w="med" len="med"/>
+                    </a:lnB>
+                  </a:tcPr>
+                </a:tc>
+                <a:tc>
+                  <a:txBody>
+                    <a:bodyPr/>
+                    <a:lstStyle/>
+                    <a:p>
+                      <a:pPr algn="just">
+                        <a:spcAft>
+                          <a:spcPts val="0"/>
+                        </a:spcAft>
+                      </a:pPr>
+                      <a:r>
+                        <a:rPr lang="en-US" sz="1400" i="1">
+                          <a:solidFill>
+                            <a:srgbClr val="0000FF"/>
+                          </a:solidFill>
+                          <a:effectLst/>
+                          <a:latin typeface="+mn-lt"/>
+                          <a:ea typeface="Times New Roman" panose="02020603050405020304" pitchFamily="18" charset="0"/>
+                        </a:rPr>
+                        <a:t>Tan(x)</a:t>
+                      </a:r>
+                      <a:endParaRPr lang="ru-RU" sz="1400">
+                        <a:effectLst/>
+                        <a:latin typeface="+mn-lt"/>
+                        <a:ea typeface="Times New Roman" panose="02020603050405020304" pitchFamily="18" charset="0"/>
+                      </a:endParaRPr>
+                    </a:p>
+                  </a:txBody>
+                  <a:tcPr marL="51435" marR="51435" marT="0" marB="0">
+                    <a:lnL w="12700" cap="flat" cmpd="sng" algn="ctr">
+                      <a:solidFill>
+                        <a:srgbClr val="000000"/>
+                      </a:solidFill>
+                      <a:prstDash val="solid"/>
+                      <a:round/>
+                      <a:headEnd type="none" w="med" len="med"/>
+                      <a:tailEnd type="none" w="med" len="med"/>
+                    </a:lnL>
+                    <a:lnR w="12700" cap="flat" cmpd="sng" algn="ctr">
+                      <a:solidFill>
+                        <a:srgbClr val="000000"/>
+                      </a:solidFill>
+                      <a:prstDash val="solid"/>
+                      <a:round/>
+                      <a:headEnd type="none" w="med" len="med"/>
+                      <a:tailEnd type="none" w="med" len="med"/>
+                    </a:lnR>
+                    <a:lnT w="12700" cap="flat" cmpd="sng" algn="ctr">
+                      <a:solidFill>
+                        <a:srgbClr val="000000"/>
+                      </a:solidFill>
+                      <a:prstDash val="solid"/>
+                      <a:round/>
+                      <a:headEnd type="none" w="med" len="med"/>
+                      <a:tailEnd type="none" w="med" len="med"/>
+                    </a:lnT>
+                    <a:lnB w="12700" cap="flat" cmpd="sng" algn="ctr">
+                      <a:solidFill>
+                        <a:srgbClr val="000000"/>
+                      </a:solidFill>
+                      <a:prstDash val="solid"/>
+                      <a:round/>
+                      <a:headEnd type="none" w="med" len="med"/>
+                      <a:tailEnd type="none" w="med" len="med"/>
+                    </a:lnB>
+                  </a:tcPr>
+                </a:tc>
+                <a:extLst>
+                  <a:ext uri="{0D108BD9-81ED-4DB2-BD59-A6C34878D82A}">
+                    <a16:rowId xmlns:a16="http://schemas.microsoft.com/office/drawing/2014/main" val="10000"/>
+                  </a:ext>
+                </a:extLst>
+              </a:tr>
+              <a:tr h="244607">
+                <a:tc>
+                  <a:txBody>
+                    <a:bodyPr/>
+                    <a:lstStyle/>
+                    <a:p>
+                      <a:pPr algn="just">
+                        <a:spcAft>
+                          <a:spcPts val="0"/>
+                        </a:spcAft>
+                      </a:pPr>
+                      <a:r>
+                        <a:rPr lang="en-US" sz="1400" dirty="0" err="1">
+                          <a:effectLst/>
+                          <a:latin typeface="+mn-lt"/>
+                          <a:ea typeface="Times New Roman" panose="02020603050405020304" pitchFamily="18" charset="0"/>
+                        </a:rPr>
+                        <a:t>Ctg</a:t>
+                      </a:r>
+                      <a:r>
+                        <a:rPr lang="en-US" sz="1400" dirty="0">
+                          <a:effectLst/>
+                          <a:latin typeface="+mn-lt"/>
+                          <a:ea typeface="Times New Roman" panose="02020603050405020304" pitchFamily="18" charset="0"/>
+                        </a:rPr>
+                        <a:t> x</a:t>
+                      </a:r>
+                      <a:endParaRPr lang="ru-RU" sz="1400" dirty="0">
+                        <a:effectLst/>
+                        <a:latin typeface="+mn-lt"/>
+                        <a:ea typeface="Times New Roman" panose="02020603050405020304" pitchFamily="18" charset="0"/>
+                      </a:endParaRPr>
+                    </a:p>
+                  </a:txBody>
+                  <a:tcPr marL="51435" marR="51435" marT="0" marB="0">
+                    <a:lnL w="12700" cap="flat" cmpd="sng" algn="ctr">
+                      <a:solidFill>
+                        <a:srgbClr val="000000"/>
+                      </a:solidFill>
+                      <a:prstDash val="solid"/>
+                      <a:round/>
+                      <a:headEnd type="none" w="med" len="med"/>
+                      <a:tailEnd type="none" w="med" len="med"/>
+                    </a:lnL>
+                    <a:lnR w="12700" cap="flat" cmpd="sng" algn="ctr">
+                      <a:solidFill>
+                        <a:srgbClr val="000000"/>
+                      </a:solidFill>
+                      <a:prstDash val="solid"/>
+                      <a:round/>
+                      <a:headEnd type="none" w="med" len="med"/>
+                      <a:tailEnd type="none" w="med" len="med"/>
+                    </a:lnR>
+                    <a:lnT w="12700" cap="flat" cmpd="sng" algn="ctr">
+                      <a:solidFill>
+                        <a:srgbClr val="000000"/>
+                      </a:solidFill>
+                      <a:prstDash val="solid"/>
+                      <a:round/>
+                      <a:headEnd type="none" w="med" len="med"/>
+                      <a:tailEnd type="none" w="med" len="med"/>
+                    </a:lnT>
+                    <a:lnB w="12700" cap="flat" cmpd="sng" algn="ctr">
+                      <a:solidFill>
+                        <a:srgbClr val="000000"/>
+                      </a:solidFill>
+                      <a:prstDash val="solid"/>
+                      <a:round/>
+                      <a:headEnd type="none" w="med" len="med"/>
+                      <a:tailEnd type="none" w="med" len="med"/>
+                    </a:lnB>
+                  </a:tcPr>
+                </a:tc>
+                <a:tc>
+                  <a:txBody>
+                    <a:bodyPr/>
+                    <a:lstStyle/>
+                    <a:p>
+                      <a:pPr algn="just">
+                        <a:spcAft>
+                          <a:spcPts val="0"/>
+                        </a:spcAft>
+                      </a:pPr>
+                      <a:r>
+                        <a:rPr lang="en-US" sz="1400" i="1" dirty="0" err="1">
+                          <a:solidFill>
+                            <a:srgbClr val="0000FF"/>
+                          </a:solidFill>
+                          <a:effectLst/>
+                          <a:latin typeface="+mn-lt"/>
+                          <a:ea typeface="Times New Roman" panose="02020603050405020304" pitchFamily="18" charset="0"/>
+                        </a:rPr>
+                        <a:t>Cotan</a:t>
+                      </a:r>
+                      <a:r>
+                        <a:rPr lang="en-US" sz="1400" i="1" dirty="0">
+                          <a:solidFill>
+                            <a:srgbClr val="0000FF"/>
+                          </a:solidFill>
+                          <a:effectLst/>
+                          <a:latin typeface="+mn-lt"/>
+                          <a:ea typeface="Times New Roman" panose="02020603050405020304" pitchFamily="18" charset="0"/>
+                        </a:rPr>
+                        <a:t>(x)</a:t>
+                      </a:r>
+                      <a:endParaRPr lang="ru-RU" sz="1400" dirty="0">
+                        <a:effectLst/>
+                        <a:latin typeface="+mn-lt"/>
+                        <a:ea typeface="Times New Roman" panose="02020603050405020304" pitchFamily="18" charset="0"/>
+                      </a:endParaRPr>
+                    </a:p>
+                  </a:txBody>
+                  <a:tcPr marL="51435" marR="51435" marT="0" marB="0">
+                    <a:lnL w="12700" cap="flat" cmpd="sng" algn="ctr">
+                      <a:solidFill>
+                        <a:srgbClr val="000000"/>
+                      </a:solidFill>
+                      <a:prstDash val="solid"/>
+                      <a:round/>
+                      <a:headEnd type="none" w="med" len="med"/>
+                      <a:tailEnd type="none" w="med" len="med"/>
+                    </a:lnL>
+                    <a:lnR w="12700" cap="flat" cmpd="sng" algn="ctr">
+                      <a:solidFill>
+                        <a:srgbClr val="000000"/>
+                      </a:solidFill>
+                      <a:prstDash val="solid"/>
+                      <a:round/>
+                      <a:headEnd type="none" w="med" len="med"/>
+                      <a:tailEnd type="none" w="med" len="med"/>
+                    </a:lnR>
+                    <a:lnT w="12700" cap="flat" cmpd="sng" algn="ctr">
+                      <a:solidFill>
+                        <a:srgbClr val="000000"/>
+                      </a:solidFill>
+                      <a:prstDash val="solid"/>
+                      <a:round/>
+                      <a:headEnd type="none" w="med" len="med"/>
+                      <a:tailEnd type="none" w="med" len="med"/>
+                    </a:lnT>
+                    <a:lnB w="12700" cap="flat" cmpd="sng" algn="ctr">
+                      <a:solidFill>
+                        <a:srgbClr val="000000"/>
+                      </a:solidFill>
+                      <a:prstDash val="solid"/>
+                      <a:round/>
+                      <a:headEnd type="none" w="med" len="med"/>
+                      <a:tailEnd type="none" w="med" len="med"/>
+                    </a:lnB>
+                  </a:tcPr>
+                </a:tc>
+                <a:extLst>
+                  <a:ext uri="{0D108BD9-81ED-4DB2-BD59-A6C34878D82A}">
+                    <a16:rowId xmlns:a16="http://schemas.microsoft.com/office/drawing/2014/main" val="10001"/>
+                  </a:ext>
+                </a:extLst>
+              </a:tr>
+              <a:tr h="244607">
+                <a:tc>
+                  <a:txBody>
+                    <a:bodyPr/>
+                    <a:lstStyle/>
+                    <a:p>
+                      <a:pPr algn="just">
+                        <a:spcAft>
+                          <a:spcPts val="0"/>
+                        </a:spcAft>
+                      </a:pPr>
+                      <a:r>
+                        <a:rPr lang="en-US" sz="1400" dirty="0" err="1">
+                          <a:effectLst/>
+                          <a:latin typeface="+mn-lt"/>
+                          <a:ea typeface="Times New Roman" panose="02020603050405020304" pitchFamily="18" charset="0"/>
+                        </a:rPr>
+                        <a:t>X</a:t>
+                      </a:r>
+                      <a:r>
+                        <a:rPr lang="en-US" sz="1400" baseline="30000" dirty="0" err="1">
+                          <a:effectLst/>
+                          <a:latin typeface="+mn-lt"/>
+                          <a:ea typeface="Times New Roman" panose="02020603050405020304" pitchFamily="18" charset="0"/>
+                        </a:rPr>
+                        <a:t>y</a:t>
+                      </a:r>
+                      <a:endParaRPr lang="ru-RU" sz="1400" dirty="0">
+                        <a:effectLst/>
+                        <a:latin typeface="+mn-lt"/>
+                        <a:ea typeface="Times New Roman" panose="02020603050405020304" pitchFamily="18" charset="0"/>
+                      </a:endParaRPr>
+                    </a:p>
+                  </a:txBody>
+                  <a:tcPr marL="51435" marR="51435" marT="0" marB="0">
+                    <a:lnL w="12700" cap="flat" cmpd="sng" algn="ctr">
+                      <a:solidFill>
+                        <a:srgbClr val="000000"/>
+                      </a:solidFill>
+                      <a:prstDash val="solid"/>
+                      <a:round/>
+                      <a:headEnd type="none" w="med" len="med"/>
+                      <a:tailEnd type="none" w="med" len="med"/>
+                    </a:lnL>
+                    <a:lnR w="12700" cap="flat" cmpd="sng" algn="ctr">
+                      <a:solidFill>
+                        <a:srgbClr val="000000"/>
+                      </a:solidFill>
+                      <a:prstDash val="solid"/>
+                      <a:round/>
+                      <a:headEnd type="none" w="med" len="med"/>
+                      <a:tailEnd type="none" w="med" len="med"/>
+                    </a:lnR>
+                    <a:lnT w="12700" cap="flat" cmpd="sng" algn="ctr">
+                      <a:solidFill>
+                        <a:srgbClr val="000000"/>
+                      </a:solidFill>
+                      <a:prstDash val="solid"/>
+                      <a:round/>
+                      <a:headEnd type="none" w="med" len="med"/>
+                      <a:tailEnd type="none" w="med" len="med"/>
+                    </a:lnT>
+                    <a:lnB w="12700" cap="flat" cmpd="sng" algn="ctr">
+                      <a:solidFill>
+                        <a:srgbClr val="000000"/>
+                      </a:solidFill>
+                      <a:prstDash val="solid"/>
+                      <a:round/>
+                      <a:headEnd type="none" w="med" len="med"/>
+                      <a:tailEnd type="none" w="med" len="med"/>
+                    </a:lnB>
+                  </a:tcPr>
+                </a:tc>
+                <a:tc>
+                  <a:txBody>
+                    <a:bodyPr/>
+                    <a:lstStyle/>
+                    <a:p>
+                      <a:pPr algn="just">
+                        <a:spcAft>
+                          <a:spcPts val="0"/>
+                        </a:spcAft>
+                      </a:pPr>
+                      <a:r>
+                        <a:rPr lang="en-US" sz="1400" i="1">
+                          <a:solidFill>
+                            <a:srgbClr val="0000FF"/>
+                          </a:solidFill>
+                          <a:effectLst/>
+                          <a:latin typeface="+mn-lt"/>
+                          <a:ea typeface="Times New Roman" panose="02020603050405020304" pitchFamily="18" charset="0"/>
+                        </a:rPr>
+                        <a:t>Power(x, y)</a:t>
+                      </a:r>
+                      <a:endParaRPr lang="ru-RU" sz="1400">
+                        <a:effectLst/>
+                        <a:latin typeface="+mn-lt"/>
+                        <a:ea typeface="Times New Roman" panose="02020603050405020304" pitchFamily="18" charset="0"/>
+                      </a:endParaRPr>
+                    </a:p>
+                  </a:txBody>
+                  <a:tcPr marL="51435" marR="51435" marT="0" marB="0">
+                    <a:lnL w="12700" cap="flat" cmpd="sng" algn="ctr">
+                      <a:solidFill>
+                        <a:srgbClr val="000000"/>
+                      </a:solidFill>
+                      <a:prstDash val="solid"/>
+                      <a:round/>
+                      <a:headEnd type="none" w="med" len="med"/>
+                      <a:tailEnd type="none" w="med" len="med"/>
+                    </a:lnL>
+                    <a:lnR w="12700" cap="flat" cmpd="sng" algn="ctr">
+                      <a:solidFill>
+                        <a:srgbClr val="000000"/>
+                      </a:solidFill>
+                      <a:prstDash val="solid"/>
+                      <a:round/>
+                      <a:headEnd type="none" w="med" len="med"/>
+                      <a:tailEnd type="none" w="med" len="med"/>
+                    </a:lnR>
+                    <a:lnT w="12700" cap="flat" cmpd="sng" algn="ctr">
+                      <a:solidFill>
+                        <a:srgbClr val="000000"/>
+                      </a:solidFill>
+                      <a:prstDash val="solid"/>
+                      <a:round/>
+                      <a:headEnd type="none" w="med" len="med"/>
+                      <a:tailEnd type="none" w="med" len="med"/>
+                    </a:lnT>
+                    <a:lnB w="12700" cap="flat" cmpd="sng" algn="ctr">
+                      <a:solidFill>
+                        <a:srgbClr val="000000"/>
+                      </a:solidFill>
+                      <a:prstDash val="solid"/>
+                      <a:round/>
+                      <a:headEnd type="none" w="med" len="med"/>
+                      <a:tailEnd type="none" w="med" len="med"/>
+                    </a:lnB>
+                  </a:tcPr>
+                </a:tc>
+                <a:extLst>
+                  <a:ext uri="{0D108BD9-81ED-4DB2-BD59-A6C34878D82A}">
+                    <a16:rowId xmlns:a16="http://schemas.microsoft.com/office/drawing/2014/main" val="10002"/>
+                  </a:ext>
+                </a:extLst>
+              </a:tr>
+              <a:tr h="244607">
+                <a:tc>
+                  <a:txBody>
+                    <a:bodyPr/>
+                    <a:lstStyle/>
+                    <a:p>
+                      <a:pPr algn="just">
+                        <a:spcAft>
+                          <a:spcPts val="0"/>
+                        </a:spcAft>
+                      </a:pPr>
+                      <a:r>
+                        <a:rPr lang="en-US" sz="1400">
+                          <a:effectLst/>
+                          <a:latin typeface="+mn-lt"/>
+                          <a:ea typeface="Times New Roman" panose="02020603050405020304" pitchFamily="18" charset="0"/>
+                        </a:rPr>
+                        <a:t>X</a:t>
+                      </a:r>
+                      <a:r>
+                        <a:rPr lang="en-US" sz="1400" baseline="30000">
+                          <a:effectLst/>
+                          <a:latin typeface="+mn-lt"/>
+                          <a:ea typeface="Times New Roman" panose="02020603050405020304" pitchFamily="18" charset="0"/>
+                        </a:rPr>
+                        <a:t>n</a:t>
+                      </a:r>
+                      <a:endParaRPr lang="ru-RU" sz="1400">
+                        <a:effectLst/>
+                        <a:latin typeface="+mn-lt"/>
+                        <a:ea typeface="Times New Roman" panose="02020603050405020304" pitchFamily="18" charset="0"/>
+                      </a:endParaRPr>
+                    </a:p>
+                  </a:txBody>
+                  <a:tcPr marL="51435" marR="51435" marT="0" marB="0">
+                    <a:lnL w="12700" cap="flat" cmpd="sng" algn="ctr">
+                      <a:solidFill>
+                        <a:srgbClr val="000000"/>
+                      </a:solidFill>
+                      <a:prstDash val="solid"/>
+                      <a:round/>
+                      <a:headEnd type="none" w="med" len="med"/>
+                      <a:tailEnd type="none" w="med" len="med"/>
+                    </a:lnL>
+                    <a:lnR w="12700" cap="flat" cmpd="sng" algn="ctr">
+                      <a:solidFill>
+                        <a:srgbClr val="000000"/>
+                      </a:solidFill>
+                      <a:prstDash val="solid"/>
+                      <a:round/>
+                      <a:headEnd type="none" w="med" len="med"/>
+                      <a:tailEnd type="none" w="med" len="med"/>
+                    </a:lnR>
+                    <a:lnT w="12700" cap="flat" cmpd="sng" algn="ctr">
+                      <a:solidFill>
+                        <a:srgbClr val="000000"/>
+                      </a:solidFill>
+                      <a:prstDash val="solid"/>
+                      <a:round/>
+                      <a:headEnd type="none" w="med" len="med"/>
+                      <a:tailEnd type="none" w="med" len="med"/>
+                    </a:lnT>
+                    <a:lnB w="12700" cap="flat" cmpd="sng" algn="ctr">
+                      <a:solidFill>
+                        <a:srgbClr val="000000"/>
+                      </a:solidFill>
+                      <a:prstDash val="solid"/>
+                      <a:round/>
+                      <a:headEnd type="none" w="med" len="med"/>
+                      <a:tailEnd type="none" w="med" len="med"/>
+                    </a:lnB>
+                  </a:tcPr>
+                </a:tc>
+                <a:tc>
+                  <a:txBody>
+                    <a:bodyPr/>
+                    <a:lstStyle/>
+                    <a:p>
+                      <a:pPr algn="just">
+                        <a:spcAft>
+                          <a:spcPts val="0"/>
+                        </a:spcAft>
+                      </a:pPr>
+                      <a:r>
+                        <a:rPr lang="en-US" sz="1400" i="1">
+                          <a:solidFill>
+                            <a:srgbClr val="0000FF"/>
+                          </a:solidFill>
+                          <a:effectLst/>
+                          <a:latin typeface="+mn-lt"/>
+                          <a:ea typeface="Times New Roman" panose="02020603050405020304" pitchFamily="18" charset="0"/>
+                        </a:rPr>
+                        <a:t>IntPower(x, n)</a:t>
+                      </a:r>
+                      <a:endParaRPr lang="ru-RU" sz="1400">
+                        <a:effectLst/>
+                        <a:latin typeface="+mn-lt"/>
+                        <a:ea typeface="Times New Roman" panose="02020603050405020304" pitchFamily="18" charset="0"/>
+                      </a:endParaRPr>
+                    </a:p>
+                  </a:txBody>
+                  <a:tcPr marL="51435" marR="51435" marT="0" marB="0">
+                    <a:lnL w="12700" cap="flat" cmpd="sng" algn="ctr">
+                      <a:solidFill>
+                        <a:srgbClr val="000000"/>
+                      </a:solidFill>
+                      <a:prstDash val="solid"/>
+                      <a:round/>
+                      <a:headEnd type="none" w="med" len="med"/>
+                      <a:tailEnd type="none" w="med" len="med"/>
+                    </a:lnL>
+                    <a:lnR w="12700" cap="flat" cmpd="sng" algn="ctr">
+                      <a:solidFill>
+                        <a:srgbClr val="000000"/>
+                      </a:solidFill>
+                      <a:prstDash val="solid"/>
+                      <a:round/>
+                      <a:headEnd type="none" w="med" len="med"/>
+                      <a:tailEnd type="none" w="med" len="med"/>
+                    </a:lnR>
+                    <a:lnT w="12700" cap="flat" cmpd="sng" algn="ctr">
+                      <a:solidFill>
+                        <a:srgbClr val="000000"/>
+                      </a:solidFill>
+                      <a:prstDash val="solid"/>
+                      <a:round/>
+                      <a:headEnd type="none" w="med" len="med"/>
+                      <a:tailEnd type="none" w="med" len="med"/>
+                    </a:lnT>
+                    <a:lnB w="12700" cap="flat" cmpd="sng" algn="ctr">
+                      <a:solidFill>
+                        <a:srgbClr val="000000"/>
+                      </a:solidFill>
+                      <a:prstDash val="solid"/>
+                      <a:round/>
+                      <a:headEnd type="none" w="med" len="med"/>
+                      <a:tailEnd type="none" w="med" len="med"/>
+                    </a:lnB>
+                  </a:tcPr>
+                </a:tc>
+                <a:extLst>
+                  <a:ext uri="{0D108BD9-81ED-4DB2-BD59-A6C34878D82A}">
+                    <a16:rowId xmlns:a16="http://schemas.microsoft.com/office/drawing/2014/main" val="10003"/>
+                  </a:ext>
+                </a:extLst>
+              </a:tr>
+              <a:tr h="244607">
+                <a:tc>
+                  <a:txBody>
+                    <a:bodyPr/>
+                    <a:lstStyle/>
+                    <a:p>
+                      <a:pPr algn="just">
+                        <a:spcAft>
+                          <a:spcPts val="0"/>
+                        </a:spcAft>
+                      </a:pPr>
+                      <a:r>
+                        <a:rPr lang="en-US" sz="1400" dirty="0">
+                          <a:effectLst/>
+                          <a:latin typeface="+mn-lt"/>
+                          <a:ea typeface="Times New Roman" panose="02020603050405020304" pitchFamily="18" charset="0"/>
+                        </a:rPr>
+                        <a:t>e</a:t>
+                      </a:r>
+                      <a:r>
+                        <a:rPr lang="en-US" sz="1400" baseline="30000" dirty="0">
+                          <a:effectLst/>
+                          <a:latin typeface="+mn-lt"/>
+                          <a:ea typeface="Times New Roman" panose="02020603050405020304" pitchFamily="18" charset="0"/>
+                        </a:rPr>
+                        <a:t>x</a:t>
+                      </a:r>
+                      <a:endParaRPr lang="ru-RU" sz="1400" dirty="0">
+                        <a:effectLst/>
+                        <a:latin typeface="+mn-lt"/>
+                        <a:ea typeface="Times New Roman" panose="02020603050405020304" pitchFamily="18" charset="0"/>
+                      </a:endParaRPr>
+                    </a:p>
+                  </a:txBody>
+                  <a:tcPr marL="51435" marR="51435" marT="0" marB="0">
+                    <a:lnL w="12700" cap="flat" cmpd="sng" algn="ctr">
+                      <a:solidFill>
+                        <a:srgbClr val="000000"/>
+                      </a:solidFill>
+                      <a:prstDash val="solid"/>
+                      <a:round/>
+                      <a:headEnd type="none" w="med" len="med"/>
+                      <a:tailEnd type="none" w="med" len="med"/>
+                    </a:lnL>
+                    <a:lnR w="12700" cap="flat" cmpd="sng" algn="ctr">
+                      <a:solidFill>
+                        <a:srgbClr val="000000"/>
+                      </a:solidFill>
+                      <a:prstDash val="solid"/>
+                      <a:round/>
+                      <a:headEnd type="none" w="med" len="med"/>
+                      <a:tailEnd type="none" w="med" len="med"/>
+                    </a:lnR>
+                    <a:lnT w="12700" cap="flat" cmpd="sng" algn="ctr">
+                      <a:solidFill>
+                        <a:srgbClr val="000000"/>
+                      </a:solidFill>
+                      <a:prstDash val="solid"/>
+                      <a:round/>
+                      <a:headEnd type="none" w="med" len="med"/>
+                      <a:tailEnd type="none" w="med" len="med"/>
+                    </a:lnT>
+                    <a:lnB w="12700" cap="flat" cmpd="sng" algn="ctr">
+                      <a:solidFill>
+                        <a:srgbClr val="000000"/>
+                      </a:solidFill>
+                      <a:prstDash val="solid"/>
+                      <a:round/>
+                      <a:headEnd type="none" w="med" len="med"/>
+                      <a:tailEnd type="none" w="med" len="med"/>
+                    </a:lnB>
+                  </a:tcPr>
+                </a:tc>
+                <a:tc>
+                  <a:txBody>
+                    <a:bodyPr/>
+                    <a:lstStyle/>
+                    <a:p>
+                      <a:pPr algn="just">
+                        <a:spcAft>
+                          <a:spcPts val="0"/>
+                        </a:spcAft>
+                      </a:pPr>
+                      <a:r>
+                        <a:rPr lang="en-US" sz="1400" i="1">
+                          <a:solidFill>
+                            <a:srgbClr val="0000FF"/>
+                          </a:solidFill>
+                          <a:effectLst/>
+                          <a:latin typeface="+mn-lt"/>
+                          <a:ea typeface="Times New Roman" panose="02020603050405020304" pitchFamily="18" charset="0"/>
+                        </a:rPr>
+                        <a:t>Exp(x)</a:t>
+                      </a:r>
+                      <a:endParaRPr lang="ru-RU" sz="1400">
+                        <a:effectLst/>
+                        <a:latin typeface="+mn-lt"/>
+                        <a:ea typeface="Times New Roman" panose="02020603050405020304" pitchFamily="18" charset="0"/>
+                      </a:endParaRPr>
+                    </a:p>
+                  </a:txBody>
+                  <a:tcPr marL="51435" marR="51435" marT="0" marB="0">
+                    <a:lnL w="12700" cap="flat" cmpd="sng" algn="ctr">
+                      <a:solidFill>
+                        <a:srgbClr val="000000"/>
+                      </a:solidFill>
+                      <a:prstDash val="solid"/>
+                      <a:round/>
+                      <a:headEnd type="none" w="med" len="med"/>
+                      <a:tailEnd type="none" w="med" len="med"/>
+                    </a:lnL>
+                    <a:lnR w="12700" cap="flat" cmpd="sng" algn="ctr">
+                      <a:solidFill>
+                        <a:srgbClr val="000000"/>
+                      </a:solidFill>
+                      <a:prstDash val="solid"/>
+                      <a:round/>
+                      <a:headEnd type="none" w="med" len="med"/>
+                      <a:tailEnd type="none" w="med" len="med"/>
+                    </a:lnR>
+                    <a:lnT w="12700" cap="flat" cmpd="sng" algn="ctr">
+                      <a:solidFill>
+                        <a:srgbClr val="000000"/>
+                      </a:solidFill>
+                      <a:prstDash val="solid"/>
+                      <a:round/>
+                      <a:headEnd type="none" w="med" len="med"/>
+                      <a:tailEnd type="none" w="med" len="med"/>
+                    </a:lnT>
+                    <a:lnB w="12700" cap="flat" cmpd="sng" algn="ctr">
+                      <a:solidFill>
+                        <a:srgbClr val="000000"/>
+                      </a:solidFill>
+                      <a:prstDash val="solid"/>
+                      <a:round/>
+                      <a:headEnd type="none" w="med" len="med"/>
+                      <a:tailEnd type="none" w="med" len="med"/>
+                    </a:lnB>
+                  </a:tcPr>
+                </a:tc>
+                <a:extLst>
+                  <a:ext uri="{0D108BD9-81ED-4DB2-BD59-A6C34878D82A}">
+                    <a16:rowId xmlns:a16="http://schemas.microsoft.com/office/drawing/2014/main" val="10004"/>
+                  </a:ext>
+                </a:extLst>
+              </a:tr>
+              <a:tr h="244607">
+                <a:tc>
+                  <a:txBody>
+                    <a:bodyPr/>
+                    <a:lstStyle/>
+                    <a:p>
+                      <a:pPr algn="just">
+                        <a:spcAft>
+                          <a:spcPts val="0"/>
+                        </a:spcAft>
+                      </a:pPr>
+                      <a:r>
+                        <a:rPr lang="en-US" sz="1400" dirty="0">
+                          <a:effectLst/>
+                          <a:latin typeface="+mn-lt"/>
+                          <a:ea typeface="Times New Roman" panose="02020603050405020304" pitchFamily="18" charset="0"/>
+                        </a:rPr>
+                        <a:t>Ln x</a:t>
+                      </a:r>
+                      <a:endParaRPr lang="ru-RU" sz="1400" dirty="0">
+                        <a:effectLst/>
+                        <a:latin typeface="+mn-lt"/>
+                        <a:ea typeface="Times New Roman" panose="02020603050405020304" pitchFamily="18" charset="0"/>
+                      </a:endParaRPr>
+                    </a:p>
+                  </a:txBody>
+                  <a:tcPr marL="51435" marR="51435" marT="0" marB="0">
+                    <a:lnL w="12700" cap="flat" cmpd="sng" algn="ctr">
+                      <a:solidFill>
+                        <a:srgbClr val="000000"/>
+                      </a:solidFill>
+                      <a:prstDash val="solid"/>
+                      <a:round/>
+                      <a:headEnd type="none" w="med" len="med"/>
+                      <a:tailEnd type="none" w="med" len="med"/>
+                    </a:lnL>
+                    <a:lnR w="12700" cap="flat" cmpd="sng" algn="ctr">
+                      <a:solidFill>
+                        <a:srgbClr val="000000"/>
+                      </a:solidFill>
+                      <a:prstDash val="solid"/>
+                      <a:round/>
+                      <a:headEnd type="none" w="med" len="med"/>
+                      <a:tailEnd type="none" w="med" len="med"/>
+                    </a:lnR>
+                    <a:lnT w="12700" cap="flat" cmpd="sng" algn="ctr">
+                      <a:solidFill>
+                        <a:srgbClr val="000000"/>
+                      </a:solidFill>
+                      <a:prstDash val="solid"/>
+                      <a:round/>
+                      <a:headEnd type="none" w="med" len="med"/>
+                      <a:tailEnd type="none" w="med" len="med"/>
+                    </a:lnT>
+                    <a:lnB w="12700" cap="flat" cmpd="sng" algn="ctr">
+                      <a:solidFill>
+                        <a:srgbClr val="000000"/>
+                      </a:solidFill>
+                      <a:prstDash val="solid"/>
+                      <a:round/>
+                      <a:headEnd type="none" w="med" len="med"/>
+                      <a:tailEnd type="none" w="med" len="med"/>
+                    </a:lnB>
+                  </a:tcPr>
+                </a:tc>
+                <a:tc>
+                  <a:txBody>
+                    <a:bodyPr/>
+                    <a:lstStyle/>
+                    <a:p>
+                      <a:pPr algn="just">
+                        <a:spcAft>
+                          <a:spcPts val="0"/>
+                        </a:spcAft>
+                      </a:pPr>
+                      <a:r>
+                        <a:rPr lang="en-US" sz="1400" i="1">
+                          <a:solidFill>
+                            <a:srgbClr val="0000FF"/>
+                          </a:solidFill>
+                          <a:effectLst/>
+                          <a:latin typeface="+mn-lt"/>
+                          <a:ea typeface="Times New Roman" panose="02020603050405020304" pitchFamily="18" charset="0"/>
+                        </a:rPr>
+                        <a:t>Ln(x)</a:t>
+                      </a:r>
+                      <a:endParaRPr lang="ru-RU" sz="1400">
+                        <a:effectLst/>
+                        <a:latin typeface="+mn-lt"/>
+                        <a:ea typeface="Times New Roman" panose="02020603050405020304" pitchFamily="18" charset="0"/>
+                      </a:endParaRPr>
+                    </a:p>
+                  </a:txBody>
+                  <a:tcPr marL="51435" marR="51435" marT="0" marB="0">
+                    <a:lnL w="12700" cap="flat" cmpd="sng" algn="ctr">
+                      <a:solidFill>
+                        <a:srgbClr val="000000"/>
+                      </a:solidFill>
+                      <a:prstDash val="solid"/>
+                      <a:round/>
+                      <a:headEnd type="none" w="med" len="med"/>
+                      <a:tailEnd type="none" w="med" len="med"/>
+                    </a:lnL>
+                    <a:lnR w="12700" cap="flat" cmpd="sng" algn="ctr">
+                      <a:solidFill>
+                        <a:srgbClr val="000000"/>
+                      </a:solidFill>
+                      <a:prstDash val="solid"/>
+                      <a:round/>
+                      <a:headEnd type="none" w="med" len="med"/>
+                      <a:tailEnd type="none" w="med" len="med"/>
+                    </a:lnR>
+                    <a:lnT w="12700" cap="flat" cmpd="sng" algn="ctr">
+                      <a:solidFill>
+                        <a:srgbClr val="000000"/>
+                      </a:solidFill>
+                      <a:prstDash val="solid"/>
+                      <a:round/>
+                      <a:headEnd type="none" w="med" len="med"/>
+                      <a:tailEnd type="none" w="med" len="med"/>
+                    </a:lnT>
+                    <a:lnB w="12700" cap="flat" cmpd="sng" algn="ctr">
+                      <a:solidFill>
+                        <a:srgbClr val="000000"/>
+                      </a:solidFill>
+                      <a:prstDash val="solid"/>
+                      <a:round/>
+                      <a:headEnd type="none" w="med" len="med"/>
+                      <a:tailEnd type="none" w="med" len="med"/>
+                    </a:lnB>
+                  </a:tcPr>
+                </a:tc>
+                <a:extLst>
+                  <a:ext uri="{0D108BD9-81ED-4DB2-BD59-A6C34878D82A}">
+                    <a16:rowId xmlns:a16="http://schemas.microsoft.com/office/drawing/2014/main" val="10005"/>
+                  </a:ext>
+                </a:extLst>
+              </a:tr>
+              <a:tr h="244607">
+                <a:tc>
+                  <a:txBody>
+                    <a:bodyPr/>
+                    <a:lstStyle/>
+                    <a:p>
+                      <a:pPr algn="just">
+                        <a:spcAft>
+                          <a:spcPts val="0"/>
+                        </a:spcAft>
+                      </a:pPr>
+                      <a:r>
+                        <a:rPr lang="en-US" sz="1400" dirty="0">
+                          <a:effectLst/>
+                          <a:latin typeface="+mn-lt"/>
+                          <a:ea typeface="Times New Roman" panose="02020603050405020304" pitchFamily="18" charset="0"/>
+                        </a:rPr>
+                        <a:t>X</a:t>
+                      </a:r>
+                      <a:r>
+                        <a:rPr lang="en-US" sz="1400" baseline="30000" dirty="0">
+                          <a:effectLst/>
+                          <a:latin typeface="+mn-lt"/>
+                          <a:ea typeface="Times New Roman" panose="02020603050405020304" pitchFamily="18" charset="0"/>
+                        </a:rPr>
+                        <a:t>2</a:t>
+                      </a:r>
+                      <a:endParaRPr lang="ru-RU" sz="1400" dirty="0">
+                        <a:effectLst/>
+                        <a:latin typeface="+mn-lt"/>
+                        <a:ea typeface="Times New Roman" panose="02020603050405020304" pitchFamily="18" charset="0"/>
+                      </a:endParaRPr>
+                    </a:p>
+                  </a:txBody>
+                  <a:tcPr marL="51435" marR="51435" marT="0" marB="0">
+                    <a:lnL w="12700" cap="flat" cmpd="sng" algn="ctr">
+                      <a:solidFill>
+                        <a:srgbClr val="000000"/>
+                      </a:solidFill>
+                      <a:prstDash val="solid"/>
+                      <a:round/>
+                      <a:headEnd type="none" w="med" len="med"/>
+                      <a:tailEnd type="none" w="med" len="med"/>
+                    </a:lnL>
+                    <a:lnR w="12700" cap="flat" cmpd="sng" algn="ctr">
+                      <a:solidFill>
+                        <a:srgbClr val="000000"/>
+                      </a:solidFill>
+                      <a:prstDash val="solid"/>
+                      <a:round/>
+                      <a:headEnd type="none" w="med" len="med"/>
+                      <a:tailEnd type="none" w="med" len="med"/>
+                    </a:lnR>
+                    <a:lnT w="12700" cap="flat" cmpd="sng" algn="ctr">
+                      <a:solidFill>
+                        <a:srgbClr val="000000"/>
+                      </a:solidFill>
+                      <a:prstDash val="solid"/>
+                      <a:round/>
+                      <a:headEnd type="none" w="med" len="med"/>
+                      <a:tailEnd type="none" w="med" len="med"/>
+                    </a:lnT>
+                    <a:lnB w="12700" cap="flat" cmpd="sng" algn="ctr">
+                      <a:solidFill>
+                        <a:srgbClr val="000000"/>
+                      </a:solidFill>
+                      <a:prstDash val="solid"/>
+                      <a:round/>
+                      <a:headEnd type="none" w="med" len="med"/>
+                      <a:tailEnd type="none" w="med" len="med"/>
+                    </a:lnB>
+                  </a:tcPr>
+                </a:tc>
+                <a:tc>
+                  <a:txBody>
+                    <a:bodyPr/>
+                    <a:lstStyle/>
+                    <a:p>
+                      <a:pPr algn="just">
+                        <a:spcAft>
+                          <a:spcPts val="0"/>
+                        </a:spcAft>
+                      </a:pPr>
+                      <a:r>
+                        <a:rPr lang="en-US" sz="1400" i="1">
+                          <a:solidFill>
+                            <a:srgbClr val="0000FF"/>
+                          </a:solidFill>
+                          <a:effectLst/>
+                          <a:latin typeface="+mn-lt"/>
+                          <a:ea typeface="Times New Roman" panose="02020603050405020304" pitchFamily="18" charset="0"/>
+                        </a:rPr>
+                        <a:t>Sqr(x)</a:t>
+                      </a:r>
+                      <a:endParaRPr lang="ru-RU" sz="1400">
+                        <a:effectLst/>
+                        <a:latin typeface="+mn-lt"/>
+                        <a:ea typeface="Times New Roman" panose="02020603050405020304" pitchFamily="18" charset="0"/>
+                      </a:endParaRPr>
+                    </a:p>
+                  </a:txBody>
+                  <a:tcPr marL="51435" marR="51435" marT="0" marB="0">
+                    <a:lnL w="12700" cap="flat" cmpd="sng" algn="ctr">
+                      <a:solidFill>
+                        <a:srgbClr val="000000"/>
+                      </a:solidFill>
+                      <a:prstDash val="solid"/>
+                      <a:round/>
+                      <a:headEnd type="none" w="med" len="med"/>
+                      <a:tailEnd type="none" w="med" len="med"/>
+                    </a:lnL>
+                    <a:lnR w="12700" cap="flat" cmpd="sng" algn="ctr">
+                      <a:solidFill>
+                        <a:srgbClr val="000000"/>
+                      </a:solidFill>
+                      <a:prstDash val="solid"/>
+                      <a:round/>
+                      <a:headEnd type="none" w="med" len="med"/>
+                      <a:tailEnd type="none" w="med" len="med"/>
+                    </a:lnR>
+                    <a:lnT w="12700" cap="flat" cmpd="sng" algn="ctr">
+                      <a:solidFill>
+                        <a:srgbClr val="000000"/>
+                      </a:solidFill>
+                      <a:prstDash val="solid"/>
+                      <a:round/>
+                      <a:headEnd type="none" w="med" len="med"/>
+                      <a:tailEnd type="none" w="med" len="med"/>
+                    </a:lnT>
+                    <a:lnB w="12700" cap="flat" cmpd="sng" algn="ctr">
+                      <a:solidFill>
+                        <a:srgbClr val="000000"/>
+                      </a:solidFill>
+                      <a:prstDash val="solid"/>
+                      <a:round/>
+                      <a:headEnd type="none" w="med" len="med"/>
+                      <a:tailEnd type="none" w="med" len="med"/>
+                    </a:lnB>
+                  </a:tcPr>
+                </a:tc>
+                <a:extLst>
+                  <a:ext uri="{0D108BD9-81ED-4DB2-BD59-A6C34878D82A}">
+                    <a16:rowId xmlns:a16="http://schemas.microsoft.com/office/drawing/2014/main" val="10006"/>
+                  </a:ext>
+                </a:extLst>
+              </a:tr>
+              <a:tr h="244607">
+                <a:tc>
+                  <a:txBody>
+                    <a:bodyPr/>
+                    <a:lstStyle/>
+                    <a:p>
+                      <a:pPr algn="just">
+                        <a:spcAft>
+                          <a:spcPts val="0"/>
+                        </a:spcAft>
+                      </a:pPr>
+                      <a:r>
+                        <a:rPr lang="de-DE" sz="1400" dirty="0">
+                          <a:effectLst/>
+                          <a:latin typeface="+mn-lt"/>
+                          <a:ea typeface="Times New Roman" panose="02020603050405020304" pitchFamily="18" charset="0"/>
+                        </a:rPr>
+                        <a:t>√</a:t>
+                      </a:r>
+                      <a:r>
+                        <a:rPr lang="en-US" sz="1400" dirty="0">
+                          <a:effectLst/>
+                          <a:latin typeface="+mn-lt"/>
+                          <a:ea typeface="Times New Roman" panose="02020603050405020304" pitchFamily="18" charset="0"/>
+                        </a:rPr>
+                        <a:t>x</a:t>
+                      </a:r>
+                      <a:endParaRPr lang="ru-RU" sz="1400" dirty="0">
+                        <a:effectLst/>
+                        <a:latin typeface="+mn-lt"/>
+                        <a:ea typeface="Times New Roman" panose="02020603050405020304" pitchFamily="18" charset="0"/>
+                      </a:endParaRPr>
+                    </a:p>
+                  </a:txBody>
+                  <a:tcPr marL="51435" marR="51435" marT="0" marB="0">
+                    <a:lnL w="12700" cap="flat" cmpd="sng" algn="ctr">
+                      <a:solidFill>
+                        <a:srgbClr val="000000"/>
+                      </a:solidFill>
+                      <a:prstDash val="solid"/>
+                      <a:round/>
+                      <a:headEnd type="none" w="med" len="med"/>
+                      <a:tailEnd type="none" w="med" len="med"/>
+                    </a:lnL>
+                    <a:lnR w="12700" cap="flat" cmpd="sng" algn="ctr">
+                      <a:solidFill>
+                        <a:srgbClr val="000000"/>
+                      </a:solidFill>
+                      <a:prstDash val="solid"/>
+                      <a:round/>
+                      <a:headEnd type="none" w="med" len="med"/>
+                      <a:tailEnd type="none" w="med" len="med"/>
+                    </a:lnR>
+                    <a:lnT w="12700" cap="flat" cmpd="sng" algn="ctr">
+                      <a:solidFill>
+                        <a:srgbClr val="000000"/>
+                      </a:solidFill>
+                      <a:prstDash val="solid"/>
+                      <a:round/>
+                      <a:headEnd type="none" w="med" len="med"/>
+                      <a:tailEnd type="none" w="med" len="med"/>
+                    </a:lnT>
+                    <a:lnB w="12700" cap="flat" cmpd="sng" algn="ctr">
+                      <a:solidFill>
+                        <a:srgbClr val="000000"/>
+                      </a:solidFill>
+                      <a:prstDash val="solid"/>
+                      <a:round/>
+                      <a:headEnd type="none" w="med" len="med"/>
+                      <a:tailEnd type="none" w="med" len="med"/>
+                    </a:lnB>
+                  </a:tcPr>
+                </a:tc>
+                <a:tc>
+                  <a:txBody>
+                    <a:bodyPr/>
+                    <a:lstStyle/>
+                    <a:p>
+                      <a:pPr algn="just">
+                        <a:spcAft>
+                          <a:spcPts val="0"/>
+                        </a:spcAft>
+                      </a:pPr>
+                      <a:r>
+                        <a:rPr lang="en-US" sz="1400" i="1">
+                          <a:solidFill>
+                            <a:srgbClr val="0000FF"/>
+                          </a:solidFill>
+                          <a:effectLst/>
+                          <a:latin typeface="+mn-lt"/>
+                          <a:ea typeface="Times New Roman" panose="02020603050405020304" pitchFamily="18" charset="0"/>
+                        </a:rPr>
+                        <a:t>Sqrt(x)</a:t>
+                      </a:r>
+                      <a:endParaRPr lang="ru-RU" sz="1400">
+                        <a:effectLst/>
+                        <a:latin typeface="+mn-lt"/>
+                        <a:ea typeface="Times New Roman" panose="02020603050405020304" pitchFamily="18" charset="0"/>
+                      </a:endParaRPr>
+                    </a:p>
+                  </a:txBody>
+                  <a:tcPr marL="51435" marR="51435" marT="0" marB="0">
+                    <a:lnL w="12700" cap="flat" cmpd="sng" algn="ctr">
+                      <a:solidFill>
+                        <a:srgbClr val="000000"/>
+                      </a:solidFill>
+                      <a:prstDash val="solid"/>
+                      <a:round/>
+                      <a:headEnd type="none" w="med" len="med"/>
+                      <a:tailEnd type="none" w="med" len="med"/>
+                    </a:lnL>
+                    <a:lnR w="12700" cap="flat" cmpd="sng" algn="ctr">
+                      <a:solidFill>
+                        <a:srgbClr val="000000"/>
+                      </a:solidFill>
+                      <a:prstDash val="solid"/>
+                      <a:round/>
+                      <a:headEnd type="none" w="med" len="med"/>
+                      <a:tailEnd type="none" w="med" len="med"/>
+                    </a:lnR>
+                    <a:lnT w="12700" cap="flat" cmpd="sng" algn="ctr">
+                      <a:solidFill>
+                        <a:srgbClr val="000000"/>
+                      </a:solidFill>
+                      <a:prstDash val="solid"/>
+                      <a:round/>
+                      <a:headEnd type="none" w="med" len="med"/>
+                      <a:tailEnd type="none" w="med" len="med"/>
+                    </a:lnT>
+                    <a:lnB w="12700" cap="flat" cmpd="sng" algn="ctr">
+                      <a:solidFill>
+                        <a:srgbClr val="000000"/>
+                      </a:solidFill>
+                      <a:prstDash val="solid"/>
+                      <a:round/>
+                      <a:headEnd type="none" w="med" len="med"/>
+                      <a:tailEnd type="none" w="med" len="med"/>
+                    </a:lnB>
+                  </a:tcPr>
+                </a:tc>
+                <a:extLst>
+                  <a:ext uri="{0D108BD9-81ED-4DB2-BD59-A6C34878D82A}">
+                    <a16:rowId xmlns:a16="http://schemas.microsoft.com/office/drawing/2014/main" val="10007"/>
+                  </a:ext>
+                </a:extLst>
+              </a:tr>
+              <a:tr h="244607">
+                <a:tc>
+                  <a:txBody>
+                    <a:bodyPr/>
+                    <a:lstStyle/>
+                    <a:p>
+                      <a:pPr algn="just">
+                        <a:spcAft>
+                          <a:spcPts val="0"/>
+                        </a:spcAft>
+                      </a:pPr>
+                      <a:r>
+                        <a:rPr lang="de-DE" sz="1400" dirty="0">
+                          <a:effectLst/>
+                          <a:latin typeface="+mn-lt"/>
+                          <a:ea typeface="Times New Roman" panose="02020603050405020304" pitchFamily="18" charset="0"/>
+                          <a:sym typeface="Symbol" panose="05050102010706020507" pitchFamily="18" charset="2"/>
+                        </a:rPr>
+                        <a:t></a:t>
+                      </a:r>
+                      <a:endParaRPr lang="ru-RU" sz="1400" dirty="0">
+                        <a:effectLst/>
+                        <a:latin typeface="+mn-lt"/>
+                        <a:ea typeface="Times New Roman" panose="02020603050405020304" pitchFamily="18" charset="0"/>
+                      </a:endParaRPr>
+                    </a:p>
+                  </a:txBody>
+                  <a:tcPr marL="51435" marR="51435" marT="0" marB="0">
+                    <a:lnL w="12700" cap="flat" cmpd="sng" algn="ctr">
+                      <a:solidFill>
+                        <a:srgbClr val="000000"/>
+                      </a:solidFill>
+                      <a:prstDash val="solid"/>
+                      <a:round/>
+                      <a:headEnd type="none" w="med" len="med"/>
+                      <a:tailEnd type="none" w="med" len="med"/>
+                    </a:lnL>
+                    <a:lnR w="12700" cap="flat" cmpd="sng" algn="ctr">
+                      <a:solidFill>
+                        <a:srgbClr val="000000"/>
+                      </a:solidFill>
+                      <a:prstDash val="solid"/>
+                      <a:round/>
+                      <a:headEnd type="none" w="med" len="med"/>
+                      <a:tailEnd type="none" w="med" len="med"/>
+                    </a:lnR>
+                    <a:lnT w="12700" cap="flat" cmpd="sng" algn="ctr">
+                      <a:solidFill>
+                        <a:srgbClr val="000000"/>
+                      </a:solidFill>
+                      <a:prstDash val="solid"/>
+                      <a:round/>
+                      <a:headEnd type="none" w="med" len="med"/>
+                      <a:tailEnd type="none" w="med" len="med"/>
+                    </a:lnT>
+                    <a:lnB w="12700" cap="flat" cmpd="sng" algn="ctr">
+                      <a:solidFill>
+                        <a:srgbClr val="000000"/>
+                      </a:solidFill>
+                      <a:prstDash val="solid"/>
+                      <a:round/>
+                      <a:headEnd type="none" w="med" len="med"/>
+                      <a:tailEnd type="none" w="med" len="med"/>
+                    </a:lnB>
+                  </a:tcPr>
+                </a:tc>
+                <a:tc>
+                  <a:txBody>
+                    <a:bodyPr/>
+                    <a:lstStyle/>
+                    <a:p>
+                      <a:pPr algn="just">
+                        <a:spcAft>
+                          <a:spcPts val="0"/>
+                        </a:spcAft>
+                      </a:pPr>
+                      <a:r>
+                        <a:rPr lang="en-US" sz="1400" i="1">
+                          <a:solidFill>
+                            <a:srgbClr val="0000FF"/>
+                          </a:solidFill>
+                          <a:effectLst/>
+                          <a:latin typeface="+mn-lt"/>
+                          <a:ea typeface="Times New Roman" panose="02020603050405020304" pitchFamily="18" charset="0"/>
+                        </a:rPr>
+                        <a:t>Pi</a:t>
+                      </a:r>
+                      <a:endParaRPr lang="ru-RU" sz="1400">
+                        <a:effectLst/>
+                        <a:latin typeface="+mn-lt"/>
+                        <a:ea typeface="Times New Roman" panose="02020603050405020304" pitchFamily="18" charset="0"/>
+                      </a:endParaRPr>
+                    </a:p>
+                  </a:txBody>
+                  <a:tcPr marL="51435" marR="51435" marT="0" marB="0">
+                    <a:lnL w="12700" cap="flat" cmpd="sng" algn="ctr">
+                      <a:solidFill>
+                        <a:srgbClr val="000000"/>
+                      </a:solidFill>
+                      <a:prstDash val="solid"/>
+                      <a:round/>
+                      <a:headEnd type="none" w="med" len="med"/>
+                      <a:tailEnd type="none" w="med" len="med"/>
+                    </a:lnL>
+                    <a:lnR w="12700" cap="flat" cmpd="sng" algn="ctr">
+                      <a:solidFill>
+                        <a:srgbClr val="000000"/>
+                      </a:solidFill>
+                      <a:prstDash val="solid"/>
+                      <a:round/>
+                      <a:headEnd type="none" w="med" len="med"/>
+                      <a:tailEnd type="none" w="med" len="med"/>
+                    </a:lnR>
+                    <a:lnT w="12700" cap="flat" cmpd="sng" algn="ctr">
+                      <a:solidFill>
+                        <a:srgbClr val="000000"/>
+                      </a:solidFill>
+                      <a:prstDash val="solid"/>
+                      <a:round/>
+                      <a:headEnd type="none" w="med" len="med"/>
+                      <a:tailEnd type="none" w="med" len="med"/>
+                    </a:lnT>
+                    <a:lnB w="12700" cap="flat" cmpd="sng" algn="ctr">
+                      <a:solidFill>
+                        <a:srgbClr val="000000"/>
+                      </a:solidFill>
+                      <a:prstDash val="solid"/>
+                      <a:round/>
+                      <a:headEnd type="none" w="med" len="med"/>
+                      <a:tailEnd type="none" w="med" len="med"/>
+                    </a:lnB>
+                  </a:tcPr>
+                </a:tc>
+                <a:extLst>
+                  <a:ext uri="{0D108BD9-81ED-4DB2-BD59-A6C34878D82A}">
+                    <a16:rowId xmlns:a16="http://schemas.microsoft.com/office/drawing/2014/main" val="10008"/>
+                  </a:ext>
+                </a:extLst>
+              </a:tr>
+              <a:tr h="489214">
+                <a:tc>
+                  <a:txBody>
+                    <a:bodyPr/>
+                    <a:lstStyle/>
+                    <a:p>
+                      <a:pPr algn="just">
+                        <a:spcAft>
+                          <a:spcPts val="0"/>
+                        </a:spcAft>
+                      </a:pPr>
+                      <a:r>
+                        <a:rPr lang="de-DE" sz="1400" dirty="0" err="1">
+                          <a:effectLst/>
+                          <a:latin typeface="+mn-lt"/>
+                          <a:ea typeface="Times New Roman" panose="02020603050405020304" pitchFamily="18" charset="0"/>
+                        </a:rPr>
+                        <a:t>Дробная</a:t>
+                      </a:r>
+                      <a:r>
+                        <a:rPr lang="de-DE" sz="1400" dirty="0">
+                          <a:effectLst/>
+                          <a:latin typeface="+mn-lt"/>
+                          <a:ea typeface="Times New Roman" panose="02020603050405020304" pitchFamily="18" charset="0"/>
+                        </a:rPr>
+                        <a:t> </a:t>
+                      </a:r>
+                      <a:r>
+                        <a:rPr lang="de-DE" sz="1400" dirty="0" err="1">
+                          <a:effectLst/>
+                          <a:latin typeface="+mn-lt"/>
+                          <a:ea typeface="Times New Roman" panose="02020603050405020304" pitchFamily="18" charset="0"/>
+                        </a:rPr>
+                        <a:t>часть</a:t>
+                      </a:r>
+                      <a:r>
+                        <a:rPr lang="de-DE" sz="1400" dirty="0">
+                          <a:effectLst/>
+                          <a:latin typeface="+mn-lt"/>
+                          <a:ea typeface="Times New Roman" panose="02020603050405020304" pitchFamily="18" charset="0"/>
+                        </a:rPr>
+                        <a:t> </a:t>
+                      </a:r>
+                      <a:r>
+                        <a:rPr lang="de-DE" sz="1400" dirty="0" err="1">
+                          <a:effectLst/>
+                          <a:latin typeface="+mn-lt"/>
+                          <a:ea typeface="Times New Roman" panose="02020603050405020304" pitchFamily="18" charset="0"/>
+                        </a:rPr>
+                        <a:t>числа</a:t>
+                      </a:r>
+                      <a:r>
+                        <a:rPr lang="de-DE" sz="1400" dirty="0">
+                          <a:effectLst/>
+                          <a:latin typeface="+mn-lt"/>
+                          <a:ea typeface="Times New Roman" panose="02020603050405020304" pitchFamily="18" charset="0"/>
+                        </a:rPr>
+                        <a:t> х</a:t>
+                      </a:r>
+                      <a:endParaRPr lang="ru-RU" sz="1400" dirty="0">
+                        <a:effectLst/>
+                        <a:latin typeface="+mn-lt"/>
+                        <a:ea typeface="Times New Roman" panose="02020603050405020304" pitchFamily="18" charset="0"/>
+                      </a:endParaRPr>
+                    </a:p>
+                  </a:txBody>
+                  <a:tcPr marL="51435" marR="51435" marT="0" marB="0">
+                    <a:lnL w="12700" cap="flat" cmpd="sng" algn="ctr">
+                      <a:solidFill>
+                        <a:srgbClr val="000000"/>
+                      </a:solidFill>
+                      <a:prstDash val="solid"/>
+                      <a:round/>
+                      <a:headEnd type="none" w="med" len="med"/>
+                      <a:tailEnd type="none" w="med" len="med"/>
+                    </a:lnL>
+                    <a:lnR w="12700" cap="flat" cmpd="sng" algn="ctr">
+                      <a:solidFill>
+                        <a:srgbClr val="000000"/>
+                      </a:solidFill>
+                      <a:prstDash val="solid"/>
+                      <a:round/>
+                      <a:headEnd type="none" w="med" len="med"/>
+                      <a:tailEnd type="none" w="med" len="med"/>
+                    </a:lnR>
+                    <a:lnT w="12700" cap="flat" cmpd="sng" algn="ctr">
+                      <a:solidFill>
+                        <a:srgbClr val="000000"/>
+                      </a:solidFill>
+                      <a:prstDash val="solid"/>
+                      <a:round/>
+                      <a:headEnd type="none" w="med" len="med"/>
+                      <a:tailEnd type="none" w="med" len="med"/>
+                    </a:lnT>
+                    <a:lnB w="12700" cap="flat" cmpd="sng" algn="ctr">
+                      <a:solidFill>
+                        <a:srgbClr val="000000"/>
+                      </a:solidFill>
+                      <a:prstDash val="solid"/>
+                      <a:round/>
+                      <a:headEnd type="none" w="med" len="med"/>
+                      <a:tailEnd type="none" w="med" len="med"/>
+                    </a:lnB>
+                  </a:tcPr>
+                </a:tc>
+                <a:tc>
+                  <a:txBody>
+                    <a:bodyPr/>
+                    <a:lstStyle/>
+                    <a:p>
+                      <a:pPr algn="just">
+                        <a:spcAft>
+                          <a:spcPts val="0"/>
+                        </a:spcAft>
+                      </a:pPr>
+                      <a:r>
+                        <a:rPr lang="en-US" sz="1400" i="1" dirty="0" err="1">
+                          <a:solidFill>
+                            <a:srgbClr val="0000FF"/>
+                          </a:solidFill>
+                          <a:effectLst/>
+                          <a:latin typeface="+mn-lt"/>
+                          <a:ea typeface="Times New Roman" panose="02020603050405020304" pitchFamily="18" charset="0"/>
+                        </a:rPr>
+                        <a:t>Frac</a:t>
+                      </a:r>
+                      <a:r>
+                        <a:rPr lang="en-US" sz="1400" i="1" dirty="0">
+                          <a:solidFill>
+                            <a:srgbClr val="0000FF"/>
+                          </a:solidFill>
+                          <a:effectLst/>
+                          <a:latin typeface="+mn-lt"/>
+                          <a:ea typeface="Times New Roman" panose="02020603050405020304" pitchFamily="18" charset="0"/>
+                        </a:rPr>
+                        <a:t>(x)</a:t>
+                      </a:r>
+                      <a:endParaRPr lang="ru-RU" sz="1400" dirty="0">
+                        <a:effectLst/>
+                        <a:latin typeface="+mn-lt"/>
+                        <a:ea typeface="Times New Roman" panose="02020603050405020304" pitchFamily="18" charset="0"/>
+                      </a:endParaRPr>
+                    </a:p>
+                  </a:txBody>
+                  <a:tcPr marL="51435" marR="51435" marT="0" marB="0">
+                    <a:lnL w="12700" cap="flat" cmpd="sng" algn="ctr">
+                      <a:solidFill>
+                        <a:srgbClr val="000000"/>
+                      </a:solidFill>
+                      <a:prstDash val="solid"/>
+                      <a:round/>
+                      <a:headEnd type="none" w="med" len="med"/>
+                      <a:tailEnd type="none" w="med" len="med"/>
+                    </a:lnL>
+                    <a:lnR w="12700" cap="flat" cmpd="sng" algn="ctr">
+                      <a:solidFill>
+                        <a:srgbClr val="000000"/>
+                      </a:solidFill>
+                      <a:prstDash val="solid"/>
+                      <a:round/>
+                      <a:headEnd type="none" w="med" len="med"/>
+                      <a:tailEnd type="none" w="med" len="med"/>
+                    </a:lnR>
+                    <a:lnT w="12700" cap="flat" cmpd="sng" algn="ctr">
+                      <a:solidFill>
+                        <a:srgbClr val="000000"/>
+                      </a:solidFill>
+                      <a:prstDash val="solid"/>
+                      <a:round/>
+                      <a:headEnd type="none" w="med" len="med"/>
+                      <a:tailEnd type="none" w="med" len="med"/>
+                    </a:lnT>
+                    <a:lnB w="12700" cap="flat" cmpd="sng" algn="ctr">
+                      <a:solidFill>
+                        <a:srgbClr val="000000"/>
+                      </a:solidFill>
+                      <a:prstDash val="solid"/>
+                      <a:round/>
+                      <a:headEnd type="none" w="med" len="med"/>
+                      <a:tailEnd type="none" w="med" len="med"/>
+                    </a:lnB>
+                  </a:tcPr>
+                </a:tc>
+                <a:extLst>
+                  <a:ext uri="{0D108BD9-81ED-4DB2-BD59-A6C34878D82A}">
+                    <a16:rowId xmlns:a16="http://schemas.microsoft.com/office/drawing/2014/main" val="10009"/>
+                  </a:ext>
+                </a:extLst>
+              </a:tr>
+              <a:tr h="489214">
+                <a:tc>
+                  <a:txBody>
+                    <a:bodyPr/>
+                    <a:lstStyle/>
+                    <a:p>
+                      <a:pPr algn="just">
+                        <a:spcAft>
+                          <a:spcPts val="0"/>
+                        </a:spcAft>
+                      </a:pPr>
+                      <a:r>
+                        <a:rPr lang="de-DE" sz="1400">
+                          <a:effectLst/>
+                          <a:latin typeface="+mn-lt"/>
+                          <a:ea typeface="Times New Roman" panose="02020603050405020304" pitchFamily="18" charset="0"/>
+                        </a:rPr>
+                        <a:t>Целая часть числа х</a:t>
+                      </a:r>
+                      <a:endParaRPr lang="ru-RU" sz="1400">
+                        <a:effectLst/>
+                        <a:latin typeface="+mn-lt"/>
+                        <a:ea typeface="Times New Roman" panose="02020603050405020304" pitchFamily="18" charset="0"/>
+                      </a:endParaRPr>
+                    </a:p>
+                  </a:txBody>
+                  <a:tcPr marL="51435" marR="51435" marT="0" marB="0">
+                    <a:lnL w="12700" cap="flat" cmpd="sng" algn="ctr">
+                      <a:solidFill>
+                        <a:srgbClr val="000000"/>
+                      </a:solidFill>
+                      <a:prstDash val="solid"/>
+                      <a:round/>
+                      <a:headEnd type="none" w="med" len="med"/>
+                      <a:tailEnd type="none" w="med" len="med"/>
+                    </a:lnL>
+                    <a:lnR w="12700" cap="flat" cmpd="sng" algn="ctr">
+                      <a:solidFill>
+                        <a:srgbClr val="000000"/>
+                      </a:solidFill>
+                      <a:prstDash val="solid"/>
+                      <a:round/>
+                      <a:headEnd type="none" w="med" len="med"/>
+                      <a:tailEnd type="none" w="med" len="med"/>
+                    </a:lnR>
+                    <a:lnT w="12700" cap="flat" cmpd="sng" algn="ctr">
+                      <a:solidFill>
+                        <a:srgbClr val="000000"/>
+                      </a:solidFill>
+                      <a:prstDash val="solid"/>
+                      <a:round/>
+                      <a:headEnd type="none" w="med" len="med"/>
+                      <a:tailEnd type="none" w="med" len="med"/>
+                    </a:lnT>
+                    <a:lnB w="12700" cap="flat" cmpd="sng" algn="ctr">
+                      <a:solidFill>
+                        <a:srgbClr val="000000"/>
+                      </a:solidFill>
+                      <a:prstDash val="solid"/>
+                      <a:round/>
+                      <a:headEnd type="none" w="med" len="med"/>
+                      <a:tailEnd type="none" w="med" len="med"/>
+                    </a:lnB>
+                  </a:tcPr>
+                </a:tc>
+                <a:tc>
+                  <a:txBody>
+                    <a:bodyPr/>
+                    <a:lstStyle/>
+                    <a:p>
+                      <a:pPr algn="just">
+                        <a:spcAft>
+                          <a:spcPts val="0"/>
+                        </a:spcAft>
+                      </a:pPr>
+                      <a:r>
+                        <a:rPr lang="en-US" sz="1400" i="1" dirty="0" err="1">
+                          <a:solidFill>
+                            <a:srgbClr val="0000FF"/>
+                          </a:solidFill>
+                          <a:effectLst/>
+                          <a:latin typeface="+mn-lt"/>
+                          <a:ea typeface="Times New Roman" panose="02020603050405020304" pitchFamily="18" charset="0"/>
+                        </a:rPr>
+                        <a:t>Int</a:t>
+                      </a:r>
+                      <a:r>
+                        <a:rPr lang="en-US" sz="1400" i="1" dirty="0">
+                          <a:solidFill>
+                            <a:srgbClr val="0000FF"/>
+                          </a:solidFill>
+                          <a:effectLst/>
+                          <a:latin typeface="+mn-lt"/>
+                          <a:ea typeface="Times New Roman" panose="02020603050405020304" pitchFamily="18" charset="0"/>
+                        </a:rPr>
+                        <a:t>(x)</a:t>
+                      </a:r>
+                      <a:endParaRPr lang="ru-RU" sz="1400" dirty="0">
+                        <a:effectLst/>
+                        <a:latin typeface="+mn-lt"/>
+                        <a:ea typeface="Times New Roman" panose="02020603050405020304" pitchFamily="18" charset="0"/>
+                      </a:endParaRPr>
+                    </a:p>
+                  </a:txBody>
+                  <a:tcPr marL="51435" marR="51435" marT="0" marB="0">
+                    <a:lnL w="12700" cap="flat" cmpd="sng" algn="ctr">
+                      <a:solidFill>
+                        <a:srgbClr val="000000"/>
+                      </a:solidFill>
+                      <a:prstDash val="solid"/>
+                      <a:round/>
+                      <a:headEnd type="none" w="med" len="med"/>
+                      <a:tailEnd type="none" w="med" len="med"/>
+                    </a:lnL>
+                    <a:lnR w="12700" cap="flat" cmpd="sng" algn="ctr">
+                      <a:solidFill>
+                        <a:srgbClr val="000000"/>
+                      </a:solidFill>
+                      <a:prstDash val="solid"/>
+                      <a:round/>
+                      <a:headEnd type="none" w="med" len="med"/>
+                      <a:tailEnd type="none" w="med" len="med"/>
+                    </a:lnR>
+                    <a:lnT w="12700" cap="flat" cmpd="sng" algn="ctr">
+                      <a:solidFill>
+                        <a:srgbClr val="000000"/>
+                      </a:solidFill>
+                      <a:prstDash val="solid"/>
+                      <a:round/>
+                      <a:headEnd type="none" w="med" len="med"/>
+                      <a:tailEnd type="none" w="med" len="med"/>
+                    </a:lnT>
+                    <a:lnB w="12700" cap="flat" cmpd="sng" algn="ctr">
+                      <a:solidFill>
+                        <a:srgbClr val="000000"/>
+                      </a:solidFill>
+                      <a:prstDash val="solid"/>
+                      <a:round/>
+                      <a:headEnd type="none" w="med" len="med"/>
+                      <a:tailEnd type="none" w="med" len="med"/>
+                    </a:lnB>
+                  </a:tcPr>
+                </a:tc>
+                <a:extLst>
+                  <a:ext uri="{0D108BD9-81ED-4DB2-BD59-A6C34878D82A}">
+                    <a16:rowId xmlns:a16="http://schemas.microsoft.com/office/drawing/2014/main" val="10010"/>
+                  </a:ext>
+                </a:extLst>
+              </a:tr>
+            </a:tbl>
+          </a:graphicData>
+        </a:graphic>
+      </p:graphicFrame>
+      <p:sp>
+        <p:nvSpPr>
+          <p:cNvPr id="4" name="TextBox 3">
+            <a:extLst>
+              <a:ext uri="{FF2B5EF4-FFF2-40B4-BE49-F238E27FC236}">
+                <a16:creationId xmlns:a16="http://schemas.microsoft.com/office/drawing/2014/main" id="{3E507AF9-9EFE-D521-B667-5EB451296433}"/>
+              </a:ext>
+            </a:extLst>
+          </p:cNvPr>
+          <p:cNvSpPr txBox="1"/>
+          <p:nvPr/>
+        </p:nvSpPr>
+        <p:spPr>
+          <a:xfrm>
+            <a:off x="256674" y="160421"/>
+            <a:ext cx="3677545" cy="461665"/>
+          </a:xfrm>
+          <a:prstGeom prst="rect">
+            <a:avLst/>
+          </a:prstGeom>
+          <a:noFill/>
+        </p:spPr>
+        <p:txBody>
+          <a:bodyPr wrap="none" rtlCol="0">
+            <a:spAutoFit/>
+          </a:bodyPr>
+          <a:lstStyle/>
+          <a:p>
+            <a:r>
+              <a:rPr lang="ru-RU" sz="2400" dirty="0"/>
+              <a:t>Математические функции.</a:t>
+            </a:r>
+            <a:endParaRPr lang="ru-RU" sz="1200" dirty="0"/>
+          </a:p>
+        </p:txBody>
+      </p:sp>
+    </p:spTree>
+    <p:extLst>
+      <p:ext uri="{BB962C8B-B14F-4D97-AF65-F5344CB8AC3E}">
+        <p14:creationId xmlns:p14="http://schemas.microsoft.com/office/powerpoint/2010/main" val="2099820179"/>
+      </p:ext>
+    </p:extLst>
+  </p:cSld>
+  <p:clrMapOvr>
+    <a:masterClrMapping/>
+  </p:clrMapOvr>
+</p:sld>
+</file>
+
+<file path=ppt/slides/slide11.xml><?xml version="1.0" encoding="utf-8"?>
+<p:sld xmlns:a="http://schemas.openxmlformats.org/drawingml/2006/main" xmlns:r="http://schemas.openxmlformats.org/officeDocument/2006/relationships" xmlns:p="http://schemas.openxmlformats.org/presentationml/2006/main">
+  <p:cSld>
+    <p:spTree>
+      <p:nvGrpSpPr>
+        <p:cNvPr id="1" name=""/>
+        <p:cNvGrpSpPr/>
+        <p:nvPr/>
+      </p:nvGrpSpPr>
+      <p:grpSpPr>
+        <a:xfrm>
+          <a:off x="0" y="0"/>
+          <a:ext cx="0" cy="0"/>
+          <a:chOff x="0" y="0"/>
+          <a:chExt cx="0" cy="0"/>
+        </a:xfrm>
+      </p:grpSpPr>
+      <p:sp>
+        <p:nvSpPr>
+          <p:cNvPr id="3" name="Объект 2">
+            <a:extLst>
+              <a:ext uri="{FF2B5EF4-FFF2-40B4-BE49-F238E27FC236}">
+                <a16:creationId xmlns:a16="http://schemas.microsoft.com/office/drawing/2014/main" id="{C70784E7-DB38-3C3D-73E7-B8C9B595E517}"/>
+              </a:ext>
+            </a:extLst>
+          </p:cNvPr>
+          <p:cNvSpPr>
+            <a:spLocks noGrp="1"/>
+          </p:cNvSpPr>
+          <p:nvPr>
+            <p:ph idx="1"/>
+          </p:nvPr>
+        </p:nvSpPr>
+        <p:spPr>
+          <a:xfrm>
+            <a:off x="344905" y="1026695"/>
+            <a:ext cx="8170445" cy="5150268"/>
+          </a:xfrm>
+        </p:spPr>
+        <p:txBody>
+          <a:bodyPr>
+            <a:normAutofit/>
+          </a:bodyPr>
+          <a:lstStyle/>
+          <a:p>
+            <a:pPr marL="0" indent="0">
+              <a:spcBef>
+                <a:spcPts val="600"/>
+              </a:spcBef>
+              <a:spcAft>
+                <a:spcPts val="600"/>
+              </a:spcAft>
+              <a:buNone/>
+            </a:pPr>
+            <a:r>
+              <a:rPr lang="en-US" sz="1800" dirty="0"/>
+              <a:t>1) </a:t>
+            </a:r>
+            <a:r>
+              <a:rPr lang="ru-RU" sz="1800" dirty="0"/>
+              <a:t>Создать и настроить </a:t>
+            </a:r>
+            <a:r>
+              <a:rPr lang="en-US" sz="1800" dirty="0"/>
+              <a:t>Git.</a:t>
+            </a:r>
+            <a:endParaRPr lang="ru-RU" sz="1800" dirty="0"/>
+          </a:p>
+          <a:p>
+            <a:pPr marL="0" indent="0">
+              <a:spcBef>
+                <a:spcPts val="600"/>
+              </a:spcBef>
+              <a:spcAft>
+                <a:spcPts val="600"/>
+              </a:spcAft>
+              <a:buNone/>
+            </a:pPr>
+            <a:r>
+              <a:rPr lang="en-US" sz="1800" dirty="0"/>
+              <a:t>2)</a:t>
+            </a:r>
+            <a:r>
+              <a:rPr lang="ru-RU" sz="1800" dirty="0"/>
+              <a:t> Изучить основные типы данных.</a:t>
+            </a:r>
+          </a:p>
+          <a:p>
+            <a:pPr marL="0" indent="0">
+              <a:spcBef>
+                <a:spcPts val="600"/>
+              </a:spcBef>
+              <a:spcAft>
+                <a:spcPts val="600"/>
+              </a:spcAft>
+              <a:buNone/>
+            </a:pPr>
+            <a:r>
+              <a:rPr lang="ru-RU" sz="1800" dirty="0"/>
+              <a:t>3) В процессе изучения написать несколько программ</a:t>
+            </a:r>
+          </a:p>
+          <a:p>
+            <a:pPr marL="0" indent="0">
+              <a:spcBef>
+                <a:spcPts val="600"/>
+              </a:spcBef>
+              <a:spcAft>
+                <a:spcPts val="600"/>
+              </a:spcAft>
+              <a:buNone/>
+            </a:pPr>
+            <a:r>
+              <a:rPr lang="ru-RU" sz="1800" dirty="0"/>
+              <a:t>     использующих числовые типы данных.</a:t>
+            </a:r>
+          </a:p>
+          <a:p>
+            <a:pPr marL="0" indent="0">
+              <a:spcBef>
+                <a:spcPts val="600"/>
+              </a:spcBef>
+              <a:spcAft>
+                <a:spcPts val="600"/>
+              </a:spcAft>
+              <a:buNone/>
+            </a:pPr>
+            <a:r>
+              <a:rPr lang="ru-RU" sz="1800" dirty="0"/>
+              <a:t>4) Узнать сколько байт занимает тип данных, если допускаются варианты.</a:t>
+            </a:r>
+          </a:p>
+          <a:p>
+            <a:pPr marL="0" indent="0">
+              <a:spcBef>
+                <a:spcPts val="600"/>
+              </a:spcBef>
+              <a:spcAft>
+                <a:spcPts val="600"/>
+              </a:spcAft>
+              <a:buNone/>
+            </a:pPr>
+            <a:r>
+              <a:rPr lang="ru-RU" sz="1800" dirty="0"/>
+              <a:t>5) Результаты работы поместить в </a:t>
+            </a:r>
+            <a:r>
+              <a:rPr lang="en-US" sz="1800" dirty="0" err="1"/>
+              <a:t>github</a:t>
+            </a:r>
+            <a:r>
+              <a:rPr lang="ru-RU" sz="1800" dirty="0"/>
+              <a:t>.</a:t>
+            </a:r>
+          </a:p>
+          <a:p>
+            <a:pPr marL="0" indent="0">
+              <a:buNone/>
+            </a:pPr>
+            <a:endParaRPr lang="ru-RU" sz="1800" dirty="0"/>
+          </a:p>
+          <a:p>
+            <a:pPr marL="0" indent="0">
+              <a:buNone/>
+            </a:pPr>
+            <a:r>
+              <a:rPr lang="ru-RU" sz="1800" dirty="0"/>
+              <a:t>Задачи:</a:t>
+            </a:r>
+          </a:p>
+          <a:p>
+            <a:pPr marL="0" indent="0">
+              <a:buNone/>
+            </a:pPr>
+            <a:r>
+              <a:rPr lang="ru-RU" sz="1800" dirty="0"/>
+              <a:t>1) Вычислить точное значение факториала от </a:t>
+            </a:r>
+            <a:r>
+              <a:rPr lang="en-US" sz="1800" dirty="0"/>
+              <a:t>10, 15, 25.</a:t>
+            </a:r>
+            <a:endParaRPr lang="ru-RU" sz="1800" dirty="0"/>
+          </a:p>
+          <a:p>
+            <a:pPr marL="0" indent="0">
+              <a:buNone/>
+            </a:pPr>
+            <a:r>
+              <a:rPr lang="en-US" sz="1800" dirty="0"/>
+              <a:t>2)</a:t>
+            </a:r>
+            <a:r>
+              <a:rPr lang="ru-RU" sz="1800" dirty="0"/>
+              <a:t> Получить точное значение суммы чисел 0.60 и 0.03.</a:t>
+            </a:r>
+          </a:p>
+        </p:txBody>
+      </p:sp>
+      <p:sp>
+        <p:nvSpPr>
+          <p:cNvPr id="4" name="TextBox 3">
+            <a:extLst>
+              <a:ext uri="{FF2B5EF4-FFF2-40B4-BE49-F238E27FC236}">
+                <a16:creationId xmlns:a16="http://schemas.microsoft.com/office/drawing/2014/main" id="{67E8F81A-027E-20F6-AD41-2B4BE27FEA9E}"/>
+              </a:ext>
+            </a:extLst>
+          </p:cNvPr>
+          <p:cNvSpPr txBox="1"/>
+          <p:nvPr/>
+        </p:nvSpPr>
+        <p:spPr>
+          <a:xfrm>
+            <a:off x="256674" y="160421"/>
+            <a:ext cx="2747034" cy="461665"/>
+          </a:xfrm>
+          <a:prstGeom prst="rect">
+            <a:avLst/>
+          </a:prstGeom>
+          <a:noFill/>
+        </p:spPr>
+        <p:txBody>
+          <a:bodyPr wrap="none" rtlCol="0">
+            <a:spAutoFit/>
+          </a:bodyPr>
+          <a:lstStyle/>
+          <a:p>
+            <a:r>
+              <a:rPr lang="ru-RU" sz="2400" dirty="0"/>
+              <a:t>Домашнее задание</a:t>
+            </a:r>
+          </a:p>
+        </p:txBody>
+      </p:sp>
+      <p:sp>
+        <p:nvSpPr>
+          <p:cNvPr id="5" name="Номер слайда 1">
+            <a:extLst>
+              <a:ext uri="{FF2B5EF4-FFF2-40B4-BE49-F238E27FC236}">
+                <a16:creationId xmlns:a16="http://schemas.microsoft.com/office/drawing/2014/main" id="{A6E1E402-DE73-E82A-4F4F-9192900BA975}"/>
+              </a:ext>
+            </a:extLst>
+          </p:cNvPr>
+          <p:cNvSpPr>
+            <a:spLocks noGrp="1"/>
+          </p:cNvSpPr>
+          <p:nvPr>
+            <p:ph type="sldNum" sz="quarter" idx="12"/>
+          </p:nvPr>
+        </p:nvSpPr>
+        <p:spPr>
+          <a:xfrm>
+            <a:off x="6457950" y="6362616"/>
+            <a:ext cx="2057400" cy="365125"/>
+          </a:xfrm>
+        </p:spPr>
+        <p:txBody>
+          <a:bodyPr/>
+          <a:lstStyle/>
+          <a:p>
+            <a:fld id="{370A62FE-C268-428B-9FB6-A45FCBA79971}" type="slidenum">
+              <a:rPr lang="ru-RU" sz="1400" smtClean="0">
+                <a:solidFill>
+                  <a:schemeClr val="tx1"/>
+                </a:solidFill>
+              </a:rPr>
+              <a:t>11</a:t>
+            </a:fld>
+            <a:endParaRPr lang="ru-RU" dirty="0">
+              <a:solidFill>
+                <a:schemeClr val="tx1"/>
+              </a:solidFill>
+            </a:endParaRPr>
+          </a:p>
+        </p:txBody>
+      </p:sp>
+    </p:spTree>
+    <p:extLst>
+      <p:ext uri="{BB962C8B-B14F-4D97-AF65-F5344CB8AC3E}">
+        <p14:creationId xmlns:p14="http://schemas.microsoft.com/office/powerpoint/2010/main" val="1402550994"/>
+      </p:ext>
+    </p:extLst>
+  </p:cSld>
+  <p:clrMapOvr>
+    <a:masterClrMapping/>
+  </p:clrMapOvr>
+</p:sld>
+</file>
+
 <file path=ppt/slides/slide2.xml><?xml version="1.0" encoding="utf-8"?>
 <p:sld xmlns:a="http://schemas.openxmlformats.org/drawingml/2006/main" xmlns:r="http://schemas.openxmlformats.org/officeDocument/2006/relationships" xmlns:p="http://schemas.openxmlformats.org/presentationml/2006/main">
   <p:cSld>
@@ -4074,8 +7783,8 @@
           </a:prstGeom>
         </p:spPr>
       </p:pic>
-      <mc:AlternateContent xmlns:mc="http://schemas.openxmlformats.org/markup-compatibility/2006">
-        <mc:Choice xmlns:p14="http://schemas.microsoft.com/office/powerpoint/2010/main" Requires="p14">
+      <mc:AlternateContent xmlns:mc="http://schemas.openxmlformats.org/markup-compatibility/2006" xmlns:p14="http://schemas.microsoft.com/office/powerpoint/2010/main">
+        <mc:Choice Requires="p14">
           <p:contentPart p14:bwMode="auto" r:id="rId4">
             <p14:nvContentPartPr>
               <p14:cNvPr id="12" name="Рукописный ввод 11">
@@ -4094,7 +7803,7 @@
             </p14:xfrm>
           </p:contentPart>
         </mc:Choice>
-        <mc:Fallback>
+        <mc:Fallback xmlns="">
           <p:pic>
             <p:nvPicPr>
               <p:cNvPr id="12" name="Рукописный ввод 11">
@@ -4446,6 +8155,20 @@
               </a:rPr>
               <a:t>8. Строки</a:t>
             </a:r>
+            <a:r>
+              <a:rPr lang="en-US" sz="2000" dirty="0">
+                <a:latin typeface="Calibri" panose="020F0502020204030204" pitchFamily="34" charset="0"/>
+                <a:ea typeface="Calibri" panose="020F0502020204030204" pitchFamily="34" charset="0"/>
+                <a:cs typeface="Times New Roman" panose="02020603050405020304" pitchFamily="18" charset="0"/>
+              </a:rPr>
+              <a:t>.</a:t>
+            </a:r>
+            <a:endParaRPr lang="ru-RU" sz="2000" dirty="0">
+              <a:effectLst/>
+              <a:latin typeface="Calibri" panose="020F0502020204030204" pitchFamily="34" charset="0"/>
+              <a:ea typeface="Calibri" panose="020F0502020204030204" pitchFamily="34" charset="0"/>
+              <a:cs typeface="Times New Roman" panose="02020603050405020304" pitchFamily="18" charset="0"/>
+            </a:endParaRPr>
           </a:p>
           <a:p>
             <a:pPr>
@@ -4989,10 +8712,10 @@
       </p:grpSpPr>
       <p:sp>
         <p:nvSpPr>
-          <p:cNvPr id="3" name="Объект 2">
+          <p:cNvPr id="2" name="Заголовок 1">
             <a:extLst>
               <a:ext uri="{FF2B5EF4-FFF2-40B4-BE49-F238E27FC236}">
-                <a16:creationId xmlns:a16="http://schemas.microsoft.com/office/drawing/2014/main" id="{E9C4299B-64F1-CAB8-08A0-4F46371C2658}"/>
+                <a16:creationId xmlns:a16="http://schemas.microsoft.com/office/drawing/2014/main" id="{B615EEA8-4203-4926-87C8-1370BB0C4249}"/>
               </a:ext>
             </a:extLst>
           </p:cNvPr>
@@ -5000,88 +8723,41 @@
             <a:spLocks noGrp="1"/>
           </p:cNvSpPr>
           <p:nvPr>
-            <p:ph idx="1"/>
+            <p:ph type="title"/>
           </p:nvPr>
         </p:nvSpPr>
         <p:spPr>
           <a:xfrm>
-            <a:off x="256674" y="855077"/>
-            <a:ext cx="7886700" cy="461665"/>
+            <a:off x="628650" y="2255809"/>
+            <a:ext cx="7886700" cy="2346381"/>
           </a:xfrm>
         </p:spPr>
         <p:txBody>
           <a:bodyPr>
-            <a:normAutofit fontScale="55000" lnSpcReduction="20000"/>
+            <a:normAutofit fontScale="90000"/>
           </a:bodyPr>
           <a:lstStyle/>
           <a:p>
-            <a:pPr marL="0" indent="0">
-              <a:buNone/>
-            </a:pPr>
-            <a:r>
-              <a:rPr lang="en-US" dirty="0">
-                <a:hlinkClick r:id="rId2"/>
+            <a:pPr algn="ctr"/>
+            <a:r>
+              <a:rPr lang="en-US" sz="3600" dirty="0">
+                <a:effectLst/>
+                <a:latin typeface="Calibri" panose="020F0502020204030204" pitchFamily="34" charset="0"/>
+                <a:ea typeface="Calibri" panose="020F0502020204030204" pitchFamily="34" charset="0"/>
+                <a:cs typeface="Times New Roman" panose="02020603050405020304" pitchFamily="18" charset="0"/>
               </a:rPr>
-              <a:t>https://wiki.freepascal.org/Basic_Pascal_Tutorial/Chapter_1/Variables_and_Data_Types</a:t>
-            </a:r>
-            <a:endParaRPr lang="ru-RU" dirty="0">
-              <a:hlinkClick r:id="rId2"/>
-            </a:endParaRPr>
-          </a:p>
-          <a:p>
-            <a:pPr marL="0" indent="0">
-              <a:buNone/>
-            </a:pPr>
-            <a:r>
-              <a:rPr lang="en-US" dirty="0">
-                <a:hlinkClick r:id="rId2"/>
+              <a:t>1.</a:t>
+            </a:r>
+            <a:br>
+              <a:rPr lang="en-US" sz="3600" dirty="0">
+                <a:effectLst/>
+                <a:latin typeface="Calibri" panose="020F0502020204030204" pitchFamily="34" charset="0"/>
+                <a:ea typeface="Calibri" panose="020F0502020204030204" pitchFamily="34" charset="0"/>
+                <a:cs typeface="Times New Roman" panose="02020603050405020304" pitchFamily="18" charset="0"/>
               </a:rPr>
-              <a:t>https://www.tutorialspoint.com/pascal/pascal_variable_types.htm</a:t>
-            </a:r>
-            <a:endParaRPr lang="en-US" dirty="0"/>
-          </a:p>
-          <a:p>
-            <a:pPr marL="0" indent="0">
-              <a:buNone/>
-            </a:pPr>
-            <a:endParaRPr lang="ru-RU" dirty="0"/>
-          </a:p>
-        </p:txBody>
-      </p:sp>
-      <p:sp>
-        <p:nvSpPr>
-          <p:cNvPr id="4" name="TextBox 3">
-            <a:extLst>
-              <a:ext uri="{FF2B5EF4-FFF2-40B4-BE49-F238E27FC236}">
-                <a16:creationId xmlns:a16="http://schemas.microsoft.com/office/drawing/2014/main" id="{701CF149-D8F4-A759-2FF1-482A3E3B75A7}"/>
-              </a:ext>
-            </a:extLst>
-          </p:cNvPr>
-          <p:cNvSpPr txBox="1"/>
-          <p:nvPr/>
-        </p:nvSpPr>
-        <p:spPr>
-          <a:xfrm>
-            <a:off x="256674" y="160421"/>
-            <a:ext cx="8198655" cy="461665"/>
-          </a:xfrm>
-          <a:prstGeom prst="rect">
-            <a:avLst/>
-          </a:prstGeom>
-          <a:noFill/>
-        </p:spPr>
-        <p:txBody>
-          <a:bodyPr wrap="none" rtlCol="0">
-            <a:spAutoFit/>
-          </a:bodyPr>
-          <a:lstStyle/>
-          <a:p>
-            <a:pPr marL="342900" indent="-342900">
-              <a:buFont typeface="Arial" panose="020B0604020202020204" pitchFamily="34" charset="0"/>
-              <a:buChar char="•"/>
-            </a:pPr>
-            <a:r>
-              <a:rPr lang="en-US" sz="2400" dirty="0">
+            </a:br>
+            <a:r>
+              <a:rPr lang="en-US" sz="3600" dirty="0">
                 <a:effectLst/>
                 <a:latin typeface="Calibri" panose="020F0502020204030204" pitchFamily="34" charset="0"/>
                 <a:ea typeface="Calibri" panose="020F0502020204030204" pitchFamily="34" charset="0"/>
@@ -5090,162 +8766,67 @@
               <a:t>Hello world</a:t>
             </a:r>
             <a:r>
-              <a:rPr lang="ru-RU" sz="2400" dirty="0">
+              <a:rPr lang="ru-RU" sz="3600" dirty="0">
                 <a:effectLst/>
                 <a:latin typeface="Calibri" panose="020F0502020204030204" pitchFamily="34" charset="0"/>
                 <a:ea typeface="Calibri" panose="020F0502020204030204" pitchFamily="34" charset="0"/>
                 <a:cs typeface="Times New Roman" panose="02020603050405020304" pitchFamily="18" charset="0"/>
               </a:rPr>
-              <a:t>. Типы данных, массивы. Ввод/вывод в консол</a:t>
-            </a:r>
-            <a:r>
-              <a:rPr lang="ru-RU" sz="2400" dirty="0">
+              <a:t>.</a:t>
+            </a:r>
+            <a:br>
+              <a:rPr lang="en-US" sz="3600" dirty="0">
+                <a:effectLst/>
+                <a:latin typeface="Calibri" panose="020F0502020204030204" pitchFamily="34" charset="0"/>
+                <a:ea typeface="Calibri" panose="020F0502020204030204" pitchFamily="34" charset="0"/>
+                <a:cs typeface="Times New Roman" panose="02020603050405020304" pitchFamily="18" charset="0"/>
+              </a:rPr>
+            </a:br>
+            <a:r>
+              <a:rPr lang="ru-RU" sz="3600" dirty="0">
+                <a:effectLst/>
+                <a:latin typeface="Calibri" panose="020F0502020204030204" pitchFamily="34" charset="0"/>
+                <a:ea typeface="Calibri" panose="020F0502020204030204" pitchFamily="34" charset="0"/>
+                <a:cs typeface="Times New Roman" panose="02020603050405020304" pitchFamily="18" charset="0"/>
+              </a:rPr>
+              <a:t>Типы данных, массивы.</a:t>
+            </a:r>
+            <a:br>
+              <a:rPr lang="en-US" sz="3600" dirty="0">
+                <a:effectLst/>
+                <a:latin typeface="Calibri" panose="020F0502020204030204" pitchFamily="34" charset="0"/>
+                <a:ea typeface="Calibri" panose="020F0502020204030204" pitchFamily="34" charset="0"/>
+                <a:cs typeface="Times New Roman" panose="02020603050405020304" pitchFamily="18" charset="0"/>
+              </a:rPr>
+            </a:br>
+            <a:r>
+              <a:rPr lang="ru-RU" sz="3600" dirty="0">
+                <a:effectLst/>
+                <a:latin typeface="Calibri" panose="020F0502020204030204" pitchFamily="34" charset="0"/>
+                <a:ea typeface="Calibri" panose="020F0502020204030204" pitchFamily="34" charset="0"/>
+                <a:cs typeface="Times New Roman" panose="02020603050405020304" pitchFamily="18" charset="0"/>
+              </a:rPr>
+              <a:t>Ввод/вывод в консол</a:t>
+            </a:r>
+            <a:r>
+              <a:rPr lang="ru-RU" sz="3600" dirty="0">
                 <a:latin typeface="Calibri" panose="020F0502020204030204" pitchFamily="34" charset="0"/>
                 <a:ea typeface="Calibri" panose="020F0502020204030204" pitchFamily="34" charset="0"/>
                 <a:cs typeface="Times New Roman" panose="02020603050405020304" pitchFamily="18" charset="0"/>
               </a:rPr>
               <a:t>ь.</a:t>
             </a:r>
-            <a:endParaRPr lang="ru-RU" sz="2400" dirty="0"/>
-          </a:p>
-        </p:txBody>
-      </p:sp>
-      <p:pic>
-        <p:nvPicPr>
-          <p:cNvPr id="8" name="Рисунок 7">
-            <a:extLst>
-              <a:ext uri="{FF2B5EF4-FFF2-40B4-BE49-F238E27FC236}">
-                <a16:creationId xmlns:a16="http://schemas.microsoft.com/office/drawing/2014/main" id="{F49BBE62-C005-7792-83F2-621D84F04EA6}"/>
-              </a:ext>
-            </a:extLst>
-          </p:cNvPr>
-          <p:cNvPicPr>
-            <a:picLocks noChangeAspect="1"/>
-          </p:cNvPicPr>
-          <p:nvPr/>
-        </p:nvPicPr>
-        <p:blipFill>
-          <a:blip r:embed="rId3"/>
-          <a:stretch>
-            <a:fillRect/>
-          </a:stretch>
-        </p:blipFill>
-        <p:spPr>
-          <a:xfrm>
-            <a:off x="327109" y="1471863"/>
-            <a:ext cx="3933825" cy="3048000"/>
-          </a:xfrm>
-          <a:prstGeom prst="rect">
-            <a:avLst/>
-          </a:prstGeom>
-        </p:spPr>
-      </p:pic>
-      <p:pic>
-        <p:nvPicPr>
-          <p:cNvPr id="12" name="Рисунок 11">
-            <a:extLst>
-              <a:ext uri="{FF2B5EF4-FFF2-40B4-BE49-F238E27FC236}">
-                <a16:creationId xmlns:a16="http://schemas.microsoft.com/office/drawing/2014/main" id="{120DCBDA-B439-D9A7-DD35-AFE8B7A4B013}"/>
-              </a:ext>
-            </a:extLst>
-          </p:cNvPr>
-          <p:cNvPicPr>
-            <a:picLocks noChangeAspect="1"/>
-          </p:cNvPicPr>
-          <p:nvPr/>
-        </p:nvPicPr>
-        <p:blipFill>
-          <a:blip r:embed="rId4"/>
-          <a:stretch>
-            <a:fillRect/>
-          </a:stretch>
-        </p:blipFill>
-        <p:spPr>
-          <a:xfrm>
-            <a:off x="327109" y="4674984"/>
-            <a:ext cx="2200275" cy="1647825"/>
-          </a:xfrm>
-          <a:prstGeom prst="rect">
-            <a:avLst/>
-          </a:prstGeom>
-        </p:spPr>
-      </p:pic>
-      <p:pic>
-        <p:nvPicPr>
-          <p:cNvPr id="14" name="Рисунок 13">
-            <a:extLst>
-              <a:ext uri="{FF2B5EF4-FFF2-40B4-BE49-F238E27FC236}">
-                <a16:creationId xmlns:a16="http://schemas.microsoft.com/office/drawing/2014/main" id="{C85E162D-A508-FE81-F6AE-38B61DF3F0D5}"/>
-              </a:ext>
-            </a:extLst>
-          </p:cNvPr>
-          <p:cNvPicPr>
-            <a:picLocks noChangeAspect="1"/>
-          </p:cNvPicPr>
-          <p:nvPr/>
-        </p:nvPicPr>
-        <p:blipFill>
-          <a:blip r:embed="rId5"/>
-          <a:stretch>
-            <a:fillRect/>
-          </a:stretch>
-        </p:blipFill>
-        <p:spPr>
-          <a:xfrm>
-            <a:off x="4338637" y="1471863"/>
-            <a:ext cx="4733925" cy="2266950"/>
-          </a:xfrm>
-          <a:prstGeom prst="rect">
-            <a:avLst/>
-          </a:prstGeom>
-        </p:spPr>
-      </p:pic>
-      <p:sp>
-        <p:nvSpPr>
-          <p:cNvPr id="15" name="Номер слайда 1">
-            <a:extLst>
-              <a:ext uri="{FF2B5EF4-FFF2-40B4-BE49-F238E27FC236}">
-                <a16:creationId xmlns:a16="http://schemas.microsoft.com/office/drawing/2014/main" id="{A04C37F0-B3B5-3C98-F85A-7D61B64676FA}"/>
-              </a:ext>
-            </a:extLst>
-          </p:cNvPr>
-          <p:cNvSpPr>
-            <a:spLocks noGrp="1"/>
-          </p:cNvSpPr>
-          <p:nvPr>
-            <p:ph type="sldNum" sz="quarter" idx="12"/>
-          </p:nvPr>
-        </p:nvSpPr>
-        <p:spPr>
-          <a:xfrm>
-            <a:off x="6457950" y="6362616"/>
-            <a:ext cx="2057400" cy="365125"/>
-          </a:xfrm>
-        </p:spPr>
-        <p:txBody>
-          <a:bodyPr/>
-          <a:lstStyle/>
-          <a:p>
-            <a:fld id="{370A62FE-C268-428B-9FB6-A45FCBA79971}" type="slidenum">
-              <a:rPr lang="ru-RU" sz="1400" smtClean="0">
-                <a:solidFill>
-                  <a:schemeClr val="tx1"/>
-                </a:solidFill>
-              </a:rPr>
-              <a:t>6</a:t>
-            </a:fld>
-            <a:endParaRPr lang="ru-RU" dirty="0">
-              <a:solidFill>
-                <a:schemeClr val="tx1"/>
-              </a:solidFill>
-            </a:endParaRPr>
+            <a:br>
+              <a:rPr lang="ru-RU" sz="3600" dirty="0"/>
+            </a:br>
+            <a:endParaRPr lang="ru-RU" dirty="0"/>
           </a:p>
         </p:txBody>
       </p:sp>
     </p:spTree>
     <p:extLst>
       <p:ext uri="{BB962C8B-B14F-4D97-AF65-F5344CB8AC3E}">
-        <p14:creationId xmlns:p14="http://schemas.microsoft.com/office/powerpoint/2010/main" val="3005760833"/>
+        <p14:creationId xmlns:p14="http://schemas.microsoft.com/office/powerpoint/2010/main" val="1588886866"/>
       </p:ext>
     </p:extLst>
   </p:cSld>
@@ -5272,194 +8853,59 @@
           <a:chExt cx="0" cy="0"/>
         </a:xfrm>
       </p:grpSpPr>
+      <p:pic>
+        <p:nvPicPr>
+          <p:cNvPr id="2054" name="Picture 6">
+            <a:extLst>
+              <a:ext uri="{FF2B5EF4-FFF2-40B4-BE49-F238E27FC236}">
+                <a16:creationId xmlns:a16="http://schemas.microsoft.com/office/drawing/2014/main" id="{5F0BD6EC-2873-26F7-CAD0-0A5850B1294C}"/>
+              </a:ext>
+            </a:extLst>
+          </p:cNvPr>
+          <p:cNvPicPr>
+            <a:picLocks noChangeAspect="1" noChangeArrowheads="1"/>
+          </p:cNvPicPr>
+          <p:nvPr/>
+        </p:nvPicPr>
+        <p:blipFill>
+          <a:blip r:embed="rId2">
+            <a:extLst>
+              <a:ext uri="{28A0092B-C50C-407E-A947-70E740481C1C}">
+                <a14:useLocalDpi xmlns:a14="http://schemas.microsoft.com/office/drawing/2010/main" val="0"/>
+              </a:ext>
+            </a:extLst>
+          </a:blip>
+          <a:srcRect/>
+          <a:stretch>
+            <a:fillRect/>
+          </a:stretch>
+        </p:blipFill>
+        <p:spPr bwMode="auto">
+          <a:xfrm>
+            <a:off x="1757431" y="337882"/>
+            <a:ext cx="5631997" cy="5747751"/>
+          </a:xfrm>
+          <a:prstGeom prst="rect">
+            <a:avLst/>
+          </a:prstGeom>
+          <a:noFill/>
+          <a:extLst>
+            <a:ext uri="{909E8E84-426E-40DD-AFC4-6F175D3DCCD1}">
+              <a14:hiddenFill xmlns:a14="http://schemas.microsoft.com/office/drawing/2010/main">
+                <a:solidFill>
+                  <a:srgbClr val="FFFFFF"/>
+                </a:solidFill>
+              </a14:hiddenFill>
+            </a:ext>
+          </a:extLst>
+        </p:spPr>
+      </p:pic>
       <p:sp>
         <p:nvSpPr>
-          <p:cNvPr id="3" name="Объект 2">
+          <p:cNvPr id="6" name="TextBox 5">
             <a:extLst>
               <a:ext uri="{FF2B5EF4-FFF2-40B4-BE49-F238E27FC236}">
-                <a16:creationId xmlns:a16="http://schemas.microsoft.com/office/drawing/2014/main" id="{C70784E7-DB38-3C3D-73E7-B8C9B595E517}"/>
-              </a:ext>
-            </a:extLst>
-          </p:cNvPr>
-          <p:cNvSpPr>
-            <a:spLocks noGrp="1"/>
-          </p:cNvSpPr>
-          <p:nvPr>
-            <p:ph idx="1"/>
-          </p:nvPr>
-        </p:nvSpPr>
-        <p:spPr>
-          <a:xfrm>
-            <a:off x="344905" y="1026695"/>
-            <a:ext cx="8170445" cy="5150268"/>
-          </a:xfrm>
-        </p:spPr>
-        <p:txBody>
-          <a:bodyPr>
-            <a:normAutofit/>
-          </a:bodyPr>
-          <a:lstStyle/>
-          <a:p>
-            <a:pPr marL="0" indent="0">
-              <a:spcBef>
-                <a:spcPts val="600"/>
-              </a:spcBef>
-              <a:spcAft>
-                <a:spcPts val="600"/>
-              </a:spcAft>
-              <a:buNone/>
-            </a:pPr>
-            <a:r>
-              <a:rPr lang="en-US" sz="1800" dirty="0"/>
-              <a:t>1) </a:t>
-            </a:r>
-            <a:r>
-              <a:rPr lang="ru-RU" sz="1800" dirty="0"/>
-              <a:t>Создать и настроить </a:t>
-            </a:r>
-            <a:r>
-              <a:rPr lang="en-US" sz="1800" dirty="0"/>
-              <a:t>Git.</a:t>
-            </a:r>
-            <a:endParaRPr lang="ru-RU" sz="1800" dirty="0"/>
-          </a:p>
-          <a:p>
-            <a:pPr marL="0" indent="0">
-              <a:spcBef>
-                <a:spcPts val="600"/>
-              </a:spcBef>
-              <a:spcAft>
-                <a:spcPts val="600"/>
-              </a:spcAft>
-              <a:buNone/>
-            </a:pPr>
-            <a:r>
-              <a:rPr lang="en-US" sz="1800" dirty="0"/>
-              <a:t>2)</a:t>
-            </a:r>
-            <a:r>
-              <a:rPr lang="ru-RU" sz="1800" dirty="0"/>
-              <a:t> Изучить основные типы данных.</a:t>
-            </a:r>
-          </a:p>
-          <a:p>
-            <a:pPr marL="0" indent="0">
-              <a:spcBef>
-                <a:spcPts val="600"/>
-              </a:spcBef>
-              <a:spcAft>
-                <a:spcPts val="600"/>
-              </a:spcAft>
-              <a:buNone/>
-            </a:pPr>
-            <a:r>
-              <a:rPr lang="ru-RU" sz="1800" dirty="0"/>
-              <a:t>3) В процессе изучения написать несколько программ</a:t>
-            </a:r>
-          </a:p>
-          <a:p>
-            <a:pPr marL="0" indent="0">
-              <a:spcBef>
-                <a:spcPts val="600"/>
-              </a:spcBef>
-              <a:spcAft>
-                <a:spcPts val="600"/>
-              </a:spcAft>
-              <a:buNone/>
-            </a:pPr>
-            <a:r>
-              <a:rPr lang="ru-RU" sz="1800" dirty="0"/>
-              <a:t>     использующих числовые типы данных.</a:t>
-            </a:r>
-          </a:p>
-          <a:p>
-            <a:pPr marL="0" indent="0">
-              <a:spcBef>
-                <a:spcPts val="600"/>
-              </a:spcBef>
-              <a:spcAft>
-                <a:spcPts val="600"/>
-              </a:spcAft>
-              <a:buNone/>
-            </a:pPr>
-            <a:r>
-              <a:rPr lang="ru-RU" sz="1800" dirty="0"/>
-              <a:t>4) Узнать сколько байт занимает тип данных, если допускаются варианты.</a:t>
-            </a:r>
-          </a:p>
-          <a:p>
-            <a:pPr marL="0" indent="0">
-              <a:spcBef>
-                <a:spcPts val="600"/>
-              </a:spcBef>
-              <a:spcAft>
-                <a:spcPts val="600"/>
-              </a:spcAft>
-              <a:buNone/>
-            </a:pPr>
-            <a:r>
-              <a:rPr lang="ru-RU" sz="1800" dirty="0"/>
-              <a:t>5) Результаты работы поместить в </a:t>
-            </a:r>
-            <a:r>
-              <a:rPr lang="en-US" sz="1800" dirty="0" err="1"/>
-              <a:t>github</a:t>
-            </a:r>
-            <a:r>
-              <a:rPr lang="ru-RU" sz="1800" dirty="0"/>
-              <a:t>.</a:t>
-            </a:r>
-          </a:p>
-          <a:p>
-            <a:pPr marL="0" indent="0">
-              <a:buNone/>
-            </a:pPr>
-            <a:endParaRPr lang="ru-RU" sz="1800" dirty="0"/>
-          </a:p>
-          <a:p>
-            <a:pPr marL="0" indent="0">
-              <a:buNone/>
-            </a:pPr>
-            <a:r>
-              <a:rPr lang="ru-RU" sz="1800" dirty="0"/>
-              <a:t>Задачи:</a:t>
-            </a:r>
-          </a:p>
-          <a:p>
-            <a:pPr marL="0" indent="0">
-              <a:buNone/>
-            </a:pPr>
-            <a:r>
-              <a:rPr lang="ru-RU" sz="1800" dirty="0"/>
-              <a:t>1) Вычислить точное значение факториала от </a:t>
-            </a:r>
-            <a:r>
-              <a:rPr lang="en-US" sz="1800" dirty="0"/>
-              <a:t>10, 15, 25.</a:t>
-            </a:r>
-            <a:endParaRPr lang="ru-RU" sz="1800" dirty="0"/>
-          </a:p>
-          <a:p>
-            <a:pPr marL="0" indent="0">
-              <a:buNone/>
-            </a:pPr>
-            <a:r>
-              <a:rPr lang="en-US" sz="1800" dirty="0"/>
-              <a:t>2)</a:t>
-            </a:r>
-            <a:r>
-              <a:rPr lang="ru-RU" sz="1800" dirty="0"/>
-              <a:t> Получить точное значение суммы чисел 0.60 и 0.03.</a:t>
-            </a:r>
-          </a:p>
-        </p:txBody>
-      </p:sp>
-      <p:sp>
-        <p:nvSpPr>
-          <p:cNvPr id="4" name="TextBox 3">
-            <a:extLst>
-              <a:ext uri="{FF2B5EF4-FFF2-40B4-BE49-F238E27FC236}">
-                <a16:creationId xmlns:a16="http://schemas.microsoft.com/office/drawing/2014/main" id="{67E8F81A-027E-20F6-AD41-2B4BE27FEA9E}"/>
+                <a16:creationId xmlns:a16="http://schemas.microsoft.com/office/drawing/2014/main" id="{51CA814A-C7EF-78A5-7F1D-F880D82AD5D0}"/>
               </a:ext>
             </a:extLst>
           </p:cNvPr>
@@ -5468,8 +8914,8 @@
         </p:nvSpPr>
         <p:spPr>
           <a:xfrm>
-            <a:off x="256674" y="160421"/>
-            <a:ext cx="2747034" cy="461665"/>
+            <a:off x="256674" y="6324972"/>
+            <a:ext cx="3124125" cy="276999"/>
           </a:xfrm>
           <a:prstGeom prst="rect">
             <a:avLst/>
@@ -5483,18 +8929,21 @@
           <a:lstStyle/>
           <a:p>
             <a:r>
-              <a:rPr lang="ru-RU" sz="2400" dirty="0"/>
-              <a:t>Домашнее задание</a:t>
-            </a:r>
+              <a:rPr lang="en-US" sz="1200" dirty="0">
+                <a:hlinkClick r:id="rId3"/>
+              </a:rPr>
+              <a:t>https://en.wikipedia.org/wiki/Physical_address</a:t>
+            </a:r>
+            <a:endParaRPr lang="en-US" sz="1200" dirty="0"/>
           </a:p>
         </p:txBody>
       </p:sp>
       <p:sp>
         <p:nvSpPr>
-          <p:cNvPr id="5" name="Номер слайда 1">
+          <p:cNvPr id="7" name="Номер слайда 1">
             <a:extLst>
               <a:ext uri="{FF2B5EF4-FFF2-40B4-BE49-F238E27FC236}">
-                <a16:creationId xmlns:a16="http://schemas.microsoft.com/office/drawing/2014/main" id="{A6E1E402-DE73-E82A-4F4F-9192900BA975}"/>
+                <a16:creationId xmlns:a16="http://schemas.microsoft.com/office/drawing/2014/main" id="{EF0C2A72-1445-E95B-F765-D352A04FF871}"/>
               </a:ext>
             </a:extLst>
           </p:cNvPr>
@@ -5531,10 +8980,694 @@
           </a:p>
         </p:txBody>
       </p:sp>
+      <p:sp>
+        <p:nvSpPr>
+          <p:cNvPr id="8" name="TextBox 7">
+            <a:extLst>
+              <a:ext uri="{FF2B5EF4-FFF2-40B4-BE49-F238E27FC236}">
+                <a16:creationId xmlns:a16="http://schemas.microsoft.com/office/drawing/2014/main" id="{2A07D986-2B15-ACDB-7B95-782D965A2C0D}"/>
+              </a:ext>
+            </a:extLst>
+          </p:cNvPr>
+          <p:cNvSpPr txBox="1"/>
+          <p:nvPr/>
+        </p:nvSpPr>
+        <p:spPr>
+          <a:xfrm>
+            <a:off x="256674" y="160421"/>
+            <a:ext cx="1217000" cy="461665"/>
+          </a:xfrm>
+          <a:prstGeom prst="rect">
+            <a:avLst/>
+          </a:prstGeom>
+          <a:noFill/>
+        </p:spPr>
+        <p:txBody>
+          <a:bodyPr wrap="none" rtlCol="0">
+            <a:spAutoFit/>
+          </a:bodyPr>
+          <a:lstStyle/>
+          <a:p>
+            <a:r>
+              <a:rPr lang="ru-RU" sz="2400" dirty="0"/>
+              <a:t>Память.</a:t>
+            </a:r>
+          </a:p>
+        </p:txBody>
+      </p:sp>
     </p:spTree>
     <p:extLst>
       <p:ext uri="{BB962C8B-B14F-4D97-AF65-F5344CB8AC3E}">
-        <p14:creationId xmlns:p14="http://schemas.microsoft.com/office/powerpoint/2010/main" val="1402550994"/>
+        <p14:creationId xmlns:p14="http://schemas.microsoft.com/office/powerpoint/2010/main" val="1253884746"/>
+      </p:ext>
+    </p:extLst>
+  </p:cSld>
+  <p:clrMapOvr>
+    <a:masterClrMapping/>
+  </p:clrMapOvr>
+</p:sld>
+</file>
+
+<file path=ppt/slides/slide8.xml><?xml version="1.0" encoding="utf-8"?>
+<p:sld xmlns:a="http://schemas.openxmlformats.org/drawingml/2006/main" xmlns:r="http://schemas.openxmlformats.org/officeDocument/2006/relationships" xmlns:p="http://schemas.openxmlformats.org/presentationml/2006/main">
+  <p:cSld>
+    <p:spTree>
+      <p:nvGrpSpPr>
+        <p:cNvPr id="1" name=""/>
+        <p:cNvGrpSpPr/>
+        <p:nvPr/>
+      </p:nvGrpSpPr>
+      <p:grpSpPr>
+        <a:xfrm>
+          <a:off x="0" y="0"/>
+          <a:ext cx="0" cy="0"/>
+          <a:chOff x="0" y="0"/>
+          <a:chExt cx="0" cy="0"/>
+        </a:xfrm>
+      </p:grpSpPr>
+      <p:pic>
+        <p:nvPicPr>
+          <p:cNvPr id="3074" name="Picture 2">
+            <a:extLst>
+              <a:ext uri="{FF2B5EF4-FFF2-40B4-BE49-F238E27FC236}">
+                <a16:creationId xmlns:a16="http://schemas.microsoft.com/office/drawing/2014/main" id="{86A41C3A-521A-DE18-CE7B-73AE8916A542}"/>
+              </a:ext>
+            </a:extLst>
+          </p:cNvPr>
+          <p:cNvPicPr>
+            <a:picLocks noChangeAspect="1" noChangeArrowheads="1"/>
+          </p:cNvPicPr>
+          <p:nvPr/>
+        </p:nvPicPr>
+        <p:blipFill>
+          <a:blip r:embed="rId3">
+            <a:extLst>
+              <a:ext uri="{28A0092B-C50C-407E-A947-70E740481C1C}">
+                <a14:useLocalDpi xmlns:a14="http://schemas.microsoft.com/office/drawing/2010/main" val="0"/>
+              </a:ext>
+            </a:extLst>
+          </a:blip>
+          <a:srcRect/>
+          <a:stretch>
+            <a:fillRect/>
+          </a:stretch>
+        </p:blipFill>
+        <p:spPr bwMode="auto">
+          <a:xfrm>
+            <a:off x="1030373" y="860875"/>
+            <a:ext cx="6850218" cy="5212798"/>
+          </a:xfrm>
+          <a:prstGeom prst="rect">
+            <a:avLst/>
+          </a:prstGeom>
+          <a:noFill/>
+          <a:extLst>
+            <a:ext uri="{909E8E84-426E-40DD-AFC4-6F175D3DCCD1}">
+              <a14:hiddenFill xmlns:a14="http://schemas.microsoft.com/office/drawing/2010/main">
+                <a:solidFill>
+                  <a:srgbClr val="FFFFFF"/>
+                </a:solidFill>
+              </a14:hiddenFill>
+            </a:ext>
+          </a:extLst>
+        </p:spPr>
+      </p:pic>
+      <p:sp>
+        <p:nvSpPr>
+          <p:cNvPr id="4" name="TextBox 3">
+            <a:extLst>
+              <a:ext uri="{FF2B5EF4-FFF2-40B4-BE49-F238E27FC236}">
+                <a16:creationId xmlns:a16="http://schemas.microsoft.com/office/drawing/2014/main" id="{CB7F9C6D-71FD-6210-FFF4-E463C84A3CD9}"/>
+              </a:ext>
+            </a:extLst>
+          </p:cNvPr>
+          <p:cNvSpPr txBox="1"/>
+          <p:nvPr/>
+        </p:nvSpPr>
+        <p:spPr>
+          <a:xfrm>
+            <a:off x="256674" y="160421"/>
+            <a:ext cx="2900346" cy="461665"/>
+          </a:xfrm>
+          <a:prstGeom prst="rect">
+            <a:avLst/>
+          </a:prstGeom>
+          <a:noFill/>
+        </p:spPr>
+        <p:txBody>
+          <a:bodyPr wrap="none" rtlCol="0">
+            <a:spAutoFit/>
+          </a:bodyPr>
+          <a:lstStyle/>
+          <a:p>
+            <a:r>
+              <a:rPr lang="ru-RU" sz="2400" dirty="0"/>
+              <a:t>Комбинации байтов</a:t>
+            </a:r>
+          </a:p>
+        </p:txBody>
+      </p:sp>
+      <p:sp>
+        <p:nvSpPr>
+          <p:cNvPr id="5" name="TextBox 4">
+            <a:extLst>
+              <a:ext uri="{FF2B5EF4-FFF2-40B4-BE49-F238E27FC236}">
+                <a16:creationId xmlns:a16="http://schemas.microsoft.com/office/drawing/2014/main" id="{ADA9E44C-2000-3EBD-3DB8-63BC99B7C8BF}"/>
+              </a:ext>
+            </a:extLst>
+          </p:cNvPr>
+          <p:cNvSpPr txBox="1"/>
+          <p:nvPr/>
+        </p:nvSpPr>
+        <p:spPr>
+          <a:xfrm>
+            <a:off x="58275" y="6309419"/>
+            <a:ext cx="5665975" cy="461665"/>
+          </a:xfrm>
+          <a:prstGeom prst="rect">
+            <a:avLst/>
+          </a:prstGeom>
+          <a:noFill/>
+        </p:spPr>
+        <p:txBody>
+          <a:bodyPr wrap="none" rtlCol="0">
+            <a:spAutoFit/>
+          </a:bodyPr>
+          <a:lstStyle/>
+          <a:p>
+            <a:r>
+              <a:rPr lang="en-US" sz="1200" dirty="0">
+                <a:hlinkClick r:id="rId4"/>
+              </a:rPr>
+              <a:t>https://www3.ntu.edu.sg/home/ehchua/programming/cpp/cp4_PointerReference.html</a:t>
+            </a:r>
+            <a:endParaRPr lang="en-US" sz="1200" dirty="0"/>
+          </a:p>
+          <a:p>
+            <a:r>
+              <a:rPr lang="en-US" sz="1200" dirty="0">
+                <a:hlinkClick r:id="rId5"/>
+              </a:rPr>
+              <a:t>https://ru.wikipedia.org/wiki/</a:t>
+            </a:r>
+            <a:r>
+              <a:rPr lang="ru-RU" sz="1200" dirty="0" err="1">
+                <a:hlinkClick r:id="rId5"/>
+              </a:rPr>
+              <a:t>Порядок_байтов</a:t>
+            </a:r>
+            <a:endParaRPr lang="ru-RU" sz="1200" dirty="0"/>
+          </a:p>
+        </p:txBody>
+      </p:sp>
+      <p:sp>
+        <p:nvSpPr>
+          <p:cNvPr id="6" name="Номер слайда 1">
+            <a:extLst>
+              <a:ext uri="{FF2B5EF4-FFF2-40B4-BE49-F238E27FC236}">
+                <a16:creationId xmlns:a16="http://schemas.microsoft.com/office/drawing/2014/main" id="{D6D4384B-007E-21B7-A4CC-9A9CAB3F1768}"/>
+              </a:ext>
+            </a:extLst>
+          </p:cNvPr>
+          <p:cNvSpPr>
+            <a:spLocks noGrp="1"/>
+          </p:cNvSpPr>
+          <p:nvPr>
+            <p:ph type="sldNum" sz="quarter" idx="12"/>
+          </p:nvPr>
+        </p:nvSpPr>
+        <p:spPr>
+          <a:xfrm>
+            <a:off x="6457950" y="6362616"/>
+            <a:ext cx="2057400" cy="365125"/>
+          </a:xfrm>
+        </p:spPr>
+        <p:txBody>
+          <a:bodyPr/>
+          <a:lstStyle/>
+          <a:p>
+            <a:fld id="{370A62FE-C268-428B-9FB6-A45FCBA79971}" type="slidenum">
+              <a:rPr lang="ru-RU" sz="1400" smtClean="0">
+                <a:solidFill>
+                  <a:schemeClr val="tx1"/>
+                </a:solidFill>
+              </a:rPr>
+              <a:t>8</a:t>
+            </a:fld>
+            <a:endParaRPr lang="ru-RU" dirty="0">
+              <a:solidFill>
+                <a:schemeClr val="tx1"/>
+              </a:solidFill>
+            </a:endParaRPr>
+          </a:p>
+        </p:txBody>
+      </p:sp>
+      <p:sp>
+        <p:nvSpPr>
+          <p:cNvPr id="7" name="Прямоугольник 6">
+            <a:extLst>
+              <a:ext uri="{FF2B5EF4-FFF2-40B4-BE49-F238E27FC236}">
+                <a16:creationId xmlns:a16="http://schemas.microsoft.com/office/drawing/2014/main" id="{3F4FA82C-14A1-31F7-928C-48AAEE280969}"/>
+              </a:ext>
+            </a:extLst>
+          </p:cNvPr>
+          <p:cNvSpPr/>
+          <p:nvPr/>
+        </p:nvSpPr>
+        <p:spPr>
+          <a:xfrm>
+            <a:off x="3679902" y="784327"/>
+            <a:ext cx="4433725" cy="5076035"/>
+          </a:xfrm>
+          <a:prstGeom prst="rect">
+            <a:avLst/>
+          </a:prstGeom>
+          <a:solidFill>
+            <a:schemeClr val="bg1"/>
+          </a:solidFill>
+          <a:ln>
+            <a:solidFill>
+              <a:schemeClr val="bg1"/>
+            </a:solidFill>
+          </a:ln>
+        </p:spPr>
+        <p:style>
+          <a:lnRef idx="2">
+            <a:schemeClr val="accent1">
+              <a:shade val="50000"/>
+            </a:schemeClr>
+          </a:lnRef>
+          <a:fillRef idx="1">
+            <a:schemeClr val="accent1"/>
+          </a:fillRef>
+          <a:effectRef idx="0">
+            <a:schemeClr val="accent1"/>
+          </a:effectRef>
+          <a:fontRef idx="minor">
+            <a:schemeClr val="lt1"/>
+          </a:fontRef>
+        </p:style>
+        <p:txBody>
+          <a:bodyPr rtlCol="0" anchor="ctr"/>
+          <a:lstStyle/>
+          <a:p>
+            <a:pPr algn="ctr"/>
+            <a:endParaRPr lang="ru-RU"/>
+          </a:p>
+        </p:txBody>
+      </p:sp>
+    </p:spTree>
+    <p:extLst>
+      <p:ext uri="{BB962C8B-B14F-4D97-AF65-F5344CB8AC3E}">
+        <p14:creationId xmlns:p14="http://schemas.microsoft.com/office/powerpoint/2010/main" val="1690413485"/>
+      </p:ext>
+    </p:extLst>
+  </p:cSld>
+  <p:clrMapOvr>
+    <a:masterClrMapping/>
+  </p:clrMapOvr>
+  <p:timing>
+    <p:tnLst>
+      <p:par>
+        <p:cTn id="1" dur="indefinite" restart="never" nodeType="tmRoot">
+          <p:childTnLst>
+            <p:seq concurrent="1" nextAc="seek">
+              <p:cTn id="2" dur="indefinite" nodeType="mainSeq">
+                <p:childTnLst>
+                  <p:par>
+                    <p:cTn id="3" fill="hold">
+                      <p:stCondLst>
+                        <p:cond delay="indefinite"/>
+                      </p:stCondLst>
+                      <p:childTnLst>
+                        <p:par>
+                          <p:cTn id="4" fill="hold">
+                            <p:stCondLst>
+                              <p:cond delay="0"/>
+                            </p:stCondLst>
+                            <p:childTnLst>
+                              <p:par>
+                                <p:cTn id="5" presetID="2" presetClass="exit" presetSubtype="2" fill="hold" grpId="0" nodeType="clickEffect">
+                                  <p:stCondLst>
+                                    <p:cond delay="0"/>
+                                  </p:stCondLst>
+                                  <p:childTnLst>
+                                    <p:anim calcmode="lin" valueType="num">
+                                      <p:cBhvr additive="base">
+                                        <p:cTn id="6" dur="500"/>
+                                        <p:tgtEl>
+                                          <p:spTgt spid="7"/>
+                                        </p:tgtEl>
+                                        <p:attrNameLst>
+                                          <p:attrName>ppt_x</p:attrName>
+                                        </p:attrNameLst>
+                                      </p:cBhvr>
+                                      <p:tavLst>
+                                        <p:tav tm="0">
+                                          <p:val>
+                                            <p:strVal val="ppt_x"/>
+                                          </p:val>
+                                        </p:tav>
+                                        <p:tav tm="100000">
+                                          <p:val>
+                                            <p:strVal val="1+ppt_w/2"/>
+                                          </p:val>
+                                        </p:tav>
+                                      </p:tavLst>
+                                    </p:anim>
+                                    <p:anim calcmode="lin" valueType="num">
+                                      <p:cBhvr additive="base">
+                                        <p:cTn id="7" dur="500"/>
+                                        <p:tgtEl>
+                                          <p:spTgt spid="7"/>
+                                        </p:tgtEl>
+                                        <p:attrNameLst>
+                                          <p:attrName>ppt_y</p:attrName>
+                                        </p:attrNameLst>
+                                      </p:cBhvr>
+                                      <p:tavLst>
+                                        <p:tav tm="0">
+                                          <p:val>
+                                            <p:strVal val="ppt_y"/>
+                                          </p:val>
+                                        </p:tav>
+                                        <p:tav tm="100000">
+                                          <p:val>
+                                            <p:strVal val="ppt_y"/>
+                                          </p:val>
+                                        </p:tav>
+                                      </p:tavLst>
+                                    </p:anim>
+                                    <p:set>
+                                      <p:cBhvr>
+                                        <p:cTn id="8" dur="1" fill="hold">
+                                          <p:stCondLst>
+                                            <p:cond delay="499"/>
+                                          </p:stCondLst>
+                                        </p:cTn>
+                                        <p:tgtEl>
+                                          <p:spTgt spid="7"/>
+                                        </p:tgtEl>
+                                        <p:attrNameLst>
+                                          <p:attrName>style.visibility</p:attrName>
+                                        </p:attrNameLst>
+                                      </p:cBhvr>
+                                      <p:to>
+                                        <p:strVal val="hidden"/>
+                                      </p:to>
+                                    </p:set>
+                                  </p:childTnLst>
+                                </p:cTn>
+                              </p:par>
+                            </p:childTnLst>
+                          </p:cTn>
+                        </p:par>
+                      </p:childTnLst>
+                    </p:cTn>
+                  </p:par>
+                </p:childTnLst>
+              </p:cTn>
+              <p:prevCondLst>
+                <p:cond evt="onPrev" delay="0">
+                  <p:tgtEl>
+                    <p:sldTgt/>
+                  </p:tgtEl>
+                </p:cond>
+              </p:prevCondLst>
+              <p:nextCondLst>
+                <p:cond evt="onNext" delay="0">
+                  <p:tgtEl>
+                    <p:sldTgt/>
+                  </p:tgtEl>
+                </p:cond>
+              </p:nextCondLst>
+            </p:seq>
+          </p:childTnLst>
+        </p:cTn>
+      </p:par>
+    </p:tnLst>
+    <p:bldLst>
+      <p:bldP spid="7" grpId="0" animBg="1"/>
+    </p:bldLst>
+  </p:timing>
+</p:sld>
+</file>
+
+<file path=ppt/slides/slide9.xml><?xml version="1.0" encoding="utf-8"?>
+<p:sld xmlns:a="http://schemas.openxmlformats.org/drawingml/2006/main" xmlns:r="http://schemas.openxmlformats.org/officeDocument/2006/relationships" xmlns:p="http://schemas.openxmlformats.org/presentationml/2006/main">
+  <p:cSld>
+    <p:spTree>
+      <p:nvGrpSpPr>
+        <p:cNvPr id="1" name=""/>
+        <p:cNvGrpSpPr/>
+        <p:nvPr/>
+      </p:nvGrpSpPr>
+      <p:grpSpPr>
+        <a:xfrm>
+          <a:off x="0" y="0"/>
+          <a:ext cx="0" cy="0"/>
+          <a:chOff x="0" y="0"/>
+          <a:chExt cx="0" cy="0"/>
+        </a:xfrm>
+      </p:grpSpPr>
+      <p:sp>
+        <p:nvSpPr>
+          <p:cNvPr id="3" name="Объект 2">
+            <a:extLst>
+              <a:ext uri="{FF2B5EF4-FFF2-40B4-BE49-F238E27FC236}">
+                <a16:creationId xmlns:a16="http://schemas.microsoft.com/office/drawing/2014/main" id="{E9C4299B-64F1-CAB8-08A0-4F46371C2658}"/>
+              </a:ext>
+            </a:extLst>
+          </p:cNvPr>
+          <p:cNvSpPr>
+            <a:spLocks noGrp="1"/>
+          </p:cNvSpPr>
+          <p:nvPr>
+            <p:ph idx="1"/>
+          </p:nvPr>
+        </p:nvSpPr>
+        <p:spPr>
+          <a:xfrm>
+            <a:off x="256674" y="855077"/>
+            <a:ext cx="7886700" cy="461665"/>
+          </a:xfrm>
+        </p:spPr>
+        <p:txBody>
+          <a:bodyPr>
+            <a:normAutofit fontScale="55000" lnSpcReduction="20000"/>
+          </a:bodyPr>
+          <a:lstStyle/>
+          <a:p>
+            <a:pPr marL="0" indent="0">
+              <a:buNone/>
+            </a:pPr>
+            <a:r>
+              <a:rPr lang="en-US" dirty="0">
+                <a:hlinkClick r:id="rId2"/>
+              </a:rPr>
+              <a:t>https://wiki.freepascal.org/Basic_Pascal_Tutorial/Chapter_1/Variables_and_Data_Types</a:t>
+            </a:r>
+            <a:endParaRPr lang="ru-RU" dirty="0">
+              <a:hlinkClick r:id="rId2"/>
+            </a:endParaRPr>
+          </a:p>
+          <a:p>
+            <a:pPr marL="0" indent="0">
+              <a:buNone/>
+            </a:pPr>
+            <a:r>
+              <a:rPr lang="en-US" dirty="0">
+                <a:hlinkClick r:id="rId2"/>
+              </a:rPr>
+              <a:t>https://www.tutorialspoint.com/pascal/pascal_variable_types.htm</a:t>
+            </a:r>
+            <a:endParaRPr lang="en-US" dirty="0"/>
+          </a:p>
+          <a:p>
+            <a:pPr marL="0" indent="0">
+              <a:buNone/>
+            </a:pPr>
+            <a:endParaRPr lang="ru-RU" dirty="0"/>
+          </a:p>
+        </p:txBody>
+      </p:sp>
+      <p:sp>
+        <p:nvSpPr>
+          <p:cNvPr id="4" name="TextBox 3">
+            <a:extLst>
+              <a:ext uri="{FF2B5EF4-FFF2-40B4-BE49-F238E27FC236}">
+                <a16:creationId xmlns:a16="http://schemas.microsoft.com/office/drawing/2014/main" id="{701CF149-D8F4-A759-2FF1-482A3E3B75A7}"/>
+              </a:ext>
+            </a:extLst>
+          </p:cNvPr>
+          <p:cNvSpPr txBox="1"/>
+          <p:nvPr/>
+        </p:nvSpPr>
+        <p:spPr>
+          <a:xfrm>
+            <a:off x="256674" y="160421"/>
+            <a:ext cx="2010487" cy="461665"/>
+          </a:xfrm>
+          <a:prstGeom prst="rect">
+            <a:avLst/>
+          </a:prstGeom>
+          <a:noFill/>
+        </p:spPr>
+        <p:txBody>
+          <a:bodyPr wrap="none" rtlCol="0">
+            <a:spAutoFit/>
+          </a:bodyPr>
+          <a:lstStyle/>
+          <a:p>
+            <a:r>
+              <a:rPr lang="ru-RU" sz="2400" dirty="0">
+                <a:effectLst/>
+                <a:latin typeface="Calibri" panose="020F0502020204030204" pitchFamily="34" charset="0"/>
+                <a:ea typeface="Calibri" panose="020F0502020204030204" pitchFamily="34" charset="0"/>
+                <a:cs typeface="Times New Roman" panose="02020603050405020304" pitchFamily="18" charset="0"/>
+              </a:rPr>
+              <a:t>Список типов.</a:t>
+            </a:r>
+            <a:endParaRPr lang="ru-RU" sz="2400" dirty="0"/>
+          </a:p>
+        </p:txBody>
+      </p:sp>
+      <p:pic>
+        <p:nvPicPr>
+          <p:cNvPr id="8" name="Рисунок 7">
+            <a:extLst>
+              <a:ext uri="{FF2B5EF4-FFF2-40B4-BE49-F238E27FC236}">
+                <a16:creationId xmlns:a16="http://schemas.microsoft.com/office/drawing/2014/main" id="{F49BBE62-C005-7792-83F2-621D84F04EA6}"/>
+              </a:ext>
+            </a:extLst>
+          </p:cNvPr>
+          <p:cNvPicPr>
+            <a:picLocks noChangeAspect="1"/>
+          </p:cNvPicPr>
+          <p:nvPr/>
+        </p:nvPicPr>
+        <p:blipFill>
+          <a:blip r:embed="rId3"/>
+          <a:stretch>
+            <a:fillRect/>
+          </a:stretch>
+        </p:blipFill>
+        <p:spPr>
+          <a:xfrm>
+            <a:off x="327109" y="1471863"/>
+            <a:ext cx="3933825" cy="3048000"/>
+          </a:xfrm>
+          <a:prstGeom prst="rect">
+            <a:avLst/>
+          </a:prstGeom>
+        </p:spPr>
+      </p:pic>
+      <p:pic>
+        <p:nvPicPr>
+          <p:cNvPr id="12" name="Рисунок 11">
+            <a:extLst>
+              <a:ext uri="{FF2B5EF4-FFF2-40B4-BE49-F238E27FC236}">
+                <a16:creationId xmlns:a16="http://schemas.microsoft.com/office/drawing/2014/main" id="{120DCBDA-B439-D9A7-DD35-AFE8B7A4B013}"/>
+              </a:ext>
+            </a:extLst>
+          </p:cNvPr>
+          <p:cNvPicPr>
+            <a:picLocks noChangeAspect="1"/>
+          </p:cNvPicPr>
+          <p:nvPr/>
+        </p:nvPicPr>
+        <p:blipFill>
+          <a:blip r:embed="rId4"/>
+          <a:stretch>
+            <a:fillRect/>
+          </a:stretch>
+        </p:blipFill>
+        <p:spPr>
+          <a:xfrm>
+            <a:off x="327109" y="4674984"/>
+            <a:ext cx="2200275" cy="1647825"/>
+          </a:xfrm>
+          <a:prstGeom prst="rect">
+            <a:avLst/>
+          </a:prstGeom>
+        </p:spPr>
+      </p:pic>
+      <p:pic>
+        <p:nvPicPr>
+          <p:cNvPr id="14" name="Рисунок 13">
+            <a:extLst>
+              <a:ext uri="{FF2B5EF4-FFF2-40B4-BE49-F238E27FC236}">
+                <a16:creationId xmlns:a16="http://schemas.microsoft.com/office/drawing/2014/main" id="{C85E162D-A508-FE81-F6AE-38B61DF3F0D5}"/>
+              </a:ext>
+            </a:extLst>
+          </p:cNvPr>
+          <p:cNvPicPr>
+            <a:picLocks noChangeAspect="1"/>
+          </p:cNvPicPr>
+          <p:nvPr/>
+        </p:nvPicPr>
+        <p:blipFill>
+          <a:blip r:embed="rId5"/>
+          <a:stretch>
+            <a:fillRect/>
+          </a:stretch>
+        </p:blipFill>
+        <p:spPr>
+          <a:xfrm>
+            <a:off x="4338637" y="1471863"/>
+            <a:ext cx="4733925" cy="2266950"/>
+          </a:xfrm>
+          <a:prstGeom prst="rect">
+            <a:avLst/>
+          </a:prstGeom>
+        </p:spPr>
+      </p:pic>
+      <p:sp>
+        <p:nvSpPr>
+          <p:cNvPr id="15" name="Номер слайда 1">
+            <a:extLst>
+              <a:ext uri="{FF2B5EF4-FFF2-40B4-BE49-F238E27FC236}">
+                <a16:creationId xmlns:a16="http://schemas.microsoft.com/office/drawing/2014/main" id="{A04C37F0-B3B5-3C98-F85A-7D61B64676FA}"/>
+              </a:ext>
+            </a:extLst>
+          </p:cNvPr>
+          <p:cNvSpPr>
+            <a:spLocks noGrp="1"/>
+          </p:cNvSpPr>
+          <p:nvPr>
+            <p:ph type="sldNum" sz="quarter" idx="12"/>
+          </p:nvPr>
+        </p:nvSpPr>
+        <p:spPr>
+          <a:xfrm>
+            <a:off x="6457950" y="6362616"/>
+            <a:ext cx="2057400" cy="365125"/>
+          </a:xfrm>
+        </p:spPr>
+        <p:txBody>
+          <a:bodyPr/>
+          <a:lstStyle/>
+          <a:p>
+            <a:fld id="{370A62FE-C268-428B-9FB6-A45FCBA79971}" type="slidenum">
+              <a:rPr lang="ru-RU" sz="1400" smtClean="0">
+                <a:solidFill>
+                  <a:schemeClr val="tx1"/>
+                </a:solidFill>
+              </a:rPr>
+              <a:t>9</a:t>
+            </a:fld>
+            <a:endParaRPr lang="ru-RU" dirty="0">
+              <a:solidFill>
+                <a:schemeClr val="tx1"/>
+              </a:solidFill>
+            </a:endParaRPr>
+          </a:p>
+        </p:txBody>
+      </p:sp>
+    </p:spTree>
+    <p:extLst>
+      <p:ext uri="{BB962C8B-B14F-4D97-AF65-F5344CB8AC3E}">
+        <p14:creationId xmlns:p14="http://schemas.microsoft.com/office/powerpoint/2010/main" val="3005760833"/>
       </p:ext>
     </p:extLst>
   </p:cSld>

--- a/1. Введение/1. Введение.pptx
+++ b/1. Введение/1. Введение.pptx
@@ -5,7 +5,7 @@
     <p:sldMasterId id="2147483648" r:id="rId1"/>
   </p:sldMasterIdLst>
   <p:notesMasterIdLst>
-    <p:notesMasterId r:id="rId13"/>
+    <p:notesMasterId r:id="rId14"/>
   </p:notesMasterIdLst>
   <p:sldIdLst>
     <p:sldId id="257" r:id="rId2"/>
@@ -14,11 +14,12 @@
     <p:sldId id="260" r:id="rId5"/>
     <p:sldId id="263" r:id="rId6"/>
     <p:sldId id="266" r:id="rId7"/>
-    <p:sldId id="265" r:id="rId8"/>
-    <p:sldId id="267" r:id="rId9"/>
-    <p:sldId id="261" r:id="rId10"/>
-    <p:sldId id="268" r:id="rId11"/>
-    <p:sldId id="262" r:id="rId12"/>
+    <p:sldId id="269" r:id="rId8"/>
+    <p:sldId id="265" r:id="rId9"/>
+    <p:sldId id="267" r:id="rId10"/>
+    <p:sldId id="261" r:id="rId11"/>
+    <p:sldId id="268" r:id="rId12"/>
+    <p:sldId id="262" r:id="rId13"/>
   </p:sldIdLst>
   <p:sldSz cx="9144000" cy="6858000" type="screen4x3"/>
   <p:notesSz cx="6858000" cy="9144000"/>
@@ -566,7 +567,7 @@
           <a:p>
             <a:fld id="{46D2654B-16AF-4FC8-85F1-09ECDEE7574F}" type="slidenum">
               <a:rPr lang="ru-RU" smtClean="0"/>
-              <a:t>8</a:t>
+              <a:t>9</a:t>
             </a:fld>
             <a:endParaRPr lang="ru-RU"/>
           </a:p>
@@ -4085,6 +4086,270 @@
           <a:chExt cx="0" cy="0"/>
         </a:xfrm>
       </p:grpSpPr>
+      <p:sp>
+        <p:nvSpPr>
+          <p:cNvPr id="3" name="Объект 2">
+            <a:extLst>
+              <a:ext uri="{FF2B5EF4-FFF2-40B4-BE49-F238E27FC236}">
+                <a16:creationId xmlns:a16="http://schemas.microsoft.com/office/drawing/2014/main" id="{E9C4299B-64F1-CAB8-08A0-4F46371C2658}"/>
+              </a:ext>
+            </a:extLst>
+          </p:cNvPr>
+          <p:cNvSpPr>
+            <a:spLocks noGrp="1"/>
+          </p:cNvSpPr>
+          <p:nvPr>
+            <p:ph idx="1"/>
+          </p:nvPr>
+        </p:nvSpPr>
+        <p:spPr>
+          <a:xfrm>
+            <a:off x="256674" y="855077"/>
+            <a:ext cx="7886700" cy="461665"/>
+          </a:xfrm>
+        </p:spPr>
+        <p:txBody>
+          <a:bodyPr>
+            <a:normAutofit fontScale="55000" lnSpcReduction="20000"/>
+          </a:bodyPr>
+          <a:lstStyle/>
+          <a:p>
+            <a:pPr marL="0" indent="0">
+              <a:buNone/>
+            </a:pPr>
+            <a:r>
+              <a:rPr lang="en-US" dirty="0">
+                <a:hlinkClick r:id="rId2"/>
+              </a:rPr>
+              <a:t>https://wiki.freepascal.org/Basic_Pascal_Tutorial/Chapter_1/Variables_and_Data_Types</a:t>
+            </a:r>
+            <a:endParaRPr lang="ru-RU" dirty="0">
+              <a:hlinkClick r:id="rId2"/>
+            </a:endParaRPr>
+          </a:p>
+          <a:p>
+            <a:pPr marL="0" indent="0">
+              <a:buNone/>
+            </a:pPr>
+            <a:r>
+              <a:rPr lang="en-US" dirty="0">
+                <a:hlinkClick r:id="rId2"/>
+              </a:rPr>
+              <a:t>https://www.tutorialspoint.com/pascal/pascal_variable_types.htm</a:t>
+            </a:r>
+            <a:endParaRPr lang="en-US" dirty="0"/>
+          </a:p>
+          <a:p>
+            <a:pPr marL="0" indent="0">
+              <a:buNone/>
+            </a:pPr>
+            <a:endParaRPr lang="ru-RU" dirty="0"/>
+          </a:p>
+        </p:txBody>
+      </p:sp>
+      <p:sp>
+        <p:nvSpPr>
+          <p:cNvPr id="4" name="TextBox 3">
+            <a:extLst>
+              <a:ext uri="{FF2B5EF4-FFF2-40B4-BE49-F238E27FC236}">
+                <a16:creationId xmlns:a16="http://schemas.microsoft.com/office/drawing/2014/main" id="{701CF149-D8F4-A759-2FF1-482A3E3B75A7}"/>
+              </a:ext>
+            </a:extLst>
+          </p:cNvPr>
+          <p:cNvSpPr txBox="1"/>
+          <p:nvPr/>
+        </p:nvSpPr>
+        <p:spPr>
+          <a:xfrm>
+            <a:off x="256674" y="160421"/>
+            <a:ext cx="2010487" cy="461665"/>
+          </a:xfrm>
+          <a:prstGeom prst="rect">
+            <a:avLst/>
+          </a:prstGeom>
+          <a:noFill/>
+        </p:spPr>
+        <p:txBody>
+          <a:bodyPr wrap="none" rtlCol="0">
+            <a:spAutoFit/>
+          </a:bodyPr>
+          <a:lstStyle/>
+          <a:p>
+            <a:r>
+              <a:rPr lang="ru-RU" sz="2400" dirty="0">
+                <a:effectLst/>
+                <a:latin typeface="Calibri" panose="020F0502020204030204" pitchFamily="34" charset="0"/>
+                <a:ea typeface="Calibri" panose="020F0502020204030204" pitchFamily="34" charset="0"/>
+                <a:cs typeface="Times New Roman" panose="02020603050405020304" pitchFamily="18" charset="0"/>
+              </a:rPr>
+              <a:t>Список типов.</a:t>
+            </a:r>
+            <a:endParaRPr lang="ru-RU" sz="2400" dirty="0"/>
+          </a:p>
+        </p:txBody>
+      </p:sp>
+      <p:pic>
+        <p:nvPicPr>
+          <p:cNvPr id="8" name="Рисунок 7">
+            <a:extLst>
+              <a:ext uri="{FF2B5EF4-FFF2-40B4-BE49-F238E27FC236}">
+                <a16:creationId xmlns:a16="http://schemas.microsoft.com/office/drawing/2014/main" id="{F49BBE62-C005-7792-83F2-621D84F04EA6}"/>
+              </a:ext>
+            </a:extLst>
+          </p:cNvPr>
+          <p:cNvPicPr>
+            <a:picLocks noChangeAspect="1"/>
+          </p:cNvPicPr>
+          <p:nvPr/>
+        </p:nvPicPr>
+        <p:blipFill>
+          <a:blip r:embed="rId3"/>
+          <a:stretch>
+            <a:fillRect/>
+          </a:stretch>
+        </p:blipFill>
+        <p:spPr>
+          <a:xfrm>
+            <a:off x="327109" y="1471863"/>
+            <a:ext cx="3933825" cy="3048000"/>
+          </a:xfrm>
+          <a:prstGeom prst="rect">
+            <a:avLst/>
+          </a:prstGeom>
+        </p:spPr>
+      </p:pic>
+      <p:pic>
+        <p:nvPicPr>
+          <p:cNvPr id="12" name="Рисунок 11">
+            <a:extLst>
+              <a:ext uri="{FF2B5EF4-FFF2-40B4-BE49-F238E27FC236}">
+                <a16:creationId xmlns:a16="http://schemas.microsoft.com/office/drawing/2014/main" id="{120DCBDA-B439-D9A7-DD35-AFE8B7A4B013}"/>
+              </a:ext>
+            </a:extLst>
+          </p:cNvPr>
+          <p:cNvPicPr>
+            <a:picLocks noChangeAspect="1"/>
+          </p:cNvPicPr>
+          <p:nvPr/>
+        </p:nvPicPr>
+        <p:blipFill>
+          <a:blip r:embed="rId4"/>
+          <a:stretch>
+            <a:fillRect/>
+          </a:stretch>
+        </p:blipFill>
+        <p:spPr>
+          <a:xfrm>
+            <a:off x="327109" y="4674984"/>
+            <a:ext cx="2200275" cy="1647825"/>
+          </a:xfrm>
+          <a:prstGeom prst="rect">
+            <a:avLst/>
+          </a:prstGeom>
+        </p:spPr>
+      </p:pic>
+      <p:pic>
+        <p:nvPicPr>
+          <p:cNvPr id="14" name="Рисунок 13">
+            <a:extLst>
+              <a:ext uri="{FF2B5EF4-FFF2-40B4-BE49-F238E27FC236}">
+                <a16:creationId xmlns:a16="http://schemas.microsoft.com/office/drawing/2014/main" id="{C85E162D-A508-FE81-F6AE-38B61DF3F0D5}"/>
+              </a:ext>
+            </a:extLst>
+          </p:cNvPr>
+          <p:cNvPicPr>
+            <a:picLocks noChangeAspect="1"/>
+          </p:cNvPicPr>
+          <p:nvPr/>
+        </p:nvPicPr>
+        <p:blipFill>
+          <a:blip r:embed="rId5"/>
+          <a:stretch>
+            <a:fillRect/>
+          </a:stretch>
+        </p:blipFill>
+        <p:spPr>
+          <a:xfrm>
+            <a:off x="4338637" y="1471863"/>
+            <a:ext cx="4733925" cy="2266950"/>
+          </a:xfrm>
+          <a:prstGeom prst="rect">
+            <a:avLst/>
+          </a:prstGeom>
+        </p:spPr>
+      </p:pic>
+      <p:sp>
+        <p:nvSpPr>
+          <p:cNvPr id="15" name="Номер слайда 1">
+            <a:extLst>
+              <a:ext uri="{FF2B5EF4-FFF2-40B4-BE49-F238E27FC236}">
+                <a16:creationId xmlns:a16="http://schemas.microsoft.com/office/drawing/2014/main" id="{A04C37F0-B3B5-3C98-F85A-7D61B64676FA}"/>
+              </a:ext>
+            </a:extLst>
+          </p:cNvPr>
+          <p:cNvSpPr>
+            <a:spLocks noGrp="1"/>
+          </p:cNvSpPr>
+          <p:nvPr>
+            <p:ph type="sldNum" sz="quarter" idx="12"/>
+          </p:nvPr>
+        </p:nvSpPr>
+        <p:spPr>
+          <a:xfrm>
+            <a:off x="6457950" y="6362616"/>
+            <a:ext cx="2057400" cy="365125"/>
+          </a:xfrm>
+        </p:spPr>
+        <p:txBody>
+          <a:bodyPr/>
+          <a:lstStyle/>
+          <a:p>
+            <a:fld id="{370A62FE-C268-428B-9FB6-A45FCBA79971}" type="slidenum">
+              <a:rPr lang="ru-RU" sz="1400" smtClean="0">
+                <a:solidFill>
+                  <a:schemeClr val="tx1"/>
+                </a:solidFill>
+              </a:rPr>
+              <a:t>10</a:t>
+            </a:fld>
+            <a:endParaRPr lang="ru-RU" dirty="0">
+              <a:solidFill>
+                <a:schemeClr val="tx1"/>
+              </a:solidFill>
+            </a:endParaRPr>
+          </a:p>
+        </p:txBody>
+      </p:sp>
+    </p:spTree>
+    <p:extLst>
+      <p:ext uri="{BB962C8B-B14F-4D97-AF65-F5344CB8AC3E}">
+        <p14:creationId xmlns:p14="http://schemas.microsoft.com/office/powerpoint/2010/main" val="3005760833"/>
+      </p:ext>
+    </p:extLst>
+  </p:cSld>
+  <p:clrMapOvr>
+    <a:masterClrMapping/>
+  </p:clrMapOvr>
+</p:sld>
+</file>
+
+<file path=ppt/slides/slide11.xml><?xml version="1.0" encoding="utf-8"?>
+<p:sld xmlns:a="http://schemas.openxmlformats.org/drawingml/2006/main" xmlns:r="http://schemas.openxmlformats.org/officeDocument/2006/relationships" xmlns:p="http://schemas.openxmlformats.org/presentationml/2006/main">
+  <p:cSld>
+    <p:spTree>
+      <p:nvGrpSpPr>
+        <p:cNvPr id="1" name=""/>
+        <p:cNvGrpSpPr/>
+        <p:nvPr/>
+      </p:nvGrpSpPr>
+      <p:grpSpPr>
+        <a:xfrm>
+          <a:off x="0" y="0"/>
+          <a:ext cx="0" cy="0"/>
+          <a:chOff x="0" y="0"/>
+          <a:chExt cx="0" cy="0"/>
+        </a:xfrm>
+      </p:grpSpPr>
       <p:grpSp>
         <p:nvGrpSpPr>
           <p:cNvPr id="6" name="Группа 5">
@@ -7369,6 +7634,48 @@
           </a:p>
         </p:txBody>
       </p:sp>
+      <p:sp>
+        <p:nvSpPr>
+          <p:cNvPr id="2" name="Номер слайда 1">
+            <a:extLst>
+              <a:ext uri="{FF2B5EF4-FFF2-40B4-BE49-F238E27FC236}">
+                <a16:creationId xmlns:a16="http://schemas.microsoft.com/office/drawing/2014/main" id="{20D80245-C4AD-A15C-B3BD-BCFCF6474AD6}"/>
+              </a:ext>
+            </a:extLst>
+          </p:cNvPr>
+          <p:cNvSpPr>
+            <a:spLocks noGrp="1"/>
+          </p:cNvSpPr>
+          <p:nvPr>
+            <p:ph type="sldNum" sz="quarter" idx="12"/>
+          </p:nvPr>
+        </p:nvSpPr>
+        <p:spPr>
+          <a:xfrm>
+            <a:off x="6457950" y="6362616"/>
+            <a:ext cx="2057400" cy="365125"/>
+          </a:xfrm>
+        </p:spPr>
+        <p:txBody>
+          <a:bodyPr/>
+          <a:lstStyle/>
+          <a:p>
+            <a:fld id="{370A62FE-C268-428B-9FB6-A45FCBA79971}" type="slidenum">
+              <a:rPr lang="ru-RU" sz="1400" smtClean="0">
+                <a:solidFill>
+                  <a:schemeClr val="tx1"/>
+                </a:solidFill>
+              </a:rPr>
+              <a:t>11</a:t>
+            </a:fld>
+            <a:endParaRPr lang="ru-RU" dirty="0">
+              <a:solidFill>
+                <a:schemeClr val="tx1"/>
+              </a:solidFill>
+            </a:endParaRPr>
+          </a:p>
+        </p:txBody>
+      </p:sp>
     </p:spTree>
     <p:extLst>
       <p:ext uri="{BB962C8B-B14F-4D97-AF65-F5344CB8AC3E}">
@@ -7382,7 +7689,7 @@
 </p:sld>
 </file>
 
-<file path=ppt/slides/slide11.xml><?xml version="1.0" encoding="utf-8"?>
+<file path=ppt/slides/slide12.xml><?xml version="1.0" encoding="utf-8"?>
 <p:sld xmlns:a="http://schemas.openxmlformats.org/drawingml/2006/main" xmlns:r="http://schemas.openxmlformats.org/officeDocument/2006/relationships" xmlns:p="http://schemas.openxmlformats.org/presentationml/2006/main">
   <p:cSld>
     <p:spTree>
@@ -7648,7 +7955,7 @@
                   <a:schemeClr val="tx1"/>
                 </a:solidFill>
               </a:rPr>
-              <a:t>11</a:t>
+              <a:t>12</a:t>
             </a:fld>
             <a:endParaRPr lang="ru-RU" dirty="0">
               <a:solidFill>
@@ -8823,6 +9130,48 @@
           </a:p>
         </p:txBody>
       </p:sp>
+      <p:sp>
+        <p:nvSpPr>
+          <p:cNvPr id="3" name="Номер слайда 1">
+            <a:extLst>
+              <a:ext uri="{FF2B5EF4-FFF2-40B4-BE49-F238E27FC236}">
+                <a16:creationId xmlns:a16="http://schemas.microsoft.com/office/drawing/2014/main" id="{5595ADE5-75B9-4E45-2520-57F55D47B12F}"/>
+              </a:ext>
+            </a:extLst>
+          </p:cNvPr>
+          <p:cNvSpPr>
+            <a:spLocks noGrp="1"/>
+          </p:cNvSpPr>
+          <p:nvPr>
+            <p:ph type="sldNum" sz="quarter" idx="12"/>
+          </p:nvPr>
+        </p:nvSpPr>
+        <p:spPr>
+          <a:xfrm>
+            <a:off x="6457950" y="6362616"/>
+            <a:ext cx="2057400" cy="365125"/>
+          </a:xfrm>
+        </p:spPr>
+        <p:txBody>
+          <a:bodyPr/>
+          <a:lstStyle/>
+          <a:p>
+            <a:fld id="{370A62FE-C268-428B-9FB6-A45FCBA79971}" type="slidenum">
+              <a:rPr lang="ru-RU" sz="1400" smtClean="0">
+                <a:solidFill>
+                  <a:schemeClr val="tx1"/>
+                </a:solidFill>
+              </a:rPr>
+              <a:t>6</a:t>
+            </a:fld>
+            <a:endParaRPr lang="ru-RU" dirty="0">
+              <a:solidFill>
+                <a:schemeClr val="tx1"/>
+              </a:solidFill>
+            </a:endParaRPr>
+          </a:p>
+        </p:txBody>
+      </p:sp>
     </p:spTree>
     <p:extLst>
       <p:ext uri="{BB962C8B-B14F-4D97-AF65-F5344CB8AC3E}">
@@ -8853,6 +9202,152 @@
           <a:chExt cx="0" cy="0"/>
         </a:xfrm>
       </p:grpSpPr>
+      <p:sp>
+        <p:nvSpPr>
+          <p:cNvPr id="4" name="Номер слайда 1">
+            <a:extLst>
+              <a:ext uri="{FF2B5EF4-FFF2-40B4-BE49-F238E27FC236}">
+                <a16:creationId xmlns:a16="http://schemas.microsoft.com/office/drawing/2014/main" id="{B26E9613-9AC6-DA1C-7FAA-5D1714C7A357}"/>
+              </a:ext>
+            </a:extLst>
+          </p:cNvPr>
+          <p:cNvSpPr>
+            <a:spLocks noGrp="1"/>
+          </p:cNvSpPr>
+          <p:nvPr>
+            <p:ph type="sldNum" sz="quarter" idx="12"/>
+          </p:nvPr>
+        </p:nvSpPr>
+        <p:spPr>
+          <a:xfrm>
+            <a:off x="6457950" y="6362616"/>
+            <a:ext cx="2057400" cy="365125"/>
+          </a:xfrm>
+        </p:spPr>
+        <p:txBody>
+          <a:bodyPr/>
+          <a:lstStyle/>
+          <a:p>
+            <a:fld id="{370A62FE-C268-428B-9FB6-A45FCBA79971}" type="slidenum">
+              <a:rPr lang="ru-RU" sz="1400" smtClean="0">
+                <a:solidFill>
+                  <a:schemeClr val="tx1"/>
+                </a:solidFill>
+              </a:rPr>
+              <a:t>7</a:t>
+            </a:fld>
+            <a:endParaRPr lang="ru-RU" dirty="0">
+              <a:solidFill>
+                <a:schemeClr val="tx1"/>
+              </a:solidFill>
+            </a:endParaRPr>
+          </a:p>
+        </p:txBody>
+      </p:sp>
+      <p:sp>
+        <p:nvSpPr>
+          <p:cNvPr id="5" name="TextBox 4">
+            <a:extLst>
+              <a:ext uri="{FF2B5EF4-FFF2-40B4-BE49-F238E27FC236}">
+                <a16:creationId xmlns:a16="http://schemas.microsoft.com/office/drawing/2014/main" id="{1E69466C-9302-BAFA-3398-304210C8AE26}"/>
+              </a:ext>
+            </a:extLst>
+          </p:cNvPr>
+          <p:cNvSpPr txBox="1"/>
+          <p:nvPr/>
+        </p:nvSpPr>
+        <p:spPr>
+          <a:xfrm>
+            <a:off x="256674" y="160421"/>
+            <a:ext cx="1698222" cy="461665"/>
+          </a:xfrm>
+          <a:prstGeom prst="rect">
+            <a:avLst/>
+          </a:prstGeom>
+          <a:noFill/>
+        </p:spPr>
+        <p:txBody>
+          <a:bodyPr wrap="none" rtlCol="0">
+            <a:spAutoFit/>
+          </a:bodyPr>
+          <a:lstStyle/>
+          <a:p>
+            <a:r>
+              <a:rPr lang="en-US" sz="2400" dirty="0">
+                <a:effectLst/>
+                <a:latin typeface="Calibri" panose="020F0502020204030204" pitchFamily="34" charset="0"/>
+                <a:ea typeface="Calibri" panose="020F0502020204030204" pitchFamily="34" charset="0"/>
+                <a:cs typeface="Times New Roman" panose="02020603050405020304" pitchFamily="18" charset="0"/>
+              </a:rPr>
+              <a:t>Hello world</a:t>
+            </a:r>
+            <a:r>
+              <a:rPr lang="ru-RU" sz="2400" dirty="0"/>
+              <a:t>.</a:t>
+            </a:r>
+          </a:p>
+        </p:txBody>
+      </p:sp>
+      <p:pic>
+        <p:nvPicPr>
+          <p:cNvPr id="6" name="Рисунок 5">
+            <a:extLst>
+              <a:ext uri="{FF2B5EF4-FFF2-40B4-BE49-F238E27FC236}">
+                <a16:creationId xmlns:a16="http://schemas.microsoft.com/office/drawing/2014/main" id="{C45FF518-8FB8-A78D-F626-7CFC5942845D}"/>
+              </a:ext>
+            </a:extLst>
+          </p:cNvPr>
+          <p:cNvPicPr>
+            <a:picLocks noChangeAspect="1"/>
+          </p:cNvPicPr>
+          <p:nvPr/>
+        </p:nvPicPr>
+        <p:blipFill>
+          <a:blip r:embed="rId2"/>
+          <a:stretch>
+            <a:fillRect/>
+          </a:stretch>
+        </p:blipFill>
+        <p:spPr>
+          <a:xfrm>
+            <a:off x="681205" y="992341"/>
+            <a:ext cx="7834145" cy="4177364"/>
+          </a:xfrm>
+          <a:prstGeom prst="rect">
+            <a:avLst/>
+          </a:prstGeom>
+        </p:spPr>
+      </p:pic>
+    </p:spTree>
+    <p:extLst>
+      <p:ext uri="{BB962C8B-B14F-4D97-AF65-F5344CB8AC3E}">
+        <p14:creationId xmlns:p14="http://schemas.microsoft.com/office/powerpoint/2010/main" val="121956756"/>
+      </p:ext>
+    </p:extLst>
+  </p:cSld>
+  <p:clrMapOvr>
+    <a:masterClrMapping/>
+  </p:clrMapOvr>
+</p:sld>
+</file>
+
+<file path=ppt/slides/slide8.xml><?xml version="1.0" encoding="utf-8"?>
+<p:sld xmlns:a="http://schemas.openxmlformats.org/drawingml/2006/main" xmlns:r="http://schemas.openxmlformats.org/officeDocument/2006/relationships" xmlns:p="http://schemas.openxmlformats.org/presentationml/2006/main">
+  <p:cSld>
+    <p:spTree>
+      <p:nvGrpSpPr>
+        <p:cNvPr id="1" name=""/>
+        <p:cNvGrpSpPr/>
+        <p:nvPr/>
+      </p:nvGrpSpPr>
+      <p:grpSpPr>
+        <a:xfrm>
+          <a:off x="0" y="0"/>
+          <a:ext cx="0" cy="0"/>
+          <a:chOff x="0" y="0"/>
+          <a:chExt cx="0" cy="0"/>
+        </a:xfrm>
+      </p:grpSpPr>
       <p:pic>
         <p:nvPicPr>
           <p:cNvPr id="2054" name="Picture 6">
@@ -8970,7 +9465,7 @@
                   <a:schemeClr val="tx1"/>
                 </a:solidFill>
               </a:rPr>
-              <a:t>7</a:t>
+              <a:t>8</a:t>
             </a:fld>
             <a:endParaRPr lang="ru-RU" dirty="0">
               <a:solidFill>
@@ -9028,7 +9523,7 @@
 </p:sld>
 </file>
 
-<file path=ppt/slides/slide8.xml><?xml version="1.0" encoding="utf-8"?>
+<file path=ppt/slides/slide9.xml><?xml version="1.0" encoding="utf-8"?>
 <p:sld xmlns:a="http://schemas.openxmlformats.org/drawingml/2006/main" xmlns:r="http://schemas.openxmlformats.org/officeDocument/2006/relationships" xmlns:p="http://schemas.openxmlformats.org/presentationml/2006/main">
   <p:cSld>
     <p:spTree>
@@ -9212,7 +9707,7 @@
                   <a:schemeClr val="tx1"/>
                 </a:solidFill>
               </a:rPr>
-              <a:t>8</a:t>
+              <a:t>9</a:t>
             </a:fld>
             <a:endParaRPr lang="ru-RU" dirty="0">
               <a:solidFill>
@@ -9410,270 +9905,6 @@
       <p:bldP spid="7" grpId="0" animBg="1"/>
     </p:bldLst>
   </p:timing>
-</p:sld>
-</file>
-
-<file path=ppt/slides/slide9.xml><?xml version="1.0" encoding="utf-8"?>
-<p:sld xmlns:a="http://schemas.openxmlformats.org/drawingml/2006/main" xmlns:r="http://schemas.openxmlformats.org/officeDocument/2006/relationships" xmlns:p="http://schemas.openxmlformats.org/presentationml/2006/main">
-  <p:cSld>
-    <p:spTree>
-      <p:nvGrpSpPr>
-        <p:cNvPr id="1" name=""/>
-        <p:cNvGrpSpPr/>
-        <p:nvPr/>
-      </p:nvGrpSpPr>
-      <p:grpSpPr>
-        <a:xfrm>
-          <a:off x="0" y="0"/>
-          <a:ext cx="0" cy="0"/>
-          <a:chOff x="0" y="0"/>
-          <a:chExt cx="0" cy="0"/>
-        </a:xfrm>
-      </p:grpSpPr>
-      <p:sp>
-        <p:nvSpPr>
-          <p:cNvPr id="3" name="Объект 2">
-            <a:extLst>
-              <a:ext uri="{FF2B5EF4-FFF2-40B4-BE49-F238E27FC236}">
-                <a16:creationId xmlns:a16="http://schemas.microsoft.com/office/drawing/2014/main" id="{E9C4299B-64F1-CAB8-08A0-4F46371C2658}"/>
-              </a:ext>
-            </a:extLst>
-          </p:cNvPr>
-          <p:cNvSpPr>
-            <a:spLocks noGrp="1"/>
-          </p:cNvSpPr>
-          <p:nvPr>
-            <p:ph idx="1"/>
-          </p:nvPr>
-        </p:nvSpPr>
-        <p:spPr>
-          <a:xfrm>
-            <a:off x="256674" y="855077"/>
-            <a:ext cx="7886700" cy="461665"/>
-          </a:xfrm>
-        </p:spPr>
-        <p:txBody>
-          <a:bodyPr>
-            <a:normAutofit fontScale="55000" lnSpcReduction="20000"/>
-          </a:bodyPr>
-          <a:lstStyle/>
-          <a:p>
-            <a:pPr marL="0" indent="0">
-              <a:buNone/>
-            </a:pPr>
-            <a:r>
-              <a:rPr lang="en-US" dirty="0">
-                <a:hlinkClick r:id="rId2"/>
-              </a:rPr>
-              <a:t>https://wiki.freepascal.org/Basic_Pascal_Tutorial/Chapter_1/Variables_and_Data_Types</a:t>
-            </a:r>
-            <a:endParaRPr lang="ru-RU" dirty="0">
-              <a:hlinkClick r:id="rId2"/>
-            </a:endParaRPr>
-          </a:p>
-          <a:p>
-            <a:pPr marL="0" indent="0">
-              <a:buNone/>
-            </a:pPr>
-            <a:r>
-              <a:rPr lang="en-US" dirty="0">
-                <a:hlinkClick r:id="rId2"/>
-              </a:rPr>
-              <a:t>https://www.tutorialspoint.com/pascal/pascal_variable_types.htm</a:t>
-            </a:r>
-            <a:endParaRPr lang="en-US" dirty="0"/>
-          </a:p>
-          <a:p>
-            <a:pPr marL="0" indent="0">
-              <a:buNone/>
-            </a:pPr>
-            <a:endParaRPr lang="ru-RU" dirty="0"/>
-          </a:p>
-        </p:txBody>
-      </p:sp>
-      <p:sp>
-        <p:nvSpPr>
-          <p:cNvPr id="4" name="TextBox 3">
-            <a:extLst>
-              <a:ext uri="{FF2B5EF4-FFF2-40B4-BE49-F238E27FC236}">
-                <a16:creationId xmlns:a16="http://schemas.microsoft.com/office/drawing/2014/main" id="{701CF149-D8F4-A759-2FF1-482A3E3B75A7}"/>
-              </a:ext>
-            </a:extLst>
-          </p:cNvPr>
-          <p:cNvSpPr txBox="1"/>
-          <p:nvPr/>
-        </p:nvSpPr>
-        <p:spPr>
-          <a:xfrm>
-            <a:off x="256674" y="160421"/>
-            <a:ext cx="2010487" cy="461665"/>
-          </a:xfrm>
-          <a:prstGeom prst="rect">
-            <a:avLst/>
-          </a:prstGeom>
-          <a:noFill/>
-        </p:spPr>
-        <p:txBody>
-          <a:bodyPr wrap="none" rtlCol="0">
-            <a:spAutoFit/>
-          </a:bodyPr>
-          <a:lstStyle/>
-          <a:p>
-            <a:r>
-              <a:rPr lang="ru-RU" sz="2400" dirty="0">
-                <a:effectLst/>
-                <a:latin typeface="Calibri" panose="020F0502020204030204" pitchFamily="34" charset="0"/>
-                <a:ea typeface="Calibri" panose="020F0502020204030204" pitchFamily="34" charset="0"/>
-                <a:cs typeface="Times New Roman" panose="02020603050405020304" pitchFamily="18" charset="0"/>
-              </a:rPr>
-              <a:t>Список типов.</a:t>
-            </a:r>
-            <a:endParaRPr lang="ru-RU" sz="2400" dirty="0"/>
-          </a:p>
-        </p:txBody>
-      </p:sp>
-      <p:pic>
-        <p:nvPicPr>
-          <p:cNvPr id="8" name="Рисунок 7">
-            <a:extLst>
-              <a:ext uri="{FF2B5EF4-FFF2-40B4-BE49-F238E27FC236}">
-                <a16:creationId xmlns:a16="http://schemas.microsoft.com/office/drawing/2014/main" id="{F49BBE62-C005-7792-83F2-621D84F04EA6}"/>
-              </a:ext>
-            </a:extLst>
-          </p:cNvPr>
-          <p:cNvPicPr>
-            <a:picLocks noChangeAspect="1"/>
-          </p:cNvPicPr>
-          <p:nvPr/>
-        </p:nvPicPr>
-        <p:blipFill>
-          <a:blip r:embed="rId3"/>
-          <a:stretch>
-            <a:fillRect/>
-          </a:stretch>
-        </p:blipFill>
-        <p:spPr>
-          <a:xfrm>
-            <a:off x="327109" y="1471863"/>
-            <a:ext cx="3933825" cy="3048000"/>
-          </a:xfrm>
-          <a:prstGeom prst="rect">
-            <a:avLst/>
-          </a:prstGeom>
-        </p:spPr>
-      </p:pic>
-      <p:pic>
-        <p:nvPicPr>
-          <p:cNvPr id="12" name="Рисунок 11">
-            <a:extLst>
-              <a:ext uri="{FF2B5EF4-FFF2-40B4-BE49-F238E27FC236}">
-                <a16:creationId xmlns:a16="http://schemas.microsoft.com/office/drawing/2014/main" id="{120DCBDA-B439-D9A7-DD35-AFE8B7A4B013}"/>
-              </a:ext>
-            </a:extLst>
-          </p:cNvPr>
-          <p:cNvPicPr>
-            <a:picLocks noChangeAspect="1"/>
-          </p:cNvPicPr>
-          <p:nvPr/>
-        </p:nvPicPr>
-        <p:blipFill>
-          <a:blip r:embed="rId4"/>
-          <a:stretch>
-            <a:fillRect/>
-          </a:stretch>
-        </p:blipFill>
-        <p:spPr>
-          <a:xfrm>
-            <a:off x="327109" y="4674984"/>
-            <a:ext cx="2200275" cy="1647825"/>
-          </a:xfrm>
-          <a:prstGeom prst="rect">
-            <a:avLst/>
-          </a:prstGeom>
-        </p:spPr>
-      </p:pic>
-      <p:pic>
-        <p:nvPicPr>
-          <p:cNvPr id="14" name="Рисунок 13">
-            <a:extLst>
-              <a:ext uri="{FF2B5EF4-FFF2-40B4-BE49-F238E27FC236}">
-                <a16:creationId xmlns:a16="http://schemas.microsoft.com/office/drawing/2014/main" id="{C85E162D-A508-FE81-F6AE-38B61DF3F0D5}"/>
-              </a:ext>
-            </a:extLst>
-          </p:cNvPr>
-          <p:cNvPicPr>
-            <a:picLocks noChangeAspect="1"/>
-          </p:cNvPicPr>
-          <p:nvPr/>
-        </p:nvPicPr>
-        <p:blipFill>
-          <a:blip r:embed="rId5"/>
-          <a:stretch>
-            <a:fillRect/>
-          </a:stretch>
-        </p:blipFill>
-        <p:spPr>
-          <a:xfrm>
-            <a:off x="4338637" y="1471863"/>
-            <a:ext cx="4733925" cy="2266950"/>
-          </a:xfrm>
-          <a:prstGeom prst="rect">
-            <a:avLst/>
-          </a:prstGeom>
-        </p:spPr>
-      </p:pic>
-      <p:sp>
-        <p:nvSpPr>
-          <p:cNvPr id="15" name="Номер слайда 1">
-            <a:extLst>
-              <a:ext uri="{FF2B5EF4-FFF2-40B4-BE49-F238E27FC236}">
-                <a16:creationId xmlns:a16="http://schemas.microsoft.com/office/drawing/2014/main" id="{A04C37F0-B3B5-3C98-F85A-7D61B64676FA}"/>
-              </a:ext>
-            </a:extLst>
-          </p:cNvPr>
-          <p:cNvSpPr>
-            <a:spLocks noGrp="1"/>
-          </p:cNvSpPr>
-          <p:nvPr>
-            <p:ph type="sldNum" sz="quarter" idx="12"/>
-          </p:nvPr>
-        </p:nvSpPr>
-        <p:spPr>
-          <a:xfrm>
-            <a:off x="6457950" y="6362616"/>
-            <a:ext cx="2057400" cy="365125"/>
-          </a:xfrm>
-        </p:spPr>
-        <p:txBody>
-          <a:bodyPr/>
-          <a:lstStyle/>
-          <a:p>
-            <a:fld id="{370A62FE-C268-428B-9FB6-A45FCBA79971}" type="slidenum">
-              <a:rPr lang="ru-RU" sz="1400" smtClean="0">
-                <a:solidFill>
-                  <a:schemeClr val="tx1"/>
-                </a:solidFill>
-              </a:rPr>
-              <a:t>9</a:t>
-            </a:fld>
-            <a:endParaRPr lang="ru-RU" dirty="0">
-              <a:solidFill>
-                <a:schemeClr val="tx1"/>
-              </a:solidFill>
-            </a:endParaRPr>
-          </a:p>
-        </p:txBody>
-      </p:sp>
-    </p:spTree>
-    <p:extLst>
-      <p:ext uri="{BB962C8B-B14F-4D97-AF65-F5344CB8AC3E}">
-        <p14:creationId xmlns:p14="http://schemas.microsoft.com/office/powerpoint/2010/main" val="3005760833"/>
-      </p:ext>
-    </p:extLst>
-  </p:cSld>
-  <p:clrMapOvr>
-    <a:masterClrMapping/>
-  </p:clrMapOvr>
 </p:sld>
 </file>
 

--- a/1. Введение/1. Введение.pptx
+++ b/1. Введение/1. Введение.pptx
@@ -5,21 +5,22 @@
     <p:sldMasterId id="2147483648" r:id="rId1"/>
   </p:sldMasterIdLst>
   <p:notesMasterIdLst>
-    <p:notesMasterId r:id="rId14"/>
+    <p:notesMasterId r:id="rId15"/>
   </p:notesMasterIdLst>
   <p:sldIdLst>
     <p:sldId id="257" r:id="rId2"/>
-    <p:sldId id="258" r:id="rId3"/>
-    <p:sldId id="259" r:id="rId4"/>
-    <p:sldId id="260" r:id="rId5"/>
-    <p:sldId id="263" r:id="rId6"/>
-    <p:sldId id="266" r:id="rId7"/>
-    <p:sldId id="269" r:id="rId8"/>
-    <p:sldId id="265" r:id="rId9"/>
-    <p:sldId id="267" r:id="rId10"/>
-    <p:sldId id="261" r:id="rId11"/>
-    <p:sldId id="268" r:id="rId12"/>
-    <p:sldId id="262" r:id="rId13"/>
+    <p:sldId id="270" r:id="rId3"/>
+    <p:sldId id="258" r:id="rId4"/>
+    <p:sldId id="259" r:id="rId5"/>
+    <p:sldId id="260" r:id="rId6"/>
+    <p:sldId id="263" r:id="rId7"/>
+    <p:sldId id="266" r:id="rId8"/>
+    <p:sldId id="269" r:id="rId9"/>
+    <p:sldId id="265" r:id="rId10"/>
+    <p:sldId id="267" r:id="rId11"/>
+    <p:sldId id="261" r:id="rId12"/>
+    <p:sldId id="268" r:id="rId13"/>
+    <p:sldId id="262" r:id="rId14"/>
   </p:sldIdLst>
   <p:sldSz cx="9144000" cy="6858000" type="screen4x3"/>
   <p:notesSz cx="6858000" cy="9144000"/>
@@ -235,7 +236,7 @@
           <a:p>
             <a:fld id="{7631E45C-F116-462B-8760-2078BF082F1A}" type="datetimeFigureOut">
               <a:rPr lang="ru-RU" smtClean="0"/>
-              <a:t>01.02.2023</a:t>
+              <a:t>02.02.2023</a:t>
             </a:fld>
             <a:endParaRPr lang="ru-RU"/>
           </a:p>
@@ -567,7 +568,7 @@
           <a:p>
             <a:fld id="{46D2654B-16AF-4FC8-85F1-09ECDEE7574F}" type="slidenum">
               <a:rPr lang="ru-RU" smtClean="0"/>
-              <a:t>9</a:t>
+              <a:t>10</a:t>
             </a:fld>
             <a:endParaRPr lang="ru-RU"/>
           </a:p>
@@ -733,7 +734,7 @@
           <a:p>
             <a:fld id="{A9AD3FF1-1C77-4208-A728-6715B8BCAEC8}" type="datetime1">
               <a:rPr lang="ru-RU" smtClean="0"/>
-              <a:t>01.02.2023</a:t>
+              <a:t>02.02.2023</a:t>
             </a:fld>
             <a:endParaRPr lang="ru-RU"/>
           </a:p>
@@ -931,7 +932,7 @@
           <a:p>
             <a:fld id="{1C142B9A-2E56-4B99-A87C-1793C4E37C39}" type="datetime1">
               <a:rPr lang="ru-RU" smtClean="0"/>
-              <a:t>01.02.2023</a:t>
+              <a:t>02.02.2023</a:t>
             </a:fld>
             <a:endParaRPr lang="ru-RU"/>
           </a:p>
@@ -1139,7 +1140,7 @@
           <a:p>
             <a:fld id="{9E0ED007-B469-42B5-84D0-B2D8518EE6AF}" type="datetime1">
               <a:rPr lang="ru-RU" smtClean="0"/>
-              <a:t>01.02.2023</a:t>
+              <a:t>02.02.2023</a:t>
             </a:fld>
             <a:endParaRPr lang="ru-RU"/>
           </a:p>
@@ -1337,7 +1338,7 @@
           <a:p>
             <a:fld id="{C24A6B21-3CC2-4411-9ED7-28D4F07E6447}" type="datetime1">
               <a:rPr lang="ru-RU" smtClean="0"/>
-              <a:t>01.02.2023</a:t>
+              <a:t>02.02.2023</a:t>
             </a:fld>
             <a:endParaRPr lang="ru-RU"/>
           </a:p>
@@ -1612,7 +1613,7 @@
           <a:p>
             <a:fld id="{B56534DB-51AD-42E8-BAE2-9D524DF6969E}" type="datetime1">
               <a:rPr lang="ru-RU" smtClean="0"/>
-              <a:t>01.02.2023</a:t>
+              <a:t>02.02.2023</a:t>
             </a:fld>
             <a:endParaRPr lang="ru-RU"/>
           </a:p>
@@ -1877,7 +1878,7 @@
           <a:p>
             <a:fld id="{586E71E7-4231-4511-A286-4D8BAA3C5460}" type="datetime1">
               <a:rPr lang="ru-RU" smtClean="0"/>
-              <a:t>01.02.2023</a:t>
+              <a:t>02.02.2023</a:t>
             </a:fld>
             <a:endParaRPr lang="ru-RU"/>
           </a:p>
@@ -2289,7 +2290,7 @@
           <a:p>
             <a:fld id="{38907D2B-A495-4440-AD73-F377A1E57184}" type="datetime1">
               <a:rPr lang="ru-RU" smtClean="0"/>
-              <a:t>01.02.2023</a:t>
+              <a:t>02.02.2023</a:t>
             </a:fld>
             <a:endParaRPr lang="ru-RU"/>
           </a:p>
@@ -2430,7 +2431,7 @@
           <a:p>
             <a:fld id="{161FC52B-1D54-47AE-B2C9-575E5C19FE39}" type="datetime1">
               <a:rPr lang="ru-RU" smtClean="0"/>
-              <a:t>01.02.2023</a:t>
+              <a:t>02.02.2023</a:t>
             </a:fld>
             <a:endParaRPr lang="ru-RU"/>
           </a:p>
@@ -2543,7 +2544,7 @@
           <a:p>
             <a:fld id="{8832FC10-F7B7-4864-9033-3EC7976FDCB5}" type="datetime1">
               <a:rPr lang="ru-RU" smtClean="0"/>
-              <a:t>01.02.2023</a:t>
+              <a:t>02.02.2023</a:t>
             </a:fld>
             <a:endParaRPr lang="ru-RU"/>
           </a:p>
@@ -2854,7 +2855,7 @@
           <a:p>
             <a:fld id="{4C6FDB09-C334-42D1-A8CC-92BA43584AF5}" type="datetime1">
               <a:rPr lang="ru-RU" smtClean="0"/>
-              <a:t>01.02.2023</a:t>
+              <a:t>02.02.2023</a:t>
             </a:fld>
             <a:endParaRPr lang="ru-RU"/>
           </a:p>
@@ -3142,7 +3143,7 @@
           <a:p>
             <a:fld id="{5DA449B0-4AC4-4D56-AD1E-2E60E920D68F}" type="datetime1">
               <a:rPr lang="ru-RU" smtClean="0"/>
-              <a:t>01.02.2023</a:t>
+              <a:t>02.02.2023</a:t>
             </a:fld>
             <a:endParaRPr lang="ru-RU"/>
           </a:p>
@@ -3383,7 +3384,7 @@
           <a:p>
             <a:fld id="{6E39FA31-E67D-4DB0-8FD3-FD47DE2B0D1A}" type="datetime1">
               <a:rPr lang="ru-RU" smtClean="0"/>
-              <a:t>01.02.2023</a:t>
+              <a:t>02.02.2023</a:t>
             </a:fld>
             <a:endParaRPr lang="ru-RU"/>
           </a:p>
@@ -4086,6 +4087,391 @@
           <a:chExt cx="0" cy="0"/>
         </a:xfrm>
       </p:grpSpPr>
+      <p:pic>
+        <p:nvPicPr>
+          <p:cNvPr id="3074" name="Picture 2">
+            <a:extLst>
+              <a:ext uri="{FF2B5EF4-FFF2-40B4-BE49-F238E27FC236}">
+                <a16:creationId xmlns:a16="http://schemas.microsoft.com/office/drawing/2014/main" id="{86A41C3A-521A-DE18-CE7B-73AE8916A542}"/>
+              </a:ext>
+            </a:extLst>
+          </p:cNvPr>
+          <p:cNvPicPr>
+            <a:picLocks noChangeAspect="1" noChangeArrowheads="1"/>
+          </p:cNvPicPr>
+          <p:nvPr/>
+        </p:nvPicPr>
+        <p:blipFill>
+          <a:blip r:embed="rId3">
+            <a:extLst>
+              <a:ext uri="{28A0092B-C50C-407E-A947-70E740481C1C}">
+                <a14:useLocalDpi xmlns:a14="http://schemas.microsoft.com/office/drawing/2010/main" val="0"/>
+              </a:ext>
+            </a:extLst>
+          </a:blip>
+          <a:srcRect/>
+          <a:stretch>
+            <a:fillRect/>
+          </a:stretch>
+        </p:blipFill>
+        <p:spPr bwMode="auto">
+          <a:xfrm>
+            <a:off x="1030373" y="860875"/>
+            <a:ext cx="6850218" cy="5212798"/>
+          </a:xfrm>
+          <a:prstGeom prst="rect">
+            <a:avLst/>
+          </a:prstGeom>
+          <a:noFill/>
+          <a:extLst>
+            <a:ext uri="{909E8E84-426E-40DD-AFC4-6F175D3DCCD1}">
+              <a14:hiddenFill xmlns:a14="http://schemas.microsoft.com/office/drawing/2010/main">
+                <a:solidFill>
+                  <a:srgbClr val="FFFFFF"/>
+                </a:solidFill>
+              </a14:hiddenFill>
+            </a:ext>
+          </a:extLst>
+        </p:spPr>
+      </p:pic>
+      <p:sp>
+        <p:nvSpPr>
+          <p:cNvPr id="4" name="TextBox 3">
+            <a:extLst>
+              <a:ext uri="{FF2B5EF4-FFF2-40B4-BE49-F238E27FC236}">
+                <a16:creationId xmlns:a16="http://schemas.microsoft.com/office/drawing/2014/main" id="{CB7F9C6D-71FD-6210-FFF4-E463C84A3CD9}"/>
+              </a:ext>
+            </a:extLst>
+          </p:cNvPr>
+          <p:cNvSpPr txBox="1"/>
+          <p:nvPr/>
+        </p:nvSpPr>
+        <p:spPr>
+          <a:xfrm>
+            <a:off x="256674" y="160421"/>
+            <a:ext cx="2900346" cy="461665"/>
+          </a:xfrm>
+          <a:prstGeom prst="rect">
+            <a:avLst/>
+          </a:prstGeom>
+          <a:noFill/>
+        </p:spPr>
+        <p:txBody>
+          <a:bodyPr wrap="none" rtlCol="0">
+            <a:spAutoFit/>
+          </a:bodyPr>
+          <a:lstStyle/>
+          <a:p>
+            <a:r>
+              <a:rPr lang="ru-RU" sz="2400" dirty="0"/>
+              <a:t>Комбинации байтов</a:t>
+            </a:r>
+          </a:p>
+        </p:txBody>
+      </p:sp>
+      <p:sp>
+        <p:nvSpPr>
+          <p:cNvPr id="5" name="TextBox 4">
+            <a:extLst>
+              <a:ext uri="{FF2B5EF4-FFF2-40B4-BE49-F238E27FC236}">
+                <a16:creationId xmlns:a16="http://schemas.microsoft.com/office/drawing/2014/main" id="{ADA9E44C-2000-3EBD-3DB8-63BC99B7C8BF}"/>
+              </a:ext>
+            </a:extLst>
+          </p:cNvPr>
+          <p:cNvSpPr txBox="1"/>
+          <p:nvPr/>
+        </p:nvSpPr>
+        <p:spPr>
+          <a:xfrm>
+            <a:off x="58275" y="6309419"/>
+            <a:ext cx="5665975" cy="461665"/>
+          </a:xfrm>
+          <a:prstGeom prst="rect">
+            <a:avLst/>
+          </a:prstGeom>
+          <a:noFill/>
+        </p:spPr>
+        <p:txBody>
+          <a:bodyPr wrap="none" rtlCol="0">
+            <a:spAutoFit/>
+          </a:bodyPr>
+          <a:lstStyle/>
+          <a:p>
+            <a:r>
+              <a:rPr lang="en-US" sz="1200" dirty="0">
+                <a:hlinkClick r:id="rId4"/>
+              </a:rPr>
+              <a:t>https://www3.ntu.edu.sg/home/ehchua/programming/cpp/cp4_PointerReference.html</a:t>
+            </a:r>
+            <a:endParaRPr lang="en-US" sz="1200" dirty="0"/>
+          </a:p>
+          <a:p>
+            <a:r>
+              <a:rPr lang="en-US" sz="1200" dirty="0">
+                <a:hlinkClick r:id="rId5"/>
+              </a:rPr>
+              <a:t>https://ru.wikipedia.org/wiki/</a:t>
+            </a:r>
+            <a:r>
+              <a:rPr lang="ru-RU" sz="1200" dirty="0" err="1">
+                <a:hlinkClick r:id="rId5"/>
+              </a:rPr>
+              <a:t>Порядок_байтов</a:t>
+            </a:r>
+            <a:endParaRPr lang="ru-RU" sz="1200" dirty="0"/>
+          </a:p>
+        </p:txBody>
+      </p:sp>
+      <p:sp>
+        <p:nvSpPr>
+          <p:cNvPr id="6" name="Номер слайда 1">
+            <a:extLst>
+              <a:ext uri="{FF2B5EF4-FFF2-40B4-BE49-F238E27FC236}">
+                <a16:creationId xmlns:a16="http://schemas.microsoft.com/office/drawing/2014/main" id="{D6D4384B-007E-21B7-A4CC-9A9CAB3F1768}"/>
+              </a:ext>
+            </a:extLst>
+          </p:cNvPr>
+          <p:cNvSpPr>
+            <a:spLocks noGrp="1"/>
+          </p:cNvSpPr>
+          <p:nvPr>
+            <p:ph type="sldNum" sz="quarter" idx="12"/>
+          </p:nvPr>
+        </p:nvSpPr>
+        <p:spPr>
+          <a:xfrm>
+            <a:off x="6457950" y="6362616"/>
+            <a:ext cx="2057400" cy="365125"/>
+          </a:xfrm>
+        </p:spPr>
+        <p:txBody>
+          <a:bodyPr/>
+          <a:lstStyle/>
+          <a:p>
+            <a:fld id="{370A62FE-C268-428B-9FB6-A45FCBA79971}" type="slidenum">
+              <a:rPr lang="ru-RU" sz="1400" smtClean="0">
+                <a:solidFill>
+                  <a:schemeClr val="tx1"/>
+                </a:solidFill>
+              </a:rPr>
+              <a:t>10</a:t>
+            </a:fld>
+            <a:endParaRPr lang="ru-RU" dirty="0">
+              <a:solidFill>
+                <a:schemeClr val="tx1"/>
+              </a:solidFill>
+            </a:endParaRPr>
+          </a:p>
+        </p:txBody>
+      </p:sp>
+      <p:sp>
+        <p:nvSpPr>
+          <p:cNvPr id="7" name="Прямоугольник 6">
+            <a:extLst>
+              <a:ext uri="{FF2B5EF4-FFF2-40B4-BE49-F238E27FC236}">
+                <a16:creationId xmlns:a16="http://schemas.microsoft.com/office/drawing/2014/main" id="{3F4FA82C-14A1-31F7-928C-48AAEE280969}"/>
+              </a:ext>
+            </a:extLst>
+          </p:cNvPr>
+          <p:cNvSpPr/>
+          <p:nvPr/>
+        </p:nvSpPr>
+        <p:spPr>
+          <a:xfrm>
+            <a:off x="3679902" y="784327"/>
+            <a:ext cx="4433725" cy="5076035"/>
+          </a:xfrm>
+          <a:prstGeom prst="rect">
+            <a:avLst/>
+          </a:prstGeom>
+          <a:solidFill>
+            <a:schemeClr val="bg1"/>
+          </a:solidFill>
+          <a:ln>
+            <a:solidFill>
+              <a:schemeClr val="bg1"/>
+            </a:solidFill>
+          </a:ln>
+        </p:spPr>
+        <p:style>
+          <a:lnRef idx="2">
+            <a:schemeClr val="accent1">
+              <a:shade val="50000"/>
+            </a:schemeClr>
+          </a:lnRef>
+          <a:fillRef idx="1">
+            <a:schemeClr val="accent1"/>
+          </a:fillRef>
+          <a:effectRef idx="0">
+            <a:schemeClr val="accent1"/>
+          </a:effectRef>
+          <a:fontRef idx="minor">
+            <a:schemeClr val="lt1"/>
+          </a:fontRef>
+        </p:style>
+        <p:txBody>
+          <a:bodyPr rtlCol="0" anchor="ctr"/>
+          <a:lstStyle/>
+          <a:p>
+            <a:pPr algn="ctr"/>
+            <a:endParaRPr lang="ru-RU"/>
+          </a:p>
+        </p:txBody>
+      </p:sp>
+    </p:spTree>
+    <p:extLst>
+      <p:ext uri="{BB962C8B-B14F-4D97-AF65-F5344CB8AC3E}">
+        <p14:creationId xmlns:p14="http://schemas.microsoft.com/office/powerpoint/2010/main" val="1690413485"/>
+      </p:ext>
+    </p:extLst>
+  </p:cSld>
+  <p:clrMapOvr>
+    <a:masterClrMapping/>
+  </p:clrMapOvr>
+  <p:timing>
+    <p:tnLst>
+      <p:par>
+        <p:cTn id="1" dur="indefinite" restart="never" nodeType="tmRoot">
+          <p:childTnLst>
+            <p:seq concurrent="1" nextAc="seek">
+              <p:cTn id="2" dur="indefinite" nodeType="mainSeq">
+                <p:childTnLst>
+                  <p:par>
+                    <p:cTn id="3" fill="hold">
+                      <p:stCondLst>
+                        <p:cond delay="indefinite"/>
+                      </p:stCondLst>
+                      <p:childTnLst>
+                        <p:par>
+                          <p:cTn id="4" fill="hold">
+                            <p:stCondLst>
+                              <p:cond delay="0"/>
+                            </p:stCondLst>
+                            <p:childTnLst>
+                              <p:par>
+                                <p:cTn id="5" presetID="2" presetClass="exit" presetSubtype="2" fill="hold" grpId="0" nodeType="clickEffect">
+                                  <p:stCondLst>
+                                    <p:cond delay="0"/>
+                                  </p:stCondLst>
+                                  <p:childTnLst>
+                                    <p:anim calcmode="lin" valueType="num">
+                                      <p:cBhvr additive="base">
+                                        <p:cTn id="6" dur="500"/>
+                                        <p:tgtEl>
+                                          <p:spTgt spid="7"/>
+                                        </p:tgtEl>
+                                        <p:attrNameLst>
+                                          <p:attrName>ppt_x</p:attrName>
+                                        </p:attrNameLst>
+                                      </p:cBhvr>
+                                      <p:tavLst>
+                                        <p:tav tm="0">
+                                          <p:val>
+                                            <p:strVal val="ppt_x"/>
+                                          </p:val>
+                                        </p:tav>
+                                        <p:tav tm="100000">
+                                          <p:val>
+                                            <p:strVal val="1+ppt_w/2"/>
+                                          </p:val>
+                                        </p:tav>
+                                      </p:tavLst>
+                                    </p:anim>
+                                    <p:anim calcmode="lin" valueType="num">
+                                      <p:cBhvr additive="base">
+                                        <p:cTn id="7" dur="500"/>
+                                        <p:tgtEl>
+                                          <p:spTgt spid="7"/>
+                                        </p:tgtEl>
+                                        <p:attrNameLst>
+                                          <p:attrName>ppt_y</p:attrName>
+                                        </p:attrNameLst>
+                                      </p:cBhvr>
+                                      <p:tavLst>
+                                        <p:tav tm="0">
+                                          <p:val>
+                                            <p:strVal val="ppt_y"/>
+                                          </p:val>
+                                        </p:tav>
+                                        <p:tav tm="100000">
+                                          <p:val>
+                                            <p:strVal val="ppt_y"/>
+                                          </p:val>
+                                        </p:tav>
+                                      </p:tavLst>
+                                    </p:anim>
+                                    <p:set>
+                                      <p:cBhvr>
+                                        <p:cTn id="8" dur="1" fill="hold">
+                                          <p:stCondLst>
+                                            <p:cond delay="499"/>
+                                          </p:stCondLst>
+                                        </p:cTn>
+                                        <p:tgtEl>
+                                          <p:spTgt spid="7"/>
+                                        </p:tgtEl>
+                                        <p:attrNameLst>
+                                          <p:attrName>style.visibility</p:attrName>
+                                        </p:attrNameLst>
+                                      </p:cBhvr>
+                                      <p:to>
+                                        <p:strVal val="hidden"/>
+                                      </p:to>
+                                    </p:set>
+                                  </p:childTnLst>
+                                </p:cTn>
+                              </p:par>
+                            </p:childTnLst>
+                          </p:cTn>
+                        </p:par>
+                      </p:childTnLst>
+                    </p:cTn>
+                  </p:par>
+                </p:childTnLst>
+              </p:cTn>
+              <p:prevCondLst>
+                <p:cond evt="onPrev" delay="0">
+                  <p:tgtEl>
+                    <p:sldTgt/>
+                  </p:tgtEl>
+                </p:cond>
+              </p:prevCondLst>
+              <p:nextCondLst>
+                <p:cond evt="onNext" delay="0">
+                  <p:tgtEl>
+                    <p:sldTgt/>
+                  </p:tgtEl>
+                </p:cond>
+              </p:nextCondLst>
+            </p:seq>
+          </p:childTnLst>
+        </p:cTn>
+      </p:par>
+    </p:tnLst>
+    <p:bldLst>
+      <p:bldP spid="7" grpId="0" animBg="1"/>
+    </p:bldLst>
+  </p:timing>
+</p:sld>
+</file>
+
+<file path=ppt/slides/slide11.xml><?xml version="1.0" encoding="utf-8"?>
+<p:sld xmlns:a="http://schemas.openxmlformats.org/drawingml/2006/main" xmlns:r="http://schemas.openxmlformats.org/officeDocument/2006/relationships" xmlns:p="http://schemas.openxmlformats.org/presentationml/2006/main">
+  <p:cSld>
+    <p:spTree>
+      <p:nvGrpSpPr>
+        <p:cNvPr id="1" name=""/>
+        <p:cNvGrpSpPr/>
+        <p:nvPr/>
+      </p:nvGrpSpPr>
+      <p:grpSpPr>
+        <a:xfrm>
+          <a:off x="0" y="0"/>
+          <a:ext cx="0" cy="0"/>
+          <a:chOff x="0" y="0"/>
+          <a:chExt cx="0" cy="0"/>
+        </a:xfrm>
+      </p:grpSpPr>
       <p:sp>
         <p:nvSpPr>
           <p:cNvPr id="3" name="Объект 2">
@@ -4310,7 +4696,7 @@
                   <a:schemeClr val="tx1"/>
                 </a:solidFill>
               </a:rPr>
-              <a:t>10</a:t>
+              <a:t>11</a:t>
             </a:fld>
             <a:endParaRPr lang="ru-RU" dirty="0">
               <a:solidFill>
@@ -4333,7 +4719,7 @@
 </p:sld>
 </file>
 
-<file path=ppt/slides/slide11.xml><?xml version="1.0" encoding="utf-8"?>
+<file path=ppt/slides/slide12.xml><?xml version="1.0" encoding="utf-8"?>
 <p:sld xmlns:a="http://schemas.openxmlformats.org/drawingml/2006/main" xmlns:r="http://schemas.openxmlformats.org/officeDocument/2006/relationships" xmlns:p="http://schemas.openxmlformats.org/presentationml/2006/main">
   <p:cSld>
     <p:spTree>
@@ -7666,7 +8052,7 @@
                   <a:schemeClr val="tx1"/>
                 </a:solidFill>
               </a:rPr>
-              <a:t>11</a:t>
+              <a:t>12</a:t>
             </a:fld>
             <a:endParaRPr lang="ru-RU" dirty="0">
               <a:solidFill>
@@ -7689,7 +8075,7 @@
 </p:sld>
 </file>
 
-<file path=ppt/slides/slide12.xml><?xml version="1.0" encoding="utf-8"?>
+<file path=ppt/slides/slide13.xml><?xml version="1.0" encoding="utf-8"?>
 <p:sld xmlns:a="http://schemas.openxmlformats.org/drawingml/2006/main" xmlns:r="http://schemas.openxmlformats.org/officeDocument/2006/relationships" xmlns:p="http://schemas.openxmlformats.org/presentationml/2006/main">
   <p:cSld>
     <p:spTree>
@@ -7955,7 +8341,7 @@
                   <a:schemeClr val="tx1"/>
                 </a:solidFill>
               </a:rPr>
-              <a:t>12</a:t>
+              <a:t>13</a:t>
             </a:fld>
             <a:endParaRPr lang="ru-RU" dirty="0">
               <a:solidFill>
@@ -7979,6 +8365,92 @@
 </file>
 
 <file path=ppt/slides/slide2.xml><?xml version="1.0" encoding="utf-8"?>
+<p:sld xmlns:a="http://schemas.openxmlformats.org/drawingml/2006/main" xmlns:r="http://schemas.openxmlformats.org/officeDocument/2006/relationships" xmlns:p="http://schemas.openxmlformats.org/presentationml/2006/main">
+  <p:cSld>
+    <p:spTree>
+      <p:nvGrpSpPr>
+        <p:cNvPr id="1" name=""/>
+        <p:cNvGrpSpPr/>
+        <p:nvPr/>
+      </p:nvGrpSpPr>
+      <p:grpSpPr>
+        <a:xfrm>
+          <a:off x="0" y="0"/>
+          <a:ext cx="0" cy="0"/>
+          <a:chOff x="0" y="0"/>
+          <a:chExt cx="0" cy="0"/>
+        </a:xfrm>
+      </p:grpSpPr>
+      <p:sp>
+        <p:nvSpPr>
+          <p:cNvPr id="4" name="Объект 2">
+            <a:extLst>
+              <a:ext uri="{FF2B5EF4-FFF2-40B4-BE49-F238E27FC236}">
+                <a16:creationId xmlns:a16="http://schemas.microsoft.com/office/drawing/2014/main" id="{EDB9C198-D555-A58F-74D5-CD9F9AF13DA2}"/>
+              </a:ext>
+            </a:extLst>
+          </p:cNvPr>
+          <p:cNvSpPr>
+            <a:spLocks noGrp="1"/>
+          </p:cNvSpPr>
+          <p:nvPr>
+            <p:ph idx="1"/>
+          </p:nvPr>
+        </p:nvSpPr>
+        <p:spPr>
+          <a:xfrm>
+            <a:off x="628650" y="312821"/>
+            <a:ext cx="7886700" cy="6232358"/>
+          </a:xfrm>
+        </p:spPr>
+        <p:txBody>
+          <a:bodyPr>
+            <a:normAutofit/>
+          </a:bodyPr>
+          <a:lstStyle/>
+          <a:p>
+            <a:pPr marL="0" indent="0">
+              <a:buNone/>
+            </a:pPr>
+            <a:r>
+              <a:rPr lang="ru-RU" sz="3200" dirty="0"/>
+              <a:t>Имя пользователя: </a:t>
+            </a:r>
+            <a:r>
+              <a:rPr lang="en-US" sz="3200" dirty="0"/>
+              <a:t>suser01</a:t>
+            </a:r>
+          </a:p>
+          <a:p>
+            <a:pPr marL="0" indent="0">
+              <a:buNone/>
+            </a:pPr>
+            <a:r>
+              <a:rPr lang="ru-RU" sz="3200" dirty="0"/>
+              <a:t>Пароль: </a:t>
+            </a:r>
+            <a:r>
+              <a:rPr lang="en-US" sz="3200" dirty="0"/>
+              <a:t>mimo#00</a:t>
+            </a:r>
+            <a:endParaRPr lang="ru-RU" sz="3200" dirty="0"/>
+          </a:p>
+        </p:txBody>
+      </p:sp>
+    </p:spTree>
+    <p:extLst>
+      <p:ext uri="{BB962C8B-B14F-4D97-AF65-F5344CB8AC3E}">
+        <p14:creationId xmlns:p14="http://schemas.microsoft.com/office/powerpoint/2010/main" val="2650214129"/>
+      </p:ext>
+    </p:extLst>
+  </p:cSld>
+  <p:clrMapOvr>
+    <a:masterClrMapping/>
+  </p:clrMapOvr>
+</p:sld>
+</file>
+
+<file path=ppt/slides/slide3.xml><?xml version="1.0" encoding="utf-8"?>
 <p:sld xmlns:a="http://schemas.openxmlformats.org/drawingml/2006/main" xmlns:r="http://schemas.openxmlformats.org/officeDocument/2006/relationships" xmlns:p="http://schemas.openxmlformats.org/presentationml/2006/main">
   <p:cSld>
     <p:spTree>
@@ -8173,78 +8645,6 @@
                   <a:schemeClr val="tx1"/>
                 </a:solidFill>
               </a:rPr>
-              <a:t>2</a:t>
-            </a:fld>
-            <a:endParaRPr lang="ru-RU" dirty="0">
-              <a:solidFill>
-                <a:schemeClr val="tx1"/>
-              </a:solidFill>
-            </a:endParaRPr>
-          </a:p>
-        </p:txBody>
-      </p:sp>
-    </p:spTree>
-    <p:extLst>
-      <p:ext uri="{BB962C8B-B14F-4D97-AF65-F5344CB8AC3E}">
-        <p14:creationId xmlns:p14="http://schemas.microsoft.com/office/powerpoint/2010/main" val="3662422697"/>
-      </p:ext>
-    </p:extLst>
-  </p:cSld>
-  <p:clrMapOvr>
-    <a:masterClrMapping/>
-  </p:clrMapOvr>
-</p:sld>
-</file>
-
-<file path=ppt/slides/slide3.xml><?xml version="1.0" encoding="utf-8"?>
-<p:sld xmlns:a="http://schemas.openxmlformats.org/drawingml/2006/main" xmlns:r="http://schemas.openxmlformats.org/officeDocument/2006/relationships" xmlns:p="http://schemas.openxmlformats.org/presentationml/2006/main">
-  <p:cSld>
-    <p:spTree>
-      <p:nvGrpSpPr>
-        <p:cNvPr id="1" name=""/>
-        <p:cNvGrpSpPr/>
-        <p:nvPr/>
-      </p:nvGrpSpPr>
-      <p:grpSpPr>
-        <a:xfrm>
-          <a:off x="0" y="0"/>
-          <a:ext cx="0" cy="0"/>
-          <a:chOff x="0" y="0"/>
-          <a:chExt cx="0" cy="0"/>
-        </a:xfrm>
-      </p:grpSpPr>
-      <p:sp>
-        <p:nvSpPr>
-          <p:cNvPr id="7" name="Номер слайда 1">
-            <a:extLst>
-              <a:ext uri="{FF2B5EF4-FFF2-40B4-BE49-F238E27FC236}">
-                <a16:creationId xmlns:a16="http://schemas.microsoft.com/office/drawing/2014/main" id="{3E97B008-075A-1D38-5C50-E307907C9E56}"/>
-              </a:ext>
-            </a:extLst>
-          </p:cNvPr>
-          <p:cNvSpPr>
-            <a:spLocks noGrp="1"/>
-          </p:cNvSpPr>
-          <p:nvPr>
-            <p:ph type="sldNum" sz="quarter" idx="12"/>
-          </p:nvPr>
-        </p:nvSpPr>
-        <p:spPr>
-          <a:xfrm>
-            <a:off x="6457950" y="6362616"/>
-            <a:ext cx="2057400" cy="365125"/>
-          </a:xfrm>
-        </p:spPr>
-        <p:txBody>
-          <a:bodyPr/>
-          <a:lstStyle/>
-          <a:p>
-            <a:fld id="{370A62FE-C268-428B-9FB6-A45FCBA79971}" type="slidenum">
-              <a:rPr lang="ru-RU" sz="1400" smtClean="0">
-                <a:solidFill>
-                  <a:schemeClr val="tx1"/>
-                </a:solidFill>
-              </a:rPr>
               <a:t>3</a:t>
             </a:fld>
             <a:endParaRPr lang="ru-RU" dirty="0">
@@ -8255,354 +8655,10 @@
           </a:p>
         </p:txBody>
       </p:sp>
-      <p:sp>
-        <p:nvSpPr>
-          <p:cNvPr id="9" name="TextBox 8">
-            <a:extLst>
-              <a:ext uri="{FF2B5EF4-FFF2-40B4-BE49-F238E27FC236}">
-                <a16:creationId xmlns:a16="http://schemas.microsoft.com/office/drawing/2014/main" id="{A86689A3-FBA4-4356-23A6-B542CB3F118B}"/>
-              </a:ext>
-            </a:extLst>
-          </p:cNvPr>
-          <p:cNvSpPr txBox="1"/>
-          <p:nvPr/>
-        </p:nvSpPr>
-        <p:spPr>
-          <a:xfrm>
-            <a:off x="452187" y="794082"/>
-            <a:ext cx="8411076" cy="5324535"/>
-          </a:xfrm>
-          <a:prstGeom prst="rect">
-            <a:avLst/>
-          </a:prstGeom>
-          <a:noFill/>
-        </p:spPr>
-        <p:txBody>
-          <a:bodyPr wrap="square" rtlCol="0">
-            <a:spAutoFit/>
-          </a:bodyPr>
-          <a:lstStyle/>
-          <a:p>
-            <a:r>
-              <a:rPr lang="en-US" sz="2000" dirty="0">
-                <a:effectLst/>
-                <a:latin typeface="Calibri" panose="020F0502020204030204" pitchFamily="34" charset="0"/>
-                <a:ea typeface="Calibri" panose="020F0502020204030204" pitchFamily="34" charset="0"/>
-                <a:cs typeface="Times New Roman" panose="02020603050405020304" pitchFamily="18" charset="0"/>
-              </a:rPr>
-              <a:t> </a:t>
-            </a:r>
-            <a:endParaRPr lang="ru-RU" sz="2000" dirty="0">
-              <a:effectLst/>
-              <a:latin typeface="Calibri" panose="020F0502020204030204" pitchFamily="34" charset="0"/>
-              <a:ea typeface="Calibri" panose="020F0502020204030204" pitchFamily="34" charset="0"/>
-              <a:cs typeface="Times New Roman" panose="02020603050405020304" pitchFamily="18" charset="0"/>
-            </a:endParaRPr>
-          </a:p>
-          <a:p>
-            <a:pPr>
-              <a:spcAft>
-                <a:spcPts val="600"/>
-              </a:spcAft>
-            </a:pPr>
-            <a:r>
-              <a:rPr lang="ru-RU" sz="2000" dirty="0">
-                <a:effectLst/>
-                <a:latin typeface="Calibri" panose="020F0502020204030204" pitchFamily="34" charset="0"/>
-                <a:ea typeface="Calibri" panose="020F0502020204030204" pitchFamily="34" charset="0"/>
-                <a:cs typeface="Times New Roman" panose="02020603050405020304" pitchFamily="18" charset="0"/>
-              </a:rPr>
-              <a:t>1. Введение. </a:t>
-            </a:r>
-            <a:r>
-              <a:rPr lang="en-US" sz="2000" dirty="0">
-                <a:effectLst/>
-                <a:latin typeface="Calibri" panose="020F0502020204030204" pitchFamily="34" charset="0"/>
-                <a:ea typeface="Calibri" panose="020F0502020204030204" pitchFamily="34" charset="0"/>
-                <a:cs typeface="Times New Roman" panose="02020603050405020304" pitchFamily="18" charset="0"/>
-              </a:rPr>
-              <a:t>Hello world</a:t>
-            </a:r>
-            <a:r>
-              <a:rPr lang="ru-RU" sz="2000" dirty="0">
-                <a:effectLst/>
-                <a:latin typeface="Calibri" panose="020F0502020204030204" pitchFamily="34" charset="0"/>
-                <a:ea typeface="Calibri" panose="020F0502020204030204" pitchFamily="34" charset="0"/>
-                <a:cs typeface="Times New Roman" panose="02020603050405020304" pitchFamily="18" charset="0"/>
-              </a:rPr>
-              <a:t>. Типы данных, массивы. Ввод/вывод в консоль.</a:t>
-            </a:r>
-          </a:p>
-          <a:p>
-            <a:pPr>
-              <a:spcAft>
-                <a:spcPts val="600"/>
-              </a:spcAft>
-            </a:pPr>
-            <a:r>
-              <a:rPr lang="ru-RU" sz="2000" dirty="0">
-                <a:effectLst/>
-                <a:latin typeface="Calibri" panose="020F0502020204030204" pitchFamily="34" charset="0"/>
-                <a:ea typeface="Calibri" panose="020F0502020204030204" pitchFamily="34" charset="0"/>
-                <a:cs typeface="Times New Roman" panose="02020603050405020304" pitchFamily="18" charset="0"/>
-              </a:rPr>
-              <a:t>2. Циклы, условия.</a:t>
-            </a:r>
-          </a:p>
-          <a:p>
-            <a:pPr>
-              <a:spcAft>
-                <a:spcPts val="600"/>
-              </a:spcAft>
-            </a:pPr>
-            <a:r>
-              <a:rPr lang="ru-RU" sz="2000" dirty="0">
-                <a:effectLst/>
-                <a:latin typeface="Calibri" panose="020F0502020204030204" pitchFamily="34" charset="0"/>
-                <a:ea typeface="Calibri" panose="020F0502020204030204" pitchFamily="34" charset="0"/>
-                <a:cs typeface="Times New Roman" panose="02020603050405020304" pitchFamily="18" charset="0"/>
-              </a:rPr>
-              <a:t>3. Функции, процедуры.</a:t>
-            </a:r>
-          </a:p>
-          <a:p>
-            <a:pPr>
-              <a:spcAft>
-                <a:spcPts val="600"/>
-              </a:spcAft>
-            </a:pPr>
-            <a:r>
-              <a:rPr lang="ru-RU" sz="2000" dirty="0">
-                <a:effectLst/>
-                <a:latin typeface="Calibri" panose="020F0502020204030204" pitchFamily="34" charset="0"/>
-                <a:ea typeface="Calibri" panose="020F0502020204030204" pitchFamily="34" charset="0"/>
-                <a:cs typeface="Times New Roman" panose="02020603050405020304" pitchFamily="18" charset="0"/>
-              </a:rPr>
-              <a:t>4. Структуры.</a:t>
-            </a:r>
-          </a:p>
-          <a:p>
-            <a:pPr>
-              <a:spcAft>
-                <a:spcPts val="600"/>
-              </a:spcAft>
-            </a:pPr>
-            <a:r>
-              <a:rPr lang="ru-RU" sz="2000" dirty="0">
-                <a:effectLst/>
-                <a:latin typeface="Calibri" panose="020F0502020204030204" pitchFamily="34" charset="0"/>
-                <a:ea typeface="Calibri" panose="020F0502020204030204" pitchFamily="34" charset="0"/>
-                <a:cs typeface="Times New Roman" panose="02020603050405020304" pitchFamily="18" charset="0"/>
-              </a:rPr>
-              <a:t>5. Указатели. Передача/возврат значений в функции.</a:t>
-            </a:r>
-          </a:p>
-          <a:p>
-            <a:pPr>
-              <a:spcAft>
-                <a:spcPts val="600"/>
-              </a:spcAft>
-            </a:pPr>
-            <a:r>
-              <a:rPr lang="ru-RU" sz="2000" dirty="0">
-                <a:effectLst/>
-                <a:latin typeface="Calibri" panose="020F0502020204030204" pitchFamily="34" charset="0"/>
-                <a:ea typeface="Calibri" panose="020F0502020204030204" pitchFamily="34" charset="0"/>
-                <a:cs typeface="Times New Roman" panose="02020603050405020304" pitchFamily="18" charset="0"/>
-              </a:rPr>
-              <a:t>6. </a:t>
-            </a:r>
-            <a:r>
-              <a:rPr lang="ru-RU" sz="2000" dirty="0">
-                <a:effectLst/>
-                <a:highlight>
-                  <a:srgbClr val="A9A9A9"/>
-                </a:highlight>
-                <a:latin typeface="Calibri" panose="020F0502020204030204" pitchFamily="34" charset="0"/>
-                <a:ea typeface="Calibri" panose="020F0502020204030204" pitchFamily="34" charset="0"/>
-                <a:cs typeface="Times New Roman" panose="02020603050405020304" pitchFamily="18" charset="0"/>
-              </a:rPr>
-              <a:t>Контрольная</a:t>
-            </a:r>
-            <a:endParaRPr lang="ru-RU" sz="2000" dirty="0">
-              <a:effectLst/>
-              <a:latin typeface="Calibri" panose="020F0502020204030204" pitchFamily="34" charset="0"/>
-              <a:ea typeface="Calibri" panose="020F0502020204030204" pitchFamily="34" charset="0"/>
-              <a:cs typeface="Times New Roman" panose="02020603050405020304" pitchFamily="18" charset="0"/>
-            </a:endParaRPr>
-          </a:p>
-          <a:p>
-            <a:pPr>
-              <a:spcAft>
-                <a:spcPts val="600"/>
-              </a:spcAft>
-            </a:pPr>
-            <a:r>
-              <a:rPr lang="ru-RU" sz="2000" dirty="0">
-                <a:effectLst/>
-                <a:latin typeface="Calibri" panose="020F0502020204030204" pitchFamily="34" charset="0"/>
-                <a:ea typeface="Calibri" panose="020F0502020204030204" pitchFamily="34" charset="0"/>
-                <a:cs typeface="Times New Roman" panose="02020603050405020304" pitchFamily="18" charset="0"/>
-              </a:rPr>
-              <a:t>7. Динамическая память. Списки.</a:t>
-            </a:r>
-          </a:p>
-          <a:p>
-            <a:pPr>
-              <a:spcAft>
-                <a:spcPts val="600"/>
-              </a:spcAft>
-            </a:pPr>
-            <a:r>
-              <a:rPr lang="ru-RU" sz="2000" dirty="0">
-                <a:effectLst/>
-                <a:latin typeface="Calibri" panose="020F0502020204030204" pitchFamily="34" charset="0"/>
-                <a:ea typeface="Calibri" panose="020F0502020204030204" pitchFamily="34" charset="0"/>
-                <a:cs typeface="Times New Roman" panose="02020603050405020304" pitchFamily="18" charset="0"/>
-              </a:rPr>
-              <a:t>8. Строки</a:t>
-            </a:r>
-            <a:r>
-              <a:rPr lang="en-US" sz="2000" dirty="0">
-                <a:latin typeface="Calibri" panose="020F0502020204030204" pitchFamily="34" charset="0"/>
-                <a:ea typeface="Calibri" panose="020F0502020204030204" pitchFamily="34" charset="0"/>
-                <a:cs typeface="Times New Roman" panose="02020603050405020304" pitchFamily="18" charset="0"/>
-              </a:rPr>
-              <a:t>.</a:t>
-            </a:r>
-            <a:endParaRPr lang="ru-RU" sz="2000" dirty="0">
-              <a:effectLst/>
-              <a:latin typeface="Calibri" panose="020F0502020204030204" pitchFamily="34" charset="0"/>
-              <a:ea typeface="Calibri" panose="020F0502020204030204" pitchFamily="34" charset="0"/>
-              <a:cs typeface="Times New Roman" panose="02020603050405020304" pitchFamily="18" charset="0"/>
-            </a:endParaRPr>
-          </a:p>
-          <a:p>
-            <a:pPr>
-              <a:spcAft>
-                <a:spcPts val="600"/>
-              </a:spcAft>
-            </a:pPr>
-            <a:r>
-              <a:rPr lang="ru-RU" sz="2000" dirty="0">
-                <a:effectLst/>
-                <a:latin typeface="Calibri" panose="020F0502020204030204" pitchFamily="34" charset="0"/>
-                <a:ea typeface="Calibri" panose="020F0502020204030204" pitchFamily="34" charset="0"/>
-                <a:cs typeface="Times New Roman" panose="02020603050405020304" pitchFamily="18" charset="0"/>
-              </a:rPr>
-              <a:t>9. Чтение/запись файлов.</a:t>
-            </a:r>
-          </a:p>
-          <a:p>
-            <a:pPr>
-              <a:spcAft>
-                <a:spcPts val="600"/>
-              </a:spcAft>
-            </a:pPr>
-            <a:r>
-              <a:rPr lang="ru-RU" sz="2000" dirty="0">
-                <a:effectLst/>
-                <a:latin typeface="Calibri" panose="020F0502020204030204" pitchFamily="34" charset="0"/>
-                <a:ea typeface="Calibri" panose="020F0502020204030204" pitchFamily="34" charset="0"/>
-                <a:cs typeface="Times New Roman" panose="02020603050405020304" pitchFamily="18" charset="0"/>
-              </a:rPr>
-              <a:t>10. Классы. Конструктор, деструктор.</a:t>
-            </a:r>
-          </a:p>
-          <a:p>
-            <a:pPr>
-              <a:spcAft>
-                <a:spcPts val="600"/>
-              </a:spcAft>
-            </a:pPr>
-            <a:r>
-              <a:rPr lang="ru-RU" sz="2000" dirty="0">
-                <a:effectLst/>
-                <a:latin typeface="Calibri" panose="020F0502020204030204" pitchFamily="34" charset="0"/>
-                <a:ea typeface="Calibri" panose="020F0502020204030204" pitchFamily="34" charset="0"/>
-                <a:cs typeface="Times New Roman" panose="02020603050405020304" pitchFamily="18" charset="0"/>
-              </a:rPr>
-              <a:t>11. Перегрузка функций и операторов.</a:t>
-            </a:r>
-          </a:p>
-          <a:p>
-            <a:pPr>
-              <a:spcAft>
-                <a:spcPts val="600"/>
-              </a:spcAft>
-            </a:pPr>
-            <a:r>
-              <a:rPr lang="ru-RU" sz="2000" dirty="0">
-                <a:effectLst/>
-                <a:latin typeface="Calibri" panose="020F0502020204030204" pitchFamily="34" charset="0"/>
-                <a:ea typeface="Calibri" panose="020F0502020204030204" pitchFamily="34" charset="0"/>
-                <a:cs typeface="Times New Roman" panose="02020603050405020304" pitchFamily="18" charset="0"/>
-              </a:rPr>
-              <a:t>12. </a:t>
-            </a:r>
-            <a:r>
-              <a:rPr lang="ru-RU" sz="2000" dirty="0">
-                <a:effectLst/>
-                <a:highlight>
-                  <a:srgbClr val="A9A9A9"/>
-                </a:highlight>
-                <a:latin typeface="Calibri" panose="020F0502020204030204" pitchFamily="34" charset="0"/>
-                <a:ea typeface="Calibri" panose="020F0502020204030204" pitchFamily="34" charset="0"/>
-                <a:cs typeface="Times New Roman" panose="02020603050405020304" pitchFamily="18" charset="0"/>
-              </a:rPr>
-              <a:t>Контрольная</a:t>
-            </a:r>
-            <a:endParaRPr lang="ru-RU" sz="2000" dirty="0">
-              <a:effectLst/>
-              <a:latin typeface="Calibri" panose="020F0502020204030204" pitchFamily="34" charset="0"/>
-              <a:ea typeface="Calibri" panose="020F0502020204030204" pitchFamily="34" charset="0"/>
-              <a:cs typeface="Times New Roman" panose="02020603050405020304" pitchFamily="18" charset="0"/>
-            </a:endParaRPr>
-          </a:p>
-          <a:p>
-            <a:endParaRPr lang="ru-RU" sz="2000" dirty="0"/>
-          </a:p>
-        </p:txBody>
-      </p:sp>
-      <p:sp>
-        <p:nvSpPr>
-          <p:cNvPr id="10" name="TextBox 9">
-            <a:extLst>
-              <a:ext uri="{FF2B5EF4-FFF2-40B4-BE49-F238E27FC236}">
-                <a16:creationId xmlns:a16="http://schemas.microsoft.com/office/drawing/2014/main" id="{B8362ABB-6B18-ADAD-74EB-2B5169997768}"/>
-              </a:ext>
-            </a:extLst>
-          </p:cNvPr>
-          <p:cNvSpPr txBox="1"/>
-          <p:nvPr/>
-        </p:nvSpPr>
-        <p:spPr>
-          <a:xfrm>
-            <a:off x="256674" y="160421"/>
-            <a:ext cx="2614818" cy="461665"/>
-          </a:xfrm>
-          <a:prstGeom prst="rect">
-            <a:avLst/>
-          </a:prstGeom>
-          <a:noFill/>
-        </p:spPr>
-        <p:txBody>
-          <a:bodyPr wrap="none" rtlCol="0">
-            <a:spAutoFit/>
-          </a:bodyPr>
-          <a:lstStyle/>
-          <a:p>
-            <a:r>
-              <a:rPr lang="ru-RU" sz="2400" dirty="0"/>
-              <a:t>Содержание курса</a:t>
-            </a:r>
-          </a:p>
-        </p:txBody>
-      </p:sp>
     </p:spTree>
     <p:extLst>
       <p:ext uri="{BB962C8B-B14F-4D97-AF65-F5344CB8AC3E}">
-        <p14:creationId xmlns:p14="http://schemas.microsoft.com/office/powerpoint/2010/main" val="2101840697"/>
+        <p14:creationId xmlns:p14="http://schemas.microsoft.com/office/powerpoint/2010/main" val="3662422697"/>
       </p:ext>
     </p:extLst>
   </p:cSld>
@@ -8631,185 +8687,10 @@
       </p:grpSpPr>
       <p:sp>
         <p:nvSpPr>
-          <p:cNvPr id="3" name="Объект 2">
-            <a:extLst>
-              <a:ext uri="{FF2B5EF4-FFF2-40B4-BE49-F238E27FC236}">
-                <a16:creationId xmlns:a16="http://schemas.microsoft.com/office/drawing/2014/main" id="{2D35D336-F9BC-0074-A7D0-1B2A19E97C48}"/>
-              </a:ext>
-            </a:extLst>
-          </p:cNvPr>
-          <p:cNvSpPr>
-            <a:spLocks noGrp="1"/>
-          </p:cNvSpPr>
-          <p:nvPr>
-            <p:ph idx="1"/>
-          </p:nvPr>
-        </p:nvSpPr>
-        <p:spPr>
-          <a:xfrm>
-            <a:off x="500313" y="903204"/>
-            <a:ext cx="8298782" cy="781217"/>
-          </a:xfrm>
-        </p:spPr>
-        <p:txBody>
-          <a:bodyPr/>
-          <a:lstStyle/>
-          <a:p>
-            <a:pPr marL="0" indent="0">
-              <a:buNone/>
-            </a:pPr>
-            <a:r>
-              <a:rPr lang="ru-RU" dirty="0"/>
-              <a:t>Ссылка на установщик </a:t>
-            </a:r>
-            <a:r>
-              <a:rPr lang="en-US" dirty="0"/>
-              <a:t>IDE </a:t>
-            </a:r>
-            <a:r>
-              <a:rPr lang="ru-RU" dirty="0"/>
-              <a:t>для </a:t>
-            </a:r>
-            <a:r>
-              <a:rPr lang="en-US" sz="2000" dirty="0"/>
-              <a:t>Delphi pascal.</a:t>
-            </a:r>
-            <a:endParaRPr lang="ru-RU" dirty="0"/>
-          </a:p>
-          <a:p>
-            <a:pPr marL="0" indent="0">
-              <a:buNone/>
-            </a:pPr>
-            <a:r>
-              <a:rPr lang="en-US" dirty="0">
-                <a:hlinkClick r:id="rId2"/>
-              </a:rPr>
-              <a:t>https://disk.yandex.ru/d/b8GElTwEN-pImg</a:t>
-            </a:r>
-            <a:endParaRPr lang="ru-RU" dirty="0"/>
-          </a:p>
-          <a:p>
-            <a:pPr marL="0" indent="0">
-              <a:buNone/>
-            </a:pPr>
-            <a:endParaRPr lang="en-US" dirty="0"/>
-          </a:p>
-          <a:p>
-            <a:pPr marL="0" indent="0">
-              <a:buNone/>
-            </a:pPr>
-            <a:endParaRPr lang="en-US" dirty="0"/>
-          </a:p>
-          <a:p>
-            <a:pPr marL="0" indent="0">
-              <a:buNone/>
-            </a:pPr>
-            <a:endParaRPr lang="en-US" dirty="0"/>
-          </a:p>
-          <a:p>
-            <a:pPr marL="0" indent="0">
-              <a:buNone/>
-            </a:pPr>
-            <a:endParaRPr lang="en-US" dirty="0"/>
-          </a:p>
-          <a:p>
-            <a:pPr marL="0" indent="0">
-              <a:buNone/>
-            </a:pPr>
-            <a:endParaRPr lang="en-US" dirty="0"/>
-          </a:p>
-          <a:p>
-            <a:pPr marL="0" indent="0">
-              <a:buNone/>
-            </a:pPr>
-            <a:endParaRPr lang="en-US" dirty="0"/>
-          </a:p>
-          <a:p>
-            <a:pPr marL="0" indent="0">
-              <a:buNone/>
-            </a:pPr>
-            <a:endParaRPr lang="en-US" dirty="0"/>
-          </a:p>
-          <a:p>
-            <a:pPr marL="0" indent="0">
-              <a:buNone/>
-            </a:pPr>
-            <a:endParaRPr lang="ru-RU" dirty="0"/>
-          </a:p>
-        </p:txBody>
-      </p:sp>
-      <p:sp>
-        <p:nvSpPr>
-          <p:cNvPr id="4" name="TextBox 3">
-            <a:extLst>
-              <a:ext uri="{FF2B5EF4-FFF2-40B4-BE49-F238E27FC236}">
-                <a16:creationId xmlns:a16="http://schemas.microsoft.com/office/drawing/2014/main" id="{89F6FD25-0EC2-68A5-1BB7-57F47706987A}"/>
-              </a:ext>
-            </a:extLst>
-          </p:cNvPr>
-          <p:cNvSpPr txBox="1"/>
-          <p:nvPr/>
-        </p:nvSpPr>
-        <p:spPr>
-          <a:xfrm>
-            <a:off x="256674" y="160421"/>
-            <a:ext cx="601447" cy="461665"/>
-          </a:xfrm>
-          <a:prstGeom prst="rect">
-            <a:avLst/>
-          </a:prstGeom>
-          <a:noFill/>
-        </p:spPr>
-        <p:txBody>
-          <a:bodyPr wrap="none" rtlCol="0">
-            <a:spAutoFit/>
-          </a:bodyPr>
-          <a:lstStyle/>
-          <a:p>
-            <a:r>
-              <a:rPr lang="en-US" sz="2400" dirty="0"/>
-              <a:t>IDE</a:t>
-            </a:r>
-            <a:endParaRPr lang="ru-RU" sz="2400" dirty="0"/>
-          </a:p>
-        </p:txBody>
-      </p:sp>
-      <p:pic>
-        <p:nvPicPr>
-          <p:cNvPr id="6" name="Рисунок 5">
-            <a:extLst>
-              <a:ext uri="{FF2B5EF4-FFF2-40B4-BE49-F238E27FC236}">
-                <a16:creationId xmlns:a16="http://schemas.microsoft.com/office/drawing/2014/main" id="{59E9FCC5-E27D-937A-3CC9-5D87EDA138D1}"/>
-              </a:ext>
-            </a:extLst>
-          </p:cNvPr>
-          <p:cNvPicPr>
-            <a:picLocks noChangeAspect="1"/>
-          </p:cNvPicPr>
-          <p:nvPr/>
-        </p:nvPicPr>
-        <p:blipFill>
-          <a:blip r:embed="rId3"/>
-          <a:stretch>
-            <a:fillRect/>
-          </a:stretch>
-        </p:blipFill>
-        <p:spPr>
-          <a:xfrm>
-            <a:off x="994611" y="1829604"/>
-            <a:ext cx="6978316" cy="4632619"/>
-          </a:xfrm>
-          <a:prstGeom prst="rect">
-            <a:avLst/>
-          </a:prstGeom>
-        </p:spPr>
-      </p:pic>
-      <p:sp>
-        <p:nvSpPr>
           <p:cNvPr id="7" name="Номер слайда 1">
             <a:extLst>
               <a:ext uri="{FF2B5EF4-FFF2-40B4-BE49-F238E27FC236}">
-                <a16:creationId xmlns:a16="http://schemas.microsoft.com/office/drawing/2014/main" id="{9B4D6587-24CA-C223-D084-01DC445278E9}"/>
+                <a16:creationId xmlns:a16="http://schemas.microsoft.com/office/drawing/2014/main" id="{3E97B008-075A-1D38-5C50-E307907C9E56}"/>
               </a:ext>
             </a:extLst>
           </p:cNvPr>
@@ -8846,10 +8727,354 @@
           </a:p>
         </p:txBody>
       </p:sp>
+      <p:sp>
+        <p:nvSpPr>
+          <p:cNvPr id="9" name="TextBox 8">
+            <a:extLst>
+              <a:ext uri="{FF2B5EF4-FFF2-40B4-BE49-F238E27FC236}">
+                <a16:creationId xmlns:a16="http://schemas.microsoft.com/office/drawing/2014/main" id="{A86689A3-FBA4-4356-23A6-B542CB3F118B}"/>
+              </a:ext>
+            </a:extLst>
+          </p:cNvPr>
+          <p:cNvSpPr txBox="1"/>
+          <p:nvPr/>
+        </p:nvSpPr>
+        <p:spPr>
+          <a:xfrm>
+            <a:off x="452187" y="794082"/>
+            <a:ext cx="8411076" cy="5324535"/>
+          </a:xfrm>
+          <a:prstGeom prst="rect">
+            <a:avLst/>
+          </a:prstGeom>
+          <a:noFill/>
+        </p:spPr>
+        <p:txBody>
+          <a:bodyPr wrap="square" rtlCol="0">
+            <a:spAutoFit/>
+          </a:bodyPr>
+          <a:lstStyle/>
+          <a:p>
+            <a:r>
+              <a:rPr lang="en-US" sz="2000" dirty="0">
+                <a:effectLst/>
+                <a:latin typeface="Calibri" panose="020F0502020204030204" pitchFamily="34" charset="0"/>
+                <a:ea typeface="Calibri" panose="020F0502020204030204" pitchFamily="34" charset="0"/>
+                <a:cs typeface="Times New Roman" panose="02020603050405020304" pitchFamily="18" charset="0"/>
+              </a:rPr>
+              <a:t> </a:t>
+            </a:r>
+            <a:endParaRPr lang="ru-RU" sz="2000" dirty="0">
+              <a:effectLst/>
+              <a:latin typeface="Calibri" panose="020F0502020204030204" pitchFamily="34" charset="0"/>
+              <a:ea typeface="Calibri" panose="020F0502020204030204" pitchFamily="34" charset="0"/>
+              <a:cs typeface="Times New Roman" panose="02020603050405020304" pitchFamily="18" charset="0"/>
+            </a:endParaRPr>
+          </a:p>
+          <a:p>
+            <a:pPr>
+              <a:spcAft>
+                <a:spcPts val="600"/>
+              </a:spcAft>
+            </a:pPr>
+            <a:r>
+              <a:rPr lang="ru-RU" sz="2000" dirty="0">
+                <a:effectLst/>
+                <a:latin typeface="Calibri" panose="020F0502020204030204" pitchFamily="34" charset="0"/>
+                <a:ea typeface="Calibri" panose="020F0502020204030204" pitchFamily="34" charset="0"/>
+                <a:cs typeface="Times New Roman" panose="02020603050405020304" pitchFamily="18" charset="0"/>
+              </a:rPr>
+              <a:t>1. Введение. </a:t>
+            </a:r>
+            <a:r>
+              <a:rPr lang="en-US" sz="2000" dirty="0">
+                <a:effectLst/>
+                <a:latin typeface="Calibri" panose="020F0502020204030204" pitchFamily="34" charset="0"/>
+                <a:ea typeface="Calibri" panose="020F0502020204030204" pitchFamily="34" charset="0"/>
+                <a:cs typeface="Times New Roman" panose="02020603050405020304" pitchFamily="18" charset="0"/>
+              </a:rPr>
+              <a:t>Hello world</a:t>
+            </a:r>
+            <a:r>
+              <a:rPr lang="ru-RU" sz="2000" dirty="0">
+                <a:effectLst/>
+                <a:latin typeface="Calibri" panose="020F0502020204030204" pitchFamily="34" charset="0"/>
+                <a:ea typeface="Calibri" panose="020F0502020204030204" pitchFamily="34" charset="0"/>
+                <a:cs typeface="Times New Roman" panose="02020603050405020304" pitchFamily="18" charset="0"/>
+              </a:rPr>
+              <a:t>. Типы данных, массивы. Ввод/вывод в консоль.</a:t>
+            </a:r>
+          </a:p>
+          <a:p>
+            <a:pPr>
+              <a:spcAft>
+                <a:spcPts val="600"/>
+              </a:spcAft>
+            </a:pPr>
+            <a:r>
+              <a:rPr lang="ru-RU" sz="2000" dirty="0">
+                <a:effectLst/>
+                <a:latin typeface="Calibri" panose="020F0502020204030204" pitchFamily="34" charset="0"/>
+                <a:ea typeface="Calibri" panose="020F0502020204030204" pitchFamily="34" charset="0"/>
+                <a:cs typeface="Times New Roman" panose="02020603050405020304" pitchFamily="18" charset="0"/>
+              </a:rPr>
+              <a:t>2. Циклы, условия.</a:t>
+            </a:r>
+          </a:p>
+          <a:p>
+            <a:pPr>
+              <a:spcAft>
+                <a:spcPts val="600"/>
+              </a:spcAft>
+            </a:pPr>
+            <a:r>
+              <a:rPr lang="ru-RU" sz="2000" dirty="0">
+                <a:effectLst/>
+                <a:latin typeface="Calibri" panose="020F0502020204030204" pitchFamily="34" charset="0"/>
+                <a:ea typeface="Calibri" panose="020F0502020204030204" pitchFamily="34" charset="0"/>
+                <a:cs typeface="Times New Roman" panose="02020603050405020304" pitchFamily="18" charset="0"/>
+              </a:rPr>
+              <a:t>3. Функции, процедуры.</a:t>
+            </a:r>
+          </a:p>
+          <a:p>
+            <a:pPr>
+              <a:spcAft>
+                <a:spcPts val="600"/>
+              </a:spcAft>
+            </a:pPr>
+            <a:r>
+              <a:rPr lang="ru-RU" sz="2000" dirty="0">
+                <a:effectLst/>
+                <a:latin typeface="Calibri" panose="020F0502020204030204" pitchFamily="34" charset="0"/>
+                <a:ea typeface="Calibri" panose="020F0502020204030204" pitchFamily="34" charset="0"/>
+                <a:cs typeface="Times New Roman" panose="02020603050405020304" pitchFamily="18" charset="0"/>
+              </a:rPr>
+              <a:t>4. Структуры.</a:t>
+            </a:r>
+          </a:p>
+          <a:p>
+            <a:pPr>
+              <a:spcAft>
+                <a:spcPts val="600"/>
+              </a:spcAft>
+            </a:pPr>
+            <a:r>
+              <a:rPr lang="ru-RU" sz="2000" dirty="0">
+                <a:effectLst/>
+                <a:latin typeface="Calibri" panose="020F0502020204030204" pitchFamily="34" charset="0"/>
+                <a:ea typeface="Calibri" panose="020F0502020204030204" pitchFamily="34" charset="0"/>
+                <a:cs typeface="Times New Roman" panose="02020603050405020304" pitchFamily="18" charset="0"/>
+              </a:rPr>
+              <a:t>5. Указатели. Передача/возврат значений в функции.</a:t>
+            </a:r>
+          </a:p>
+          <a:p>
+            <a:pPr>
+              <a:spcAft>
+                <a:spcPts val="600"/>
+              </a:spcAft>
+            </a:pPr>
+            <a:r>
+              <a:rPr lang="ru-RU" sz="2000" dirty="0">
+                <a:effectLst/>
+                <a:latin typeface="Calibri" panose="020F0502020204030204" pitchFamily="34" charset="0"/>
+                <a:ea typeface="Calibri" panose="020F0502020204030204" pitchFamily="34" charset="0"/>
+                <a:cs typeface="Times New Roman" panose="02020603050405020304" pitchFamily="18" charset="0"/>
+              </a:rPr>
+              <a:t>6. </a:t>
+            </a:r>
+            <a:r>
+              <a:rPr lang="ru-RU" sz="2000" dirty="0">
+                <a:effectLst/>
+                <a:highlight>
+                  <a:srgbClr val="A9A9A9"/>
+                </a:highlight>
+                <a:latin typeface="Calibri" panose="020F0502020204030204" pitchFamily="34" charset="0"/>
+                <a:ea typeface="Calibri" panose="020F0502020204030204" pitchFamily="34" charset="0"/>
+                <a:cs typeface="Times New Roman" panose="02020603050405020304" pitchFamily="18" charset="0"/>
+              </a:rPr>
+              <a:t>Контрольная</a:t>
+            </a:r>
+            <a:endParaRPr lang="ru-RU" sz="2000" dirty="0">
+              <a:effectLst/>
+              <a:latin typeface="Calibri" panose="020F0502020204030204" pitchFamily="34" charset="0"/>
+              <a:ea typeface="Calibri" panose="020F0502020204030204" pitchFamily="34" charset="0"/>
+              <a:cs typeface="Times New Roman" panose="02020603050405020304" pitchFamily="18" charset="0"/>
+            </a:endParaRPr>
+          </a:p>
+          <a:p>
+            <a:pPr>
+              <a:spcAft>
+                <a:spcPts val="600"/>
+              </a:spcAft>
+            </a:pPr>
+            <a:r>
+              <a:rPr lang="ru-RU" sz="2000" dirty="0">
+                <a:effectLst/>
+                <a:latin typeface="Calibri" panose="020F0502020204030204" pitchFamily="34" charset="0"/>
+                <a:ea typeface="Calibri" panose="020F0502020204030204" pitchFamily="34" charset="0"/>
+                <a:cs typeface="Times New Roman" panose="02020603050405020304" pitchFamily="18" charset="0"/>
+              </a:rPr>
+              <a:t>7. Динамическая память. Списки.</a:t>
+            </a:r>
+          </a:p>
+          <a:p>
+            <a:pPr>
+              <a:spcAft>
+                <a:spcPts val="600"/>
+              </a:spcAft>
+            </a:pPr>
+            <a:r>
+              <a:rPr lang="ru-RU" sz="2000" dirty="0">
+                <a:effectLst/>
+                <a:latin typeface="Calibri" panose="020F0502020204030204" pitchFamily="34" charset="0"/>
+                <a:ea typeface="Calibri" panose="020F0502020204030204" pitchFamily="34" charset="0"/>
+                <a:cs typeface="Times New Roman" panose="02020603050405020304" pitchFamily="18" charset="0"/>
+              </a:rPr>
+              <a:t>8. Строки</a:t>
+            </a:r>
+            <a:r>
+              <a:rPr lang="en-US" sz="2000" dirty="0">
+                <a:latin typeface="Calibri" panose="020F0502020204030204" pitchFamily="34" charset="0"/>
+                <a:ea typeface="Calibri" panose="020F0502020204030204" pitchFamily="34" charset="0"/>
+                <a:cs typeface="Times New Roman" panose="02020603050405020304" pitchFamily="18" charset="0"/>
+              </a:rPr>
+              <a:t>.</a:t>
+            </a:r>
+            <a:endParaRPr lang="ru-RU" sz="2000" dirty="0">
+              <a:effectLst/>
+              <a:latin typeface="Calibri" panose="020F0502020204030204" pitchFamily="34" charset="0"/>
+              <a:ea typeface="Calibri" panose="020F0502020204030204" pitchFamily="34" charset="0"/>
+              <a:cs typeface="Times New Roman" panose="02020603050405020304" pitchFamily="18" charset="0"/>
+            </a:endParaRPr>
+          </a:p>
+          <a:p>
+            <a:pPr>
+              <a:spcAft>
+                <a:spcPts val="600"/>
+              </a:spcAft>
+            </a:pPr>
+            <a:r>
+              <a:rPr lang="ru-RU" sz="2000" dirty="0">
+                <a:effectLst/>
+                <a:latin typeface="Calibri" panose="020F0502020204030204" pitchFamily="34" charset="0"/>
+                <a:ea typeface="Calibri" panose="020F0502020204030204" pitchFamily="34" charset="0"/>
+                <a:cs typeface="Times New Roman" panose="02020603050405020304" pitchFamily="18" charset="0"/>
+              </a:rPr>
+              <a:t>9. Чтение/запись файлов.</a:t>
+            </a:r>
+          </a:p>
+          <a:p>
+            <a:pPr>
+              <a:spcAft>
+                <a:spcPts val="600"/>
+              </a:spcAft>
+            </a:pPr>
+            <a:r>
+              <a:rPr lang="ru-RU" sz="2000" dirty="0">
+                <a:effectLst/>
+                <a:latin typeface="Calibri" panose="020F0502020204030204" pitchFamily="34" charset="0"/>
+                <a:ea typeface="Calibri" panose="020F0502020204030204" pitchFamily="34" charset="0"/>
+                <a:cs typeface="Times New Roman" panose="02020603050405020304" pitchFamily="18" charset="0"/>
+              </a:rPr>
+              <a:t>10. Классы. Конструктор, деструктор.</a:t>
+            </a:r>
+          </a:p>
+          <a:p>
+            <a:pPr>
+              <a:spcAft>
+                <a:spcPts val="600"/>
+              </a:spcAft>
+            </a:pPr>
+            <a:r>
+              <a:rPr lang="ru-RU" sz="2000" dirty="0">
+                <a:effectLst/>
+                <a:latin typeface="Calibri" panose="020F0502020204030204" pitchFamily="34" charset="0"/>
+                <a:ea typeface="Calibri" panose="020F0502020204030204" pitchFamily="34" charset="0"/>
+                <a:cs typeface="Times New Roman" panose="02020603050405020304" pitchFamily="18" charset="0"/>
+              </a:rPr>
+              <a:t>11. Перегрузка функций и операторов.</a:t>
+            </a:r>
+          </a:p>
+          <a:p>
+            <a:pPr>
+              <a:spcAft>
+                <a:spcPts val="600"/>
+              </a:spcAft>
+            </a:pPr>
+            <a:r>
+              <a:rPr lang="ru-RU" sz="2000" dirty="0">
+                <a:effectLst/>
+                <a:latin typeface="Calibri" panose="020F0502020204030204" pitchFamily="34" charset="0"/>
+                <a:ea typeface="Calibri" panose="020F0502020204030204" pitchFamily="34" charset="0"/>
+                <a:cs typeface="Times New Roman" panose="02020603050405020304" pitchFamily="18" charset="0"/>
+              </a:rPr>
+              <a:t>12. </a:t>
+            </a:r>
+            <a:r>
+              <a:rPr lang="ru-RU" sz="2000" dirty="0">
+                <a:effectLst/>
+                <a:highlight>
+                  <a:srgbClr val="A9A9A9"/>
+                </a:highlight>
+                <a:latin typeface="Calibri" panose="020F0502020204030204" pitchFamily="34" charset="0"/>
+                <a:ea typeface="Calibri" panose="020F0502020204030204" pitchFamily="34" charset="0"/>
+                <a:cs typeface="Times New Roman" panose="02020603050405020304" pitchFamily="18" charset="0"/>
+              </a:rPr>
+              <a:t>Контрольная</a:t>
+            </a:r>
+            <a:endParaRPr lang="ru-RU" sz="2000" dirty="0">
+              <a:effectLst/>
+              <a:latin typeface="Calibri" panose="020F0502020204030204" pitchFamily="34" charset="0"/>
+              <a:ea typeface="Calibri" panose="020F0502020204030204" pitchFamily="34" charset="0"/>
+              <a:cs typeface="Times New Roman" panose="02020603050405020304" pitchFamily="18" charset="0"/>
+            </a:endParaRPr>
+          </a:p>
+          <a:p>
+            <a:endParaRPr lang="ru-RU" sz="2000" dirty="0"/>
+          </a:p>
+        </p:txBody>
+      </p:sp>
+      <p:sp>
+        <p:nvSpPr>
+          <p:cNvPr id="10" name="TextBox 9">
+            <a:extLst>
+              <a:ext uri="{FF2B5EF4-FFF2-40B4-BE49-F238E27FC236}">
+                <a16:creationId xmlns:a16="http://schemas.microsoft.com/office/drawing/2014/main" id="{B8362ABB-6B18-ADAD-74EB-2B5169997768}"/>
+              </a:ext>
+            </a:extLst>
+          </p:cNvPr>
+          <p:cNvSpPr txBox="1"/>
+          <p:nvPr/>
+        </p:nvSpPr>
+        <p:spPr>
+          <a:xfrm>
+            <a:off x="256674" y="160421"/>
+            <a:ext cx="2614818" cy="461665"/>
+          </a:xfrm>
+          <a:prstGeom prst="rect">
+            <a:avLst/>
+          </a:prstGeom>
+          <a:noFill/>
+        </p:spPr>
+        <p:txBody>
+          <a:bodyPr wrap="none" rtlCol="0">
+            <a:spAutoFit/>
+          </a:bodyPr>
+          <a:lstStyle/>
+          <a:p>
+            <a:r>
+              <a:rPr lang="ru-RU" sz="2400" dirty="0"/>
+              <a:t>Содержание курса</a:t>
+            </a:r>
+          </a:p>
+        </p:txBody>
+      </p:sp>
     </p:spTree>
     <p:extLst>
       <p:ext uri="{BB962C8B-B14F-4D97-AF65-F5344CB8AC3E}">
-        <p14:creationId xmlns:p14="http://schemas.microsoft.com/office/powerpoint/2010/main" val="3530886252"/>
+        <p14:creationId xmlns:p14="http://schemas.microsoft.com/office/powerpoint/2010/main" val="2101840697"/>
       </p:ext>
     </p:extLst>
   </p:cSld>
@@ -8876,42 +9101,121 @@
           <a:chExt cx="0" cy="0"/>
         </a:xfrm>
       </p:grpSpPr>
-      <p:pic>
-        <p:nvPicPr>
-          <p:cNvPr id="5" name="Рисунок 4">
-            <a:extLst>
-              <a:ext uri="{FF2B5EF4-FFF2-40B4-BE49-F238E27FC236}">
-                <a16:creationId xmlns:a16="http://schemas.microsoft.com/office/drawing/2014/main" id="{27AE968C-2FDA-8ED9-8045-779771C5D76C}"/>
-              </a:ext>
-            </a:extLst>
-          </p:cNvPr>
-          <p:cNvPicPr>
-            <a:picLocks noChangeAspect="1"/>
-          </p:cNvPicPr>
-          <p:nvPr/>
-        </p:nvPicPr>
-        <p:blipFill>
-          <a:blip r:embed="rId2"/>
-          <a:stretch>
-            <a:fillRect/>
-          </a:stretch>
-        </p:blipFill>
+      <p:sp>
+        <p:nvSpPr>
+          <p:cNvPr id="3" name="Объект 2">
+            <a:extLst>
+              <a:ext uri="{FF2B5EF4-FFF2-40B4-BE49-F238E27FC236}">
+                <a16:creationId xmlns:a16="http://schemas.microsoft.com/office/drawing/2014/main" id="{2D35D336-F9BC-0074-A7D0-1B2A19E97C48}"/>
+              </a:ext>
+            </a:extLst>
+          </p:cNvPr>
+          <p:cNvSpPr>
+            <a:spLocks noGrp="1"/>
+          </p:cNvSpPr>
+          <p:nvPr>
+            <p:ph idx="1"/>
+          </p:nvPr>
+        </p:nvSpPr>
         <p:spPr>
           <a:xfrm>
-            <a:off x="212858" y="786062"/>
-            <a:ext cx="8718283" cy="5398169"/>
+            <a:off x="500313" y="903204"/>
+            <a:ext cx="8298782" cy="781217"/>
           </a:xfrm>
-          <a:prstGeom prst="rect">
-            <a:avLst/>
-          </a:prstGeom>
         </p:spPr>
-      </p:pic>
+        <p:txBody>
+          <a:bodyPr/>
+          <a:lstStyle/>
+          <a:p>
+            <a:pPr marL="0" indent="0">
+              <a:buNone/>
+            </a:pPr>
+            <a:r>
+              <a:rPr lang="ru-RU" dirty="0"/>
+              <a:t>Ссылка на установщик </a:t>
+            </a:r>
+            <a:r>
+              <a:rPr lang="en-US" dirty="0"/>
+              <a:t>IDE </a:t>
+            </a:r>
+            <a:r>
+              <a:rPr lang="ru-RU" dirty="0"/>
+              <a:t>для </a:t>
+            </a:r>
+            <a:r>
+              <a:rPr lang="en-US" sz="2000" dirty="0"/>
+              <a:t>Delphi pascal.</a:t>
+            </a:r>
+            <a:endParaRPr lang="ru-RU" dirty="0"/>
+          </a:p>
+          <a:p>
+            <a:pPr marL="0" indent="0">
+              <a:buNone/>
+            </a:pPr>
+            <a:r>
+              <a:rPr lang="en-US" dirty="0">
+                <a:hlinkClick r:id="rId2"/>
+              </a:rPr>
+              <a:t>https://disk.yandex.ru/d/b8GElTwEN-pImg</a:t>
+            </a:r>
+            <a:endParaRPr lang="ru-RU" dirty="0"/>
+          </a:p>
+          <a:p>
+            <a:pPr marL="0" indent="0">
+              <a:buNone/>
+            </a:pPr>
+            <a:endParaRPr lang="en-US" dirty="0"/>
+          </a:p>
+          <a:p>
+            <a:pPr marL="0" indent="0">
+              <a:buNone/>
+            </a:pPr>
+            <a:endParaRPr lang="en-US" dirty="0"/>
+          </a:p>
+          <a:p>
+            <a:pPr marL="0" indent="0">
+              <a:buNone/>
+            </a:pPr>
+            <a:endParaRPr lang="en-US" dirty="0"/>
+          </a:p>
+          <a:p>
+            <a:pPr marL="0" indent="0">
+              <a:buNone/>
+            </a:pPr>
+            <a:endParaRPr lang="en-US" dirty="0"/>
+          </a:p>
+          <a:p>
+            <a:pPr marL="0" indent="0">
+              <a:buNone/>
+            </a:pPr>
+            <a:endParaRPr lang="en-US" dirty="0"/>
+          </a:p>
+          <a:p>
+            <a:pPr marL="0" indent="0">
+              <a:buNone/>
+            </a:pPr>
+            <a:endParaRPr lang="en-US" dirty="0"/>
+          </a:p>
+          <a:p>
+            <a:pPr marL="0" indent="0">
+              <a:buNone/>
+            </a:pPr>
+            <a:endParaRPr lang="en-US" dirty="0"/>
+          </a:p>
+          <a:p>
+            <a:pPr marL="0" indent="0">
+              <a:buNone/>
+            </a:pPr>
+            <a:endParaRPr lang="ru-RU" dirty="0"/>
+          </a:p>
+        </p:txBody>
+      </p:sp>
       <p:sp>
         <p:nvSpPr>
-          <p:cNvPr id="6" name="TextBox 5">
-            <a:extLst>
-              <a:ext uri="{FF2B5EF4-FFF2-40B4-BE49-F238E27FC236}">
-                <a16:creationId xmlns:a16="http://schemas.microsoft.com/office/drawing/2014/main" id="{137D2FDE-D29C-9818-2361-E5A6429E1597}"/>
+          <p:cNvPr id="4" name="TextBox 3">
+            <a:extLst>
+              <a:ext uri="{FF2B5EF4-FFF2-40B4-BE49-F238E27FC236}">
+                <a16:creationId xmlns:a16="http://schemas.microsoft.com/office/drawing/2014/main" id="{89F6FD25-0EC2-68A5-1BB7-57F47706987A}"/>
               </a:ext>
             </a:extLst>
           </p:cNvPr>
@@ -8921,7 +9225,7 @@
         <p:spPr>
           <a:xfrm>
             <a:off x="256674" y="160421"/>
-            <a:ext cx="2868478" cy="461665"/>
+            <a:ext cx="601447" cy="461665"/>
           </a:xfrm>
           <a:prstGeom prst="rect">
             <a:avLst/>
@@ -8938,19 +9242,46 @@
               <a:rPr lang="en-US" sz="2400" dirty="0"/>
               <a:t>IDE</a:t>
             </a:r>
-            <a:r>
-              <a:rPr lang="ru-RU" sz="2400" dirty="0"/>
-              <a:t>. Второй вариант.</a:t>
-            </a:r>
+            <a:endParaRPr lang="ru-RU" sz="2400" dirty="0"/>
           </a:p>
         </p:txBody>
       </p:sp>
+      <p:pic>
+        <p:nvPicPr>
+          <p:cNvPr id="6" name="Рисунок 5">
+            <a:extLst>
+              <a:ext uri="{FF2B5EF4-FFF2-40B4-BE49-F238E27FC236}">
+                <a16:creationId xmlns:a16="http://schemas.microsoft.com/office/drawing/2014/main" id="{59E9FCC5-E27D-937A-3CC9-5D87EDA138D1}"/>
+              </a:ext>
+            </a:extLst>
+          </p:cNvPr>
+          <p:cNvPicPr>
+            <a:picLocks noChangeAspect="1"/>
+          </p:cNvPicPr>
+          <p:nvPr/>
+        </p:nvPicPr>
+        <p:blipFill>
+          <a:blip r:embed="rId3"/>
+          <a:stretch>
+            <a:fillRect/>
+          </a:stretch>
+        </p:blipFill>
+        <p:spPr>
+          <a:xfrm>
+            <a:off x="994611" y="1829604"/>
+            <a:ext cx="6978316" cy="4632619"/>
+          </a:xfrm>
+          <a:prstGeom prst="rect">
+            <a:avLst/>
+          </a:prstGeom>
+        </p:spPr>
+      </p:pic>
       <p:sp>
         <p:nvSpPr>
           <p:cNvPr id="7" name="Номер слайда 1">
             <a:extLst>
               <a:ext uri="{FF2B5EF4-FFF2-40B4-BE49-F238E27FC236}">
-                <a16:creationId xmlns:a16="http://schemas.microsoft.com/office/drawing/2014/main" id="{4EAA1C92-69CA-AC98-828C-36C5A12ECE23}"/>
+                <a16:creationId xmlns:a16="http://schemas.microsoft.com/office/drawing/2014/main" id="{9B4D6587-24CA-C223-D084-01DC445278E9}"/>
               </a:ext>
             </a:extLst>
           </p:cNvPr>
@@ -8990,7 +9321,7 @@
     </p:spTree>
     <p:extLst>
       <p:ext uri="{BB962C8B-B14F-4D97-AF65-F5344CB8AC3E}">
-        <p14:creationId xmlns:p14="http://schemas.microsoft.com/office/powerpoint/2010/main" val="1872984789"/>
+        <p14:creationId xmlns:p14="http://schemas.microsoft.com/office/powerpoint/2010/main" val="3530886252"/>
       </p:ext>
     </p:extLst>
   </p:cSld>
@@ -9017,125 +9348,81 @@
           <a:chExt cx="0" cy="0"/>
         </a:xfrm>
       </p:grpSpPr>
+      <p:pic>
+        <p:nvPicPr>
+          <p:cNvPr id="5" name="Рисунок 4">
+            <a:extLst>
+              <a:ext uri="{FF2B5EF4-FFF2-40B4-BE49-F238E27FC236}">
+                <a16:creationId xmlns:a16="http://schemas.microsoft.com/office/drawing/2014/main" id="{27AE968C-2FDA-8ED9-8045-779771C5D76C}"/>
+              </a:ext>
+            </a:extLst>
+          </p:cNvPr>
+          <p:cNvPicPr>
+            <a:picLocks noChangeAspect="1"/>
+          </p:cNvPicPr>
+          <p:nvPr/>
+        </p:nvPicPr>
+        <p:blipFill>
+          <a:blip r:embed="rId2"/>
+          <a:stretch>
+            <a:fillRect/>
+          </a:stretch>
+        </p:blipFill>
+        <p:spPr>
+          <a:xfrm>
+            <a:off x="212858" y="786062"/>
+            <a:ext cx="8718283" cy="5398169"/>
+          </a:xfrm>
+          <a:prstGeom prst="rect">
+            <a:avLst/>
+          </a:prstGeom>
+        </p:spPr>
+      </p:pic>
       <p:sp>
         <p:nvSpPr>
-          <p:cNvPr id="2" name="Заголовок 1">
-            <a:extLst>
-              <a:ext uri="{FF2B5EF4-FFF2-40B4-BE49-F238E27FC236}">
-                <a16:creationId xmlns:a16="http://schemas.microsoft.com/office/drawing/2014/main" id="{B615EEA8-4203-4926-87C8-1370BB0C4249}"/>
-              </a:ext>
-            </a:extLst>
-          </p:cNvPr>
-          <p:cNvSpPr>
-            <a:spLocks noGrp="1"/>
-          </p:cNvSpPr>
-          <p:nvPr>
-            <p:ph type="title"/>
-          </p:nvPr>
+          <p:cNvPr id="6" name="TextBox 5">
+            <a:extLst>
+              <a:ext uri="{FF2B5EF4-FFF2-40B4-BE49-F238E27FC236}">
+                <a16:creationId xmlns:a16="http://schemas.microsoft.com/office/drawing/2014/main" id="{137D2FDE-D29C-9818-2361-E5A6429E1597}"/>
+              </a:ext>
+            </a:extLst>
+          </p:cNvPr>
+          <p:cNvSpPr txBox="1"/>
+          <p:nvPr/>
         </p:nvSpPr>
         <p:spPr>
           <a:xfrm>
-            <a:off x="628650" y="2255809"/>
-            <a:ext cx="7886700" cy="2346381"/>
+            <a:off x="256674" y="160421"/>
+            <a:ext cx="2868478" cy="461665"/>
           </a:xfrm>
+          <a:prstGeom prst="rect">
+            <a:avLst/>
+          </a:prstGeom>
+          <a:noFill/>
         </p:spPr>
         <p:txBody>
-          <a:bodyPr>
-            <a:normAutofit fontScale="90000"/>
+          <a:bodyPr wrap="none" rtlCol="0">
+            <a:spAutoFit/>
           </a:bodyPr>
           <a:lstStyle/>
           <a:p>
-            <a:pPr algn="ctr"/>
-            <a:r>
-              <a:rPr lang="en-US" sz="3600" dirty="0">
-                <a:effectLst/>
-                <a:latin typeface="Calibri" panose="020F0502020204030204" pitchFamily="34" charset="0"/>
-                <a:ea typeface="Calibri" panose="020F0502020204030204" pitchFamily="34" charset="0"/>
-                <a:cs typeface="Times New Roman" panose="02020603050405020304" pitchFamily="18" charset="0"/>
-              </a:rPr>
-              <a:t>1.</a:t>
-            </a:r>
-            <a:br>
-              <a:rPr lang="en-US" sz="3600" dirty="0">
-                <a:effectLst/>
-                <a:latin typeface="Calibri" panose="020F0502020204030204" pitchFamily="34" charset="0"/>
-                <a:ea typeface="Calibri" panose="020F0502020204030204" pitchFamily="34" charset="0"/>
-                <a:cs typeface="Times New Roman" panose="02020603050405020304" pitchFamily="18" charset="0"/>
-              </a:rPr>
-            </a:br>
-            <a:r>
-              <a:rPr lang="en-US" sz="3600" dirty="0">
-                <a:effectLst/>
-                <a:latin typeface="Calibri" panose="020F0502020204030204" pitchFamily="34" charset="0"/>
-                <a:ea typeface="Calibri" panose="020F0502020204030204" pitchFamily="34" charset="0"/>
-                <a:cs typeface="Times New Roman" panose="02020603050405020304" pitchFamily="18" charset="0"/>
-              </a:rPr>
-              <a:t>Hello world</a:t>
-            </a:r>
-            <a:r>
-              <a:rPr lang="ru-RU" sz="3600" dirty="0">
-                <a:effectLst/>
-                <a:latin typeface="Calibri" panose="020F0502020204030204" pitchFamily="34" charset="0"/>
-                <a:ea typeface="Calibri" panose="020F0502020204030204" pitchFamily="34" charset="0"/>
-                <a:cs typeface="Times New Roman" panose="02020603050405020304" pitchFamily="18" charset="0"/>
-              </a:rPr>
-              <a:t>.</a:t>
-            </a:r>
-            <a:br>
-              <a:rPr lang="en-US" sz="3600" dirty="0">
-                <a:effectLst/>
-                <a:latin typeface="Calibri" panose="020F0502020204030204" pitchFamily="34" charset="0"/>
-                <a:ea typeface="Calibri" panose="020F0502020204030204" pitchFamily="34" charset="0"/>
-                <a:cs typeface="Times New Roman" panose="02020603050405020304" pitchFamily="18" charset="0"/>
-              </a:rPr>
-            </a:br>
-            <a:r>
-              <a:rPr lang="ru-RU" sz="3600" dirty="0">
-                <a:effectLst/>
-                <a:latin typeface="Calibri" panose="020F0502020204030204" pitchFamily="34" charset="0"/>
-                <a:ea typeface="Calibri" panose="020F0502020204030204" pitchFamily="34" charset="0"/>
-                <a:cs typeface="Times New Roman" panose="02020603050405020304" pitchFamily="18" charset="0"/>
-              </a:rPr>
-              <a:t>Типы данных, массивы.</a:t>
-            </a:r>
-            <a:br>
-              <a:rPr lang="en-US" sz="3600" dirty="0">
-                <a:effectLst/>
-                <a:latin typeface="Calibri" panose="020F0502020204030204" pitchFamily="34" charset="0"/>
-                <a:ea typeface="Calibri" panose="020F0502020204030204" pitchFamily="34" charset="0"/>
-                <a:cs typeface="Times New Roman" panose="02020603050405020304" pitchFamily="18" charset="0"/>
-              </a:rPr>
-            </a:br>
-            <a:r>
-              <a:rPr lang="ru-RU" sz="3600" dirty="0">
-                <a:effectLst/>
-                <a:latin typeface="Calibri" panose="020F0502020204030204" pitchFamily="34" charset="0"/>
-                <a:ea typeface="Calibri" panose="020F0502020204030204" pitchFamily="34" charset="0"/>
-                <a:cs typeface="Times New Roman" panose="02020603050405020304" pitchFamily="18" charset="0"/>
-              </a:rPr>
-              <a:t>Ввод/вывод в консол</a:t>
-            </a:r>
-            <a:r>
-              <a:rPr lang="ru-RU" sz="3600" dirty="0">
-                <a:latin typeface="Calibri" panose="020F0502020204030204" pitchFamily="34" charset="0"/>
-                <a:ea typeface="Calibri" panose="020F0502020204030204" pitchFamily="34" charset="0"/>
-                <a:cs typeface="Times New Roman" panose="02020603050405020304" pitchFamily="18" charset="0"/>
-              </a:rPr>
-              <a:t>ь.</a:t>
-            </a:r>
-            <a:br>
-              <a:rPr lang="ru-RU" sz="3600" dirty="0"/>
-            </a:br>
-            <a:endParaRPr lang="ru-RU" dirty="0"/>
+            <a:r>
+              <a:rPr lang="en-US" sz="2400" dirty="0"/>
+              <a:t>IDE</a:t>
+            </a:r>
+            <a:r>
+              <a:rPr lang="ru-RU" sz="2400" dirty="0"/>
+              <a:t>. Второй вариант.</a:t>
+            </a:r>
           </a:p>
         </p:txBody>
       </p:sp>
       <p:sp>
         <p:nvSpPr>
-          <p:cNvPr id="3" name="Номер слайда 1">
-            <a:extLst>
-              <a:ext uri="{FF2B5EF4-FFF2-40B4-BE49-F238E27FC236}">
-                <a16:creationId xmlns:a16="http://schemas.microsoft.com/office/drawing/2014/main" id="{5595ADE5-75B9-4E45-2520-57F55D47B12F}"/>
+          <p:cNvPr id="7" name="Номер слайда 1">
+            <a:extLst>
+              <a:ext uri="{FF2B5EF4-FFF2-40B4-BE49-F238E27FC236}">
+                <a16:creationId xmlns:a16="http://schemas.microsoft.com/office/drawing/2014/main" id="{4EAA1C92-69CA-AC98-828C-36C5A12ECE23}"/>
               </a:ext>
             </a:extLst>
           </p:cNvPr>
@@ -9175,7 +9462,7 @@
     </p:spTree>
     <p:extLst>
       <p:ext uri="{BB962C8B-B14F-4D97-AF65-F5344CB8AC3E}">
-        <p14:creationId xmlns:p14="http://schemas.microsoft.com/office/powerpoint/2010/main" val="1588886866"/>
+        <p14:creationId xmlns:p14="http://schemas.microsoft.com/office/powerpoint/2010/main" val="1872984789"/>
       </p:ext>
     </p:extLst>
   </p:cSld>
@@ -9204,10 +9491,123 @@
       </p:grpSpPr>
       <p:sp>
         <p:nvSpPr>
-          <p:cNvPr id="4" name="Номер слайда 1">
-            <a:extLst>
-              <a:ext uri="{FF2B5EF4-FFF2-40B4-BE49-F238E27FC236}">
-                <a16:creationId xmlns:a16="http://schemas.microsoft.com/office/drawing/2014/main" id="{B26E9613-9AC6-DA1C-7FAA-5D1714C7A357}"/>
+          <p:cNvPr id="2" name="Заголовок 1">
+            <a:extLst>
+              <a:ext uri="{FF2B5EF4-FFF2-40B4-BE49-F238E27FC236}">
+                <a16:creationId xmlns:a16="http://schemas.microsoft.com/office/drawing/2014/main" id="{B615EEA8-4203-4926-87C8-1370BB0C4249}"/>
+              </a:ext>
+            </a:extLst>
+          </p:cNvPr>
+          <p:cNvSpPr>
+            <a:spLocks noGrp="1"/>
+          </p:cNvSpPr>
+          <p:nvPr>
+            <p:ph type="title"/>
+          </p:nvPr>
+        </p:nvSpPr>
+        <p:spPr>
+          <a:xfrm>
+            <a:off x="628650" y="2255809"/>
+            <a:ext cx="7886700" cy="2346381"/>
+          </a:xfrm>
+        </p:spPr>
+        <p:txBody>
+          <a:bodyPr>
+            <a:normAutofit fontScale="90000"/>
+          </a:bodyPr>
+          <a:lstStyle/>
+          <a:p>
+            <a:pPr algn="ctr"/>
+            <a:r>
+              <a:rPr lang="en-US" sz="3600" dirty="0">
+                <a:effectLst/>
+                <a:latin typeface="Calibri" panose="020F0502020204030204" pitchFamily="34" charset="0"/>
+                <a:ea typeface="Calibri" panose="020F0502020204030204" pitchFamily="34" charset="0"/>
+                <a:cs typeface="Times New Roman" panose="02020603050405020304" pitchFamily="18" charset="0"/>
+              </a:rPr>
+              <a:t>1.</a:t>
+            </a:r>
+            <a:br>
+              <a:rPr lang="en-US" sz="3600" dirty="0">
+                <a:effectLst/>
+                <a:latin typeface="Calibri" panose="020F0502020204030204" pitchFamily="34" charset="0"/>
+                <a:ea typeface="Calibri" panose="020F0502020204030204" pitchFamily="34" charset="0"/>
+                <a:cs typeface="Times New Roman" panose="02020603050405020304" pitchFamily="18" charset="0"/>
+              </a:rPr>
+            </a:br>
+            <a:r>
+              <a:rPr lang="en-US" sz="3600" dirty="0">
+                <a:effectLst/>
+                <a:latin typeface="Calibri" panose="020F0502020204030204" pitchFamily="34" charset="0"/>
+                <a:ea typeface="Calibri" panose="020F0502020204030204" pitchFamily="34" charset="0"/>
+                <a:cs typeface="Times New Roman" panose="02020603050405020304" pitchFamily="18" charset="0"/>
+              </a:rPr>
+              <a:t>Hello world</a:t>
+            </a:r>
+            <a:r>
+              <a:rPr lang="ru-RU" sz="3600" dirty="0">
+                <a:effectLst/>
+                <a:latin typeface="Calibri" panose="020F0502020204030204" pitchFamily="34" charset="0"/>
+                <a:ea typeface="Calibri" panose="020F0502020204030204" pitchFamily="34" charset="0"/>
+                <a:cs typeface="Times New Roman" panose="02020603050405020304" pitchFamily="18" charset="0"/>
+              </a:rPr>
+              <a:t>.</a:t>
+            </a:r>
+            <a:br>
+              <a:rPr lang="en-US" sz="3600" dirty="0">
+                <a:effectLst/>
+                <a:latin typeface="Calibri" panose="020F0502020204030204" pitchFamily="34" charset="0"/>
+                <a:ea typeface="Calibri" panose="020F0502020204030204" pitchFamily="34" charset="0"/>
+                <a:cs typeface="Times New Roman" panose="02020603050405020304" pitchFamily="18" charset="0"/>
+              </a:rPr>
+            </a:br>
+            <a:r>
+              <a:rPr lang="ru-RU" sz="3600" dirty="0">
+                <a:effectLst/>
+                <a:latin typeface="Calibri" panose="020F0502020204030204" pitchFamily="34" charset="0"/>
+                <a:ea typeface="Calibri" panose="020F0502020204030204" pitchFamily="34" charset="0"/>
+                <a:cs typeface="Times New Roman" panose="02020603050405020304" pitchFamily="18" charset="0"/>
+              </a:rPr>
+              <a:t>Типы данных, массивы.</a:t>
+            </a:r>
+            <a:br>
+              <a:rPr lang="en-US" sz="3600" dirty="0">
+                <a:effectLst/>
+                <a:latin typeface="Calibri" panose="020F0502020204030204" pitchFamily="34" charset="0"/>
+                <a:ea typeface="Calibri" panose="020F0502020204030204" pitchFamily="34" charset="0"/>
+                <a:cs typeface="Times New Roman" panose="02020603050405020304" pitchFamily="18" charset="0"/>
+              </a:rPr>
+            </a:br>
+            <a:r>
+              <a:rPr lang="ru-RU" sz="3600" dirty="0">
+                <a:effectLst/>
+                <a:latin typeface="Calibri" panose="020F0502020204030204" pitchFamily="34" charset="0"/>
+                <a:ea typeface="Calibri" panose="020F0502020204030204" pitchFamily="34" charset="0"/>
+                <a:cs typeface="Times New Roman" panose="02020603050405020304" pitchFamily="18" charset="0"/>
+              </a:rPr>
+              <a:t>Ввод/вывод в консол</a:t>
+            </a:r>
+            <a:r>
+              <a:rPr lang="ru-RU" sz="3600" dirty="0">
+                <a:latin typeface="Calibri" panose="020F0502020204030204" pitchFamily="34" charset="0"/>
+                <a:ea typeface="Calibri" panose="020F0502020204030204" pitchFamily="34" charset="0"/>
+                <a:cs typeface="Times New Roman" panose="02020603050405020304" pitchFamily="18" charset="0"/>
+              </a:rPr>
+              <a:t>ь.</a:t>
+            </a:r>
+            <a:br>
+              <a:rPr lang="ru-RU" sz="3600" dirty="0"/>
+            </a:br>
+            <a:endParaRPr lang="ru-RU" dirty="0"/>
+          </a:p>
+        </p:txBody>
+      </p:sp>
+      <p:sp>
+        <p:nvSpPr>
+          <p:cNvPr id="3" name="Номер слайда 1">
+            <a:extLst>
+              <a:ext uri="{FF2B5EF4-FFF2-40B4-BE49-F238E27FC236}">
+                <a16:creationId xmlns:a16="http://schemas.microsoft.com/office/drawing/2014/main" id="{5595ADE5-75B9-4E45-2520-57F55D47B12F}"/>
               </a:ext>
             </a:extLst>
           </p:cNvPr>
@@ -9235,6 +9635,78 @@
                 </a:solidFill>
               </a:rPr>
               <a:t>7</a:t>
+            </a:fld>
+            <a:endParaRPr lang="ru-RU" dirty="0">
+              <a:solidFill>
+                <a:schemeClr val="tx1"/>
+              </a:solidFill>
+            </a:endParaRPr>
+          </a:p>
+        </p:txBody>
+      </p:sp>
+    </p:spTree>
+    <p:extLst>
+      <p:ext uri="{BB962C8B-B14F-4D97-AF65-F5344CB8AC3E}">
+        <p14:creationId xmlns:p14="http://schemas.microsoft.com/office/powerpoint/2010/main" val="1588886866"/>
+      </p:ext>
+    </p:extLst>
+  </p:cSld>
+  <p:clrMapOvr>
+    <a:masterClrMapping/>
+  </p:clrMapOvr>
+</p:sld>
+</file>
+
+<file path=ppt/slides/slide8.xml><?xml version="1.0" encoding="utf-8"?>
+<p:sld xmlns:a="http://schemas.openxmlformats.org/drawingml/2006/main" xmlns:r="http://schemas.openxmlformats.org/officeDocument/2006/relationships" xmlns:p="http://schemas.openxmlformats.org/presentationml/2006/main">
+  <p:cSld>
+    <p:spTree>
+      <p:nvGrpSpPr>
+        <p:cNvPr id="1" name=""/>
+        <p:cNvGrpSpPr/>
+        <p:nvPr/>
+      </p:nvGrpSpPr>
+      <p:grpSpPr>
+        <a:xfrm>
+          <a:off x="0" y="0"/>
+          <a:ext cx="0" cy="0"/>
+          <a:chOff x="0" y="0"/>
+          <a:chExt cx="0" cy="0"/>
+        </a:xfrm>
+      </p:grpSpPr>
+      <p:sp>
+        <p:nvSpPr>
+          <p:cNvPr id="4" name="Номер слайда 1">
+            <a:extLst>
+              <a:ext uri="{FF2B5EF4-FFF2-40B4-BE49-F238E27FC236}">
+                <a16:creationId xmlns:a16="http://schemas.microsoft.com/office/drawing/2014/main" id="{B26E9613-9AC6-DA1C-7FAA-5D1714C7A357}"/>
+              </a:ext>
+            </a:extLst>
+          </p:cNvPr>
+          <p:cNvSpPr>
+            <a:spLocks noGrp="1"/>
+          </p:cNvSpPr>
+          <p:nvPr>
+            <p:ph type="sldNum" sz="quarter" idx="12"/>
+          </p:nvPr>
+        </p:nvSpPr>
+        <p:spPr>
+          <a:xfrm>
+            <a:off x="6457950" y="6362616"/>
+            <a:ext cx="2057400" cy="365125"/>
+          </a:xfrm>
+        </p:spPr>
+        <p:txBody>
+          <a:bodyPr/>
+          <a:lstStyle/>
+          <a:p>
+            <a:fld id="{370A62FE-C268-428B-9FB6-A45FCBA79971}" type="slidenum">
+              <a:rPr lang="ru-RU" sz="1400" smtClean="0">
+                <a:solidFill>
+                  <a:schemeClr val="tx1"/>
+                </a:solidFill>
+              </a:rPr>
+              <a:t>8</a:t>
             </a:fld>
             <a:endParaRPr lang="ru-RU" dirty="0">
               <a:solidFill>
@@ -9331,7 +9803,7 @@
 </p:sld>
 </file>
 
-<file path=ppt/slides/slide8.xml><?xml version="1.0" encoding="utf-8"?>
+<file path=ppt/slides/slide9.xml><?xml version="1.0" encoding="utf-8"?>
 <p:sld xmlns:a="http://schemas.openxmlformats.org/drawingml/2006/main" xmlns:r="http://schemas.openxmlformats.org/officeDocument/2006/relationships" xmlns:p="http://schemas.openxmlformats.org/presentationml/2006/main">
   <p:cSld>
     <p:spTree>
@@ -9465,7 +9937,7 @@
                   <a:schemeClr val="tx1"/>
                 </a:solidFill>
               </a:rPr>
-              <a:t>8</a:t>
+              <a:t>9</a:t>
             </a:fld>
             <a:endParaRPr lang="ru-RU" dirty="0">
               <a:solidFill>
@@ -9520,391 +9992,6 @@
   <p:clrMapOvr>
     <a:masterClrMapping/>
   </p:clrMapOvr>
-</p:sld>
-</file>
-
-<file path=ppt/slides/slide9.xml><?xml version="1.0" encoding="utf-8"?>
-<p:sld xmlns:a="http://schemas.openxmlformats.org/drawingml/2006/main" xmlns:r="http://schemas.openxmlformats.org/officeDocument/2006/relationships" xmlns:p="http://schemas.openxmlformats.org/presentationml/2006/main">
-  <p:cSld>
-    <p:spTree>
-      <p:nvGrpSpPr>
-        <p:cNvPr id="1" name=""/>
-        <p:cNvGrpSpPr/>
-        <p:nvPr/>
-      </p:nvGrpSpPr>
-      <p:grpSpPr>
-        <a:xfrm>
-          <a:off x="0" y="0"/>
-          <a:ext cx="0" cy="0"/>
-          <a:chOff x="0" y="0"/>
-          <a:chExt cx="0" cy="0"/>
-        </a:xfrm>
-      </p:grpSpPr>
-      <p:pic>
-        <p:nvPicPr>
-          <p:cNvPr id="3074" name="Picture 2">
-            <a:extLst>
-              <a:ext uri="{FF2B5EF4-FFF2-40B4-BE49-F238E27FC236}">
-                <a16:creationId xmlns:a16="http://schemas.microsoft.com/office/drawing/2014/main" id="{86A41C3A-521A-DE18-CE7B-73AE8916A542}"/>
-              </a:ext>
-            </a:extLst>
-          </p:cNvPr>
-          <p:cNvPicPr>
-            <a:picLocks noChangeAspect="1" noChangeArrowheads="1"/>
-          </p:cNvPicPr>
-          <p:nvPr/>
-        </p:nvPicPr>
-        <p:blipFill>
-          <a:blip r:embed="rId3">
-            <a:extLst>
-              <a:ext uri="{28A0092B-C50C-407E-A947-70E740481C1C}">
-                <a14:useLocalDpi xmlns:a14="http://schemas.microsoft.com/office/drawing/2010/main" val="0"/>
-              </a:ext>
-            </a:extLst>
-          </a:blip>
-          <a:srcRect/>
-          <a:stretch>
-            <a:fillRect/>
-          </a:stretch>
-        </p:blipFill>
-        <p:spPr bwMode="auto">
-          <a:xfrm>
-            <a:off x="1030373" y="860875"/>
-            <a:ext cx="6850218" cy="5212798"/>
-          </a:xfrm>
-          <a:prstGeom prst="rect">
-            <a:avLst/>
-          </a:prstGeom>
-          <a:noFill/>
-          <a:extLst>
-            <a:ext uri="{909E8E84-426E-40DD-AFC4-6F175D3DCCD1}">
-              <a14:hiddenFill xmlns:a14="http://schemas.microsoft.com/office/drawing/2010/main">
-                <a:solidFill>
-                  <a:srgbClr val="FFFFFF"/>
-                </a:solidFill>
-              </a14:hiddenFill>
-            </a:ext>
-          </a:extLst>
-        </p:spPr>
-      </p:pic>
-      <p:sp>
-        <p:nvSpPr>
-          <p:cNvPr id="4" name="TextBox 3">
-            <a:extLst>
-              <a:ext uri="{FF2B5EF4-FFF2-40B4-BE49-F238E27FC236}">
-                <a16:creationId xmlns:a16="http://schemas.microsoft.com/office/drawing/2014/main" id="{CB7F9C6D-71FD-6210-FFF4-E463C84A3CD9}"/>
-              </a:ext>
-            </a:extLst>
-          </p:cNvPr>
-          <p:cNvSpPr txBox="1"/>
-          <p:nvPr/>
-        </p:nvSpPr>
-        <p:spPr>
-          <a:xfrm>
-            <a:off x="256674" y="160421"/>
-            <a:ext cx="2900346" cy="461665"/>
-          </a:xfrm>
-          <a:prstGeom prst="rect">
-            <a:avLst/>
-          </a:prstGeom>
-          <a:noFill/>
-        </p:spPr>
-        <p:txBody>
-          <a:bodyPr wrap="none" rtlCol="0">
-            <a:spAutoFit/>
-          </a:bodyPr>
-          <a:lstStyle/>
-          <a:p>
-            <a:r>
-              <a:rPr lang="ru-RU" sz="2400" dirty="0"/>
-              <a:t>Комбинации байтов</a:t>
-            </a:r>
-          </a:p>
-        </p:txBody>
-      </p:sp>
-      <p:sp>
-        <p:nvSpPr>
-          <p:cNvPr id="5" name="TextBox 4">
-            <a:extLst>
-              <a:ext uri="{FF2B5EF4-FFF2-40B4-BE49-F238E27FC236}">
-                <a16:creationId xmlns:a16="http://schemas.microsoft.com/office/drawing/2014/main" id="{ADA9E44C-2000-3EBD-3DB8-63BC99B7C8BF}"/>
-              </a:ext>
-            </a:extLst>
-          </p:cNvPr>
-          <p:cNvSpPr txBox="1"/>
-          <p:nvPr/>
-        </p:nvSpPr>
-        <p:spPr>
-          <a:xfrm>
-            <a:off x="58275" y="6309419"/>
-            <a:ext cx="5665975" cy="461665"/>
-          </a:xfrm>
-          <a:prstGeom prst="rect">
-            <a:avLst/>
-          </a:prstGeom>
-          <a:noFill/>
-        </p:spPr>
-        <p:txBody>
-          <a:bodyPr wrap="none" rtlCol="0">
-            <a:spAutoFit/>
-          </a:bodyPr>
-          <a:lstStyle/>
-          <a:p>
-            <a:r>
-              <a:rPr lang="en-US" sz="1200" dirty="0">
-                <a:hlinkClick r:id="rId4"/>
-              </a:rPr>
-              <a:t>https://www3.ntu.edu.sg/home/ehchua/programming/cpp/cp4_PointerReference.html</a:t>
-            </a:r>
-            <a:endParaRPr lang="en-US" sz="1200" dirty="0"/>
-          </a:p>
-          <a:p>
-            <a:r>
-              <a:rPr lang="en-US" sz="1200" dirty="0">
-                <a:hlinkClick r:id="rId5"/>
-              </a:rPr>
-              <a:t>https://ru.wikipedia.org/wiki/</a:t>
-            </a:r>
-            <a:r>
-              <a:rPr lang="ru-RU" sz="1200" dirty="0" err="1">
-                <a:hlinkClick r:id="rId5"/>
-              </a:rPr>
-              <a:t>Порядок_байтов</a:t>
-            </a:r>
-            <a:endParaRPr lang="ru-RU" sz="1200" dirty="0"/>
-          </a:p>
-        </p:txBody>
-      </p:sp>
-      <p:sp>
-        <p:nvSpPr>
-          <p:cNvPr id="6" name="Номер слайда 1">
-            <a:extLst>
-              <a:ext uri="{FF2B5EF4-FFF2-40B4-BE49-F238E27FC236}">
-                <a16:creationId xmlns:a16="http://schemas.microsoft.com/office/drawing/2014/main" id="{D6D4384B-007E-21B7-A4CC-9A9CAB3F1768}"/>
-              </a:ext>
-            </a:extLst>
-          </p:cNvPr>
-          <p:cNvSpPr>
-            <a:spLocks noGrp="1"/>
-          </p:cNvSpPr>
-          <p:nvPr>
-            <p:ph type="sldNum" sz="quarter" idx="12"/>
-          </p:nvPr>
-        </p:nvSpPr>
-        <p:spPr>
-          <a:xfrm>
-            <a:off x="6457950" y="6362616"/>
-            <a:ext cx="2057400" cy="365125"/>
-          </a:xfrm>
-        </p:spPr>
-        <p:txBody>
-          <a:bodyPr/>
-          <a:lstStyle/>
-          <a:p>
-            <a:fld id="{370A62FE-C268-428B-9FB6-A45FCBA79971}" type="slidenum">
-              <a:rPr lang="ru-RU" sz="1400" smtClean="0">
-                <a:solidFill>
-                  <a:schemeClr val="tx1"/>
-                </a:solidFill>
-              </a:rPr>
-              <a:t>9</a:t>
-            </a:fld>
-            <a:endParaRPr lang="ru-RU" dirty="0">
-              <a:solidFill>
-                <a:schemeClr val="tx1"/>
-              </a:solidFill>
-            </a:endParaRPr>
-          </a:p>
-        </p:txBody>
-      </p:sp>
-      <p:sp>
-        <p:nvSpPr>
-          <p:cNvPr id="7" name="Прямоугольник 6">
-            <a:extLst>
-              <a:ext uri="{FF2B5EF4-FFF2-40B4-BE49-F238E27FC236}">
-                <a16:creationId xmlns:a16="http://schemas.microsoft.com/office/drawing/2014/main" id="{3F4FA82C-14A1-31F7-928C-48AAEE280969}"/>
-              </a:ext>
-            </a:extLst>
-          </p:cNvPr>
-          <p:cNvSpPr/>
-          <p:nvPr/>
-        </p:nvSpPr>
-        <p:spPr>
-          <a:xfrm>
-            <a:off x="3679902" y="784327"/>
-            <a:ext cx="4433725" cy="5076035"/>
-          </a:xfrm>
-          <a:prstGeom prst="rect">
-            <a:avLst/>
-          </a:prstGeom>
-          <a:solidFill>
-            <a:schemeClr val="bg1"/>
-          </a:solidFill>
-          <a:ln>
-            <a:solidFill>
-              <a:schemeClr val="bg1"/>
-            </a:solidFill>
-          </a:ln>
-        </p:spPr>
-        <p:style>
-          <a:lnRef idx="2">
-            <a:schemeClr val="accent1">
-              <a:shade val="50000"/>
-            </a:schemeClr>
-          </a:lnRef>
-          <a:fillRef idx="1">
-            <a:schemeClr val="accent1"/>
-          </a:fillRef>
-          <a:effectRef idx="0">
-            <a:schemeClr val="accent1"/>
-          </a:effectRef>
-          <a:fontRef idx="minor">
-            <a:schemeClr val="lt1"/>
-          </a:fontRef>
-        </p:style>
-        <p:txBody>
-          <a:bodyPr rtlCol="0" anchor="ctr"/>
-          <a:lstStyle/>
-          <a:p>
-            <a:pPr algn="ctr"/>
-            <a:endParaRPr lang="ru-RU"/>
-          </a:p>
-        </p:txBody>
-      </p:sp>
-    </p:spTree>
-    <p:extLst>
-      <p:ext uri="{BB962C8B-B14F-4D97-AF65-F5344CB8AC3E}">
-        <p14:creationId xmlns:p14="http://schemas.microsoft.com/office/powerpoint/2010/main" val="1690413485"/>
-      </p:ext>
-    </p:extLst>
-  </p:cSld>
-  <p:clrMapOvr>
-    <a:masterClrMapping/>
-  </p:clrMapOvr>
-  <p:timing>
-    <p:tnLst>
-      <p:par>
-        <p:cTn id="1" dur="indefinite" restart="never" nodeType="tmRoot">
-          <p:childTnLst>
-            <p:seq concurrent="1" nextAc="seek">
-              <p:cTn id="2" dur="indefinite" nodeType="mainSeq">
-                <p:childTnLst>
-                  <p:par>
-                    <p:cTn id="3" fill="hold">
-                      <p:stCondLst>
-                        <p:cond delay="indefinite"/>
-                      </p:stCondLst>
-                      <p:childTnLst>
-                        <p:par>
-                          <p:cTn id="4" fill="hold">
-                            <p:stCondLst>
-                              <p:cond delay="0"/>
-                            </p:stCondLst>
-                            <p:childTnLst>
-                              <p:par>
-                                <p:cTn id="5" presetID="2" presetClass="exit" presetSubtype="2" fill="hold" grpId="0" nodeType="clickEffect">
-                                  <p:stCondLst>
-                                    <p:cond delay="0"/>
-                                  </p:stCondLst>
-                                  <p:childTnLst>
-                                    <p:anim calcmode="lin" valueType="num">
-                                      <p:cBhvr additive="base">
-                                        <p:cTn id="6" dur="500"/>
-                                        <p:tgtEl>
-                                          <p:spTgt spid="7"/>
-                                        </p:tgtEl>
-                                        <p:attrNameLst>
-                                          <p:attrName>ppt_x</p:attrName>
-                                        </p:attrNameLst>
-                                      </p:cBhvr>
-                                      <p:tavLst>
-                                        <p:tav tm="0">
-                                          <p:val>
-                                            <p:strVal val="ppt_x"/>
-                                          </p:val>
-                                        </p:tav>
-                                        <p:tav tm="100000">
-                                          <p:val>
-                                            <p:strVal val="1+ppt_w/2"/>
-                                          </p:val>
-                                        </p:tav>
-                                      </p:tavLst>
-                                    </p:anim>
-                                    <p:anim calcmode="lin" valueType="num">
-                                      <p:cBhvr additive="base">
-                                        <p:cTn id="7" dur="500"/>
-                                        <p:tgtEl>
-                                          <p:spTgt spid="7"/>
-                                        </p:tgtEl>
-                                        <p:attrNameLst>
-                                          <p:attrName>ppt_y</p:attrName>
-                                        </p:attrNameLst>
-                                      </p:cBhvr>
-                                      <p:tavLst>
-                                        <p:tav tm="0">
-                                          <p:val>
-                                            <p:strVal val="ppt_y"/>
-                                          </p:val>
-                                        </p:tav>
-                                        <p:tav tm="100000">
-                                          <p:val>
-                                            <p:strVal val="ppt_y"/>
-                                          </p:val>
-                                        </p:tav>
-                                      </p:tavLst>
-                                    </p:anim>
-                                    <p:set>
-                                      <p:cBhvr>
-                                        <p:cTn id="8" dur="1" fill="hold">
-                                          <p:stCondLst>
-                                            <p:cond delay="499"/>
-                                          </p:stCondLst>
-                                        </p:cTn>
-                                        <p:tgtEl>
-                                          <p:spTgt spid="7"/>
-                                        </p:tgtEl>
-                                        <p:attrNameLst>
-                                          <p:attrName>style.visibility</p:attrName>
-                                        </p:attrNameLst>
-                                      </p:cBhvr>
-                                      <p:to>
-                                        <p:strVal val="hidden"/>
-                                      </p:to>
-                                    </p:set>
-                                  </p:childTnLst>
-                                </p:cTn>
-                              </p:par>
-                            </p:childTnLst>
-                          </p:cTn>
-                        </p:par>
-                      </p:childTnLst>
-                    </p:cTn>
-                  </p:par>
-                </p:childTnLst>
-              </p:cTn>
-              <p:prevCondLst>
-                <p:cond evt="onPrev" delay="0">
-                  <p:tgtEl>
-                    <p:sldTgt/>
-                  </p:tgtEl>
-                </p:cond>
-              </p:prevCondLst>
-              <p:nextCondLst>
-                <p:cond evt="onNext" delay="0">
-                  <p:tgtEl>
-                    <p:sldTgt/>
-                  </p:tgtEl>
-                </p:cond>
-              </p:nextCondLst>
-            </p:seq>
-          </p:childTnLst>
-        </p:cTn>
-      </p:par>
-    </p:tnLst>
-    <p:bldLst>
-      <p:bldP spid="7" grpId="0" animBg="1"/>
-    </p:bldLst>
-  </p:timing>
 </p:sld>
 </file>
 
